--- a/Docs/214_AprilReport.pptx
+++ b/Docs/214_AprilReport.pptx
@@ -6,13 +6,14 @@
   </p:sldMasterIdLst>
   <p:sldIdLst>
     <p:sldId id="267" r:id="rId2"/>
-    <p:sldId id="268" r:id="rId3"/>
-    <p:sldId id="269" r:id="rId4"/>
+    <p:sldId id="269" r:id="rId3"/>
+    <p:sldId id="277" r:id="rId4"/>
     <p:sldId id="270" r:id="rId5"/>
     <p:sldId id="271" r:id="rId6"/>
     <p:sldId id="276" r:id="rId7"/>
     <p:sldId id="274" r:id="rId8"/>
-    <p:sldId id="275" r:id="rId9"/>
+    <p:sldId id="268" r:id="rId9"/>
+    <p:sldId id="275" r:id="rId10"/>
   </p:sldIdLst>
   <p:sldSz cx="12192000" cy="6858000"/>
   <p:notesSz cx="6858000" cy="9144000"/>
@@ -136,7 +137,7 @@
           <p:cNvPr id="2" name="제목 1">
             <a:extLst>
               <a:ext uri="{FF2B5EF4-FFF2-40B4-BE49-F238E27FC236}">
-                <a16:creationId xmlns:a16="http://schemas.microsoft.com/office/drawing/2014/main" xmlns="" id="{22112318-F619-4488-8B6E-2F5F2426A69A}"/>
+                <a16:creationId xmlns="" xmlns:a16="http://schemas.microsoft.com/office/drawing/2014/main" id="{22112318-F619-4488-8B6E-2F5F2426A69A}"/>
               </a:ext>
             </a:extLst>
           </p:cNvPr>
@@ -173,7 +174,7 @@
           <p:cNvPr id="3" name="부제목 2">
             <a:extLst>
               <a:ext uri="{FF2B5EF4-FFF2-40B4-BE49-F238E27FC236}">
-                <a16:creationId xmlns:a16="http://schemas.microsoft.com/office/drawing/2014/main" xmlns="" id="{E8BEE6BB-9A5F-4E9F-9F1C-6D46BE01A313}"/>
+                <a16:creationId xmlns="" xmlns:a16="http://schemas.microsoft.com/office/drawing/2014/main" id="{E8BEE6BB-9A5F-4E9F-9F1C-6D46BE01A313}"/>
               </a:ext>
             </a:extLst>
           </p:cNvPr>
@@ -243,7 +244,7 @@
           <p:cNvPr id="4" name="날짜 개체 틀 3">
             <a:extLst>
               <a:ext uri="{FF2B5EF4-FFF2-40B4-BE49-F238E27FC236}">
-                <a16:creationId xmlns:a16="http://schemas.microsoft.com/office/drawing/2014/main" xmlns="" id="{D2D9A51D-A948-4CB8-A9EB-5A26520C8EF0}"/>
+                <a16:creationId xmlns="" xmlns:a16="http://schemas.microsoft.com/office/drawing/2014/main" id="{D2D9A51D-A948-4CB8-A9EB-5A26520C8EF0}"/>
               </a:ext>
             </a:extLst>
           </p:cNvPr>
@@ -268,7 +269,7 @@
                 </a:solidFill>
               </a:rPr>
               <a:pPr/>
-              <a:t>2022-05-07</a:t>
+              <a:t>2022-05-09</a:t>
             </a:fld>
             <a:endParaRPr lang="ko-KR" altLang="en-US">
               <a:solidFill>
@@ -285,7 +286,7 @@
           <p:cNvPr id="5" name="바닥글 개체 틀 4">
             <a:extLst>
               <a:ext uri="{FF2B5EF4-FFF2-40B4-BE49-F238E27FC236}">
-                <a16:creationId xmlns:a16="http://schemas.microsoft.com/office/drawing/2014/main" xmlns="" id="{84374BBD-0B82-4658-B13D-088F0E4D078E}"/>
+                <a16:creationId xmlns="" xmlns:a16="http://schemas.microsoft.com/office/drawing/2014/main" id="{84374BBD-0B82-4658-B13D-088F0E4D078E}"/>
               </a:ext>
             </a:extLst>
           </p:cNvPr>
@@ -316,7 +317,7 @@
           <p:cNvPr id="6" name="슬라이드 번호 개체 틀 5">
             <a:extLst>
               <a:ext uri="{FF2B5EF4-FFF2-40B4-BE49-F238E27FC236}">
-                <a16:creationId xmlns:a16="http://schemas.microsoft.com/office/drawing/2014/main" xmlns="" id="{AB1AAA67-696A-4836-A10B-FF164C3AF889}"/>
+                <a16:creationId xmlns="" xmlns:a16="http://schemas.microsoft.com/office/drawing/2014/main" id="{AB1AAA67-696A-4836-A10B-FF164C3AF889}"/>
               </a:ext>
             </a:extLst>
           </p:cNvPr>
@@ -388,7 +389,7 @@
           <p:cNvPr id="2" name="제목 1">
             <a:extLst>
               <a:ext uri="{FF2B5EF4-FFF2-40B4-BE49-F238E27FC236}">
-                <a16:creationId xmlns:a16="http://schemas.microsoft.com/office/drawing/2014/main" xmlns="" id="{3C43AEE1-28CA-46D2-81F5-CD34E4F9E583}"/>
+                <a16:creationId xmlns="" xmlns:a16="http://schemas.microsoft.com/office/drawing/2014/main" id="{3C43AEE1-28CA-46D2-81F5-CD34E4F9E583}"/>
               </a:ext>
             </a:extLst>
           </p:cNvPr>
@@ -416,7 +417,7 @@
           <p:cNvPr id="3" name="세로 텍스트 개체 틀 2">
             <a:extLst>
               <a:ext uri="{FF2B5EF4-FFF2-40B4-BE49-F238E27FC236}">
-                <a16:creationId xmlns:a16="http://schemas.microsoft.com/office/drawing/2014/main" xmlns="" id="{C738FEC2-4BF0-4A45-9297-EE9B2E45E5CC}"/>
+                <a16:creationId xmlns="" xmlns:a16="http://schemas.microsoft.com/office/drawing/2014/main" id="{C738FEC2-4BF0-4A45-9297-EE9B2E45E5CC}"/>
               </a:ext>
             </a:extLst>
           </p:cNvPr>
@@ -473,7 +474,7 @@
           <p:cNvPr id="4" name="날짜 개체 틀 3">
             <a:extLst>
               <a:ext uri="{FF2B5EF4-FFF2-40B4-BE49-F238E27FC236}">
-                <a16:creationId xmlns:a16="http://schemas.microsoft.com/office/drawing/2014/main" xmlns="" id="{2BEDBAD0-D342-4544-94B8-122B3BDBF705}"/>
+                <a16:creationId xmlns="" xmlns:a16="http://schemas.microsoft.com/office/drawing/2014/main" id="{2BEDBAD0-D342-4544-94B8-122B3BDBF705}"/>
               </a:ext>
             </a:extLst>
           </p:cNvPr>
@@ -498,7 +499,7 @@
                 </a:solidFill>
               </a:rPr>
               <a:pPr/>
-              <a:t>2022-05-07</a:t>
+              <a:t>2022-05-09</a:t>
             </a:fld>
             <a:endParaRPr lang="ko-KR" altLang="en-US">
               <a:solidFill>
@@ -515,7 +516,7 @@
           <p:cNvPr id="5" name="바닥글 개체 틀 4">
             <a:extLst>
               <a:ext uri="{FF2B5EF4-FFF2-40B4-BE49-F238E27FC236}">
-                <a16:creationId xmlns:a16="http://schemas.microsoft.com/office/drawing/2014/main" xmlns="" id="{1D70FE0D-ACBA-4806-9F35-4EB786E865FE}"/>
+                <a16:creationId xmlns="" xmlns:a16="http://schemas.microsoft.com/office/drawing/2014/main" id="{1D70FE0D-ACBA-4806-9F35-4EB786E865FE}"/>
               </a:ext>
             </a:extLst>
           </p:cNvPr>
@@ -546,7 +547,7 @@
           <p:cNvPr id="6" name="슬라이드 번호 개체 틀 5">
             <a:extLst>
               <a:ext uri="{FF2B5EF4-FFF2-40B4-BE49-F238E27FC236}">
-                <a16:creationId xmlns:a16="http://schemas.microsoft.com/office/drawing/2014/main" xmlns="" id="{A7F3119A-4AE1-408F-B8AD-4428B0060B24}"/>
+                <a16:creationId xmlns="" xmlns:a16="http://schemas.microsoft.com/office/drawing/2014/main" id="{A7F3119A-4AE1-408F-B8AD-4428B0060B24}"/>
               </a:ext>
             </a:extLst>
           </p:cNvPr>
@@ -618,7 +619,7 @@
           <p:cNvPr id="2" name="세로 제목 1">
             <a:extLst>
               <a:ext uri="{FF2B5EF4-FFF2-40B4-BE49-F238E27FC236}">
-                <a16:creationId xmlns:a16="http://schemas.microsoft.com/office/drawing/2014/main" xmlns="" id="{F0B3D2AB-E650-41C2-B6FB-5398A5C19680}"/>
+                <a16:creationId xmlns="" xmlns:a16="http://schemas.microsoft.com/office/drawing/2014/main" id="{F0B3D2AB-E650-41C2-B6FB-5398A5C19680}"/>
               </a:ext>
             </a:extLst>
           </p:cNvPr>
@@ -651,7 +652,7 @@
           <p:cNvPr id="3" name="세로 텍스트 개체 틀 2">
             <a:extLst>
               <a:ext uri="{FF2B5EF4-FFF2-40B4-BE49-F238E27FC236}">
-                <a16:creationId xmlns:a16="http://schemas.microsoft.com/office/drawing/2014/main" xmlns="" id="{992D6516-8F93-4221-97F7-E01D89EE517D}"/>
+                <a16:creationId xmlns="" xmlns:a16="http://schemas.microsoft.com/office/drawing/2014/main" id="{992D6516-8F93-4221-97F7-E01D89EE517D}"/>
               </a:ext>
             </a:extLst>
           </p:cNvPr>
@@ -713,7 +714,7 @@
           <p:cNvPr id="4" name="날짜 개체 틀 3">
             <a:extLst>
               <a:ext uri="{FF2B5EF4-FFF2-40B4-BE49-F238E27FC236}">
-                <a16:creationId xmlns:a16="http://schemas.microsoft.com/office/drawing/2014/main" xmlns="" id="{8D86CB26-A349-496A-B48B-A7B891172236}"/>
+                <a16:creationId xmlns="" xmlns:a16="http://schemas.microsoft.com/office/drawing/2014/main" id="{8D86CB26-A349-496A-B48B-A7B891172236}"/>
               </a:ext>
             </a:extLst>
           </p:cNvPr>
@@ -738,7 +739,7 @@
                 </a:solidFill>
               </a:rPr>
               <a:pPr/>
-              <a:t>2022-05-07</a:t>
+              <a:t>2022-05-09</a:t>
             </a:fld>
             <a:endParaRPr lang="ko-KR" altLang="en-US">
               <a:solidFill>
@@ -755,7 +756,7 @@
           <p:cNvPr id="5" name="바닥글 개체 틀 4">
             <a:extLst>
               <a:ext uri="{FF2B5EF4-FFF2-40B4-BE49-F238E27FC236}">
-                <a16:creationId xmlns:a16="http://schemas.microsoft.com/office/drawing/2014/main" xmlns="" id="{C2E726FD-A739-41D5-96BA-4670363928CF}"/>
+                <a16:creationId xmlns="" xmlns:a16="http://schemas.microsoft.com/office/drawing/2014/main" id="{C2E726FD-A739-41D5-96BA-4670363928CF}"/>
               </a:ext>
             </a:extLst>
           </p:cNvPr>
@@ -786,7 +787,7 @@
           <p:cNvPr id="6" name="슬라이드 번호 개체 틀 5">
             <a:extLst>
               <a:ext uri="{FF2B5EF4-FFF2-40B4-BE49-F238E27FC236}">
-                <a16:creationId xmlns:a16="http://schemas.microsoft.com/office/drawing/2014/main" xmlns="" id="{60FAE18D-FED5-4070-8B76-811D76CCECC9}"/>
+                <a16:creationId xmlns="" xmlns:a16="http://schemas.microsoft.com/office/drawing/2014/main" id="{60FAE18D-FED5-4070-8B76-811D76CCECC9}"/>
               </a:ext>
             </a:extLst>
           </p:cNvPr>
@@ -858,7 +859,7 @@
           <p:cNvPr id="2" name="제목 1">
             <a:extLst>
               <a:ext uri="{FF2B5EF4-FFF2-40B4-BE49-F238E27FC236}">
-                <a16:creationId xmlns:a16="http://schemas.microsoft.com/office/drawing/2014/main" xmlns="" id="{5CC6958D-28E5-4CC8-8C48-52A02A1BC426}"/>
+                <a16:creationId xmlns="" xmlns:a16="http://schemas.microsoft.com/office/drawing/2014/main" id="{5CC6958D-28E5-4CC8-8C48-52A02A1BC426}"/>
               </a:ext>
             </a:extLst>
           </p:cNvPr>
@@ -886,7 +887,7 @@
           <p:cNvPr id="3" name="내용 개체 틀 2">
             <a:extLst>
               <a:ext uri="{FF2B5EF4-FFF2-40B4-BE49-F238E27FC236}">
-                <a16:creationId xmlns:a16="http://schemas.microsoft.com/office/drawing/2014/main" xmlns="" id="{E8E03031-827B-4AC7-B564-384C16177476}"/>
+                <a16:creationId xmlns="" xmlns:a16="http://schemas.microsoft.com/office/drawing/2014/main" id="{E8E03031-827B-4AC7-B564-384C16177476}"/>
               </a:ext>
             </a:extLst>
           </p:cNvPr>
@@ -943,7 +944,7 @@
           <p:cNvPr id="4" name="날짜 개체 틀 3">
             <a:extLst>
               <a:ext uri="{FF2B5EF4-FFF2-40B4-BE49-F238E27FC236}">
-                <a16:creationId xmlns:a16="http://schemas.microsoft.com/office/drawing/2014/main" xmlns="" id="{11C19838-69C9-49EB-9B51-549106E9B8DE}"/>
+                <a16:creationId xmlns="" xmlns:a16="http://schemas.microsoft.com/office/drawing/2014/main" id="{11C19838-69C9-49EB-9B51-549106E9B8DE}"/>
               </a:ext>
             </a:extLst>
           </p:cNvPr>
@@ -968,7 +969,7 @@
                 </a:solidFill>
               </a:rPr>
               <a:pPr/>
-              <a:t>2022-05-07</a:t>
+              <a:t>2022-05-09</a:t>
             </a:fld>
             <a:endParaRPr lang="ko-KR" altLang="en-US">
               <a:solidFill>
@@ -985,7 +986,7 @@
           <p:cNvPr id="5" name="바닥글 개체 틀 4">
             <a:extLst>
               <a:ext uri="{FF2B5EF4-FFF2-40B4-BE49-F238E27FC236}">
-                <a16:creationId xmlns:a16="http://schemas.microsoft.com/office/drawing/2014/main" xmlns="" id="{3C26852C-90C9-4502-A697-363CF824CFD0}"/>
+                <a16:creationId xmlns="" xmlns:a16="http://schemas.microsoft.com/office/drawing/2014/main" id="{3C26852C-90C9-4502-A697-363CF824CFD0}"/>
               </a:ext>
             </a:extLst>
           </p:cNvPr>
@@ -1016,7 +1017,7 @@
           <p:cNvPr id="6" name="슬라이드 번호 개체 틀 5">
             <a:extLst>
               <a:ext uri="{FF2B5EF4-FFF2-40B4-BE49-F238E27FC236}">
-                <a16:creationId xmlns:a16="http://schemas.microsoft.com/office/drawing/2014/main" xmlns="" id="{DF7509D0-CCBD-406A-9D4E-6845657BBAED}"/>
+                <a16:creationId xmlns="" xmlns:a16="http://schemas.microsoft.com/office/drawing/2014/main" id="{DF7509D0-CCBD-406A-9D4E-6845657BBAED}"/>
               </a:ext>
             </a:extLst>
           </p:cNvPr>
@@ -1088,7 +1089,7 @@
           <p:cNvPr id="2" name="제목 1">
             <a:extLst>
               <a:ext uri="{FF2B5EF4-FFF2-40B4-BE49-F238E27FC236}">
-                <a16:creationId xmlns:a16="http://schemas.microsoft.com/office/drawing/2014/main" xmlns="" id="{6CEF73EF-188B-4B17-B08F-D30E80C308D0}"/>
+                <a16:creationId xmlns="" xmlns:a16="http://schemas.microsoft.com/office/drawing/2014/main" id="{6CEF73EF-188B-4B17-B08F-D30E80C308D0}"/>
               </a:ext>
             </a:extLst>
           </p:cNvPr>
@@ -1125,7 +1126,7 @@
           <p:cNvPr id="3" name="텍스트 개체 틀 2">
             <a:extLst>
               <a:ext uri="{FF2B5EF4-FFF2-40B4-BE49-F238E27FC236}">
-                <a16:creationId xmlns:a16="http://schemas.microsoft.com/office/drawing/2014/main" xmlns="" id="{DD7DD2CA-F9BF-47A8-9D27-757556FD1CEE}"/>
+                <a16:creationId xmlns="" xmlns:a16="http://schemas.microsoft.com/office/drawing/2014/main" id="{DD7DD2CA-F9BF-47A8-9D27-757556FD1CEE}"/>
               </a:ext>
             </a:extLst>
           </p:cNvPr>
@@ -1250,7 +1251,7 @@
           <p:cNvPr id="4" name="날짜 개체 틀 3">
             <a:extLst>
               <a:ext uri="{FF2B5EF4-FFF2-40B4-BE49-F238E27FC236}">
-                <a16:creationId xmlns:a16="http://schemas.microsoft.com/office/drawing/2014/main" xmlns="" id="{DE78A1FB-ABBF-480D-AC6C-9BB1AEF9789B}"/>
+                <a16:creationId xmlns="" xmlns:a16="http://schemas.microsoft.com/office/drawing/2014/main" id="{DE78A1FB-ABBF-480D-AC6C-9BB1AEF9789B}"/>
               </a:ext>
             </a:extLst>
           </p:cNvPr>
@@ -1275,7 +1276,7 @@
                 </a:solidFill>
               </a:rPr>
               <a:pPr/>
-              <a:t>2022-05-07</a:t>
+              <a:t>2022-05-09</a:t>
             </a:fld>
             <a:endParaRPr lang="ko-KR" altLang="en-US">
               <a:solidFill>
@@ -1292,7 +1293,7 @@
           <p:cNvPr id="5" name="바닥글 개체 틀 4">
             <a:extLst>
               <a:ext uri="{FF2B5EF4-FFF2-40B4-BE49-F238E27FC236}">
-                <a16:creationId xmlns:a16="http://schemas.microsoft.com/office/drawing/2014/main" xmlns="" id="{6384247E-1D11-4A19-BDDF-E157A205B45F}"/>
+                <a16:creationId xmlns="" xmlns:a16="http://schemas.microsoft.com/office/drawing/2014/main" id="{6384247E-1D11-4A19-BDDF-E157A205B45F}"/>
               </a:ext>
             </a:extLst>
           </p:cNvPr>
@@ -1323,7 +1324,7 @@
           <p:cNvPr id="6" name="슬라이드 번호 개체 틀 5">
             <a:extLst>
               <a:ext uri="{FF2B5EF4-FFF2-40B4-BE49-F238E27FC236}">
-                <a16:creationId xmlns:a16="http://schemas.microsoft.com/office/drawing/2014/main" xmlns="" id="{124EC815-B6FC-4BDE-910C-F8015ED4AD75}"/>
+                <a16:creationId xmlns="" xmlns:a16="http://schemas.microsoft.com/office/drawing/2014/main" id="{124EC815-B6FC-4BDE-910C-F8015ED4AD75}"/>
               </a:ext>
             </a:extLst>
           </p:cNvPr>
@@ -1395,7 +1396,7 @@
           <p:cNvPr id="2" name="제목 1">
             <a:extLst>
               <a:ext uri="{FF2B5EF4-FFF2-40B4-BE49-F238E27FC236}">
-                <a16:creationId xmlns:a16="http://schemas.microsoft.com/office/drawing/2014/main" xmlns="" id="{B4DAEB91-29AA-4ACC-BDCF-960470FCA5A1}"/>
+                <a16:creationId xmlns="" xmlns:a16="http://schemas.microsoft.com/office/drawing/2014/main" id="{B4DAEB91-29AA-4ACC-BDCF-960470FCA5A1}"/>
               </a:ext>
             </a:extLst>
           </p:cNvPr>
@@ -1423,7 +1424,7 @@
           <p:cNvPr id="3" name="내용 개체 틀 2">
             <a:extLst>
               <a:ext uri="{FF2B5EF4-FFF2-40B4-BE49-F238E27FC236}">
-                <a16:creationId xmlns:a16="http://schemas.microsoft.com/office/drawing/2014/main" xmlns="" id="{256B0E51-7DC0-45B6-8306-D8167F5CB7C8}"/>
+                <a16:creationId xmlns="" xmlns:a16="http://schemas.microsoft.com/office/drawing/2014/main" id="{256B0E51-7DC0-45B6-8306-D8167F5CB7C8}"/>
               </a:ext>
             </a:extLst>
           </p:cNvPr>
@@ -1485,7 +1486,7 @@
           <p:cNvPr id="4" name="내용 개체 틀 3">
             <a:extLst>
               <a:ext uri="{FF2B5EF4-FFF2-40B4-BE49-F238E27FC236}">
-                <a16:creationId xmlns:a16="http://schemas.microsoft.com/office/drawing/2014/main" xmlns="" id="{F7CB78CC-8798-4261-B4B1-60B4C54377A7}"/>
+                <a16:creationId xmlns="" xmlns:a16="http://schemas.microsoft.com/office/drawing/2014/main" id="{F7CB78CC-8798-4261-B4B1-60B4C54377A7}"/>
               </a:ext>
             </a:extLst>
           </p:cNvPr>
@@ -1547,7 +1548,7 @@
           <p:cNvPr id="5" name="날짜 개체 틀 4">
             <a:extLst>
               <a:ext uri="{FF2B5EF4-FFF2-40B4-BE49-F238E27FC236}">
-                <a16:creationId xmlns:a16="http://schemas.microsoft.com/office/drawing/2014/main" xmlns="" id="{79594384-5734-4FC8-928A-E1641354A126}"/>
+                <a16:creationId xmlns="" xmlns:a16="http://schemas.microsoft.com/office/drawing/2014/main" id="{79594384-5734-4FC8-928A-E1641354A126}"/>
               </a:ext>
             </a:extLst>
           </p:cNvPr>
@@ -1572,7 +1573,7 @@
                 </a:solidFill>
               </a:rPr>
               <a:pPr/>
-              <a:t>2022-05-07</a:t>
+              <a:t>2022-05-09</a:t>
             </a:fld>
             <a:endParaRPr lang="ko-KR" altLang="en-US">
               <a:solidFill>
@@ -1589,7 +1590,7 @@
           <p:cNvPr id="6" name="바닥글 개체 틀 5">
             <a:extLst>
               <a:ext uri="{FF2B5EF4-FFF2-40B4-BE49-F238E27FC236}">
-                <a16:creationId xmlns:a16="http://schemas.microsoft.com/office/drawing/2014/main" xmlns="" id="{282301C0-6908-48C0-8957-C8B3F4594C5A}"/>
+                <a16:creationId xmlns="" xmlns:a16="http://schemas.microsoft.com/office/drawing/2014/main" id="{282301C0-6908-48C0-8957-C8B3F4594C5A}"/>
               </a:ext>
             </a:extLst>
           </p:cNvPr>
@@ -1620,7 +1621,7 @@
           <p:cNvPr id="7" name="슬라이드 번호 개체 틀 6">
             <a:extLst>
               <a:ext uri="{FF2B5EF4-FFF2-40B4-BE49-F238E27FC236}">
-                <a16:creationId xmlns:a16="http://schemas.microsoft.com/office/drawing/2014/main" xmlns="" id="{507DD8FE-7741-412F-947D-7A7079F48607}"/>
+                <a16:creationId xmlns="" xmlns:a16="http://schemas.microsoft.com/office/drawing/2014/main" id="{507DD8FE-7741-412F-947D-7A7079F48607}"/>
               </a:ext>
             </a:extLst>
           </p:cNvPr>
@@ -1692,7 +1693,7 @@
           <p:cNvPr id="2" name="제목 1">
             <a:extLst>
               <a:ext uri="{FF2B5EF4-FFF2-40B4-BE49-F238E27FC236}">
-                <a16:creationId xmlns:a16="http://schemas.microsoft.com/office/drawing/2014/main" xmlns="" id="{BBD6DFD1-B640-4CC6-A759-6C7981C5CD61}"/>
+                <a16:creationId xmlns="" xmlns:a16="http://schemas.microsoft.com/office/drawing/2014/main" id="{BBD6DFD1-B640-4CC6-A759-6C7981C5CD61}"/>
               </a:ext>
             </a:extLst>
           </p:cNvPr>
@@ -1725,7 +1726,7 @@
           <p:cNvPr id="3" name="텍스트 개체 틀 2">
             <a:extLst>
               <a:ext uri="{FF2B5EF4-FFF2-40B4-BE49-F238E27FC236}">
-                <a16:creationId xmlns:a16="http://schemas.microsoft.com/office/drawing/2014/main" xmlns="" id="{25B2A237-7572-46BD-9502-829F6C0AD4F8}"/>
+                <a16:creationId xmlns="" xmlns:a16="http://schemas.microsoft.com/office/drawing/2014/main" id="{25B2A237-7572-46BD-9502-829F6C0AD4F8}"/>
               </a:ext>
             </a:extLst>
           </p:cNvPr>
@@ -1796,7 +1797,7 @@
           <p:cNvPr id="4" name="내용 개체 틀 3">
             <a:extLst>
               <a:ext uri="{FF2B5EF4-FFF2-40B4-BE49-F238E27FC236}">
-                <a16:creationId xmlns:a16="http://schemas.microsoft.com/office/drawing/2014/main" xmlns="" id="{81AE9732-B570-4506-BDA6-0AB39D453684}"/>
+                <a16:creationId xmlns="" xmlns:a16="http://schemas.microsoft.com/office/drawing/2014/main" id="{81AE9732-B570-4506-BDA6-0AB39D453684}"/>
               </a:ext>
             </a:extLst>
           </p:cNvPr>
@@ -1858,7 +1859,7 @@
           <p:cNvPr id="5" name="텍스트 개체 틀 4">
             <a:extLst>
               <a:ext uri="{FF2B5EF4-FFF2-40B4-BE49-F238E27FC236}">
-                <a16:creationId xmlns:a16="http://schemas.microsoft.com/office/drawing/2014/main" xmlns="" id="{A289407D-7DA6-4293-A426-38DF9B21160E}"/>
+                <a16:creationId xmlns="" xmlns:a16="http://schemas.microsoft.com/office/drawing/2014/main" id="{A289407D-7DA6-4293-A426-38DF9B21160E}"/>
               </a:ext>
             </a:extLst>
           </p:cNvPr>
@@ -1929,7 +1930,7 @@
           <p:cNvPr id="6" name="내용 개체 틀 5">
             <a:extLst>
               <a:ext uri="{FF2B5EF4-FFF2-40B4-BE49-F238E27FC236}">
-                <a16:creationId xmlns:a16="http://schemas.microsoft.com/office/drawing/2014/main" xmlns="" id="{F239549F-370A-4671-B1BB-79655CC6CB8C}"/>
+                <a16:creationId xmlns="" xmlns:a16="http://schemas.microsoft.com/office/drawing/2014/main" id="{F239549F-370A-4671-B1BB-79655CC6CB8C}"/>
               </a:ext>
             </a:extLst>
           </p:cNvPr>
@@ -1991,7 +1992,7 @@
           <p:cNvPr id="7" name="날짜 개체 틀 6">
             <a:extLst>
               <a:ext uri="{FF2B5EF4-FFF2-40B4-BE49-F238E27FC236}">
-                <a16:creationId xmlns:a16="http://schemas.microsoft.com/office/drawing/2014/main" xmlns="" id="{A86D9E62-97AA-41F8-B69B-6CD691CF0E2A}"/>
+                <a16:creationId xmlns="" xmlns:a16="http://schemas.microsoft.com/office/drawing/2014/main" id="{A86D9E62-97AA-41F8-B69B-6CD691CF0E2A}"/>
               </a:ext>
             </a:extLst>
           </p:cNvPr>
@@ -2016,7 +2017,7 @@
                 </a:solidFill>
               </a:rPr>
               <a:pPr/>
-              <a:t>2022-05-07</a:t>
+              <a:t>2022-05-09</a:t>
             </a:fld>
             <a:endParaRPr lang="ko-KR" altLang="en-US">
               <a:solidFill>
@@ -2033,7 +2034,7 @@
           <p:cNvPr id="8" name="바닥글 개체 틀 7">
             <a:extLst>
               <a:ext uri="{FF2B5EF4-FFF2-40B4-BE49-F238E27FC236}">
-                <a16:creationId xmlns:a16="http://schemas.microsoft.com/office/drawing/2014/main" xmlns="" id="{F41D3FC0-561B-4DE4-AA99-9DB56EC6B344}"/>
+                <a16:creationId xmlns="" xmlns:a16="http://schemas.microsoft.com/office/drawing/2014/main" id="{F41D3FC0-561B-4DE4-AA99-9DB56EC6B344}"/>
               </a:ext>
             </a:extLst>
           </p:cNvPr>
@@ -2064,7 +2065,7 @@
           <p:cNvPr id="9" name="슬라이드 번호 개체 틀 8">
             <a:extLst>
               <a:ext uri="{FF2B5EF4-FFF2-40B4-BE49-F238E27FC236}">
-                <a16:creationId xmlns:a16="http://schemas.microsoft.com/office/drawing/2014/main" xmlns="" id="{AD0040F2-99C5-450C-9966-5D00290EBF69}"/>
+                <a16:creationId xmlns="" xmlns:a16="http://schemas.microsoft.com/office/drawing/2014/main" id="{AD0040F2-99C5-450C-9966-5D00290EBF69}"/>
               </a:ext>
             </a:extLst>
           </p:cNvPr>
@@ -2136,7 +2137,7 @@
           <p:cNvPr id="2" name="제목 1">
             <a:extLst>
               <a:ext uri="{FF2B5EF4-FFF2-40B4-BE49-F238E27FC236}">
-                <a16:creationId xmlns:a16="http://schemas.microsoft.com/office/drawing/2014/main" xmlns="" id="{C6E337C1-8281-4F6E-9A31-EBE388C3C82F}"/>
+                <a16:creationId xmlns="" xmlns:a16="http://schemas.microsoft.com/office/drawing/2014/main" id="{C6E337C1-8281-4F6E-9A31-EBE388C3C82F}"/>
               </a:ext>
             </a:extLst>
           </p:cNvPr>
@@ -2164,7 +2165,7 @@
           <p:cNvPr id="3" name="날짜 개체 틀 2">
             <a:extLst>
               <a:ext uri="{FF2B5EF4-FFF2-40B4-BE49-F238E27FC236}">
-                <a16:creationId xmlns:a16="http://schemas.microsoft.com/office/drawing/2014/main" xmlns="" id="{00EA4B32-9135-4223-8DE6-887D2743405B}"/>
+                <a16:creationId xmlns="" xmlns:a16="http://schemas.microsoft.com/office/drawing/2014/main" id="{00EA4B32-9135-4223-8DE6-887D2743405B}"/>
               </a:ext>
             </a:extLst>
           </p:cNvPr>
@@ -2189,7 +2190,7 @@
                 </a:solidFill>
               </a:rPr>
               <a:pPr/>
-              <a:t>2022-05-07</a:t>
+              <a:t>2022-05-09</a:t>
             </a:fld>
             <a:endParaRPr lang="ko-KR" altLang="en-US">
               <a:solidFill>
@@ -2206,7 +2207,7 @@
           <p:cNvPr id="4" name="바닥글 개체 틀 3">
             <a:extLst>
               <a:ext uri="{FF2B5EF4-FFF2-40B4-BE49-F238E27FC236}">
-                <a16:creationId xmlns:a16="http://schemas.microsoft.com/office/drawing/2014/main" xmlns="" id="{9407FC83-8D70-48DB-8681-08CFD9C0DA58}"/>
+                <a16:creationId xmlns="" xmlns:a16="http://schemas.microsoft.com/office/drawing/2014/main" id="{9407FC83-8D70-48DB-8681-08CFD9C0DA58}"/>
               </a:ext>
             </a:extLst>
           </p:cNvPr>
@@ -2237,7 +2238,7 @@
           <p:cNvPr id="5" name="슬라이드 번호 개체 틀 4">
             <a:extLst>
               <a:ext uri="{FF2B5EF4-FFF2-40B4-BE49-F238E27FC236}">
-                <a16:creationId xmlns:a16="http://schemas.microsoft.com/office/drawing/2014/main" xmlns="" id="{A8FC15EC-BCCB-4B82-A94C-FABC63DF674F}"/>
+                <a16:creationId xmlns="" xmlns:a16="http://schemas.microsoft.com/office/drawing/2014/main" id="{A8FC15EC-BCCB-4B82-A94C-FABC63DF674F}"/>
               </a:ext>
             </a:extLst>
           </p:cNvPr>
@@ -2309,7 +2310,7 @@
           <p:cNvPr id="2" name="날짜 개체 틀 1">
             <a:extLst>
               <a:ext uri="{FF2B5EF4-FFF2-40B4-BE49-F238E27FC236}">
-                <a16:creationId xmlns:a16="http://schemas.microsoft.com/office/drawing/2014/main" xmlns="" id="{2B9F9692-5462-4439-80C8-B7E337FC9AC3}"/>
+                <a16:creationId xmlns="" xmlns:a16="http://schemas.microsoft.com/office/drawing/2014/main" id="{2B9F9692-5462-4439-80C8-B7E337FC9AC3}"/>
               </a:ext>
             </a:extLst>
           </p:cNvPr>
@@ -2334,7 +2335,7 @@
                 </a:solidFill>
               </a:rPr>
               <a:pPr/>
-              <a:t>2022-05-07</a:t>
+              <a:t>2022-05-09</a:t>
             </a:fld>
             <a:endParaRPr lang="ko-KR" altLang="en-US">
               <a:solidFill>
@@ -2351,7 +2352,7 @@
           <p:cNvPr id="3" name="바닥글 개체 틀 2">
             <a:extLst>
               <a:ext uri="{FF2B5EF4-FFF2-40B4-BE49-F238E27FC236}">
-                <a16:creationId xmlns:a16="http://schemas.microsoft.com/office/drawing/2014/main" xmlns="" id="{94CA042D-EBC0-437C-A819-521611A545F2}"/>
+                <a16:creationId xmlns="" xmlns:a16="http://schemas.microsoft.com/office/drawing/2014/main" id="{94CA042D-EBC0-437C-A819-521611A545F2}"/>
               </a:ext>
             </a:extLst>
           </p:cNvPr>
@@ -2382,7 +2383,7 @@
           <p:cNvPr id="4" name="슬라이드 번호 개체 틀 3">
             <a:extLst>
               <a:ext uri="{FF2B5EF4-FFF2-40B4-BE49-F238E27FC236}">
-                <a16:creationId xmlns:a16="http://schemas.microsoft.com/office/drawing/2014/main" xmlns="" id="{A2415CDA-0D1F-49BD-8381-21C3BEFD5A98}"/>
+                <a16:creationId xmlns="" xmlns:a16="http://schemas.microsoft.com/office/drawing/2014/main" id="{A2415CDA-0D1F-49BD-8381-21C3BEFD5A98}"/>
               </a:ext>
             </a:extLst>
           </p:cNvPr>
@@ -2454,7 +2455,7 @@
           <p:cNvPr id="2" name="제목 1">
             <a:extLst>
               <a:ext uri="{FF2B5EF4-FFF2-40B4-BE49-F238E27FC236}">
-                <a16:creationId xmlns:a16="http://schemas.microsoft.com/office/drawing/2014/main" xmlns="" id="{2A6F10D4-8D29-48C2-ADF0-92316E2C8E4E}"/>
+                <a16:creationId xmlns="" xmlns:a16="http://schemas.microsoft.com/office/drawing/2014/main" id="{2A6F10D4-8D29-48C2-ADF0-92316E2C8E4E}"/>
               </a:ext>
             </a:extLst>
           </p:cNvPr>
@@ -2491,7 +2492,7 @@
           <p:cNvPr id="3" name="내용 개체 틀 2">
             <a:extLst>
               <a:ext uri="{FF2B5EF4-FFF2-40B4-BE49-F238E27FC236}">
-                <a16:creationId xmlns:a16="http://schemas.microsoft.com/office/drawing/2014/main" xmlns="" id="{BBBA3CD3-DE79-4260-873A-FEDE5C678F80}"/>
+                <a16:creationId xmlns="" xmlns:a16="http://schemas.microsoft.com/office/drawing/2014/main" id="{BBBA3CD3-DE79-4260-873A-FEDE5C678F80}"/>
               </a:ext>
             </a:extLst>
           </p:cNvPr>
@@ -2581,7 +2582,7 @@
           <p:cNvPr id="4" name="텍스트 개체 틀 3">
             <a:extLst>
               <a:ext uri="{FF2B5EF4-FFF2-40B4-BE49-F238E27FC236}">
-                <a16:creationId xmlns:a16="http://schemas.microsoft.com/office/drawing/2014/main" xmlns="" id="{319C6BD2-52A1-4155-9D55-1D847772EA8C}"/>
+                <a16:creationId xmlns="" xmlns:a16="http://schemas.microsoft.com/office/drawing/2014/main" id="{319C6BD2-52A1-4155-9D55-1D847772EA8C}"/>
               </a:ext>
             </a:extLst>
           </p:cNvPr>
@@ -2652,7 +2653,7 @@
           <p:cNvPr id="5" name="날짜 개체 틀 4">
             <a:extLst>
               <a:ext uri="{FF2B5EF4-FFF2-40B4-BE49-F238E27FC236}">
-                <a16:creationId xmlns:a16="http://schemas.microsoft.com/office/drawing/2014/main" xmlns="" id="{982A3511-0B13-4D97-937C-07365FBADAEA}"/>
+                <a16:creationId xmlns="" xmlns:a16="http://schemas.microsoft.com/office/drawing/2014/main" id="{982A3511-0B13-4D97-937C-07365FBADAEA}"/>
               </a:ext>
             </a:extLst>
           </p:cNvPr>
@@ -2677,7 +2678,7 @@
                 </a:solidFill>
               </a:rPr>
               <a:pPr/>
-              <a:t>2022-05-07</a:t>
+              <a:t>2022-05-09</a:t>
             </a:fld>
             <a:endParaRPr lang="ko-KR" altLang="en-US">
               <a:solidFill>
@@ -2694,7 +2695,7 @@
           <p:cNvPr id="6" name="바닥글 개체 틀 5">
             <a:extLst>
               <a:ext uri="{FF2B5EF4-FFF2-40B4-BE49-F238E27FC236}">
-                <a16:creationId xmlns:a16="http://schemas.microsoft.com/office/drawing/2014/main" xmlns="" id="{54C805B4-20AF-4A3C-B131-E1D9FFBB024D}"/>
+                <a16:creationId xmlns="" xmlns:a16="http://schemas.microsoft.com/office/drawing/2014/main" id="{54C805B4-20AF-4A3C-B131-E1D9FFBB024D}"/>
               </a:ext>
             </a:extLst>
           </p:cNvPr>
@@ -2725,7 +2726,7 @@
           <p:cNvPr id="7" name="슬라이드 번호 개체 틀 6">
             <a:extLst>
               <a:ext uri="{FF2B5EF4-FFF2-40B4-BE49-F238E27FC236}">
-                <a16:creationId xmlns:a16="http://schemas.microsoft.com/office/drawing/2014/main" xmlns="" id="{89C705FC-2895-472A-B6FD-C2434624BB3B}"/>
+                <a16:creationId xmlns="" xmlns:a16="http://schemas.microsoft.com/office/drawing/2014/main" id="{89C705FC-2895-472A-B6FD-C2434624BB3B}"/>
               </a:ext>
             </a:extLst>
           </p:cNvPr>
@@ -2797,7 +2798,7 @@
           <p:cNvPr id="2" name="제목 1">
             <a:extLst>
               <a:ext uri="{FF2B5EF4-FFF2-40B4-BE49-F238E27FC236}">
-                <a16:creationId xmlns:a16="http://schemas.microsoft.com/office/drawing/2014/main" xmlns="" id="{4C00D820-915B-4802-8C2E-FF7CA967E012}"/>
+                <a16:creationId xmlns="" xmlns:a16="http://schemas.microsoft.com/office/drawing/2014/main" id="{4C00D820-915B-4802-8C2E-FF7CA967E012}"/>
               </a:ext>
             </a:extLst>
           </p:cNvPr>
@@ -2834,7 +2835,7 @@
           <p:cNvPr id="3" name="그림 개체 틀 2">
             <a:extLst>
               <a:ext uri="{FF2B5EF4-FFF2-40B4-BE49-F238E27FC236}">
-                <a16:creationId xmlns:a16="http://schemas.microsoft.com/office/drawing/2014/main" xmlns="" id="{10CF9849-20D0-417A-99C8-099DF39939AC}"/>
+                <a16:creationId xmlns="" xmlns:a16="http://schemas.microsoft.com/office/drawing/2014/main" id="{10CF9849-20D0-417A-99C8-099DF39939AC}"/>
               </a:ext>
             </a:extLst>
           </p:cNvPr>
@@ -2901,7 +2902,7 @@
           <p:cNvPr id="4" name="텍스트 개체 틀 3">
             <a:extLst>
               <a:ext uri="{FF2B5EF4-FFF2-40B4-BE49-F238E27FC236}">
-                <a16:creationId xmlns:a16="http://schemas.microsoft.com/office/drawing/2014/main" xmlns="" id="{144A7754-54E7-4123-8C5E-1B05B517B5D4}"/>
+                <a16:creationId xmlns="" xmlns:a16="http://schemas.microsoft.com/office/drawing/2014/main" id="{144A7754-54E7-4123-8C5E-1B05B517B5D4}"/>
               </a:ext>
             </a:extLst>
           </p:cNvPr>
@@ -2972,7 +2973,7 @@
           <p:cNvPr id="5" name="날짜 개체 틀 4">
             <a:extLst>
               <a:ext uri="{FF2B5EF4-FFF2-40B4-BE49-F238E27FC236}">
-                <a16:creationId xmlns:a16="http://schemas.microsoft.com/office/drawing/2014/main" xmlns="" id="{3AFFF3F1-9632-4E06-BAB7-312343416AE9}"/>
+                <a16:creationId xmlns="" xmlns:a16="http://schemas.microsoft.com/office/drawing/2014/main" id="{3AFFF3F1-9632-4E06-BAB7-312343416AE9}"/>
               </a:ext>
             </a:extLst>
           </p:cNvPr>
@@ -2997,7 +2998,7 @@
                 </a:solidFill>
               </a:rPr>
               <a:pPr/>
-              <a:t>2022-05-07</a:t>
+              <a:t>2022-05-09</a:t>
             </a:fld>
             <a:endParaRPr lang="ko-KR" altLang="en-US">
               <a:solidFill>
@@ -3014,7 +3015,7 @@
           <p:cNvPr id="6" name="바닥글 개체 틀 5">
             <a:extLst>
               <a:ext uri="{FF2B5EF4-FFF2-40B4-BE49-F238E27FC236}">
-                <a16:creationId xmlns:a16="http://schemas.microsoft.com/office/drawing/2014/main" xmlns="" id="{5F23D6B1-934F-4B4D-9E4F-5AE9E873CB6E}"/>
+                <a16:creationId xmlns="" xmlns:a16="http://schemas.microsoft.com/office/drawing/2014/main" id="{5F23D6B1-934F-4B4D-9E4F-5AE9E873CB6E}"/>
               </a:ext>
             </a:extLst>
           </p:cNvPr>
@@ -3045,7 +3046,7 @@
           <p:cNvPr id="7" name="슬라이드 번호 개체 틀 6">
             <a:extLst>
               <a:ext uri="{FF2B5EF4-FFF2-40B4-BE49-F238E27FC236}">
-                <a16:creationId xmlns:a16="http://schemas.microsoft.com/office/drawing/2014/main" xmlns="" id="{B157FDD5-2092-4E16-8E7C-1CCA4719CF8A}"/>
+                <a16:creationId xmlns="" xmlns:a16="http://schemas.microsoft.com/office/drawing/2014/main" id="{B157FDD5-2092-4E16-8E7C-1CCA4719CF8A}"/>
               </a:ext>
             </a:extLst>
           </p:cNvPr>
@@ -3125,7 +3126,7 @@
           <p:cNvPr id="2" name="제목 개체 틀 1">
             <a:extLst>
               <a:ext uri="{FF2B5EF4-FFF2-40B4-BE49-F238E27FC236}">
-                <a16:creationId xmlns:a16="http://schemas.microsoft.com/office/drawing/2014/main" xmlns="" id="{84C8B562-0886-4274-876D-59EFAAAE2F3B}"/>
+                <a16:creationId xmlns="" xmlns:a16="http://schemas.microsoft.com/office/drawing/2014/main" id="{84C8B562-0886-4274-876D-59EFAAAE2F3B}"/>
               </a:ext>
             </a:extLst>
           </p:cNvPr>
@@ -3163,7 +3164,7 @@
           <p:cNvPr id="3" name="텍스트 개체 틀 2">
             <a:extLst>
               <a:ext uri="{FF2B5EF4-FFF2-40B4-BE49-F238E27FC236}">
-                <a16:creationId xmlns:a16="http://schemas.microsoft.com/office/drawing/2014/main" xmlns="" id="{61799B9E-1CD2-4A09-9ACC-2FA1C62D7AF6}"/>
+                <a16:creationId xmlns="" xmlns:a16="http://schemas.microsoft.com/office/drawing/2014/main" id="{61799B9E-1CD2-4A09-9ACC-2FA1C62D7AF6}"/>
               </a:ext>
             </a:extLst>
           </p:cNvPr>
@@ -3230,7 +3231,7 @@
           <p:cNvPr id="4" name="날짜 개체 틀 3">
             <a:extLst>
               <a:ext uri="{FF2B5EF4-FFF2-40B4-BE49-F238E27FC236}">
-                <a16:creationId xmlns:a16="http://schemas.microsoft.com/office/drawing/2014/main" xmlns="" id="{42A0C5B4-9399-4A5E-8DEE-54436B1EC85C}"/>
+                <a16:creationId xmlns="" xmlns:a16="http://schemas.microsoft.com/office/drawing/2014/main" id="{42A0C5B4-9399-4A5E-8DEE-54436B1EC85C}"/>
               </a:ext>
             </a:extLst>
           </p:cNvPr>
@@ -3273,7 +3274,7 @@
                 </a:solidFill>
               </a:rPr>
               <a:pPr/>
-              <a:t>2022-05-07</a:t>
+              <a:t>2022-05-09</a:t>
             </a:fld>
             <a:endParaRPr lang="ko-KR" altLang="en-US">
               <a:solidFill>
@@ -3290,7 +3291,7 @@
           <p:cNvPr id="5" name="바닥글 개체 틀 4">
             <a:extLst>
               <a:ext uri="{FF2B5EF4-FFF2-40B4-BE49-F238E27FC236}">
-                <a16:creationId xmlns:a16="http://schemas.microsoft.com/office/drawing/2014/main" xmlns="" id="{F5B2B9FF-C0C5-4E9E-A76A-AF0745E2D88E}"/>
+                <a16:creationId xmlns="" xmlns:a16="http://schemas.microsoft.com/office/drawing/2014/main" id="{F5B2B9FF-C0C5-4E9E-A76A-AF0745E2D88E}"/>
               </a:ext>
             </a:extLst>
           </p:cNvPr>
@@ -3339,7 +3340,7 @@
           <p:cNvPr id="6" name="슬라이드 번호 개체 틀 5">
             <a:extLst>
               <a:ext uri="{FF2B5EF4-FFF2-40B4-BE49-F238E27FC236}">
-                <a16:creationId xmlns:a16="http://schemas.microsoft.com/office/drawing/2014/main" xmlns="" id="{E8992FE0-2D01-4365-9F95-1FF838BCEF3A}"/>
+                <a16:creationId xmlns="" xmlns:a16="http://schemas.microsoft.com/office/drawing/2014/main" id="{E8992FE0-2D01-4365-9F95-1FF838BCEF3A}"/>
               </a:ext>
             </a:extLst>
           </p:cNvPr>
@@ -3861,16 +3862,6 @@
 <file path=ppt/slides/slide2.xml><?xml version="1.0" encoding="utf-8"?>
 <p:sld xmlns:a="http://schemas.openxmlformats.org/drawingml/2006/main" xmlns:r="http://schemas.openxmlformats.org/officeDocument/2006/relationships" xmlns:p="http://schemas.openxmlformats.org/presentationml/2006/main">
   <p:cSld>
-    <p:bg>
-      <p:bgPr>
-        <a:solidFill>
-          <a:schemeClr val="bg1">
-            <a:lumMod val="95000"/>
-          </a:schemeClr>
-        </a:solidFill>
-        <a:effectLst/>
-      </p:bgPr>
-    </p:bg>
     <p:spTree>
       <p:nvGrpSpPr>
         <p:cNvPr id="1" name=""/>
@@ -3894,15 +3885,12 @@
         <p:spPr>
           <a:xfrm>
             <a:off x="183171" y="153794"/>
-            <a:ext cx="1122423" cy="523220"/>
+            <a:ext cx="2157963" cy="523220"/>
           </a:xfrm>
           <a:prstGeom prst="rect">
             <a:avLst/>
           </a:prstGeom>
           <a:noFill/>
-          <a:ln>
-            <a:noFill/>
-          </a:ln>
         </p:spPr>
         <p:txBody>
           <a:bodyPr wrap="none" rtlCol="0" anchor="ctr">
@@ -3911,18 +3899,28 @@
           <a:lstStyle/>
           <a:p>
             <a:r>
-              <a:rPr lang="ko-KR" altLang="en-US" sz="2800" dirty="0" smtClean="0">
-                <a:solidFill>
-                  <a:srgbClr val="28283C"/>
+              <a:rPr lang="en-US" altLang="ko-KR" sz="2800" dirty="0" smtClean="0">
+                <a:solidFill>
+                  <a:schemeClr val="bg1"/>
                 </a:solidFill>
                 <a:latin typeface="KoPub돋움체 Bold" pitchFamily="18" charset="-127"/>
                 <a:ea typeface="KoPub돋움체 Bold" pitchFamily="18" charset="-127"/>
               </a:rPr>
-              <a:t>로드맵</a:t>
+              <a:t>4</a:t>
+            </a:r>
+            <a:r>
+              <a:rPr lang="ko-KR" altLang="en-US" sz="2800" dirty="0" smtClean="0">
+                <a:solidFill>
+                  <a:schemeClr val="bg1"/>
+                </a:solidFill>
+                <a:latin typeface="KoPub돋움체 Bold" pitchFamily="18" charset="-127"/>
+                <a:ea typeface="KoPub돋움체 Bold" pitchFamily="18" charset="-127"/>
+              </a:rPr>
+              <a:t>월 작업 내용</a:t>
             </a:r>
             <a:endParaRPr lang="ko-KR" altLang="en-US" sz="2800" dirty="0">
               <a:solidFill>
-                <a:srgbClr val="28283C"/>
+                <a:schemeClr val="bg1"/>
               </a:solidFill>
               <a:latin typeface="KoPub돋움체 Bold" pitchFamily="18" charset="-127"/>
               <a:ea typeface="KoPub돋움체 Bold" pitchFamily="18" charset="-127"/>
@@ -3946,7 +3944,7 @@
           </a:prstGeom>
           <a:ln w="38100">
             <a:solidFill>
-              <a:srgbClr val="181838"/>
+              <a:schemeClr val="bg1"/>
             </a:solidFill>
           </a:ln>
         </p:spPr>
@@ -3965,61 +3963,1337 @@
           </a:fontRef>
         </p:style>
       </p:cxnSp>
-      <p:pic>
-        <p:nvPicPr>
-          <p:cNvPr id="10" name="Picture 2" descr="https://cdn.discordapp.com/attachments/915144462777323580/969188456532176946/unknown.png"/>
-          <p:cNvPicPr>
-            <a:picLocks noChangeAspect="1" noChangeArrowheads="1"/>
-          </p:cNvPicPr>
+      <p:sp>
+        <p:nvSpPr>
+          <p:cNvPr id="9" name="TextBox 8"/>
+          <p:cNvSpPr txBox="1"/>
           <p:nvPr/>
-        </p:nvPicPr>
-        <p:blipFill>
-          <a:blip r:embed="rId2">
-            <a:clrChange>
-              <a:clrFrom>
-                <a:srgbClr val="FFFFFF"/>
-              </a:clrFrom>
-              <a:clrTo>
-                <a:srgbClr val="FFFFFF">
-                  <a:alpha val="0"/>
-                </a:srgbClr>
-              </a:clrTo>
-            </a:clrChange>
-            <a:extLst>
-              <a:ext uri="{28A0092B-C50C-407E-A947-70E740481C1C}">
-                <a14:useLocalDpi xmlns:a14="http://schemas.microsoft.com/office/drawing/2010/main" val="0"/>
-              </a:ext>
-            </a:extLst>
-          </a:blip>
-          <a:srcRect/>
-          <a:stretch>
-            <a:fillRect/>
-          </a:stretch>
-        </p:blipFill>
-        <p:spPr bwMode="auto">
+        </p:nvSpPr>
+        <p:spPr>
           <a:xfrm>
-            <a:off x="334078" y="2353013"/>
-            <a:ext cx="11277600" cy="2276475"/>
+            <a:off x="833061" y="1797314"/>
+            <a:ext cx="2473755" cy="677108"/>
           </a:xfrm>
           <a:prstGeom prst="rect">
             <a:avLst/>
           </a:prstGeom>
           <a:noFill/>
-          <a:extLst>
-            <a:ext uri="{909E8E84-426E-40DD-AFC4-6F175D3DCCD1}">
-              <a14:hiddenFill xmlns:a14="http://schemas.microsoft.com/office/drawing/2010/main">
-                <a:solidFill>
-                  <a:srgbClr val="FFFFFF"/>
-                </a:solidFill>
-              </a14:hiddenFill>
-            </a:ext>
-          </a:extLst>
         </p:spPr>
-      </p:pic>
+        <p:txBody>
+          <a:bodyPr wrap="none" rtlCol="0">
+            <a:spAutoFit/>
+          </a:bodyPr>
+          <a:lstStyle/>
+          <a:p>
+            <a:pPr algn="ctr"/>
+            <a:r>
+              <a:rPr lang="ko-KR" altLang="en-US" sz="2000" dirty="0" smtClean="0">
+                <a:solidFill>
+                  <a:schemeClr val="bg1"/>
+                </a:solidFill>
+                <a:latin typeface="KoPub돋움체 Bold" pitchFamily="18" charset="-127"/>
+                <a:ea typeface="KoPub돋움체 Bold" pitchFamily="18" charset="-127"/>
+              </a:rPr>
+              <a:t>스토리</a:t>
+            </a:r>
+            <a:endParaRPr lang="en-US" altLang="ko-KR" sz="2000" dirty="0" smtClean="0">
+              <a:solidFill>
+                <a:schemeClr val="bg1"/>
+              </a:solidFill>
+              <a:latin typeface="KoPub돋움체 Bold" pitchFamily="18" charset="-127"/>
+              <a:ea typeface="KoPub돋움체 Bold" pitchFamily="18" charset="-127"/>
+            </a:endParaRPr>
+          </a:p>
+          <a:p>
+            <a:pPr algn="ctr"/>
+            <a:r>
+              <a:rPr lang="ko-KR" altLang="en-US" dirty="0" smtClean="0">
+                <a:solidFill>
+                  <a:schemeClr val="bg1"/>
+                </a:solidFill>
+                <a:latin typeface="KoPub돋움체 Light" pitchFamily="18" charset="-127"/>
+                <a:ea typeface="KoPub돋움체 Light" pitchFamily="18" charset="-127"/>
+              </a:rPr>
+              <a:t>스토리 기획</a:t>
+            </a:r>
+            <a:r>
+              <a:rPr lang="en-US" altLang="ko-KR" dirty="0" smtClean="0">
+                <a:solidFill>
+                  <a:schemeClr val="bg1"/>
+                </a:solidFill>
+                <a:latin typeface="KoPub돋움체 Light" pitchFamily="18" charset="-127"/>
+                <a:ea typeface="KoPub돋움체 Light" pitchFamily="18" charset="-127"/>
+              </a:rPr>
+              <a:t>(+NPC) </a:t>
+            </a:r>
+            <a:r>
+              <a:rPr lang="ko-KR" altLang="en-US" dirty="0" smtClean="0">
+                <a:solidFill>
+                  <a:schemeClr val="bg1"/>
+                </a:solidFill>
+                <a:latin typeface="KoPub돋움체 Light" pitchFamily="18" charset="-127"/>
+                <a:ea typeface="KoPub돋움체 Light" pitchFamily="18" charset="-127"/>
+              </a:rPr>
+              <a:t>보류</a:t>
+            </a:r>
+            <a:endParaRPr lang="ko-KR" altLang="en-US" dirty="0">
+              <a:solidFill>
+                <a:schemeClr val="bg1"/>
+              </a:solidFill>
+              <a:latin typeface="KoPub돋움체 Light" pitchFamily="18" charset="-127"/>
+              <a:ea typeface="KoPub돋움체 Light" pitchFamily="18" charset="-127"/>
+            </a:endParaRPr>
+          </a:p>
+        </p:txBody>
+      </p:sp>
+      <p:grpSp>
+        <p:nvGrpSpPr>
+          <p:cNvPr id="6" name="그룹 5"/>
+          <p:cNvGrpSpPr/>
+          <p:nvPr/>
+        </p:nvGrpSpPr>
+        <p:grpSpPr>
+          <a:xfrm>
+            <a:off x="415144" y="1167133"/>
+            <a:ext cx="3309589" cy="5203187"/>
+            <a:chOff x="232264" y="1065533"/>
+            <a:chExt cx="3309589" cy="5203187"/>
+          </a:xfrm>
+        </p:grpSpPr>
+        <p:sp>
+          <p:nvSpPr>
+            <p:cNvPr id="3" name="직사각형 2"/>
+            <p:cNvSpPr/>
+            <p:nvPr/>
+          </p:nvSpPr>
+          <p:spPr>
+            <a:xfrm>
+              <a:off x="232264" y="1296366"/>
+              <a:ext cx="3309589" cy="4972354"/>
+            </a:xfrm>
+            <a:prstGeom prst="rect">
+              <a:avLst/>
+            </a:prstGeom>
+            <a:noFill/>
+            <a:ln w="19050">
+              <a:solidFill>
+                <a:schemeClr val="bg1"/>
+              </a:solidFill>
+            </a:ln>
+          </p:spPr>
+          <p:style>
+            <a:lnRef idx="2">
+              <a:schemeClr val="accent1">
+                <a:shade val="50000"/>
+              </a:schemeClr>
+            </a:lnRef>
+            <a:fillRef idx="1">
+              <a:schemeClr val="accent1"/>
+            </a:fillRef>
+            <a:effectRef idx="0">
+              <a:schemeClr val="accent1"/>
+            </a:effectRef>
+            <a:fontRef idx="minor">
+              <a:schemeClr val="lt1"/>
+            </a:fontRef>
+          </p:style>
+          <p:txBody>
+            <a:bodyPr rtlCol="0" anchor="ctr"/>
+            <a:lstStyle/>
+            <a:p>
+              <a:pPr algn="ctr"/>
+              <a:endParaRPr lang="ko-KR" altLang="en-US"/>
+            </a:p>
+          </p:txBody>
+        </p:sp>
+        <p:sp>
+          <p:nvSpPr>
+            <p:cNvPr id="8" name="TextBox 7"/>
+            <p:cNvSpPr txBox="1"/>
+            <p:nvPr/>
+          </p:nvSpPr>
+          <p:spPr>
+            <a:xfrm>
+              <a:off x="419583" y="1065533"/>
+              <a:ext cx="720069" cy="461665"/>
+            </a:xfrm>
+            <a:prstGeom prst="rect">
+              <a:avLst/>
+            </a:prstGeom>
+            <a:solidFill>
+              <a:srgbClr val="28283C"/>
+            </a:solidFill>
+          </p:spPr>
+          <p:txBody>
+            <a:bodyPr wrap="none" rtlCol="0" anchor="ctr">
+              <a:spAutoFit/>
+            </a:bodyPr>
+            <a:lstStyle/>
+            <a:p>
+              <a:r>
+                <a:rPr lang="ko-KR" altLang="en-US" sz="2400" dirty="0" smtClean="0">
+                  <a:solidFill>
+                    <a:schemeClr val="bg1"/>
+                  </a:solidFill>
+                  <a:latin typeface="KoPub돋움체 Bold" pitchFamily="18" charset="-127"/>
+                  <a:ea typeface="KoPub돋움체 Bold" pitchFamily="18" charset="-127"/>
+                </a:rPr>
+                <a:t>기</a:t>
+              </a:r>
+              <a:r>
+                <a:rPr lang="ko-KR" altLang="en-US" sz="2400" dirty="0">
+                  <a:solidFill>
+                    <a:schemeClr val="bg1"/>
+                  </a:solidFill>
+                  <a:latin typeface="KoPub돋움체 Bold" pitchFamily="18" charset="-127"/>
+                  <a:ea typeface="KoPub돋움체 Bold" pitchFamily="18" charset="-127"/>
+                </a:rPr>
+                <a:t>획</a:t>
+              </a:r>
+              <a:endParaRPr lang="ko-KR" altLang="en-US" sz="2400" dirty="0">
+                <a:solidFill>
+                  <a:schemeClr val="bg1"/>
+                </a:solidFill>
+                <a:latin typeface="KoPub돋움체 Bold" pitchFamily="18" charset="-127"/>
+                <a:ea typeface="KoPub돋움체 Bold" pitchFamily="18" charset="-127"/>
+              </a:endParaRPr>
+            </a:p>
+          </p:txBody>
+        </p:sp>
+      </p:grpSp>
+      <p:sp>
+        <p:nvSpPr>
+          <p:cNvPr id="11" name="TextBox 10"/>
+          <p:cNvSpPr txBox="1"/>
+          <p:nvPr/>
+        </p:nvSpPr>
+        <p:spPr>
+          <a:xfrm>
+            <a:off x="661547" y="2976880"/>
+            <a:ext cx="2816798" cy="677108"/>
+          </a:xfrm>
+          <a:prstGeom prst="rect">
+            <a:avLst/>
+          </a:prstGeom>
+          <a:noFill/>
+        </p:spPr>
+        <p:txBody>
+          <a:bodyPr wrap="none" rtlCol="0">
+            <a:spAutoFit/>
+          </a:bodyPr>
+          <a:lstStyle/>
+          <a:p>
+            <a:pPr algn="ctr"/>
+            <a:r>
+              <a:rPr lang="ko-KR" altLang="en-US" sz="2000" dirty="0" smtClean="0">
+                <a:solidFill>
+                  <a:schemeClr val="bg1"/>
+                </a:solidFill>
+                <a:latin typeface="KoPub돋움체 Bold" pitchFamily="18" charset="-127"/>
+                <a:ea typeface="KoPub돋움체 Bold" pitchFamily="18" charset="-127"/>
+              </a:rPr>
+              <a:t>에</a:t>
+            </a:r>
+            <a:r>
+              <a:rPr lang="ko-KR" altLang="en-US" sz="2000" dirty="0">
+                <a:solidFill>
+                  <a:schemeClr val="bg1"/>
+                </a:solidFill>
+                <a:latin typeface="KoPub돋움체 Bold" pitchFamily="18" charset="-127"/>
+                <a:ea typeface="KoPub돋움체 Bold" pitchFamily="18" charset="-127"/>
+              </a:rPr>
+              <a:t>셋</a:t>
+            </a:r>
+            <a:endParaRPr lang="en-US" altLang="ko-KR" sz="2000" dirty="0" smtClean="0">
+              <a:solidFill>
+                <a:schemeClr val="bg1"/>
+              </a:solidFill>
+              <a:latin typeface="KoPub돋움체 Bold" pitchFamily="18" charset="-127"/>
+              <a:ea typeface="KoPub돋움체 Bold" pitchFamily="18" charset="-127"/>
+            </a:endParaRPr>
+          </a:p>
+          <a:p>
+            <a:pPr algn="ctr"/>
+            <a:r>
+              <a:rPr lang="ko-KR" altLang="en-US" dirty="0" smtClean="0">
+                <a:solidFill>
+                  <a:schemeClr val="bg1"/>
+                </a:solidFill>
+                <a:latin typeface="KoPub돋움체 Light" pitchFamily="18" charset="-127"/>
+                <a:ea typeface="KoPub돋움체 Light" pitchFamily="18" charset="-127"/>
+              </a:rPr>
+              <a:t>적</a:t>
+            </a:r>
+            <a:r>
+              <a:rPr lang="en-US" altLang="ko-KR" dirty="0" smtClean="0">
+                <a:solidFill>
+                  <a:schemeClr val="bg1"/>
+                </a:solidFill>
+                <a:latin typeface="KoPub돋움체 Light" pitchFamily="18" charset="-127"/>
+                <a:ea typeface="KoPub돋움체 Light" pitchFamily="18" charset="-127"/>
+              </a:rPr>
+              <a:t>, </a:t>
+            </a:r>
+            <a:r>
+              <a:rPr lang="ko-KR" altLang="en-US" dirty="0" smtClean="0">
+                <a:solidFill>
+                  <a:schemeClr val="bg1"/>
+                </a:solidFill>
+                <a:latin typeface="KoPub돋움체 Light" pitchFamily="18" charset="-127"/>
+                <a:ea typeface="KoPub돋움체 Light" pitchFamily="18" charset="-127"/>
+              </a:rPr>
+              <a:t>사운드</a:t>
+            </a:r>
+            <a:r>
+              <a:rPr lang="en-US" altLang="ko-KR" dirty="0" smtClean="0">
+                <a:solidFill>
+                  <a:schemeClr val="bg1"/>
+                </a:solidFill>
+                <a:latin typeface="KoPub돋움체 Light" pitchFamily="18" charset="-127"/>
+                <a:ea typeface="KoPub돋움체 Light" pitchFamily="18" charset="-127"/>
+              </a:rPr>
+              <a:t>, </a:t>
+            </a:r>
+            <a:r>
+              <a:rPr lang="ko-KR" altLang="en-US" dirty="0" smtClean="0">
+                <a:solidFill>
+                  <a:schemeClr val="bg1"/>
+                </a:solidFill>
+                <a:latin typeface="KoPub돋움체 Light" pitchFamily="18" charset="-127"/>
+                <a:ea typeface="KoPub돋움체 Light" pitchFamily="18" charset="-127"/>
+              </a:rPr>
+              <a:t>맵</a:t>
+            </a:r>
+            <a:r>
+              <a:rPr lang="en-US" altLang="ko-KR" dirty="0" smtClean="0">
+                <a:solidFill>
+                  <a:schemeClr val="bg1"/>
+                </a:solidFill>
+                <a:latin typeface="KoPub돋움체 Light" pitchFamily="18" charset="-127"/>
+                <a:ea typeface="KoPub돋움체 Light" pitchFamily="18" charset="-127"/>
+              </a:rPr>
+              <a:t>, </a:t>
+            </a:r>
+            <a:r>
+              <a:rPr lang="ko-KR" altLang="en-US" dirty="0" smtClean="0">
+                <a:solidFill>
+                  <a:schemeClr val="bg1"/>
+                </a:solidFill>
+                <a:latin typeface="KoPub돋움체 Light" pitchFamily="18" charset="-127"/>
+                <a:ea typeface="KoPub돋움체 Light" pitchFamily="18" charset="-127"/>
+              </a:rPr>
+              <a:t>스킬</a:t>
+            </a:r>
+            <a:r>
+              <a:rPr lang="en-US" altLang="ko-KR" dirty="0" smtClean="0">
+                <a:solidFill>
+                  <a:schemeClr val="bg1"/>
+                </a:solidFill>
+                <a:latin typeface="KoPub돋움체 Light" pitchFamily="18" charset="-127"/>
+                <a:ea typeface="KoPub돋움체 Light" pitchFamily="18" charset="-127"/>
+              </a:rPr>
+              <a:t>, </a:t>
+            </a:r>
+            <a:r>
+              <a:rPr lang="ko-KR" altLang="en-US" dirty="0" smtClean="0">
+                <a:solidFill>
+                  <a:schemeClr val="bg1"/>
+                </a:solidFill>
+                <a:latin typeface="KoPub돋움체 Light" pitchFamily="18" charset="-127"/>
+                <a:ea typeface="KoPub돋움체 Light" pitchFamily="18" charset="-127"/>
+              </a:rPr>
+              <a:t>기믹 등</a:t>
+            </a:r>
+            <a:endParaRPr lang="ko-KR" altLang="en-US" dirty="0">
+              <a:solidFill>
+                <a:schemeClr val="bg1"/>
+              </a:solidFill>
+              <a:latin typeface="KoPub돋움체 Light" pitchFamily="18" charset="-127"/>
+              <a:ea typeface="KoPub돋움체 Light" pitchFamily="18" charset="-127"/>
+            </a:endParaRPr>
+          </a:p>
+        </p:txBody>
+      </p:sp>
+      <p:sp>
+        <p:nvSpPr>
+          <p:cNvPr id="15" name="TextBox 14"/>
+          <p:cNvSpPr txBox="1"/>
+          <p:nvPr/>
+        </p:nvSpPr>
+        <p:spPr>
+          <a:xfrm>
+            <a:off x="799409" y="4156446"/>
+            <a:ext cx="2541080" cy="677108"/>
+          </a:xfrm>
+          <a:prstGeom prst="rect">
+            <a:avLst/>
+          </a:prstGeom>
+          <a:noFill/>
+        </p:spPr>
+        <p:txBody>
+          <a:bodyPr wrap="none" rtlCol="0">
+            <a:spAutoFit/>
+          </a:bodyPr>
+          <a:lstStyle/>
+          <a:p>
+            <a:pPr algn="ctr"/>
+            <a:r>
+              <a:rPr lang="ko-KR" altLang="en-US" sz="2000" dirty="0" smtClean="0">
+                <a:solidFill>
+                  <a:schemeClr val="bg1"/>
+                </a:solidFill>
+                <a:latin typeface="KoPub돋움체 Bold" pitchFamily="18" charset="-127"/>
+                <a:ea typeface="KoPub돋움체 Bold" pitchFamily="18" charset="-127"/>
+              </a:rPr>
+              <a:t>적</a:t>
+            </a:r>
+            <a:endParaRPr lang="en-US" altLang="ko-KR" sz="2000" dirty="0" smtClean="0">
+              <a:solidFill>
+                <a:schemeClr val="bg1"/>
+              </a:solidFill>
+              <a:latin typeface="KoPub돋움체 Bold" pitchFamily="18" charset="-127"/>
+              <a:ea typeface="KoPub돋움체 Bold" pitchFamily="18" charset="-127"/>
+            </a:endParaRPr>
+          </a:p>
+          <a:p>
+            <a:pPr algn="ctr"/>
+            <a:r>
+              <a:rPr lang="ko-KR" altLang="en-US" dirty="0" smtClean="0">
+                <a:solidFill>
+                  <a:schemeClr val="bg1"/>
+                </a:solidFill>
+                <a:latin typeface="KoPub돋움체 Light" pitchFamily="18" charset="-127"/>
+                <a:ea typeface="KoPub돋움체 Light" pitchFamily="18" charset="-127"/>
+              </a:rPr>
+              <a:t>등장 순서 및 적 패턴 기획</a:t>
+            </a:r>
+            <a:endParaRPr lang="ko-KR" altLang="en-US" dirty="0">
+              <a:solidFill>
+                <a:schemeClr val="bg1"/>
+              </a:solidFill>
+              <a:latin typeface="KoPub돋움체 Light" pitchFamily="18" charset="-127"/>
+              <a:ea typeface="KoPub돋움체 Light" pitchFamily="18" charset="-127"/>
+            </a:endParaRPr>
+          </a:p>
+        </p:txBody>
+      </p:sp>
+      <p:sp>
+        <p:nvSpPr>
+          <p:cNvPr id="17" name="TextBox 16"/>
+          <p:cNvSpPr txBox="1"/>
+          <p:nvPr/>
+        </p:nvSpPr>
+        <p:spPr>
+          <a:xfrm>
+            <a:off x="794603" y="5336012"/>
+            <a:ext cx="2550699" cy="677108"/>
+          </a:xfrm>
+          <a:prstGeom prst="rect">
+            <a:avLst/>
+          </a:prstGeom>
+          <a:noFill/>
+        </p:spPr>
+        <p:txBody>
+          <a:bodyPr wrap="none" rtlCol="0">
+            <a:spAutoFit/>
+          </a:bodyPr>
+          <a:lstStyle/>
+          <a:p>
+            <a:pPr algn="ctr"/>
+            <a:r>
+              <a:rPr lang="ko-KR" altLang="en-US" sz="2000" dirty="0" smtClean="0">
+                <a:solidFill>
+                  <a:schemeClr val="bg1"/>
+                </a:solidFill>
+                <a:latin typeface="KoPub돋움체 Bold" pitchFamily="18" charset="-127"/>
+                <a:ea typeface="KoPub돋움체 Bold" pitchFamily="18" charset="-127"/>
+              </a:rPr>
+              <a:t>플레이어</a:t>
+            </a:r>
+            <a:endParaRPr lang="en-US" altLang="ko-KR" sz="2000" dirty="0" smtClean="0">
+              <a:solidFill>
+                <a:schemeClr val="bg1"/>
+              </a:solidFill>
+              <a:latin typeface="KoPub돋움체 Bold" pitchFamily="18" charset="-127"/>
+              <a:ea typeface="KoPub돋움체 Bold" pitchFamily="18" charset="-127"/>
+            </a:endParaRPr>
+          </a:p>
+          <a:p>
+            <a:pPr algn="ctr"/>
+            <a:r>
+              <a:rPr lang="ko-KR" altLang="en-US" dirty="0" smtClean="0">
+                <a:solidFill>
+                  <a:schemeClr val="bg1"/>
+                </a:solidFill>
+                <a:latin typeface="KoPub돋움체 Light" pitchFamily="18" charset="-127"/>
+                <a:ea typeface="KoPub돋움체 Light" pitchFamily="18" charset="-127"/>
+              </a:rPr>
+              <a:t>플레이어</a:t>
+            </a:r>
+            <a:r>
+              <a:rPr lang="ko-KR" altLang="en-US" dirty="0" smtClean="0">
+                <a:solidFill>
+                  <a:schemeClr val="bg1"/>
+                </a:solidFill>
+                <a:latin typeface="KoPub돋움체 Light" pitchFamily="18" charset="-127"/>
+                <a:ea typeface="KoPub돋움체 Light" pitchFamily="18" charset="-127"/>
+              </a:rPr>
+              <a:t> 스킬</a:t>
+            </a:r>
+            <a:r>
+              <a:rPr lang="en-US" altLang="ko-KR" dirty="0" smtClean="0">
+                <a:solidFill>
+                  <a:schemeClr val="bg1"/>
+                </a:solidFill>
+                <a:latin typeface="KoPub돋움체 Light" pitchFamily="18" charset="-127"/>
+                <a:ea typeface="KoPub돋움체 Light" pitchFamily="18" charset="-127"/>
+              </a:rPr>
+              <a:t>(</a:t>
+            </a:r>
+            <a:r>
+              <a:rPr lang="ko-KR" altLang="en-US" dirty="0" smtClean="0">
+                <a:solidFill>
+                  <a:schemeClr val="bg1"/>
+                </a:solidFill>
+                <a:latin typeface="KoPub돋움체 Light" pitchFamily="18" charset="-127"/>
+                <a:ea typeface="KoPub돋움체 Light" pitchFamily="18" charset="-127"/>
+              </a:rPr>
+              <a:t>속성</a:t>
+            </a:r>
+            <a:r>
+              <a:rPr lang="en-US" altLang="ko-KR" dirty="0" smtClean="0">
+                <a:solidFill>
+                  <a:schemeClr val="bg1"/>
+                </a:solidFill>
+                <a:latin typeface="KoPub돋움체 Light" pitchFamily="18" charset="-127"/>
+                <a:ea typeface="KoPub돋움체 Light" pitchFamily="18" charset="-127"/>
+              </a:rPr>
+              <a:t>) </a:t>
+            </a:r>
+            <a:r>
+              <a:rPr lang="ko-KR" altLang="en-US" dirty="0" smtClean="0">
+                <a:solidFill>
+                  <a:schemeClr val="bg1"/>
+                </a:solidFill>
+                <a:latin typeface="KoPub돋움체 Light" pitchFamily="18" charset="-127"/>
+                <a:ea typeface="KoPub돋움체 Light" pitchFamily="18" charset="-127"/>
+              </a:rPr>
+              <a:t>기획</a:t>
+            </a:r>
+            <a:r>
+              <a:rPr lang="en-US" altLang="ko-KR" dirty="0" smtClean="0">
+                <a:solidFill>
+                  <a:schemeClr val="bg1"/>
+                </a:solidFill>
+                <a:latin typeface="KoPub돋움체 Light" pitchFamily="18" charset="-127"/>
+                <a:ea typeface="KoPub돋움체 Light" pitchFamily="18" charset="-127"/>
+              </a:rPr>
+              <a:t> </a:t>
+            </a:r>
+            <a:endParaRPr lang="ko-KR" altLang="en-US" dirty="0">
+              <a:solidFill>
+                <a:schemeClr val="bg1"/>
+              </a:solidFill>
+              <a:latin typeface="KoPub돋움체 Light" pitchFamily="18" charset="-127"/>
+              <a:ea typeface="KoPub돋움체 Light" pitchFamily="18" charset="-127"/>
+            </a:endParaRPr>
+          </a:p>
+        </p:txBody>
+      </p:sp>
+      <p:sp>
+        <p:nvSpPr>
+          <p:cNvPr id="18" name="TextBox 17"/>
+          <p:cNvSpPr txBox="1"/>
+          <p:nvPr/>
+        </p:nvSpPr>
+        <p:spPr>
+          <a:xfrm>
+            <a:off x="4790194" y="1797314"/>
+            <a:ext cx="2611612" cy="954107"/>
+          </a:xfrm>
+          <a:prstGeom prst="rect">
+            <a:avLst/>
+          </a:prstGeom>
+          <a:noFill/>
+        </p:spPr>
+        <p:txBody>
+          <a:bodyPr wrap="none" rtlCol="0">
+            <a:spAutoFit/>
+          </a:bodyPr>
+          <a:lstStyle/>
+          <a:p>
+            <a:pPr algn="ctr"/>
+            <a:r>
+              <a:rPr lang="ko-KR" altLang="en-US" sz="2000" dirty="0" smtClean="0">
+                <a:solidFill>
+                  <a:schemeClr val="bg1"/>
+                </a:solidFill>
+                <a:latin typeface="KoPub돋움체 Bold" pitchFamily="18" charset="-127"/>
+                <a:ea typeface="KoPub돋움체 Bold" pitchFamily="18" charset="-127"/>
+              </a:rPr>
+              <a:t>적</a:t>
+            </a:r>
+          </a:p>
+          <a:p>
+            <a:pPr algn="ctr"/>
+            <a:r>
+              <a:rPr lang="ko-KR" altLang="en-US" dirty="0" smtClean="0">
+                <a:solidFill>
+                  <a:schemeClr val="bg1"/>
+                </a:solidFill>
+                <a:latin typeface="KoPub돋움체 Light" pitchFamily="18" charset="-127"/>
+                <a:ea typeface="KoPub돋움체 Light" pitchFamily="18" charset="-127"/>
+              </a:rPr>
+              <a:t>적 구조 설계</a:t>
+            </a:r>
+            <a:r>
+              <a:rPr lang="en-US" altLang="ko-KR" dirty="0" smtClean="0">
+                <a:solidFill>
+                  <a:schemeClr val="bg1"/>
+                </a:solidFill>
+                <a:latin typeface="KoPub돋움체 Light" pitchFamily="18" charset="-127"/>
+                <a:ea typeface="KoPub돋움체 Light" pitchFamily="18" charset="-127"/>
+              </a:rPr>
+              <a:t>, </a:t>
+            </a:r>
+            <a:r>
+              <a:rPr lang="ko-KR" altLang="en-US" dirty="0" smtClean="0">
+                <a:solidFill>
+                  <a:schemeClr val="bg1"/>
+                </a:solidFill>
+                <a:latin typeface="KoPub돋움체 Light" pitchFamily="18" charset="-127"/>
+                <a:ea typeface="KoPub돋움체 Light" pitchFamily="18" charset="-127"/>
+              </a:rPr>
+              <a:t>애니메이션</a:t>
+            </a:r>
+            <a:r>
+              <a:rPr lang="en-US" altLang="ko-KR" dirty="0" smtClean="0">
+                <a:solidFill>
+                  <a:schemeClr val="bg1"/>
+                </a:solidFill>
+                <a:latin typeface="KoPub돋움체 Light" pitchFamily="18" charset="-127"/>
+                <a:ea typeface="KoPub돋움체 Light" pitchFamily="18" charset="-127"/>
+              </a:rPr>
+              <a:t>,</a:t>
+            </a:r>
+          </a:p>
+          <a:p>
+            <a:pPr algn="ctr"/>
+            <a:r>
+              <a:rPr lang="en-US" altLang="ko-KR" dirty="0" smtClean="0">
+                <a:solidFill>
+                  <a:schemeClr val="bg1"/>
+                </a:solidFill>
+                <a:latin typeface="KoPub돋움체 Light" pitchFamily="18" charset="-127"/>
+                <a:ea typeface="KoPub돋움체 Light" pitchFamily="18" charset="-127"/>
+              </a:rPr>
+              <a:t>FSM</a:t>
+            </a:r>
+            <a:r>
+              <a:rPr lang="ko-KR" altLang="en-US" dirty="0" smtClean="0">
+                <a:solidFill>
+                  <a:schemeClr val="bg1"/>
+                </a:solidFill>
+                <a:latin typeface="KoPub돋움체 Light" pitchFamily="18" charset="-127"/>
+                <a:ea typeface="KoPub돋움체 Light" pitchFamily="18" charset="-127"/>
+              </a:rPr>
+              <a:t>과 </a:t>
+            </a:r>
+            <a:r>
+              <a:rPr lang="en-US" altLang="ko-KR" dirty="0">
+                <a:solidFill>
+                  <a:schemeClr val="bg1"/>
+                </a:solidFill>
+                <a:latin typeface="KoPub돋움체 Light" pitchFamily="18" charset="-127"/>
+                <a:ea typeface="KoPub돋움체 Light" pitchFamily="18" charset="-127"/>
+              </a:rPr>
+              <a:t>AI </a:t>
+            </a:r>
+            <a:r>
+              <a:rPr lang="ko-KR" altLang="en-US" dirty="0">
+                <a:solidFill>
+                  <a:schemeClr val="bg1"/>
+                </a:solidFill>
+                <a:latin typeface="KoPub돋움체 Light" pitchFamily="18" charset="-127"/>
+                <a:ea typeface="KoPub돋움체 Light" pitchFamily="18" charset="-127"/>
+              </a:rPr>
+              <a:t>구조 설계</a:t>
+            </a:r>
+            <a:endParaRPr lang="en-US" altLang="ko-KR" dirty="0" smtClean="0">
+              <a:solidFill>
+                <a:schemeClr val="bg1"/>
+              </a:solidFill>
+              <a:latin typeface="KoPub돋움체 Light" pitchFamily="18" charset="-127"/>
+              <a:ea typeface="KoPub돋움체 Light" pitchFamily="18" charset="-127"/>
+            </a:endParaRPr>
+          </a:p>
+        </p:txBody>
+      </p:sp>
+      <p:grpSp>
+        <p:nvGrpSpPr>
+          <p:cNvPr id="19" name="그룹 18"/>
+          <p:cNvGrpSpPr/>
+          <p:nvPr/>
+        </p:nvGrpSpPr>
+        <p:grpSpPr>
+          <a:xfrm>
+            <a:off x="4441206" y="1167133"/>
+            <a:ext cx="3309589" cy="5203187"/>
+            <a:chOff x="232264" y="1065533"/>
+            <a:chExt cx="3309589" cy="5203187"/>
+          </a:xfrm>
+        </p:grpSpPr>
+        <p:sp>
+          <p:nvSpPr>
+            <p:cNvPr id="20" name="직사각형 19"/>
+            <p:cNvSpPr/>
+            <p:nvPr/>
+          </p:nvSpPr>
+          <p:spPr>
+            <a:xfrm>
+              <a:off x="232264" y="1296366"/>
+              <a:ext cx="3309589" cy="4972354"/>
+            </a:xfrm>
+            <a:prstGeom prst="rect">
+              <a:avLst/>
+            </a:prstGeom>
+            <a:noFill/>
+            <a:ln w="19050">
+              <a:solidFill>
+                <a:schemeClr val="bg1"/>
+              </a:solidFill>
+            </a:ln>
+          </p:spPr>
+          <p:style>
+            <a:lnRef idx="2">
+              <a:schemeClr val="accent1">
+                <a:shade val="50000"/>
+              </a:schemeClr>
+            </a:lnRef>
+            <a:fillRef idx="1">
+              <a:schemeClr val="accent1"/>
+            </a:fillRef>
+            <a:effectRef idx="0">
+              <a:schemeClr val="accent1"/>
+            </a:effectRef>
+            <a:fontRef idx="minor">
+              <a:schemeClr val="lt1"/>
+            </a:fontRef>
+          </p:style>
+          <p:txBody>
+            <a:bodyPr rtlCol="0" anchor="ctr"/>
+            <a:lstStyle/>
+            <a:p>
+              <a:pPr algn="ctr"/>
+              <a:endParaRPr lang="ko-KR" altLang="en-US"/>
+            </a:p>
+          </p:txBody>
+        </p:sp>
+        <p:sp>
+          <p:nvSpPr>
+            <p:cNvPr id="21" name="TextBox 20"/>
+            <p:cNvSpPr txBox="1"/>
+            <p:nvPr/>
+          </p:nvSpPr>
+          <p:spPr>
+            <a:xfrm>
+              <a:off x="419583" y="1065533"/>
+              <a:ext cx="720069" cy="461665"/>
+            </a:xfrm>
+            <a:prstGeom prst="rect">
+              <a:avLst/>
+            </a:prstGeom>
+            <a:solidFill>
+              <a:srgbClr val="28283C"/>
+            </a:solidFill>
+          </p:spPr>
+          <p:txBody>
+            <a:bodyPr wrap="none" rtlCol="0" anchor="ctr">
+              <a:spAutoFit/>
+            </a:bodyPr>
+            <a:lstStyle/>
+            <a:p>
+              <a:r>
+                <a:rPr lang="ko-KR" altLang="en-US" sz="2400" dirty="0" smtClean="0">
+                  <a:solidFill>
+                    <a:schemeClr val="bg1"/>
+                  </a:solidFill>
+                  <a:latin typeface="KoPub돋움체 Bold" pitchFamily="18" charset="-127"/>
+                  <a:ea typeface="KoPub돋움체 Bold" pitchFamily="18" charset="-127"/>
+                </a:rPr>
+                <a:t>개</a:t>
+              </a:r>
+              <a:r>
+                <a:rPr lang="ko-KR" altLang="en-US" sz="2400" dirty="0">
+                  <a:solidFill>
+                    <a:schemeClr val="bg1"/>
+                  </a:solidFill>
+                  <a:latin typeface="KoPub돋움체 Bold" pitchFamily="18" charset="-127"/>
+                  <a:ea typeface="KoPub돋움체 Bold" pitchFamily="18" charset="-127"/>
+                </a:rPr>
+                <a:t>발</a:t>
+              </a:r>
+              <a:endParaRPr lang="ko-KR" altLang="en-US" sz="2400" dirty="0">
+                <a:solidFill>
+                  <a:schemeClr val="bg1"/>
+                </a:solidFill>
+                <a:latin typeface="KoPub돋움체 Bold" pitchFamily="18" charset="-127"/>
+                <a:ea typeface="KoPub돋움체 Bold" pitchFamily="18" charset="-127"/>
+              </a:endParaRPr>
+            </a:p>
+          </p:txBody>
+        </p:sp>
+      </p:grpSp>
+      <p:sp>
+        <p:nvSpPr>
+          <p:cNvPr id="22" name="TextBox 21"/>
+          <p:cNvSpPr txBox="1"/>
+          <p:nvPr/>
+        </p:nvSpPr>
+        <p:spPr>
+          <a:xfrm>
+            <a:off x="5128428" y="3119120"/>
+            <a:ext cx="1935145" cy="677108"/>
+          </a:xfrm>
+          <a:prstGeom prst="rect">
+            <a:avLst/>
+          </a:prstGeom>
+          <a:noFill/>
+        </p:spPr>
+        <p:txBody>
+          <a:bodyPr wrap="none" rtlCol="0">
+            <a:spAutoFit/>
+          </a:bodyPr>
+          <a:lstStyle/>
+          <a:p>
+            <a:pPr algn="ctr"/>
+            <a:r>
+              <a:rPr lang="ko-KR" altLang="en-US" sz="2000" dirty="0" smtClean="0">
+                <a:solidFill>
+                  <a:schemeClr val="bg1"/>
+                </a:solidFill>
+                <a:latin typeface="KoPub돋움체 Bold" pitchFamily="18" charset="-127"/>
+                <a:ea typeface="KoPub돋움체 Bold" pitchFamily="18" charset="-127"/>
+              </a:rPr>
+              <a:t>맵</a:t>
+            </a:r>
+            <a:endParaRPr lang="en-US" altLang="ko-KR" sz="2000" dirty="0" smtClean="0">
+              <a:solidFill>
+                <a:schemeClr val="bg1"/>
+              </a:solidFill>
+              <a:latin typeface="KoPub돋움체 Bold" pitchFamily="18" charset="-127"/>
+              <a:ea typeface="KoPub돋움체 Bold" pitchFamily="18" charset="-127"/>
+            </a:endParaRPr>
+          </a:p>
+          <a:p>
+            <a:pPr algn="ctr"/>
+            <a:r>
+              <a:rPr lang="ko-KR" altLang="en-US" dirty="0" smtClean="0">
+                <a:solidFill>
+                  <a:schemeClr val="bg1"/>
+                </a:solidFill>
+                <a:latin typeface="KoPub돋움체 Light" pitchFamily="18" charset="-127"/>
+                <a:ea typeface="KoPub돋움체 Light" pitchFamily="18" charset="-127"/>
+              </a:rPr>
+              <a:t>스테이</a:t>
+            </a:r>
+            <a:r>
+              <a:rPr lang="ko-KR" altLang="en-US" dirty="0">
+                <a:solidFill>
+                  <a:schemeClr val="bg1"/>
+                </a:solidFill>
+                <a:latin typeface="KoPub돋움체 Light" pitchFamily="18" charset="-127"/>
+                <a:ea typeface="KoPub돋움체 Light" pitchFamily="18" charset="-127"/>
+              </a:rPr>
+              <a:t>지</a:t>
+            </a:r>
+            <a:r>
+              <a:rPr lang="ko-KR" altLang="en-US" dirty="0" smtClean="0">
+                <a:solidFill>
+                  <a:schemeClr val="bg1"/>
+                </a:solidFill>
+                <a:latin typeface="KoPub돋움체 Light" pitchFamily="18" charset="-127"/>
+                <a:ea typeface="KoPub돋움체 Light" pitchFamily="18" charset="-127"/>
+              </a:rPr>
+              <a:t> 로드 구현</a:t>
+            </a:r>
+            <a:endParaRPr lang="ko-KR" altLang="en-US" dirty="0">
+              <a:solidFill>
+                <a:schemeClr val="bg1"/>
+              </a:solidFill>
+              <a:latin typeface="KoPub돋움체 Light" pitchFamily="18" charset="-127"/>
+              <a:ea typeface="KoPub돋움체 Light" pitchFamily="18" charset="-127"/>
+            </a:endParaRPr>
+          </a:p>
+        </p:txBody>
+      </p:sp>
+      <p:sp>
+        <p:nvSpPr>
+          <p:cNvPr id="23" name="TextBox 22"/>
+          <p:cNvSpPr txBox="1"/>
+          <p:nvPr/>
+        </p:nvSpPr>
+        <p:spPr>
+          <a:xfrm>
+            <a:off x="4960112" y="4156446"/>
+            <a:ext cx="2271776" cy="677108"/>
+          </a:xfrm>
+          <a:prstGeom prst="rect">
+            <a:avLst/>
+          </a:prstGeom>
+          <a:noFill/>
+        </p:spPr>
+        <p:txBody>
+          <a:bodyPr wrap="none" rtlCol="0">
+            <a:spAutoFit/>
+          </a:bodyPr>
+          <a:lstStyle/>
+          <a:p>
+            <a:pPr algn="ctr"/>
+            <a:r>
+              <a:rPr lang="ko-KR" altLang="en-US" sz="2000" dirty="0" smtClean="0">
+                <a:solidFill>
+                  <a:schemeClr val="bg1"/>
+                </a:solidFill>
+                <a:latin typeface="KoPub돋움체 Bold" pitchFamily="18" charset="-127"/>
+                <a:ea typeface="KoPub돋움체 Bold" pitchFamily="18" charset="-127"/>
+              </a:rPr>
+              <a:t>플레이</a:t>
+            </a:r>
+            <a:r>
+              <a:rPr lang="ko-KR" altLang="en-US" sz="2000" dirty="0">
+                <a:solidFill>
+                  <a:schemeClr val="bg1"/>
+                </a:solidFill>
+                <a:latin typeface="KoPub돋움체 Bold" pitchFamily="18" charset="-127"/>
+                <a:ea typeface="KoPub돋움체 Bold" pitchFamily="18" charset="-127"/>
+              </a:rPr>
+              <a:t>어</a:t>
+            </a:r>
+            <a:endParaRPr lang="en-US" altLang="ko-KR" sz="2000" dirty="0" smtClean="0">
+              <a:solidFill>
+                <a:schemeClr val="bg1"/>
+              </a:solidFill>
+              <a:latin typeface="KoPub돋움체 Bold" pitchFamily="18" charset="-127"/>
+              <a:ea typeface="KoPub돋움체 Bold" pitchFamily="18" charset="-127"/>
+            </a:endParaRPr>
+          </a:p>
+          <a:p>
+            <a:pPr algn="ctr"/>
+            <a:r>
+              <a:rPr lang="ko-KR" altLang="en-US" dirty="0" smtClean="0">
+                <a:solidFill>
+                  <a:schemeClr val="bg1"/>
+                </a:solidFill>
+                <a:latin typeface="KoPub돋움체 Light" pitchFamily="18" charset="-127"/>
+                <a:ea typeface="KoPub돋움체 Light" pitchFamily="18" charset="-127"/>
+              </a:rPr>
+              <a:t>기존 코드 수정 및 보완</a:t>
+            </a:r>
+            <a:endParaRPr lang="ko-KR" altLang="en-US" dirty="0">
+              <a:solidFill>
+                <a:schemeClr val="bg1"/>
+              </a:solidFill>
+              <a:latin typeface="KoPub돋움체 Light" pitchFamily="18" charset="-127"/>
+              <a:ea typeface="KoPub돋움체 Light" pitchFamily="18" charset="-127"/>
+            </a:endParaRPr>
+          </a:p>
+        </p:txBody>
+      </p:sp>
+      <p:sp>
+        <p:nvSpPr>
+          <p:cNvPr id="24" name="TextBox 23"/>
+          <p:cNvSpPr txBox="1"/>
+          <p:nvPr/>
+        </p:nvSpPr>
+        <p:spPr>
+          <a:xfrm>
+            <a:off x="4653137" y="5201253"/>
+            <a:ext cx="2885726" cy="677108"/>
+          </a:xfrm>
+          <a:prstGeom prst="rect">
+            <a:avLst/>
+          </a:prstGeom>
+          <a:noFill/>
+        </p:spPr>
+        <p:txBody>
+          <a:bodyPr wrap="none" rtlCol="0">
+            <a:spAutoFit/>
+          </a:bodyPr>
+          <a:lstStyle/>
+          <a:p>
+            <a:pPr algn="ctr"/>
+            <a:r>
+              <a:rPr lang="en-US" altLang="ko-KR" sz="2000" dirty="0" smtClean="0">
+                <a:solidFill>
+                  <a:schemeClr val="bg1"/>
+                </a:solidFill>
+                <a:latin typeface="KoPub돋움체 Bold" pitchFamily="18" charset="-127"/>
+                <a:ea typeface="KoPub돋움체 Bold" pitchFamily="18" charset="-127"/>
+              </a:rPr>
+              <a:t>UI</a:t>
+            </a:r>
+          </a:p>
+          <a:p>
+            <a:pPr algn="ctr"/>
+            <a:r>
+              <a:rPr lang="ko-KR" altLang="en-US" dirty="0" smtClean="0">
+                <a:solidFill>
+                  <a:schemeClr val="bg1"/>
+                </a:solidFill>
+                <a:latin typeface="KoPub돋움체 Light" pitchFamily="18" charset="-127"/>
+                <a:ea typeface="KoPub돋움체 Light" pitchFamily="18" charset="-127"/>
+              </a:rPr>
+              <a:t>설정</a:t>
+            </a:r>
+            <a:r>
+              <a:rPr lang="en-US" altLang="ko-KR" dirty="0" smtClean="0">
+                <a:solidFill>
+                  <a:schemeClr val="bg1"/>
+                </a:solidFill>
+                <a:latin typeface="KoPub돋움체 Light" pitchFamily="18" charset="-127"/>
+                <a:ea typeface="KoPub돋움체 Light" pitchFamily="18" charset="-127"/>
+              </a:rPr>
+              <a:t>(</a:t>
+            </a:r>
+            <a:r>
+              <a:rPr lang="ko-KR" altLang="en-US" dirty="0" smtClean="0">
+                <a:solidFill>
+                  <a:schemeClr val="bg1"/>
+                </a:solidFill>
+                <a:latin typeface="KoPub돋움체 Light" pitchFamily="18" charset="-127"/>
+                <a:ea typeface="KoPub돋움체 Light" pitchFamily="18" charset="-127"/>
+              </a:rPr>
+              <a:t>배경음</a:t>
+            </a:r>
+            <a:r>
+              <a:rPr lang="en-US" altLang="ko-KR" dirty="0" smtClean="0">
+                <a:solidFill>
+                  <a:schemeClr val="bg1"/>
+                </a:solidFill>
+                <a:latin typeface="KoPub돋움체 Light" pitchFamily="18" charset="-127"/>
+                <a:ea typeface="KoPub돋움체 Light" pitchFamily="18" charset="-127"/>
+              </a:rPr>
+              <a:t>, </a:t>
+            </a:r>
+            <a:r>
+              <a:rPr lang="ko-KR" altLang="en-US" dirty="0" smtClean="0">
+                <a:solidFill>
+                  <a:schemeClr val="bg1"/>
+                </a:solidFill>
+                <a:latin typeface="KoPub돋움체 Light" pitchFamily="18" charset="-127"/>
+                <a:ea typeface="KoPub돋움체 Light" pitchFamily="18" charset="-127"/>
+              </a:rPr>
+              <a:t>효과음</a:t>
+            </a:r>
+            <a:r>
+              <a:rPr lang="en-US" altLang="ko-KR" dirty="0" smtClean="0">
+                <a:solidFill>
+                  <a:schemeClr val="bg1"/>
+                </a:solidFill>
+                <a:latin typeface="KoPub돋움체 Light" pitchFamily="18" charset="-127"/>
+                <a:ea typeface="KoPub돋움체 Light" pitchFamily="18" charset="-127"/>
+              </a:rPr>
+              <a:t>, </a:t>
+            </a:r>
+            <a:r>
+              <a:rPr lang="ko-KR" altLang="en-US" dirty="0" smtClean="0">
+                <a:solidFill>
+                  <a:schemeClr val="bg1"/>
+                </a:solidFill>
+                <a:latin typeface="KoPub돋움체 Light" pitchFamily="18" charset="-127"/>
+                <a:ea typeface="KoPub돋움체 Light" pitchFamily="18" charset="-127"/>
+              </a:rPr>
+              <a:t>해상도</a:t>
+            </a:r>
+            <a:r>
+              <a:rPr lang="en-US" altLang="ko-KR" dirty="0" smtClean="0">
+                <a:solidFill>
+                  <a:schemeClr val="bg1"/>
+                </a:solidFill>
+                <a:latin typeface="KoPub돋움체 Light" pitchFamily="18" charset="-127"/>
+                <a:ea typeface="KoPub돋움체 Light" pitchFamily="18" charset="-127"/>
+              </a:rPr>
+              <a:t>) </a:t>
+            </a:r>
+            <a:endParaRPr lang="ko-KR" altLang="en-US" dirty="0">
+              <a:solidFill>
+                <a:schemeClr val="bg1"/>
+              </a:solidFill>
+              <a:latin typeface="KoPub돋움체 Light" pitchFamily="18" charset="-127"/>
+              <a:ea typeface="KoPub돋움체 Light" pitchFamily="18" charset="-127"/>
+            </a:endParaRPr>
+          </a:p>
+        </p:txBody>
+      </p:sp>
+      <p:sp>
+        <p:nvSpPr>
+          <p:cNvPr id="28" name="TextBox 27"/>
+          <p:cNvSpPr txBox="1"/>
+          <p:nvPr/>
+        </p:nvSpPr>
+        <p:spPr>
+          <a:xfrm>
+            <a:off x="9183355" y="1797314"/>
+            <a:ext cx="1877437" cy="677108"/>
+          </a:xfrm>
+          <a:prstGeom prst="rect">
+            <a:avLst/>
+          </a:prstGeom>
+          <a:noFill/>
+        </p:spPr>
+        <p:txBody>
+          <a:bodyPr wrap="none" rtlCol="0">
+            <a:spAutoFit/>
+          </a:bodyPr>
+          <a:lstStyle/>
+          <a:p>
+            <a:pPr algn="ctr"/>
+            <a:r>
+              <a:rPr lang="ko-KR" altLang="en-US" sz="2000" dirty="0" smtClean="0">
+                <a:solidFill>
+                  <a:schemeClr val="bg1"/>
+                </a:solidFill>
+                <a:latin typeface="KoPub돋움체 Bold" pitchFamily="18" charset="-127"/>
+                <a:ea typeface="KoPub돋움체 Bold" pitchFamily="18" charset="-127"/>
+              </a:rPr>
+              <a:t>일정 관리</a:t>
+            </a:r>
+          </a:p>
+          <a:p>
+            <a:pPr algn="ctr"/>
+            <a:r>
+              <a:rPr lang="ko-KR" altLang="en-US" dirty="0" smtClean="0">
+                <a:solidFill>
+                  <a:schemeClr val="bg1"/>
+                </a:solidFill>
+                <a:latin typeface="KoPub돋움체 Light" pitchFamily="18" charset="-127"/>
+                <a:ea typeface="KoPub돋움체 Light" pitchFamily="18" charset="-127"/>
+              </a:rPr>
+              <a:t>협업 툴</a:t>
+            </a:r>
+            <a:r>
+              <a:rPr lang="en-US" altLang="ko-KR" dirty="0" smtClean="0">
+                <a:solidFill>
+                  <a:schemeClr val="bg1"/>
+                </a:solidFill>
+                <a:latin typeface="KoPub돋움체 Light" pitchFamily="18" charset="-127"/>
+                <a:ea typeface="KoPub돋움체 Light" pitchFamily="18" charset="-127"/>
+              </a:rPr>
+              <a:t>(</a:t>
+            </a:r>
+            <a:r>
+              <a:rPr lang="ko-KR" altLang="en-US" dirty="0" err="1" smtClean="0">
+                <a:solidFill>
+                  <a:schemeClr val="bg1"/>
+                </a:solidFill>
+                <a:latin typeface="KoPub돋움체 Light" pitchFamily="18" charset="-127"/>
+                <a:ea typeface="KoPub돋움체 Light" pitchFamily="18" charset="-127"/>
+              </a:rPr>
+              <a:t>노션</a:t>
+            </a:r>
+            <a:r>
+              <a:rPr lang="en-US" altLang="ko-KR" dirty="0" smtClean="0">
+                <a:solidFill>
+                  <a:schemeClr val="bg1"/>
+                </a:solidFill>
+                <a:latin typeface="KoPub돋움체 Light" pitchFamily="18" charset="-127"/>
+                <a:ea typeface="KoPub돋움체 Light" pitchFamily="18" charset="-127"/>
+              </a:rPr>
+              <a:t>) </a:t>
+            </a:r>
+            <a:r>
+              <a:rPr lang="ko-KR" altLang="en-US" dirty="0" err="1" smtClean="0">
+                <a:solidFill>
+                  <a:schemeClr val="bg1"/>
+                </a:solidFill>
+                <a:latin typeface="KoPub돋움체 Light" pitchFamily="18" charset="-127"/>
+                <a:ea typeface="KoPub돋움체 Light" pitchFamily="18" charset="-127"/>
+              </a:rPr>
+              <a:t>세팅</a:t>
+            </a:r>
+            <a:endParaRPr lang="en-US" altLang="ko-KR" dirty="0" smtClean="0">
+              <a:solidFill>
+                <a:schemeClr val="bg1"/>
+              </a:solidFill>
+              <a:latin typeface="KoPub돋움체 Light" pitchFamily="18" charset="-127"/>
+              <a:ea typeface="KoPub돋움체 Light" pitchFamily="18" charset="-127"/>
+            </a:endParaRPr>
+          </a:p>
+        </p:txBody>
+      </p:sp>
+      <p:grpSp>
+        <p:nvGrpSpPr>
+          <p:cNvPr id="29" name="그룹 28"/>
+          <p:cNvGrpSpPr/>
+          <p:nvPr/>
+        </p:nvGrpSpPr>
+        <p:grpSpPr>
+          <a:xfrm>
+            <a:off x="8467280" y="1167133"/>
+            <a:ext cx="3309589" cy="5203187"/>
+            <a:chOff x="232264" y="1065533"/>
+            <a:chExt cx="3309589" cy="5203187"/>
+          </a:xfrm>
+        </p:grpSpPr>
+        <p:sp>
+          <p:nvSpPr>
+            <p:cNvPr id="30" name="직사각형 29"/>
+            <p:cNvSpPr/>
+            <p:nvPr/>
+          </p:nvSpPr>
+          <p:spPr>
+            <a:xfrm>
+              <a:off x="232264" y="1296366"/>
+              <a:ext cx="3309589" cy="4972354"/>
+            </a:xfrm>
+            <a:prstGeom prst="rect">
+              <a:avLst/>
+            </a:prstGeom>
+            <a:noFill/>
+            <a:ln w="19050">
+              <a:solidFill>
+                <a:schemeClr val="bg1"/>
+              </a:solidFill>
+            </a:ln>
+          </p:spPr>
+          <p:style>
+            <a:lnRef idx="2">
+              <a:schemeClr val="accent1">
+                <a:shade val="50000"/>
+              </a:schemeClr>
+            </a:lnRef>
+            <a:fillRef idx="1">
+              <a:schemeClr val="accent1"/>
+            </a:fillRef>
+            <a:effectRef idx="0">
+              <a:schemeClr val="accent1"/>
+            </a:effectRef>
+            <a:fontRef idx="minor">
+              <a:schemeClr val="lt1"/>
+            </a:fontRef>
+          </p:style>
+          <p:txBody>
+            <a:bodyPr rtlCol="0" anchor="ctr"/>
+            <a:lstStyle/>
+            <a:p>
+              <a:pPr algn="ctr"/>
+              <a:endParaRPr lang="ko-KR" altLang="en-US"/>
+            </a:p>
+          </p:txBody>
+        </p:sp>
+        <p:sp>
+          <p:nvSpPr>
+            <p:cNvPr id="31" name="TextBox 30"/>
+            <p:cNvSpPr txBox="1"/>
+            <p:nvPr/>
+          </p:nvSpPr>
+          <p:spPr>
+            <a:xfrm>
+              <a:off x="419583" y="1065533"/>
+              <a:ext cx="720069" cy="461665"/>
+            </a:xfrm>
+            <a:prstGeom prst="rect">
+              <a:avLst/>
+            </a:prstGeom>
+            <a:solidFill>
+              <a:srgbClr val="28283C"/>
+            </a:solidFill>
+          </p:spPr>
+          <p:txBody>
+            <a:bodyPr wrap="none" rtlCol="0" anchor="ctr">
+              <a:spAutoFit/>
+            </a:bodyPr>
+            <a:lstStyle/>
+            <a:p>
+              <a:r>
+                <a:rPr lang="ko-KR" altLang="en-US" sz="2400" dirty="0" smtClean="0">
+                  <a:solidFill>
+                    <a:schemeClr val="bg1"/>
+                  </a:solidFill>
+                  <a:latin typeface="KoPub돋움체 Bold" pitchFamily="18" charset="-127"/>
+                  <a:ea typeface="KoPub돋움체 Bold" pitchFamily="18" charset="-127"/>
+                </a:rPr>
+                <a:t>기타</a:t>
+              </a:r>
+              <a:endParaRPr lang="ko-KR" altLang="en-US" sz="2400" dirty="0">
+                <a:solidFill>
+                  <a:schemeClr val="bg1"/>
+                </a:solidFill>
+                <a:latin typeface="KoPub돋움체 Bold" pitchFamily="18" charset="-127"/>
+                <a:ea typeface="KoPub돋움체 Bold" pitchFamily="18" charset="-127"/>
+              </a:endParaRPr>
+            </a:p>
+          </p:txBody>
+        </p:sp>
+      </p:grpSp>
+      <p:sp>
+        <p:nvSpPr>
+          <p:cNvPr id="32" name="TextBox 31"/>
+          <p:cNvSpPr txBox="1"/>
+          <p:nvPr/>
+        </p:nvSpPr>
+        <p:spPr>
+          <a:xfrm>
+            <a:off x="9120847" y="2976880"/>
+            <a:ext cx="2002471" cy="677108"/>
+          </a:xfrm>
+          <a:prstGeom prst="rect">
+            <a:avLst/>
+          </a:prstGeom>
+          <a:noFill/>
+        </p:spPr>
+        <p:txBody>
+          <a:bodyPr wrap="none" rtlCol="0">
+            <a:spAutoFit/>
+          </a:bodyPr>
+          <a:lstStyle/>
+          <a:p>
+            <a:pPr algn="ctr"/>
+            <a:r>
+              <a:rPr lang="ko-KR" altLang="en-US" sz="2000" dirty="0" smtClean="0">
+                <a:solidFill>
+                  <a:schemeClr val="bg1"/>
+                </a:solidFill>
+                <a:latin typeface="KoPub돋움체 Bold" pitchFamily="18" charset="-127"/>
+                <a:ea typeface="KoPub돋움체 Bold" pitchFamily="18" charset="-127"/>
+              </a:rPr>
+              <a:t>아트</a:t>
+            </a:r>
+            <a:endParaRPr lang="en-US" altLang="ko-KR" sz="2000" dirty="0" smtClean="0">
+              <a:solidFill>
+                <a:schemeClr val="bg1"/>
+              </a:solidFill>
+              <a:latin typeface="KoPub돋움체 Bold" pitchFamily="18" charset="-127"/>
+              <a:ea typeface="KoPub돋움체 Bold" pitchFamily="18" charset="-127"/>
+            </a:endParaRPr>
+          </a:p>
+          <a:p>
+            <a:pPr algn="ctr"/>
+            <a:r>
+              <a:rPr lang="ko-KR" altLang="en-US" dirty="0" smtClean="0">
+                <a:solidFill>
+                  <a:schemeClr val="bg1"/>
+                </a:solidFill>
+                <a:latin typeface="KoPub돋움체 Light" pitchFamily="18" charset="-127"/>
+                <a:ea typeface="KoPub돋움체 Light" pitchFamily="18" charset="-127"/>
+              </a:rPr>
+              <a:t>컷씬 작업 도중 보류</a:t>
+            </a:r>
+            <a:endParaRPr lang="ko-KR" altLang="en-US" dirty="0">
+              <a:solidFill>
+                <a:schemeClr val="bg1"/>
+              </a:solidFill>
+              <a:latin typeface="KoPub돋움체 Light" pitchFamily="18" charset="-127"/>
+              <a:ea typeface="KoPub돋움체 Light" pitchFamily="18" charset="-127"/>
+            </a:endParaRPr>
+          </a:p>
+        </p:txBody>
+      </p:sp>
     </p:spTree>
     <p:extLst>
       <p:ext uri="{BB962C8B-B14F-4D97-AF65-F5344CB8AC3E}">
-        <p14:creationId xmlns:p14="http://schemas.microsoft.com/office/powerpoint/2010/main" val="4073799580"/>
+        <p14:creationId xmlns:p14="http://schemas.microsoft.com/office/powerpoint/2010/main" val="812289062"/>
       </p:ext>
     </p:extLst>
   </p:cSld>
@@ -4481,7 +5755,7 @@
     </p:spTree>
     <p:extLst>
       <p:ext uri="{BB962C8B-B14F-4D97-AF65-F5344CB8AC3E}">
-        <p14:creationId xmlns:p14="http://schemas.microsoft.com/office/powerpoint/2010/main" val="812289062"/>
+        <p14:creationId xmlns:p14="http://schemas.microsoft.com/office/powerpoint/2010/main" val="768991365"/>
       </p:ext>
     </p:extLst>
   </p:cSld>
@@ -4538,7 +5812,7 @@
           <a:lstStyle/>
           <a:p>
             <a:r>
-              <a:rPr lang="ko-KR" altLang="en-US" sz="2800" dirty="0" err="1" smtClean="0">
+              <a:rPr lang="ko-KR" altLang="en-US" sz="2800" dirty="0" smtClean="0">
                 <a:solidFill>
                   <a:schemeClr val="bg1"/>
                 </a:solidFill>
@@ -4720,27 +5994,7 @@
                 <a:latin typeface="KoPub돋움체 Light" pitchFamily="18" charset="-127"/>
                 <a:ea typeface="KoPub돋움체 Light" pitchFamily="18" charset="-127"/>
               </a:rPr>
-              <a:t>스토리 전개를 위한 </a:t>
-            </a:r>
-            <a:r>
-              <a:rPr lang="ko-KR" altLang="en-US" sz="2000" dirty="0" err="1" smtClean="0">
-                <a:solidFill>
-                  <a:schemeClr val="bg1"/>
-                </a:solidFill>
-                <a:latin typeface="KoPub돋움체 Light" pitchFamily="18" charset="-127"/>
-                <a:ea typeface="KoPub돋움체 Light" pitchFamily="18" charset="-127"/>
-              </a:rPr>
-              <a:t>컷씬</a:t>
-            </a:r>
-            <a:r>
-              <a:rPr lang="ko-KR" altLang="en-US" sz="2000" dirty="0" smtClean="0">
-                <a:solidFill>
-                  <a:schemeClr val="bg1"/>
-                </a:solidFill>
-                <a:latin typeface="KoPub돋움체 Light" pitchFamily="18" charset="-127"/>
-                <a:ea typeface="KoPub돋움체 Light" pitchFamily="18" charset="-127"/>
-              </a:rPr>
-              <a:t> 기획 및 삽화 작업</a:t>
+              <a:t>스토리 전개를 위한 컷씬 기획 및 삽화 작업</a:t>
             </a:r>
             <a:endParaRPr lang="en-US" altLang="ko-KR" sz="2000" dirty="0" smtClean="0">
               <a:solidFill>
@@ -6034,6 +7288,184 @@
 </file>
 
 <file path=ppt/slides/slide8.xml><?xml version="1.0" encoding="utf-8"?>
+<p:sld xmlns:a="http://schemas.openxmlformats.org/drawingml/2006/main" xmlns:r="http://schemas.openxmlformats.org/officeDocument/2006/relationships" xmlns:p="http://schemas.openxmlformats.org/presentationml/2006/main">
+  <p:cSld>
+    <p:bg>
+      <p:bgPr>
+        <a:solidFill>
+          <a:schemeClr val="bg1">
+            <a:lumMod val="95000"/>
+          </a:schemeClr>
+        </a:solidFill>
+        <a:effectLst/>
+      </p:bgPr>
+    </p:bg>
+    <p:spTree>
+      <p:nvGrpSpPr>
+        <p:cNvPr id="1" name=""/>
+        <p:cNvGrpSpPr/>
+        <p:nvPr/>
+      </p:nvGrpSpPr>
+      <p:grpSpPr>
+        <a:xfrm>
+          <a:off x="0" y="0"/>
+          <a:ext cx="0" cy="0"/>
+          <a:chOff x="0" y="0"/>
+          <a:chExt cx="0" cy="0"/>
+        </a:xfrm>
+      </p:grpSpPr>
+      <p:sp>
+        <p:nvSpPr>
+          <p:cNvPr id="2" name="TextBox 1"/>
+          <p:cNvSpPr txBox="1"/>
+          <p:nvPr/>
+        </p:nvSpPr>
+        <p:spPr>
+          <a:xfrm>
+            <a:off x="183171" y="153794"/>
+            <a:ext cx="1539204" cy="523220"/>
+          </a:xfrm>
+          <a:prstGeom prst="rect">
+            <a:avLst/>
+          </a:prstGeom>
+          <a:noFill/>
+          <a:ln>
+            <a:noFill/>
+          </a:ln>
+        </p:spPr>
+        <p:txBody>
+          <a:bodyPr wrap="none" rtlCol="0" anchor="ctr">
+            <a:spAutoFit/>
+          </a:bodyPr>
+          <a:lstStyle/>
+          <a:p>
+            <a:r>
+              <a:rPr lang="ko-KR" altLang="en-US" sz="2800" dirty="0" smtClean="0">
+                <a:solidFill>
+                  <a:srgbClr val="28283C"/>
+                </a:solidFill>
+                <a:latin typeface="KoPub돋움체 Bold" pitchFamily="18" charset="-127"/>
+                <a:ea typeface="KoPub돋움체 Bold" pitchFamily="18" charset="-127"/>
+              </a:rPr>
+              <a:t>추후 계획</a:t>
+            </a:r>
+            <a:endParaRPr lang="ko-KR" altLang="en-US" sz="2800" dirty="0">
+              <a:solidFill>
+                <a:srgbClr val="28283C"/>
+              </a:solidFill>
+              <a:latin typeface="KoPub돋움체 Bold" pitchFamily="18" charset="-127"/>
+              <a:ea typeface="KoPub돋움체 Bold" pitchFamily="18" charset="-127"/>
+            </a:endParaRPr>
+          </a:p>
+        </p:txBody>
+      </p:sp>
+      <p:cxnSp>
+        <p:nvCxnSpPr>
+          <p:cNvPr id="7" name="직선 연결선 6"/>
+          <p:cNvCxnSpPr/>
+          <p:nvPr/>
+        </p:nvCxnSpPr>
+        <p:spPr>
+          <a:xfrm>
+            <a:off x="232264" y="703390"/>
+            <a:ext cx="11727473" cy="0"/>
+          </a:xfrm>
+          <a:prstGeom prst="line">
+            <a:avLst/>
+          </a:prstGeom>
+          <a:ln w="38100">
+            <a:solidFill>
+              <a:srgbClr val="181838"/>
+            </a:solidFill>
+          </a:ln>
+        </p:spPr>
+        <p:style>
+          <a:lnRef idx="1">
+            <a:schemeClr val="accent1"/>
+          </a:lnRef>
+          <a:fillRef idx="0">
+            <a:schemeClr val="accent1"/>
+          </a:fillRef>
+          <a:effectRef idx="0">
+            <a:schemeClr val="accent1"/>
+          </a:effectRef>
+          <a:fontRef idx="minor">
+            <a:schemeClr val="tx1"/>
+          </a:fontRef>
+        </p:style>
+      </p:cxnSp>
+      <p:pic>
+        <p:nvPicPr>
+          <p:cNvPr id="10" name="Picture 2" descr="https://cdn.discordapp.com/attachments/915144462777323580/969188456532176946/unknown.png"/>
+          <p:cNvPicPr>
+            <a:picLocks noChangeAspect="1" noChangeArrowheads="1"/>
+          </p:cNvPicPr>
+          <p:nvPr/>
+        </p:nvPicPr>
+        <p:blipFill>
+          <a:blip r:embed="rId2">
+            <a:clrChange>
+              <a:clrFrom>
+                <a:srgbClr val="FFFFFF"/>
+              </a:clrFrom>
+              <a:clrTo>
+                <a:srgbClr val="FFFFFF">
+                  <a:alpha val="0"/>
+                </a:srgbClr>
+              </a:clrTo>
+            </a:clrChange>
+            <a:extLst>
+              <a:ext uri="{28A0092B-C50C-407E-A947-70E740481C1C}">
+                <a14:useLocalDpi xmlns:a14="http://schemas.microsoft.com/office/drawing/2010/main" val="0"/>
+              </a:ext>
+            </a:extLst>
+          </a:blip>
+          <a:srcRect/>
+          <a:stretch>
+            <a:fillRect/>
+          </a:stretch>
+        </p:blipFill>
+        <p:spPr bwMode="auto">
+          <a:xfrm>
+            <a:off x="334078" y="2353013"/>
+            <a:ext cx="11277600" cy="2276475"/>
+          </a:xfrm>
+          <a:prstGeom prst="rect">
+            <a:avLst/>
+          </a:prstGeom>
+          <a:noFill/>
+          <a:extLst>
+            <a:ext uri="{909E8E84-426E-40DD-AFC4-6F175D3DCCD1}">
+              <a14:hiddenFill xmlns:a14="http://schemas.microsoft.com/office/drawing/2010/main">
+                <a:solidFill>
+                  <a:srgbClr val="FFFFFF"/>
+                </a:solidFill>
+              </a14:hiddenFill>
+            </a:ext>
+          </a:extLst>
+        </p:spPr>
+      </p:pic>
+    </p:spTree>
+    <p:extLst>
+      <p:ext uri="{BB962C8B-B14F-4D97-AF65-F5344CB8AC3E}">
+        <p14:creationId xmlns:p14="http://schemas.microsoft.com/office/powerpoint/2010/main" val="4073799580"/>
+      </p:ext>
+    </p:extLst>
+  </p:cSld>
+  <p:clrMapOvr>
+    <a:masterClrMapping/>
+  </p:clrMapOvr>
+  <p:timing>
+    <p:tnLst>
+      <p:par>
+        <p:cTn id="1" dur="indefinite" restart="never" nodeType="tmRoot"/>
+      </p:par>
+    </p:tnLst>
+  </p:timing>
+</p:sld>
+</file>
+
+<file path=ppt/slides/slide9.xml><?xml version="1.0" encoding="utf-8"?>
 <p:sld xmlns:a="http://schemas.openxmlformats.org/drawingml/2006/main" xmlns:r="http://schemas.openxmlformats.org/officeDocument/2006/relationships" xmlns:p="http://schemas.openxmlformats.org/presentationml/2006/main">
   <p:cSld>
     <p:spTree>
@@ -6412,7 +7844,7 @@
   <a:extraClrSchemeLst/>
   <a:extLst>
     <a:ext uri="{05A4C25C-085E-4340-85A3-A5531E510DB2}">
-      <thm15:themeFamily xmlns="" xmlns:thm15="http://schemas.microsoft.com/office/thememl/2012/main" name="Office Theme" id="{62F939B6-93AF-4DB8-9C6B-D6C7DFDC589F}" vid="{4A3C46E8-61CC-4603-A589-7422A47A8E4A}"/>
+      <thm15:themeFamily xmlns:thm15="http://schemas.microsoft.com/office/thememl/2012/main" xmlns="" name="Office Theme" id="{62F939B6-93AF-4DB8-9C6B-D6C7DFDC589F}" vid="{4A3C46E8-61CC-4603-A589-7422A47A8E4A}"/>
     </a:ext>
   </a:extLst>
 </a:theme>

--- a/Docs/214_AprilReport.pptx
+++ b/Docs/214_AprilReport.pptx
@@ -8,9 +8,9 @@
     <p:sldId id="267" r:id="rId2"/>
     <p:sldId id="269" r:id="rId3"/>
     <p:sldId id="277" r:id="rId4"/>
-    <p:sldId id="270" r:id="rId5"/>
-    <p:sldId id="271" r:id="rId6"/>
-    <p:sldId id="276" r:id="rId7"/>
+    <p:sldId id="271" r:id="rId5"/>
+    <p:sldId id="276" r:id="rId6"/>
+    <p:sldId id="270" r:id="rId7"/>
     <p:sldId id="274" r:id="rId8"/>
     <p:sldId id="268" r:id="rId9"/>
     <p:sldId id="275" r:id="rId10"/>
@@ -137,7 +137,7 @@
           <p:cNvPr id="2" name="제목 1">
             <a:extLst>
               <a:ext uri="{FF2B5EF4-FFF2-40B4-BE49-F238E27FC236}">
-                <a16:creationId xmlns="" xmlns:a16="http://schemas.microsoft.com/office/drawing/2014/main" id="{22112318-F619-4488-8B6E-2F5F2426A69A}"/>
+                <a16:creationId xmlns:a16="http://schemas.microsoft.com/office/drawing/2014/main" xmlns="" id="{22112318-F619-4488-8B6E-2F5F2426A69A}"/>
               </a:ext>
             </a:extLst>
           </p:cNvPr>
@@ -174,7 +174,7 @@
           <p:cNvPr id="3" name="부제목 2">
             <a:extLst>
               <a:ext uri="{FF2B5EF4-FFF2-40B4-BE49-F238E27FC236}">
-                <a16:creationId xmlns="" xmlns:a16="http://schemas.microsoft.com/office/drawing/2014/main" id="{E8BEE6BB-9A5F-4E9F-9F1C-6D46BE01A313}"/>
+                <a16:creationId xmlns:a16="http://schemas.microsoft.com/office/drawing/2014/main" xmlns="" id="{E8BEE6BB-9A5F-4E9F-9F1C-6D46BE01A313}"/>
               </a:ext>
             </a:extLst>
           </p:cNvPr>
@@ -244,7 +244,7 @@
           <p:cNvPr id="4" name="날짜 개체 틀 3">
             <a:extLst>
               <a:ext uri="{FF2B5EF4-FFF2-40B4-BE49-F238E27FC236}">
-                <a16:creationId xmlns="" xmlns:a16="http://schemas.microsoft.com/office/drawing/2014/main" id="{D2D9A51D-A948-4CB8-A9EB-5A26520C8EF0}"/>
+                <a16:creationId xmlns:a16="http://schemas.microsoft.com/office/drawing/2014/main" xmlns="" id="{D2D9A51D-A948-4CB8-A9EB-5A26520C8EF0}"/>
               </a:ext>
             </a:extLst>
           </p:cNvPr>
@@ -286,7 +286,7 @@
           <p:cNvPr id="5" name="바닥글 개체 틀 4">
             <a:extLst>
               <a:ext uri="{FF2B5EF4-FFF2-40B4-BE49-F238E27FC236}">
-                <a16:creationId xmlns="" xmlns:a16="http://schemas.microsoft.com/office/drawing/2014/main" id="{84374BBD-0B82-4658-B13D-088F0E4D078E}"/>
+                <a16:creationId xmlns:a16="http://schemas.microsoft.com/office/drawing/2014/main" xmlns="" id="{84374BBD-0B82-4658-B13D-088F0E4D078E}"/>
               </a:ext>
             </a:extLst>
           </p:cNvPr>
@@ -317,7 +317,7 @@
           <p:cNvPr id="6" name="슬라이드 번호 개체 틀 5">
             <a:extLst>
               <a:ext uri="{FF2B5EF4-FFF2-40B4-BE49-F238E27FC236}">
-                <a16:creationId xmlns="" xmlns:a16="http://schemas.microsoft.com/office/drawing/2014/main" id="{AB1AAA67-696A-4836-A10B-FF164C3AF889}"/>
+                <a16:creationId xmlns:a16="http://schemas.microsoft.com/office/drawing/2014/main" xmlns="" id="{AB1AAA67-696A-4836-A10B-FF164C3AF889}"/>
               </a:ext>
             </a:extLst>
           </p:cNvPr>
@@ -389,7 +389,7 @@
           <p:cNvPr id="2" name="제목 1">
             <a:extLst>
               <a:ext uri="{FF2B5EF4-FFF2-40B4-BE49-F238E27FC236}">
-                <a16:creationId xmlns="" xmlns:a16="http://schemas.microsoft.com/office/drawing/2014/main" id="{3C43AEE1-28CA-46D2-81F5-CD34E4F9E583}"/>
+                <a16:creationId xmlns:a16="http://schemas.microsoft.com/office/drawing/2014/main" xmlns="" id="{3C43AEE1-28CA-46D2-81F5-CD34E4F9E583}"/>
               </a:ext>
             </a:extLst>
           </p:cNvPr>
@@ -417,7 +417,7 @@
           <p:cNvPr id="3" name="세로 텍스트 개체 틀 2">
             <a:extLst>
               <a:ext uri="{FF2B5EF4-FFF2-40B4-BE49-F238E27FC236}">
-                <a16:creationId xmlns="" xmlns:a16="http://schemas.microsoft.com/office/drawing/2014/main" id="{C738FEC2-4BF0-4A45-9297-EE9B2E45E5CC}"/>
+                <a16:creationId xmlns:a16="http://schemas.microsoft.com/office/drawing/2014/main" xmlns="" id="{C738FEC2-4BF0-4A45-9297-EE9B2E45E5CC}"/>
               </a:ext>
             </a:extLst>
           </p:cNvPr>
@@ -474,7 +474,7 @@
           <p:cNvPr id="4" name="날짜 개체 틀 3">
             <a:extLst>
               <a:ext uri="{FF2B5EF4-FFF2-40B4-BE49-F238E27FC236}">
-                <a16:creationId xmlns="" xmlns:a16="http://schemas.microsoft.com/office/drawing/2014/main" id="{2BEDBAD0-D342-4544-94B8-122B3BDBF705}"/>
+                <a16:creationId xmlns:a16="http://schemas.microsoft.com/office/drawing/2014/main" xmlns="" id="{2BEDBAD0-D342-4544-94B8-122B3BDBF705}"/>
               </a:ext>
             </a:extLst>
           </p:cNvPr>
@@ -516,7 +516,7 @@
           <p:cNvPr id="5" name="바닥글 개체 틀 4">
             <a:extLst>
               <a:ext uri="{FF2B5EF4-FFF2-40B4-BE49-F238E27FC236}">
-                <a16:creationId xmlns="" xmlns:a16="http://schemas.microsoft.com/office/drawing/2014/main" id="{1D70FE0D-ACBA-4806-9F35-4EB786E865FE}"/>
+                <a16:creationId xmlns:a16="http://schemas.microsoft.com/office/drawing/2014/main" xmlns="" id="{1D70FE0D-ACBA-4806-9F35-4EB786E865FE}"/>
               </a:ext>
             </a:extLst>
           </p:cNvPr>
@@ -547,7 +547,7 @@
           <p:cNvPr id="6" name="슬라이드 번호 개체 틀 5">
             <a:extLst>
               <a:ext uri="{FF2B5EF4-FFF2-40B4-BE49-F238E27FC236}">
-                <a16:creationId xmlns="" xmlns:a16="http://schemas.microsoft.com/office/drawing/2014/main" id="{A7F3119A-4AE1-408F-B8AD-4428B0060B24}"/>
+                <a16:creationId xmlns:a16="http://schemas.microsoft.com/office/drawing/2014/main" xmlns="" id="{A7F3119A-4AE1-408F-B8AD-4428B0060B24}"/>
               </a:ext>
             </a:extLst>
           </p:cNvPr>
@@ -619,7 +619,7 @@
           <p:cNvPr id="2" name="세로 제목 1">
             <a:extLst>
               <a:ext uri="{FF2B5EF4-FFF2-40B4-BE49-F238E27FC236}">
-                <a16:creationId xmlns="" xmlns:a16="http://schemas.microsoft.com/office/drawing/2014/main" id="{F0B3D2AB-E650-41C2-B6FB-5398A5C19680}"/>
+                <a16:creationId xmlns:a16="http://schemas.microsoft.com/office/drawing/2014/main" xmlns="" id="{F0B3D2AB-E650-41C2-B6FB-5398A5C19680}"/>
               </a:ext>
             </a:extLst>
           </p:cNvPr>
@@ -652,7 +652,7 @@
           <p:cNvPr id="3" name="세로 텍스트 개체 틀 2">
             <a:extLst>
               <a:ext uri="{FF2B5EF4-FFF2-40B4-BE49-F238E27FC236}">
-                <a16:creationId xmlns="" xmlns:a16="http://schemas.microsoft.com/office/drawing/2014/main" id="{992D6516-8F93-4221-97F7-E01D89EE517D}"/>
+                <a16:creationId xmlns:a16="http://schemas.microsoft.com/office/drawing/2014/main" xmlns="" id="{992D6516-8F93-4221-97F7-E01D89EE517D}"/>
               </a:ext>
             </a:extLst>
           </p:cNvPr>
@@ -714,7 +714,7 @@
           <p:cNvPr id="4" name="날짜 개체 틀 3">
             <a:extLst>
               <a:ext uri="{FF2B5EF4-FFF2-40B4-BE49-F238E27FC236}">
-                <a16:creationId xmlns="" xmlns:a16="http://schemas.microsoft.com/office/drawing/2014/main" id="{8D86CB26-A349-496A-B48B-A7B891172236}"/>
+                <a16:creationId xmlns:a16="http://schemas.microsoft.com/office/drawing/2014/main" xmlns="" id="{8D86CB26-A349-496A-B48B-A7B891172236}"/>
               </a:ext>
             </a:extLst>
           </p:cNvPr>
@@ -756,7 +756,7 @@
           <p:cNvPr id="5" name="바닥글 개체 틀 4">
             <a:extLst>
               <a:ext uri="{FF2B5EF4-FFF2-40B4-BE49-F238E27FC236}">
-                <a16:creationId xmlns="" xmlns:a16="http://schemas.microsoft.com/office/drawing/2014/main" id="{C2E726FD-A739-41D5-96BA-4670363928CF}"/>
+                <a16:creationId xmlns:a16="http://schemas.microsoft.com/office/drawing/2014/main" xmlns="" id="{C2E726FD-A739-41D5-96BA-4670363928CF}"/>
               </a:ext>
             </a:extLst>
           </p:cNvPr>
@@ -787,7 +787,7 @@
           <p:cNvPr id="6" name="슬라이드 번호 개체 틀 5">
             <a:extLst>
               <a:ext uri="{FF2B5EF4-FFF2-40B4-BE49-F238E27FC236}">
-                <a16:creationId xmlns="" xmlns:a16="http://schemas.microsoft.com/office/drawing/2014/main" id="{60FAE18D-FED5-4070-8B76-811D76CCECC9}"/>
+                <a16:creationId xmlns:a16="http://schemas.microsoft.com/office/drawing/2014/main" xmlns="" id="{60FAE18D-FED5-4070-8B76-811D76CCECC9}"/>
               </a:ext>
             </a:extLst>
           </p:cNvPr>
@@ -859,7 +859,7 @@
           <p:cNvPr id="2" name="제목 1">
             <a:extLst>
               <a:ext uri="{FF2B5EF4-FFF2-40B4-BE49-F238E27FC236}">
-                <a16:creationId xmlns="" xmlns:a16="http://schemas.microsoft.com/office/drawing/2014/main" id="{5CC6958D-28E5-4CC8-8C48-52A02A1BC426}"/>
+                <a16:creationId xmlns:a16="http://schemas.microsoft.com/office/drawing/2014/main" xmlns="" id="{5CC6958D-28E5-4CC8-8C48-52A02A1BC426}"/>
               </a:ext>
             </a:extLst>
           </p:cNvPr>
@@ -887,7 +887,7 @@
           <p:cNvPr id="3" name="내용 개체 틀 2">
             <a:extLst>
               <a:ext uri="{FF2B5EF4-FFF2-40B4-BE49-F238E27FC236}">
-                <a16:creationId xmlns="" xmlns:a16="http://schemas.microsoft.com/office/drawing/2014/main" id="{E8E03031-827B-4AC7-B564-384C16177476}"/>
+                <a16:creationId xmlns:a16="http://schemas.microsoft.com/office/drawing/2014/main" xmlns="" id="{E8E03031-827B-4AC7-B564-384C16177476}"/>
               </a:ext>
             </a:extLst>
           </p:cNvPr>
@@ -944,7 +944,7 @@
           <p:cNvPr id="4" name="날짜 개체 틀 3">
             <a:extLst>
               <a:ext uri="{FF2B5EF4-FFF2-40B4-BE49-F238E27FC236}">
-                <a16:creationId xmlns="" xmlns:a16="http://schemas.microsoft.com/office/drawing/2014/main" id="{11C19838-69C9-49EB-9B51-549106E9B8DE}"/>
+                <a16:creationId xmlns:a16="http://schemas.microsoft.com/office/drawing/2014/main" xmlns="" id="{11C19838-69C9-49EB-9B51-549106E9B8DE}"/>
               </a:ext>
             </a:extLst>
           </p:cNvPr>
@@ -986,7 +986,7 @@
           <p:cNvPr id="5" name="바닥글 개체 틀 4">
             <a:extLst>
               <a:ext uri="{FF2B5EF4-FFF2-40B4-BE49-F238E27FC236}">
-                <a16:creationId xmlns="" xmlns:a16="http://schemas.microsoft.com/office/drawing/2014/main" id="{3C26852C-90C9-4502-A697-363CF824CFD0}"/>
+                <a16:creationId xmlns:a16="http://schemas.microsoft.com/office/drawing/2014/main" xmlns="" id="{3C26852C-90C9-4502-A697-363CF824CFD0}"/>
               </a:ext>
             </a:extLst>
           </p:cNvPr>
@@ -1017,7 +1017,7 @@
           <p:cNvPr id="6" name="슬라이드 번호 개체 틀 5">
             <a:extLst>
               <a:ext uri="{FF2B5EF4-FFF2-40B4-BE49-F238E27FC236}">
-                <a16:creationId xmlns="" xmlns:a16="http://schemas.microsoft.com/office/drawing/2014/main" id="{DF7509D0-CCBD-406A-9D4E-6845657BBAED}"/>
+                <a16:creationId xmlns:a16="http://schemas.microsoft.com/office/drawing/2014/main" xmlns="" id="{DF7509D0-CCBD-406A-9D4E-6845657BBAED}"/>
               </a:ext>
             </a:extLst>
           </p:cNvPr>
@@ -1089,7 +1089,7 @@
           <p:cNvPr id="2" name="제목 1">
             <a:extLst>
               <a:ext uri="{FF2B5EF4-FFF2-40B4-BE49-F238E27FC236}">
-                <a16:creationId xmlns="" xmlns:a16="http://schemas.microsoft.com/office/drawing/2014/main" id="{6CEF73EF-188B-4B17-B08F-D30E80C308D0}"/>
+                <a16:creationId xmlns:a16="http://schemas.microsoft.com/office/drawing/2014/main" xmlns="" id="{6CEF73EF-188B-4B17-B08F-D30E80C308D0}"/>
               </a:ext>
             </a:extLst>
           </p:cNvPr>
@@ -1126,7 +1126,7 @@
           <p:cNvPr id="3" name="텍스트 개체 틀 2">
             <a:extLst>
               <a:ext uri="{FF2B5EF4-FFF2-40B4-BE49-F238E27FC236}">
-                <a16:creationId xmlns="" xmlns:a16="http://schemas.microsoft.com/office/drawing/2014/main" id="{DD7DD2CA-F9BF-47A8-9D27-757556FD1CEE}"/>
+                <a16:creationId xmlns:a16="http://schemas.microsoft.com/office/drawing/2014/main" xmlns="" id="{DD7DD2CA-F9BF-47A8-9D27-757556FD1CEE}"/>
               </a:ext>
             </a:extLst>
           </p:cNvPr>
@@ -1251,7 +1251,7 @@
           <p:cNvPr id="4" name="날짜 개체 틀 3">
             <a:extLst>
               <a:ext uri="{FF2B5EF4-FFF2-40B4-BE49-F238E27FC236}">
-                <a16:creationId xmlns="" xmlns:a16="http://schemas.microsoft.com/office/drawing/2014/main" id="{DE78A1FB-ABBF-480D-AC6C-9BB1AEF9789B}"/>
+                <a16:creationId xmlns:a16="http://schemas.microsoft.com/office/drawing/2014/main" xmlns="" id="{DE78A1FB-ABBF-480D-AC6C-9BB1AEF9789B}"/>
               </a:ext>
             </a:extLst>
           </p:cNvPr>
@@ -1293,7 +1293,7 @@
           <p:cNvPr id="5" name="바닥글 개체 틀 4">
             <a:extLst>
               <a:ext uri="{FF2B5EF4-FFF2-40B4-BE49-F238E27FC236}">
-                <a16:creationId xmlns="" xmlns:a16="http://schemas.microsoft.com/office/drawing/2014/main" id="{6384247E-1D11-4A19-BDDF-E157A205B45F}"/>
+                <a16:creationId xmlns:a16="http://schemas.microsoft.com/office/drawing/2014/main" xmlns="" id="{6384247E-1D11-4A19-BDDF-E157A205B45F}"/>
               </a:ext>
             </a:extLst>
           </p:cNvPr>
@@ -1324,7 +1324,7 @@
           <p:cNvPr id="6" name="슬라이드 번호 개체 틀 5">
             <a:extLst>
               <a:ext uri="{FF2B5EF4-FFF2-40B4-BE49-F238E27FC236}">
-                <a16:creationId xmlns="" xmlns:a16="http://schemas.microsoft.com/office/drawing/2014/main" id="{124EC815-B6FC-4BDE-910C-F8015ED4AD75}"/>
+                <a16:creationId xmlns:a16="http://schemas.microsoft.com/office/drawing/2014/main" xmlns="" id="{124EC815-B6FC-4BDE-910C-F8015ED4AD75}"/>
               </a:ext>
             </a:extLst>
           </p:cNvPr>
@@ -1396,7 +1396,7 @@
           <p:cNvPr id="2" name="제목 1">
             <a:extLst>
               <a:ext uri="{FF2B5EF4-FFF2-40B4-BE49-F238E27FC236}">
-                <a16:creationId xmlns="" xmlns:a16="http://schemas.microsoft.com/office/drawing/2014/main" id="{B4DAEB91-29AA-4ACC-BDCF-960470FCA5A1}"/>
+                <a16:creationId xmlns:a16="http://schemas.microsoft.com/office/drawing/2014/main" xmlns="" id="{B4DAEB91-29AA-4ACC-BDCF-960470FCA5A1}"/>
               </a:ext>
             </a:extLst>
           </p:cNvPr>
@@ -1424,7 +1424,7 @@
           <p:cNvPr id="3" name="내용 개체 틀 2">
             <a:extLst>
               <a:ext uri="{FF2B5EF4-FFF2-40B4-BE49-F238E27FC236}">
-                <a16:creationId xmlns="" xmlns:a16="http://schemas.microsoft.com/office/drawing/2014/main" id="{256B0E51-7DC0-45B6-8306-D8167F5CB7C8}"/>
+                <a16:creationId xmlns:a16="http://schemas.microsoft.com/office/drawing/2014/main" xmlns="" id="{256B0E51-7DC0-45B6-8306-D8167F5CB7C8}"/>
               </a:ext>
             </a:extLst>
           </p:cNvPr>
@@ -1486,7 +1486,7 @@
           <p:cNvPr id="4" name="내용 개체 틀 3">
             <a:extLst>
               <a:ext uri="{FF2B5EF4-FFF2-40B4-BE49-F238E27FC236}">
-                <a16:creationId xmlns="" xmlns:a16="http://schemas.microsoft.com/office/drawing/2014/main" id="{F7CB78CC-8798-4261-B4B1-60B4C54377A7}"/>
+                <a16:creationId xmlns:a16="http://schemas.microsoft.com/office/drawing/2014/main" xmlns="" id="{F7CB78CC-8798-4261-B4B1-60B4C54377A7}"/>
               </a:ext>
             </a:extLst>
           </p:cNvPr>
@@ -1548,7 +1548,7 @@
           <p:cNvPr id="5" name="날짜 개체 틀 4">
             <a:extLst>
               <a:ext uri="{FF2B5EF4-FFF2-40B4-BE49-F238E27FC236}">
-                <a16:creationId xmlns="" xmlns:a16="http://schemas.microsoft.com/office/drawing/2014/main" id="{79594384-5734-4FC8-928A-E1641354A126}"/>
+                <a16:creationId xmlns:a16="http://schemas.microsoft.com/office/drawing/2014/main" xmlns="" id="{79594384-5734-4FC8-928A-E1641354A126}"/>
               </a:ext>
             </a:extLst>
           </p:cNvPr>
@@ -1590,7 +1590,7 @@
           <p:cNvPr id="6" name="바닥글 개체 틀 5">
             <a:extLst>
               <a:ext uri="{FF2B5EF4-FFF2-40B4-BE49-F238E27FC236}">
-                <a16:creationId xmlns="" xmlns:a16="http://schemas.microsoft.com/office/drawing/2014/main" id="{282301C0-6908-48C0-8957-C8B3F4594C5A}"/>
+                <a16:creationId xmlns:a16="http://schemas.microsoft.com/office/drawing/2014/main" xmlns="" id="{282301C0-6908-48C0-8957-C8B3F4594C5A}"/>
               </a:ext>
             </a:extLst>
           </p:cNvPr>
@@ -1621,7 +1621,7 @@
           <p:cNvPr id="7" name="슬라이드 번호 개체 틀 6">
             <a:extLst>
               <a:ext uri="{FF2B5EF4-FFF2-40B4-BE49-F238E27FC236}">
-                <a16:creationId xmlns="" xmlns:a16="http://schemas.microsoft.com/office/drawing/2014/main" id="{507DD8FE-7741-412F-947D-7A7079F48607}"/>
+                <a16:creationId xmlns:a16="http://schemas.microsoft.com/office/drawing/2014/main" xmlns="" id="{507DD8FE-7741-412F-947D-7A7079F48607}"/>
               </a:ext>
             </a:extLst>
           </p:cNvPr>
@@ -1693,7 +1693,7 @@
           <p:cNvPr id="2" name="제목 1">
             <a:extLst>
               <a:ext uri="{FF2B5EF4-FFF2-40B4-BE49-F238E27FC236}">
-                <a16:creationId xmlns="" xmlns:a16="http://schemas.microsoft.com/office/drawing/2014/main" id="{BBD6DFD1-B640-4CC6-A759-6C7981C5CD61}"/>
+                <a16:creationId xmlns:a16="http://schemas.microsoft.com/office/drawing/2014/main" xmlns="" id="{BBD6DFD1-B640-4CC6-A759-6C7981C5CD61}"/>
               </a:ext>
             </a:extLst>
           </p:cNvPr>
@@ -1726,7 +1726,7 @@
           <p:cNvPr id="3" name="텍스트 개체 틀 2">
             <a:extLst>
               <a:ext uri="{FF2B5EF4-FFF2-40B4-BE49-F238E27FC236}">
-                <a16:creationId xmlns="" xmlns:a16="http://schemas.microsoft.com/office/drawing/2014/main" id="{25B2A237-7572-46BD-9502-829F6C0AD4F8}"/>
+                <a16:creationId xmlns:a16="http://schemas.microsoft.com/office/drawing/2014/main" xmlns="" id="{25B2A237-7572-46BD-9502-829F6C0AD4F8}"/>
               </a:ext>
             </a:extLst>
           </p:cNvPr>
@@ -1797,7 +1797,7 @@
           <p:cNvPr id="4" name="내용 개체 틀 3">
             <a:extLst>
               <a:ext uri="{FF2B5EF4-FFF2-40B4-BE49-F238E27FC236}">
-                <a16:creationId xmlns="" xmlns:a16="http://schemas.microsoft.com/office/drawing/2014/main" id="{81AE9732-B570-4506-BDA6-0AB39D453684}"/>
+                <a16:creationId xmlns:a16="http://schemas.microsoft.com/office/drawing/2014/main" xmlns="" id="{81AE9732-B570-4506-BDA6-0AB39D453684}"/>
               </a:ext>
             </a:extLst>
           </p:cNvPr>
@@ -1859,7 +1859,7 @@
           <p:cNvPr id="5" name="텍스트 개체 틀 4">
             <a:extLst>
               <a:ext uri="{FF2B5EF4-FFF2-40B4-BE49-F238E27FC236}">
-                <a16:creationId xmlns="" xmlns:a16="http://schemas.microsoft.com/office/drawing/2014/main" id="{A289407D-7DA6-4293-A426-38DF9B21160E}"/>
+                <a16:creationId xmlns:a16="http://schemas.microsoft.com/office/drawing/2014/main" xmlns="" id="{A289407D-7DA6-4293-A426-38DF9B21160E}"/>
               </a:ext>
             </a:extLst>
           </p:cNvPr>
@@ -1930,7 +1930,7 @@
           <p:cNvPr id="6" name="내용 개체 틀 5">
             <a:extLst>
               <a:ext uri="{FF2B5EF4-FFF2-40B4-BE49-F238E27FC236}">
-                <a16:creationId xmlns="" xmlns:a16="http://schemas.microsoft.com/office/drawing/2014/main" id="{F239549F-370A-4671-B1BB-79655CC6CB8C}"/>
+                <a16:creationId xmlns:a16="http://schemas.microsoft.com/office/drawing/2014/main" xmlns="" id="{F239549F-370A-4671-B1BB-79655CC6CB8C}"/>
               </a:ext>
             </a:extLst>
           </p:cNvPr>
@@ -1992,7 +1992,7 @@
           <p:cNvPr id="7" name="날짜 개체 틀 6">
             <a:extLst>
               <a:ext uri="{FF2B5EF4-FFF2-40B4-BE49-F238E27FC236}">
-                <a16:creationId xmlns="" xmlns:a16="http://schemas.microsoft.com/office/drawing/2014/main" id="{A86D9E62-97AA-41F8-B69B-6CD691CF0E2A}"/>
+                <a16:creationId xmlns:a16="http://schemas.microsoft.com/office/drawing/2014/main" xmlns="" id="{A86D9E62-97AA-41F8-B69B-6CD691CF0E2A}"/>
               </a:ext>
             </a:extLst>
           </p:cNvPr>
@@ -2034,7 +2034,7 @@
           <p:cNvPr id="8" name="바닥글 개체 틀 7">
             <a:extLst>
               <a:ext uri="{FF2B5EF4-FFF2-40B4-BE49-F238E27FC236}">
-                <a16:creationId xmlns="" xmlns:a16="http://schemas.microsoft.com/office/drawing/2014/main" id="{F41D3FC0-561B-4DE4-AA99-9DB56EC6B344}"/>
+                <a16:creationId xmlns:a16="http://schemas.microsoft.com/office/drawing/2014/main" xmlns="" id="{F41D3FC0-561B-4DE4-AA99-9DB56EC6B344}"/>
               </a:ext>
             </a:extLst>
           </p:cNvPr>
@@ -2065,7 +2065,7 @@
           <p:cNvPr id="9" name="슬라이드 번호 개체 틀 8">
             <a:extLst>
               <a:ext uri="{FF2B5EF4-FFF2-40B4-BE49-F238E27FC236}">
-                <a16:creationId xmlns="" xmlns:a16="http://schemas.microsoft.com/office/drawing/2014/main" id="{AD0040F2-99C5-450C-9966-5D00290EBF69}"/>
+                <a16:creationId xmlns:a16="http://schemas.microsoft.com/office/drawing/2014/main" xmlns="" id="{AD0040F2-99C5-450C-9966-5D00290EBF69}"/>
               </a:ext>
             </a:extLst>
           </p:cNvPr>
@@ -2137,7 +2137,7 @@
           <p:cNvPr id="2" name="제목 1">
             <a:extLst>
               <a:ext uri="{FF2B5EF4-FFF2-40B4-BE49-F238E27FC236}">
-                <a16:creationId xmlns="" xmlns:a16="http://schemas.microsoft.com/office/drawing/2014/main" id="{C6E337C1-8281-4F6E-9A31-EBE388C3C82F}"/>
+                <a16:creationId xmlns:a16="http://schemas.microsoft.com/office/drawing/2014/main" xmlns="" id="{C6E337C1-8281-4F6E-9A31-EBE388C3C82F}"/>
               </a:ext>
             </a:extLst>
           </p:cNvPr>
@@ -2165,7 +2165,7 @@
           <p:cNvPr id="3" name="날짜 개체 틀 2">
             <a:extLst>
               <a:ext uri="{FF2B5EF4-FFF2-40B4-BE49-F238E27FC236}">
-                <a16:creationId xmlns="" xmlns:a16="http://schemas.microsoft.com/office/drawing/2014/main" id="{00EA4B32-9135-4223-8DE6-887D2743405B}"/>
+                <a16:creationId xmlns:a16="http://schemas.microsoft.com/office/drawing/2014/main" xmlns="" id="{00EA4B32-9135-4223-8DE6-887D2743405B}"/>
               </a:ext>
             </a:extLst>
           </p:cNvPr>
@@ -2207,7 +2207,7 @@
           <p:cNvPr id="4" name="바닥글 개체 틀 3">
             <a:extLst>
               <a:ext uri="{FF2B5EF4-FFF2-40B4-BE49-F238E27FC236}">
-                <a16:creationId xmlns="" xmlns:a16="http://schemas.microsoft.com/office/drawing/2014/main" id="{9407FC83-8D70-48DB-8681-08CFD9C0DA58}"/>
+                <a16:creationId xmlns:a16="http://schemas.microsoft.com/office/drawing/2014/main" xmlns="" id="{9407FC83-8D70-48DB-8681-08CFD9C0DA58}"/>
               </a:ext>
             </a:extLst>
           </p:cNvPr>
@@ -2238,7 +2238,7 @@
           <p:cNvPr id="5" name="슬라이드 번호 개체 틀 4">
             <a:extLst>
               <a:ext uri="{FF2B5EF4-FFF2-40B4-BE49-F238E27FC236}">
-                <a16:creationId xmlns="" xmlns:a16="http://schemas.microsoft.com/office/drawing/2014/main" id="{A8FC15EC-BCCB-4B82-A94C-FABC63DF674F}"/>
+                <a16:creationId xmlns:a16="http://schemas.microsoft.com/office/drawing/2014/main" xmlns="" id="{A8FC15EC-BCCB-4B82-A94C-FABC63DF674F}"/>
               </a:ext>
             </a:extLst>
           </p:cNvPr>
@@ -2310,7 +2310,7 @@
           <p:cNvPr id="2" name="날짜 개체 틀 1">
             <a:extLst>
               <a:ext uri="{FF2B5EF4-FFF2-40B4-BE49-F238E27FC236}">
-                <a16:creationId xmlns="" xmlns:a16="http://schemas.microsoft.com/office/drawing/2014/main" id="{2B9F9692-5462-4439-80C8-B7E337FC9AC3}"/>
+                <a16:creationId xmlns:a16="http://schemas.microsoft.com/office/drawing/2014/main" xmlns="" id="{2B9F9692-5462-4439-80C8-B7E337FC9AC3}"/>
               </a:ext>
             </a:extLst>
           </p:cNvPr>
@@ -2352,7 +2352,7 @@
           <p:cNvPr id="3" name="바닥글 개체 틀 2">
             <a:extLst>
               <a:ext uri="{FF2B5EF4-FFF2-40B4-BE49-F238E27FC236}">
-                <a16:creationId xmlns="" xmlns:a16="http://schemas.microsoft.com/office/drawing/2014/main" id="{94CA042D-EBC0-437C-A819-521611A545F2}"/>
+                <a16:creationId xmlns:a16="http://schemas.microsoft.com/office/drawing/2014/main" xmlns="" id="{94CA042D-EBC0-437C-A819-521611A545F2}"/>
               </a:ext>
             </a:extLst>
           </p:cNvPr>
@@ -2383,7 +2383,7 @@
           <p:cNvPr id="4" name="슬라이드 번호 개체 틀 3">
             <a:extLst>
               <a:ext uri="{FF2B5EF4-FFF2-40B4-BE49-F238E27FC236}">
-                <a16:creationId xmlns="" xmlns:a16="http://schemas.microsoft.com/office/drawing/2014/main" id="{A2415CDA-0D1F-49BD-8381-21C3BEFD5A98}"/>
+                <a16:creationId xmlns:a16="http://schemas.microsoft.com/office/drawing/2014/main" xmlns="" id="{A2415CDA-0D1F-49BD-8381-21C3BEFD5A98}"/>
               </a:ext>
             </a:extLst>
           </p:cNvPr>
@@ -2455,7 +2455,7 @@
           <p:cNvPr id="2" name="제목 1">
             <a:extLst>
               <a:ext uri="{FF2B5EF4-FFF2-40B4-BE49-F238E27FC236}">
-                <a16:creationId xmlns="" xmlns:a16="http://schemas.microsoft.com/office/drawing/2014/main" id="{2A6F10D4-8D29-48C2-ADF0-92316E2C8E4E}"/>
+                <a16:creationId xmlns:a16="http://schemas.microsoft.com/office/drawing/2014/main" xmlns="" id="{2A6F10D4-8D29-48C2-ADF0-92316E2C8E4E}"/>
               </a:ext>
             </a:extLst>
           </p:cNvPr>
@@ -2492,7 +2492,7 @@
           <p:cNvPr id="3" name="내용 개체 틀 2">
             <a:extLst>
               <a:ext uri="{FF2B5EF4-FFF2-40B4-BE49-F238E27FC236}">
-                <a16:creationId xmlns="" xmlns:a16="http://schemas.microsoft.com/office/drawing/2014/main" id="{BBBA3CD3-DE79-4260-873A-FEDE5C678F80}"/>
+                <a16:creationId xmlns:a16="http://schemas.microsoft.com/office/drawing/2014/main" xmlns="" id="{BBBA3CD3-DE79-4260-873A-FEDE5C678F80}"/>
               </a:ext>
             </a:extLst>
           </p:cNvPr>
@@ -2582,7 +2582,7 @@
           <p:cNvPr id="4" name="텍스트 개체 틀 3">
             <a:extLst>
               <a:ext uri="{FF2B5EF4-FFF2-40B4-BE49-F238E27FC236}">
-                <a16:creationId xmlns="" xmlns:a16="http://schemas.microsoft.com/office/drawing/2014/main" id="{319C6BD2-52A1-4155-9D55-1D847772EA8C}"/>
+                <a16:creationId xmlns:a16="http://schemas.microsoft.com/office/drawing/2014/main" xmlns="" id="{319C6BD2-52A1-4155-9D55-1D847772EA8C}"/>
               </a:ext>
             </a:extLst>
           </p:cNvPr>
@@ -2653,7 +2653,7 @@
           <p:cNvPr id="5" name="날짜 개체 틀 4">
             <a:extLst>
               <a:ext uri="{FF2B5EF4-FFF2-40B4-BE49-F238E27FC236}">
-                <a16:creationId xmlns="" xmlns:a16="http://schemas.microsoft.com/office/drawing/2014/main" id="{982A3511-0B13-4D97-937C-07365FBADAEA}"/>
+                <a16:creationId xmlns:a16="http://schemas.microsoft.com/office/drawing/2014/main" xmlns="" id="{982A3511-0B13-4D97-937C-07365FBADAEA}"/>
               </a:ext>
             </a:extLst>
           </p:cNvPr>
@@ -2695,7 +2695,7 @@
           <p:cNvPr id="6" name="바닥글 개체 틀 5">
             <a:extLst>
               <a:ext uri="{FF2B5EF4-FFF2-40B4-BE49-F238E27FC236}">
-                <a16:creationId xmlns="" xmlns:a16="http://schemas.microsoft.com/office/drawing/2014/main" id="{54C805B4-20AF-4A3C-B131-E1D9FFBB024D}"/>
+                <a16:creationId xmlns:a16="http://schemas.microsoft.com/office/drawing/2014/main" xmlns="" id="{54C805B4-20AF-4A3C-B131-E1D9FFBB024D}"/>
               </a:ext>
             </a:extLst>
           </p:cNvPr>
@@ -2726,7 +2726,7 @@
           <p:cNvPr id="7" name="슬라이드 번호 개체 틀 6">
             <a:extLst>
               <a:ext uri="{FF2B5EF4-FFF2-40B4-BE49-F238E27FC236}">
-                <a16:creationId xmlns="" xmlns:a16="http://schemas.microsoft.com/office/drawing/2014/main" id="{89C705FC-2895-472A-B6FD-C2434624BB3B}"/>
+                <a16:creationId xmlns:a16="http://schemas.microsoft.com/office/drawing/2014/main" xmlns="" id="{89C705FC-2895-472A-B6FD-C2434624BB3B}"/>
               </a:ext>
             </a:extLst>
           </p:cNvPr>
@@ -2798,7 +2798,7 @@
           <p:cNvPr id="2" name="제목 1">
             <a:extLst>
               <a:ext uri="{FF2B5EF4-FFF2-40B4-BE49-F238E27FC236}">
-                <a16:creationId xmlns="" xmlns:a16="http://schemas.microsoft.com/office/drawing/2014/main" id="{4C00D820-915B-4802-8C2E-FF7CA967E012}"/>
+                <a16:creationId xmlns:a16="http://schemas.microsoft.com/office/drawing/2014/main" xmlns="" id="{4C00D820-915B-4802-8C2E-FF7CA967E012}"/>
               </a:ext>
             </a:extLst>
           </p:cNvPr>
@@ -2835,7 +2835,7 @@
           <p:cNvPr id="3" name="그림 개체 틀 2">
             <a:extLst>
               <a:ext uri="{FF2B5EF4-FFF2-40B4-BE49-F238E27FC236}">
-                <a16:creationId xmlns="" xmlns:a16="http://schemas.microsoft.com/office/drawing/2014/main" id="{10CF9849-20D0-417A-99C8-099DF39939AC}"/>
+                <a16:creationId xmlns:a16="http://schemas.microsoft.com/office/drawing/2014/main" xmlns="" id="{10CF9849-20D0-417A-99C8-099DF39939AC}"/>
               </a:ext>
             </a:extLst>
           </p:cNvPr>
@@ -2902,7 +2902,7 @@
           <p:cNvPr id="4" name="텍스트 개체 틀 3">
             <a:extLst>
               <a:ext uri="{FF2B5EF4-FFF2-40B4-BE49-F238E27FC236}">
-                <a16:creationId xmlns="" xmlns:a16="http://schemas.microsoft.com/office/drawing/2014/main" id="{144A7754-54E7-4123-8C5E-1B05B517B5D4}"/>
+                <a16:creationId xmlns:a16="http://schemas.microsoft.com/office/drawing/2014/main" xmlns="" id="{144A7754-54E7-4123-8C5E-1B05B517B5D4}"/>
               </a:ext>
             </a:extLst>
           </p:cNvPr>
@@ -2973,7 +2973,7 @@
           <p:cNvPr id="5" name="날짜 개체 틀 4">
             <a:extLst>
               <a:ext uri="{FF2B5EF4-FFF2-40B4-BE49-F238E27FC236}">
-                <a16:creationId xmlns="" xmlns:a16="http://schemas.microsoft.com/office/drawing/2014/main" id="{3AFFF3F1-9632-4E06-BAB7-312343416AE9}"/>
+                <a16:creationId xmlns:a16="http://schemas.microsoft.com/office/drawing/2014/main" xmlns="" id="{3AFFF3F1-9632-4E06-BAB7-312343416AE9}"/>
               </a:ext>
             </a:extLst>
           </p:cNvPr>
@@ -3015,7 +3015,7 @@
           <p:cNvPr id="6" name="바닥글 개체 틀 5">
             <a:extLst>
               <a:ext uri="{FF2B5EF4-FFF2-40B4-BE49-F238E27FC236}">
-                <a16:creationId xmlns="" xmlns:a16="http://schemas.microsoft.com/office/drawing/2014/main" id="{5F23D6B1-934F-4B4D-9E4F-5AE9E873CB6E}"/>
+                <a16:creationId xmlns:a16="http://schemas.microsoft.com/office/drawing/2014/main" xmlns="" id="{5F23D6B1-934F-4B4D-9E4F-5AE9E873CB6E}"/>
               </a:ext>
             </a:extLst>
           </p:cNvPr>
@@ -3046,7 +3046,7 @@
           <p:cNvPr id="7" name="슬라이드 번호 개체 틀 6">
             <a:extLst>
               <a:ext uri="{FF2B5EF4-FFF2-40B4-BE49-F238E27FC236}">
-                <a16:creationId xmlns="" xmlns:a16="http://schemas.microsoft.com/office/drawing/2014/main" id="{B157FDD5-2092-4E16-8E7C-1CCA4719CF8A}"/>
+                <a16:creationId xmlns:a16="http://schemas.microsoft.com/office/drawing/2014/main" xmlns="" id="{B157FDD5-2092-4E16-8E7C-1CCA4719CF8A}"/>
               </a:ext>
             </a:extLst>
           </p:cNvPr>
@@ -3126,7 +3126,7 @@
           <p:cNvPr id="2" name="제목 개체 틀 1">
             <a:extLst>
               <a:ext uri="{FF2B5EF4-FFF2-40B4-BE49-F238E27FC236}">
-                <a16:creationId xmlns="" xmlns:a16="http://schemas.microsoft.com/office/drawing/2014/main" id="{84C8B562-0886-4274-876D-59EFAAAE2F3B}"/>
+                <a16:creationId xmlns:a16="http://schemas.microsoft.com/office/drawing/2014/main" xmlns="" id="{84C8B562-0886-4274-876D-59EFAAAE2F3B}"/>
               </a:ext>
             </a:extLst>
           </p:cNvPr>
@@ -3164,7 +3164,7 @@
           <p:cNvPr id="3" name="텍스트 개체 틀 2">
             <a:extLst>
               <a:ext uri="{FF2B5EF4-FFF2-40B4-BE49-F238E27FC236}">
-                <a16:creationId xmlns="" xmlns:a16="http://schemas.microsoft.com/office/drawing/2014/main" id="{61799B9E-1CD2-4A09-9ACC-2FA1C62D7AF6}"/>
+                <a16:creationId xmlns:a16="http://schemas.microsoft.com/office/drawing/2014/main" xmlns="" id="{61799B9E-1CD2-4A09-9ACC-2FA1C62D7AF6}"/>
               </a:ext>
             </a:extLst>
           </p:cNvPr>
@@ -3231,7 +3231,7 @@
           <p:cNvPr id="4" name="날짜 개체 틀 3">
             <a:extLst>
               <a:ext uri="{FF2B5EF4-FFF2-40B4-BE49-F238E27FC236}">
-                <a16:creationId xmlns="" xmlns:a16="http://schemas.microsoft.com/office/drawing/2014/main" id="{42A0C5B4-9399-4A5E-8DEE-54436B1EC85C}"/>
+                <a16:creationId xmlns:a16="http://schemas.microsoft.com/office/drawing/2014/main" xmlns="" id="{42A0C5B4-9399-4A5E-8DEE-54436B1EC85C}"/>
               </a:ext>
             </a:extLst>
           </p:cNvPr>
@@ -3291,7 +3291,7 @@
           <p:cNvPr id="5" name="바닥글 개체 틀 4">
             <a:extLst>
               <a:ext uri="{FF2B5EF4-FFF2-40B4-BE49-F238E27FC236}">
-                <a16:creationId xmlns="" xmlns:a16="http://schemas.microsoft.com/office/drawing/2014/main" id="{F5B2B9FF-C0C5-4E9E-A76A-AF0745E2D88E}"/>
+                <a16:creationId xmlns:a16="http://schemas.microsoft.com/office/drawing/2014/main" xmlns="" id="{F5B2B9FF-C0C5-4E9E-A76A-AF0745E2D88E}"/>
               </a:ext>
             </a:extLst>
           </p:cNvPr>
@@ -3340,7 +3340,7 @@
           <p:cNvPr id="6" name="슬라이드 번호 개체 틀 5">
             <a:extLst>
               <a:ext uri="{FF2B5EF4-FFF2-40B4-BE49-F238E27FC236}">
-                <a16:creationId xmlns="" xmlns:a16="http://schemas.microsoft.com/office/drawing/2014/main" id="{E8992FE0-2D01-4365-9F95-1FF838BCEF3A}"/>
+                <a16:creationId xmlns:a16="http://schemas.microsoft.com/office/drawing/2014/main" xmlns="" id="{E8992FE0-2D01-4365-9F95-1FF838BCEF3A}"/>
               </a:ext>
             </a:extLst>
           </p:cNvPr>
@@ -4150,13 +4150,6 @@
                 </a:rPr>
                 <a:t>획</a:t>
               </a:r>
-              <a:endParaRPr lang="ko-KR" altLang="en-US" sz="2400" dirty="0">
-                <a:solidFill>
-                  <a:schemeClr val="bg1"/>
-                </a:solidFill>
-                <a:latin typeface="KoPub돋움체 Bold" pitchFamily="18" charset="-127"/>
-                <a:ea typeface="KoPub돋움체 Bold" pitchFamily="18" charset="-127"/>
-              </a:endParaRPr>
             </a:p>
           </p:txBody>
         </p:sp>
@@ -4428,17 +4421,7 @@
                 <a:latin typeface="KoPub돋움체 Light" pitchFamily="18" charset="-127"/>
                 <a:ea typeface="KoPub돋움체 Light" pitchFamily="18" charset="-127"/>
               </a:rPr>
-              <a:t>플레이어</a:t>
-            </a:r>
-            <a:r>
-              <a:rPr lang="ko-KR" altLang="en-US" dirty="0" smtClean="0">
-                <a:solidFill>
-                  <a:schemeClr val="bg1"/>
-                </a:solidFill>
-                <a:latin typeface="KoPub돋움체 Light" pitchFamily="18" charset="-127"/>
-                <a:ea typeface="KoPub돋움체 Light" pitchFamily="18" charset="-127"/>
-              </a:rPr>
-              <a:t> 스킬</a:t>
+              <a:t>플레이어 스킬</a:t>
             </a:r>
             <a:r>
               <a:rPr lang="en-US" altLang="ko-KR" dirty="0" smtClean="0">
@@ -4733,13 +4716,6 @@
                 </a:rPr>
                 <a:t>발</a:t>
               </a:r>
-              <a:endParaRPr lang="ko-KR" altLang="en-US" sz="2400" dirty="0">
-                <a:solidFill>
-                  <a:schemeClr val="bg1"/>
-                </a:solidFill>
-                <a:latin typeface="KoPub돋움체 Bold" pitchFamily="18" charset="-127"/>
-                <a:ea typeface="KoPub돋움체 Bold" pitchFamily="18" charset="-127"/>
-              </a:endParaRPr>
             </a:p>
           </p:txBody>
         </p:sp>
@@ -5083,7 +5059,7 @@
               <a:t>(</a:t>
             </a:r>
             <a:r>
-              <a:rPr lang="ko-KR" altLang="en-US" dirty="0" err="1" smtClean="0">
+              <a:rPr lang="ko-KR" altLang="en-US" dirty="0" smtClean="0">
                 <a:solidFill>
                   <a:schemeClr val="bg1"/>
                 </a:solidFill>
@@ -5103,7 +5079,7 @@
               <a:t>) </a:t>
             </a:r>
             <a:r>
-              <a:rPr lang="ko-KR" altLang="en-US" dirty="0" err="1" smtClean="0">
+              <a:rPr lang="ko-KR" altLang="en-US" dirty="0" smtClean="0">
                 <a:solidFill>
                   <a:schemeClr val="bg1"/>
                 </a:solidFill>
@@ -5357,18 +5333,15 @@
                 <a:latin typeface="KoPub돋움체 Bold" pitchFamily="18" charset="-127"/>
                 <a:ea typeface="KoPub돋움체 Bold" pitchFamily="18" charset="-127"/>
               </a:rPr>
-              <a:t>개</a:t>
-            </a:r>
-            <a:r>
-              <a:rPr lang="ko-KR" altLang="en-US" sz="2800" dirty="0">
-                <a:solidFill>
-                  <a:schemeClr val="bg1"/>
-                </a:solidFill>
-                <a:latin typeface="KoPub돋움체 Bold" pitchFamily="18" charset="-127"/>
-                <a:ea typeface="KoPub돋움체 Bold" pitchFamily="18" charset="-127"/>
-              </a:rPr>
-              <a:t>발</a:t>
-            </a:r>
+              <a:t>개발</a:t>
+            </a:r>
+            <a:endParaRPr lang="ko-KR" altLang="en-US" sz="2800" dirty="0">
+              <a:solidFill>
+                <a:schemeClr val="bg1"/>
+              </a:solidFill>
+              <a:latin typeface="KoPub돋움체 Bold" pitchFamily="18" charset="-127"/>
+              <a:ea typeface="KoPub돋움체 Bold" pitchFamily="18" charset="-127"/>
+            </a:endParaRPr>
           </a:p>
         </p:txBody>
       </p:sp>
@@ -5665,14 +5638,14 @@
       </p:sp>
       <p:sp>
         <p:nvSpPr>
-          <p:cNvPr id="10" name="TextBox 9"/>
+          <p:cNvPr id="3" name="TextBox 2"/>
           <p:cNvSpPr txBox="1"/>
           <p:nvPr/>
         </p:nvSpPr>
         <p:spPr>
           <a:xfrm>
-            <a:off x="7544875" y="4941114"/>
-            <a:ext cx="1550424" cy="646331"/>
+            <a:off x="3747849" y="5591592"/>
+            <a:ext cx="9286517" cy="1477328"/>
           </a:xfrm>
           <a:prstGeom prst="rect">
             <a:avLst/>
@@ -5685,69 +5658,558 @@
           </a:bodyPr>
           <a:lstStyle/>
           <a:p>
-            <a:pPr marL="285750" indent="-285750">
-              <a:buFontTx/>
-              <a:buChar char="-"/>
-            </a:pPr>
-            <a:r>
-              <a:rPr lang="ko-KR" altLang="en-US" dirty="0" err="1" smtClean="0">
-                <a:solidFill>
-                  <a:schemeClr val="bg1"/>
-                </a:solidFill>
-                <a:latin typeface="KoPub돋움체 Medium" pitchFamily="18" charset="-127"/>
-                <a:ea typeface="KoPub돋움체 Medium" pitchFamily="18" charset="-127"/>
-              </a:rPr>
-              <a:t>유니티</a:t>
+            <a:r>
+              <a:rPr lang="ko-KR" altLang="en-US" dirty="0">
+                <a:solidFill>
+                  <a:schemeClr val="bg1"/>
+                </a:solidFill>
+                <a:latin typeface="KoPub돋움체 Light" pitchFamily="18" charset="-127"/>
+                <a:ea typeface="KoPub돋움체 Light" pitchFamily="18" charset="-127"/>
+              </a:rPr>
+              <a:t>카메라 </a:t>
+            </a:r>
+            <a:r>
+              <a:rPr lang="en-US" altLang="ko-KR" dirty="0">
+                <a:solidFill>
+                  <a:schemeClr val="bg1"/>
+                </a:solidFill>
+                <a:latin typeface="KoPub돋움체 Light" pitchFamily="18" charset="-127"/>
+                <a:ea typeface="KoPub돋움체 Light" pitchFamily="18" charset="-127"/>
+              </a:rPr>
+              <a:t>: </a:t>
+            </a:r>
+            <a:r>
+              <a:rPr lang="ko-KR" altLang="en-US" dirty="0">
+                <a:solidFill>
+                  <a:schemeClr val="bg1"/>
+                </a:solidFill>
+                <a:latin typeface="KoPub돋움체 Light" pitchFamily="18" charset="-127"/>
+                <a:ea typeface="KoPub돋움체 Light" pitchFamily="18" charset="-127"/>
+              </a:rPr>
+              <a:t>흔들림</a:t>
+            </a:r>
+            <a:r>
+              <a:rPr lang="en-US" altLang="ko-KR" dirty="0">
+                <a:solidFill>
+                  <a:schemeClr val="bg1"/>
+                </a:solidFill>
+                <a:latin typeface="KoPub돋움체 Light" pitchFamily="18" charset="-127"/>
+                <a:ea typeface="KoPub돋움체 Light" pitchFamily="18" charset="-127"/>
+              </a:rPr>
+              <a:t>, </a:t>
+            </a:r>
+            <a:r>
+              <a:rPr lang="ko-KR" altLang="en-US" dirty="0">
+                <a:solidFill>
+                  <a:schemeClr val="bg1"/>
+                </a:solidFill>
+                <a:latin typeface="KoPub돋움체 Light" pitchFamily="18" charset="-127"/>
+                <a:ea typeface="KoPub돋움체 Light" pitchFamily="18" charset="-127"/>
+              </a:rPr>
+              <a:t>피격 이펙트</a:t>
+            </a:r>
+            <a:r>
+              <a:rPr lang="en-US" altLang="ko-KR" dirty="0">
+                <a:solidFill>
+                  <a:schemeClr val="bg1"/>
+                </a:solidFill>
+                <a:latin typeface="KoPub돋움체 Light" pitchFamily="18" charset="-127"/>
+                <a:ea typeface="KoPub돋움체 Light" pitchFamily="18" charset="-127"/>
+              </a:rPr>
+              <a:t>, </a:t>
+            </a:r>
+            <a:r>
+              <a:rPr lang="ko-KR" altLang="en-US" dirty="0">
+                <a:solidFill>
+                  <a:schemeClr val="bg1"/>
+                </a:solidFill>
+                <a:latin typeface="KoPub돋움체 Light" pitchFamily="18" charset="-127"/>
+                <a:ea typeface="KoPub돋움체 Light" pitchFamily="18" charset="-127"/>
+              </a:rPr>
+              <a:t>카메라 이동</a:t>
+            </a:r>
+            <a:r>
+              <a:rPr lang="en-US" altLang="ko-KR" dirty="0">
+                <a:solidFill>
+                  <a:schemeClr val="bg1"/>
+                </a:solidFill>
+                <a:latin typeface="KoPub돋움체 Light" pitchFamily="18" charset="-127"/>
+                <a:ea typeface="KoPub돋움체 Light" pitchFamily="18" charset="-127"/>
+              </a:rPr>
+              <a:t>, </a:t>
+            </a:r>
+            <a:r>
+              <a:rPr lang="ko-KR" altLang="en-US" dirty="0">
+                <a:solidFill>
+                  <a:schemeClr val="bg1"/>
+                </a:solidFill>
+                <a:latin typeface="KoPub돋움체 Light" pitchFamily="18" charset="-127"/>
+                <a:ea typeface="KoPub돋움체 Light" pitchFamily="18" charset="-127"/>
+              </a:rPr>
+              <a:t>줌인 줌아웃</a:t>
+            </a:r>
+            <a:r>
+              <a:rPr lang="en-US" altLang="ko-KR" dirty="0">
+                <a:solidFill>
+                  <a:schemeClr val="bg1"/>
+                </a:solidFill>
+                <a:latin typeface="KoPub돋움체 Light" pitchFamily="18" charset="-127"/>
+                <a:ea typeface="KoPub돋움체 Light" pitchFamily="18" charset="-127"/>
+              </a:rPr>
+              <a:t>, </a:t>
+            </a:r>
+            <a:r>
+              <a:rPr lang="ko-KR" altLang="en-US" dirty="0">
+                <a:solidFill>
+                  <a:schemeClr val="bg1"/>
+                </a:solidFill>
+                <a:latin typeface="KoPub돋움체 Light" pitchFamily="18" charset="-127"/>
+                <a:ea typeface="KoPub돋움체 Light" pitchFamily="18" charset="-127"/>
+              </a:rPr>
+              <a:t>특정 </a:t>
+            </a:r>
+            <a:r>
+              <a:rPr lang="en-US" altLang="ko-KR" dirty="0">
+                <a:solidFill>
+                  <a:schemeClr val="bg1"/>
+                </a:solidFill>
+                <a:latin typeface="KoPub돋움체 Light" pitchFamily="18" charset="-127"/>
+                <a:ea typeface="KoPub돋움체 Light" pitchFamily="18" charset="-127"/>
+              </a:rPr>
+              <a:t>NPC </a:t>
             </a:r>
             <a:r>
               <a:rPr lang="ko-KR" altLang="en-US" dirty="0" smtClean="0">
                 <a:solidFill>
                   <a:schemeClr val="bg1"/>
                 </a:solidFill>
-                <a:latin typeface="KoPub돋움체 Medium" pitchFamily="18" charset="-127"/>
-                <a:ea typeface="KoPub돋움체 Medium" pitchFamily="18" charset="-127"/>
-              </a:rPr>
-              <a:t> 공부</a:t>
+                <a:latin typeface="KoPub돋움체 Light" pitchFamily="18" charset="-127"/>
+                <a:ea typeface="KoPub돋움체 Light" pitchFamily="18" charset="-127"/>
+              </a:rPr>
+              <a:t>타겟팅</a:t>
+            </a:r>
+            <a:endParaRPr lang="en-US" altLang="ko-KR" dirty="0">
+              <a:solidFill>
+                <a:schemeClr val="bg1"/>
+              </a:solidFill>
+              <a:latin typeface="KoPub돋움체 Light" pitchFamily="18" charset="-127"/>
+              <a:ea typeface="KoPub돋움체 Light" pitchFamily="18" charset="-127"/>
+            </a:endParaRPr>
+          </a:p>
+          <a:p>
+            <a:r>
+              <a:rPr lang="ko-KR" altLang="en-US" dirty="0" smtClean="0">
+                <a:solidFill>
+                  <a:schemeClr val="bg1"/>
+                </a:solidFill>
+                <a:latin typeface="KoPub돋움체 Light" pitchFamily="18" charset="-127"/>
+                <a:ea typeface="KoPub돋움체 Light" pitchFamily="18" charset="-127"/>
+              </a:rPr>
+              <a:t>적 </a:t>
+            </a:r>
+            <a:r>
+              <a:rPr lang="en-US" altLang="ko-KR" dirty="0">
+                <a:solidFill>
+                  <a:schemeClr val="bg1"/>
+                </a:solidFill>
+                <a:latin typeface="KoPub돋움체 Light" pitchFamily="18" charset="-127"/>
+                <a:ea typeface="KoPub돋움체 Light" pitchFamily="18" charset="-127"/>
+              </a:rPr>
+              <a:t>: </a:t>
+            </a:r>
+            <a:r>
+              <a:rPr lang="ko-KR" altLang="en-US" dirty="0">
+                <a:solidFill>
+                  <a:schemeClr val="bg1"/>
+                </a:solidFill>
+                <a:latin typeface="KoPub돋움체 Light" pitchFamily="18" charset="-127"/>
+                <a:ea typeface="KoPub돋움체 Light" pitchFamily="18" charset="-127"/>
+              </a:rPr>
+              <a:t>이동</a:t>
+            </a:r>
+            <a:r>
+              <a:rPr lang="en-US" altLang="ko-KR" dirty="0">
+                <a:solidFill>
+                  <a:schemeClr val="bg1"/>
+                </a:solidFill>
+                <a:latin typeface="KoPub돋움체 Light" pitchFamily="18" charset="-127"/>
+                <a:ea typeface="KoPub돋움체 Light" pitchFamily="18" charset="-127"/>
+              </a:rPr>
+              <a:t>, </a:t>
+            </a:r>
+            <a:r>
+              <a:rPr lang="ko-KR" altLang="en-US" dirty="0">
+                <a:solidFill>
+                  <a:schemeClr val="bg1"/>
+                </a:solidFill>
+                <a:latin typeface="KoPub돋움체 Light" pitchFamily="18" charset="-127"/>
+                <a:ea typeface="KoPub돋움체 Light" pitchFamily="18" charset="-127"/>
+              </a:rPr>
+              <a:t>애니메이션</a:t>
+            </a:r>
+            <a:r>
+              <a:rPr lang="en-US" altLang="ko-KR" dirty="0">
+                <a:solidFill>
+                  <a:schemeClr val="bg1"/>
+                </a:solidFill>
+                <a:latin typeface="KoPub돋움체 Light" pitchFamily="18" charset="-127"/>
+                <a:ea typeface="KoPub돋움체 Light" pitchFamily="18" charset="-127"/>
+              </a:rPr>
+              <a:t>, </a:t>
+            </a:r>
+            <a:r>
+              <a:rPr lang="ko-KR" altLang="en-US" dirty="0">
+                <a:solidFill>
+                  <a:schemeClr val="bg1"/>
+                </a:solidFill>
+                <a:latin typeface="KoPub돋움체 Light" pitchFamily="18" charset="-127"/>
+                <a:ea typeface="KoPub돋움체 Light" pitchFamily="18" charset="-127"/>
+              </a:rPr>
+              <a:t>구조 등 </a:t>
+            </a:r>
+            <a:r>
+              <a:rPr lang="en-US" altLang="ko-KR" dirty="0">
+                <a:solidFill>
+                  <a:schemeClr val="bg1"/>
+                </a:solidFill>
+                <a:latin typeface="KoPub돋움체 Light" pitchFamily="18" charset="-127"/>
+                <a:ea typeface="KoPub돋움체 Light" pitchFamily="18" charset="-127"/>
+              </a:rPr>
+              <a:t>FSM </a:t>
+            </a:r>
+            <a:r>
+              <a:rPr lang="ko-KR" altLang="en-US" dirty="0">
+                <a:solidFill>
+                  <a:schemeClr val="bg1"/>
+                </a:solidFill>
+                <a:latin typeface="KoPub돋움체 Light" pitchFamily="18" charset="-127"/>
+                <a:ea typeface="KoPub돋움체 Light" pitchFamily="18" charset="-127"/>
+              </a:rPr>
+              <a:t>과 </a:t>
+            </a:r>
+            <a:r>
+              <a:rPr lang="en-US" altLang="ko-KR" dirty="0">
+                <a:solidFill>
+                  <a:schemeClr val="bg1"/>
+                </a:solidFill>
+                <a:latin typeface="KoPub돋움체 Light" pitchFamily="18" charset="-127"/>
+                <a:ea typeface="KoPub돋움체 Light" pitchFamily="18" charset="-127"/>
+              </a:rPr>
+              <a:t>AI </a:t>
+            </a:r>
+            <a:r>
+              <a:rPr lang="ko-KR" altLang="en-US" dirty="0">
+                <a:solidFill>
+                  <a:schemeClr val="bg1"/>
+                </a:solidFill>
+                <a:latin typeface="KoPub돋움체 Light" pitchFamily="18" charset="-127"/>
+                <a:ea typeface="KoPub돋움체 Light" pitchFamily="18" charset="-127"/>
+              </a:rPr>
+              <a:t>구조 </a:t>
+            </a:r>
+            <a:r>
+              <a:rPr lang="ko-KR" altLang="en-US" dirty="0" smtClean="0">
+                <a:solidFill>
+                  <a:schemeClr val="bg1"/>
+                </a:solidFill>
+                <a:latin typeface="KoPub돋움체 Light" pitchFamily="18" charset="-127"/>
+                <a:ea typeface="KoPub돋움체 Light" pitchFamily="18" charset="-127"/>
+              </a:rPr>
+              <a:t>설계</a:t>
             </a:r>
             <a:endParaRPr lang="en-US" altLang="ko-KR" dirty="0" smtClean="0">
               <a:solidFill>
                 <a:schemeClr val="bg1"/>
               </a:solidFill>
-              <a:latin typeface="KoPub돋움체 Medium" pitchFamily="18" charset="-127"/>
-              <a:ea typeface="KoPub돋움체 Medium" pitchFamily="18" charset="-127"/>
+              <a:latin typeface="KoPub돋움체 Light" pitchFamily="18" charset="-127"/>
+              <a:ea typeface="KoPub돋움체 Light" pitchFamily="18" charset="-127"/>
             </a:endParaRPr>
           </a:p>
           <a:p>
-            <a:pPr marL="285750" indent="-285750">
-              <a:buFontTx/>
-              <a:buChar char="-"/>
-            </a:pPr>
-            <a:r>
-              <a:rPr lang="en-US" altLang="ko-KR" dirty="0" smtClean="0">
-                <a:solidFill>
-                  <a:schemeClr val="bg1"/>
-                </a:solidFill>
-                <a:latin typeface="KoPub돋움체 Medium" pitchFamily="18" charset="-127"/>
-                <a:ea typeface="KoPub돋움체 Medium" pitchFamily="18" charset="-127"/>
-              </a:rPr>
-              <a:t>C# </a:t>
+            <a:r>
+              <a:rPr lang="ko-KR" altLang="en-US" dirty="0" err="1" smtClean="0">
+                <a:solidFill>
+                  <a:schemeClr val="bg1"/>
+                </a:solidFill>
+                <a:latin typeface="KoPub돋움체 Light" pitchFamily="18" charset="-127"/>
+                <a:ea typeface="KoPub돋움체 Light" pitchFamily="18" charset="-127"/>
+              </a:rPr>
+              <a:t>맵</a:t>
             </a:r>
             <a:r>
               <a:rPr lang="ko-KR" altLang="en-US" dirty="0" smtClean="0">
                 <a:solidFill>
                   <a:schemeClr val="bg1"/>
                 </a:solidFill>
-                <a:latin typeface="KoPub돋움체 Medium" pitchFamily="18" charset="-127"/>
-                <a:ea typeface="KoPub돋움체 Medium" pitchFamily="18" charset="-127"/>
-              </a:rPr>
-              <a:t>공부</a:t>
+                <a:latin typeface="KoPub돋움체 Light" pitchFamily="18" charset="-127"/>
+                <a:ea typeface="KoPub돋움체 Light" pitchFamily="18" charset="-127"/>
+              </a:rPr>
+              <a:t> </a:t>
+            </a:r>
+            <a:r>
+              <a:rPr lang="en-US" altLang="ko-KR" dirty="0">
+                <a:solidFill>
+                  <a:schemeClr val="bg1"/>
+                </a:solidFill>
+                <a:latin typeface="KoPub돋움체 Light" pitchFamily="18" charset="-127"/>
+                <a:ea typeface="KoPub돋움체 Light" pitchFamily="18" charset="-127"/>
+              </a:rPr>
+              <a:t>: </a:t>
+            </a:r>
+            <a:r>
+              <a:rPr lang="ko-KR" altLang="en-US" dirty="0">
+                <a:solidFill>
+                  <a:schemeClr val="bg1"/>
+                </a:solidFill>
+                <a:latin typeface="KoPub돋움체 Light" pitchFamily="18" charset="-127"/>
+                <a:ea typeface="KoPub돋움체 Light" pitchFamily="18" charset="-127"/>
+              </a:rPr>
+              <a:t>스테이지의 요소들을 프리팹화 시켜서 로딩 플레이어 수정 </a:t>
+            </a:r>
+            <a:r>
+              <a:rPr lang="en-US" altLang="ko-KR" dirty="0">
+                <a:solidFill>
+                  <a:schemeClr val="bg1"/>
+                </a:solidFill>
+                <a:latin typeface="KoPub돋움체 Light" pitchFamily="18" charset="-127"/>
+                <a:ea typeface="KoPub돋움체 Light" pitchFamily="18" charset="-127"/>
+              </a:rPr>
+              <a:t>: </a:t>
+            </a:r>
+            <a:r>
+              <a:rPr lang="ko-KR" altLang="en-US" dirty="0">
+                <a:solidFill>
+                  <a:schemeClr val="bg1"/>
+                </a:solidFill>
+                <a:latin typeface="KoPub돋움체 Light" pitchFamily="18" charset="-127"/>
+                <a:ea typeface="KoPub돋움체 Light" pitchFamily="18" charset="-127"/>
+              </a:rPr>
+              <a:t>플레이어의 </a:t>
+            </a:r>
+            <a:r>
+              <a:rPr lang="ko-KR" altLang="en-US" dirty="0" smtClean="0">
+                <a:solidFill>
+                  <a:schemeClr val="bg1"/>
+                </a:solidFill>
+                <a:latin typeface="KoPub돋움체 Light" pitchFamily="18" charset="-127"/>
+                <a:ea typeface="KoPub돋움체 Light" pitchFamily="18" charset="-127"/>
+              </a:rPr>
+              <a:t>비주얼 등 </a:t>
+            </a:r>
+            <a:r>
+              <a:rPr lang="ko-KR" altLang="en-US" dirty="0">
+                <a:solidFill>
+                  <a:schemeClr val="bg1"/>
+                </a:solidFill>
+                <a:latin typeface="KoPub돋움체 Light" pitchFamily="18" charset="-127"/>
+                <a:ea typeface="KoPub돋움체 Light" pitchFamily="18" charset="-127"/>
+              </a:rPr>
+              <a:t>코드 </a:t>
+            </a:r>
+            <a:r>
+              <a:rPr lang="ko-KR" altLang="en-US" dirty="0" smtClean="0">
+                <a:solidFill>
+                  <a:schemeClr val="bg1"/>
+                </a:solidFill>
+                <a:latin typeface="KoPub돋움체 Light" pitchFamily="18" charset="-127"/>
+                <a:ea typeface="KoPub돋움체 Light" pitchFamily="18" charset="-127"/>
+              </a:rPr>
+              <a:t>갈아엎기</a:t>
             </a:r>
             <a:endParaRPr lang="en-US" altLang="ko-KR" dirty="0" smtClean="0">
               <a:solidFill>
                 <a:schemeClr val="bg1"/>
               </a:solidFill>
-              <a:latin typeface="KoPub돋움체 Medium" pitchFamily="18" charset="-127"/>
-              <a:ea typeface="KoPub돋움체 Medium" pitchFamily="18" charset="-127"/>
+              <a:latin typeface="KoPub돋움체 Light" pitchFamily="18" charset="-127"/>
+              <a:ea typeface="KoPub돋움체 Light" pitchFamily="18" charset="-127"/>
+            </a:endParaRPr>
+          </a:p>
+          <a:p>
+            <a:r>
+              <a:rPr lang="en-US" altLang="ko-KR" dirty="0" smtClean="0">
+                <a:solidFill>
+                  <a:schemeClr val="bg1"/>
+                </a:solidFill>
+                <a:latin typeface="KoPub돋움체 Light" pitchFamily="18" charset="-127"/>
+                <a:ea typeface="KoPub돋움체 Light" pitchFamily="18" charset="-127"/>
+              </a:rPr>
+              <a:t>UI </a:t>
+            </a:r>
+            <a:r>
+              <a:rPr lang="ko-KR" altLang="en-US" dirty="0">
+                <a:solidFill>
+                  <a:schemeClr val="bg1"/>
+                </a:solidFill>
+                <a:latin typeface="KoPub돋움체 Light" pitchFamily="18" charset="-127"/>
+                <a:ea typeface="KoPub돋움체 Light" pitchFamily="18" charset="-127"/>
+              </a:rPr>
+              <a:t>개발 </a:t>
+            </a:r>
+            <a:r>
+              <a:rPr lang="en-US" altLang="ko-KR" dirty="0">
+                <a:solidFill>
+                  <a:schemeClr val="bg1"/>
+                </a:solidFill>
+                <a:latin typeface="KoPub돋움체 Light" pitchFamily="18" charset="-127"/>
+                <a:ea typeface="KoPub돋움체 Light" pitchFamily="18" charset="-127"/>
+              </a:rPr>
+              <a:t>: </a:t>
+            </a:r>
+            <a:r>
+              <a:rPr lang="ko-KR" altLang="en-US" dirty="0">
+                <a:solidFill>
+                  <a:schemeClr val="bg1"/>
+                </a:solidFill>
+                <a:latin typeface="KoPub돋움체 Light" pitchFamily="18" charset="-127"/>
+                <a:ea typeface="KoPub돋움체 Light" pitchFamily="18" charset="-127"/>
+              </a:rPr>
+              <a:t>시작화면</a:t>
+            </a:r>
+            <a:r>
+              <a:rPr lang="en-US" altLang="ko-KR" dirty="0">
+                <a:solidFill>
+                  <a:schemeClr val="bg1"/>
+                </a:solidFill>
+                <a:latin typeface="KoPub돋움체 Light" pitchFamily="18" charset="-127"/>
+                <a:ea typeface="KoPub돋움체 Light" pitchFamily="18" charset="-127"/>
+              </a:rPr>
+              <a:t>, </a:t>
+            </a:r>
+            <a:r>
+              <a:rPr lang="ko-KR" altLang="en-US" dirty="0">
+                <a:solidFill>
+                  <a:schemeClr val="bg1"/>
+                </a:solidFill>
+                <a:latin typeface="KoPub돋움체 Light" pitchFamily="18" charset="-127"/>
+                <a:ea typeface="KoPub돋움체 Light" pitchFamily="18" charset="-127"/>
+              </a:rPr>
+              <a:t>설정패널 </a:t>
+            </a:r>
+            <a:r>
+              <a:rPr lang="en-US" altLang="ko-KR" dirty="0">
+                <a:solidFill>
+                  <a:schemeClr val="bg1"/>
+                </a:solidFill>
+                <a:latin typeface="KoPub돋움체 Light" pitchFamily="18" charset="-127"/>
+                <a:ea typeface="KoPub돋움체 Light" pitchFamily="18" charset="-127"/>
+              </a:rPr>
+              <a:t>- </a:t>
+            </a:r>
+            <a:r>
+              <a:rPr lang="ko-KR" altLang="en-US" dirty="0">
+                <a:solidFill>
+                  <a:schemeClr val="bg1"/>
+                </a:solidFill>
+                <a:latin typeface="KoPub돋움체 Light" pitchFamily="18" charset="-127"/>
+                <a:ea typeface="KoPub돋움체 Light" pitchFamily="18" charset="-127"/>
+              </a:rPr>
+              <a:t>해상도</a:t>
+            </a:r>
+            <a:r>
+              <a:rPr lang="en-US" altLang="ko-KR" dirty="0">
+                <a:solidFill>
+                  <a:schemeClr val="bg1"/>
+                </a:solidFill>
+                <a:latin typeface="KoPub돋움체 Light" pitchFamily="18" charset="-127"/>
+                <a:ea typeface="KoPub돋움체 Light" pitchFamily="18" charset="-127"/>
+              </a:rPr>
+              <a:t>, </a:t>
+            </a:r>
+            <a:r>
+              <a:rPr lang="ko-KR" altLang="en-US" dirty="0">
+                <a:solidFill>
+                  <a:schemeClr val="bg1"/>
+                </a:solidFill>
+                <a:latin typeface="KoPub돋움체 Light" pitchFamily="18" charset="-127"/>
+                <a:ea typeface="KoPub돋움체 Light" pitchFamily="18" charset="-127"/>
+              </a:rPr>
+              <a:t>사운드 </a:t>
+            </a:r>
+            <a:r>
+              <a:rPr lang="ko-KR" altLang="en-US" dirty="0" smtClean="0">
+                <a:solidFill>
+                  <a:schemeClr val="bg1"/>
+                </a:solidFill>
+                <a:latin typeface="KoPub돋움체 Light" pitchFamily="18" charset="-127"/>
+                <a:ea typeface="KoPub돋움체 Light" pitchFamily="18" charset="-127"/>
+              </a:rPr>
+              <a:t>조절</a:t>
+            </a:r>
+            <a:endParaRPr lang="en-US" altLang="ko-KR" dirty="0" smtClean="0">
+              <a:solidFill>
+                <a:schemeClr val="bg1"/>
+              </a:solidFill>
+              <a:latin typeface="KoPub돋움체 Light" pitchFamily="18" charset="-127"/>
+              <a:ea typeface="KoPub돋움체 Light" pitchFamily="18" charset="-127"/>
+            </a:endParaRPr>
+          </a:p>
+          <a:p>
+            <a:r>
+              <a:rPr lang="ko-KR" altLang="en-US" dirty="0" smtClean="0">
+                <a:solidFill>
+                  <a:schemeClr val="bg1"/>
+                </a:solidFill>
+                <a:latin typeface="KoPub돋움체 Light" pitchFamily="18" charset="-127"/>
+                <a:ea typeface="KoPub돋움체 Light" pitchFamily="18" charset="-127"/>
+              </a:rPr>
+              <a:t>개발 </a:t>
+            </a:r>
+            <a:r>
+              <a:rPr lang="ko-KR" altLang="en-US" dirty="0">
+                <a:solidFill>
+                  <a:schemeClr val="bg1"/>
+                </a:solidFill>
+                <a:latin typeface="KoPub돋움체 Light" pitchFamily="18" charset="-127"/>
+                <a:ea typeface="KoPub돋움체 Light" pitchFamily="18" charset="-127"/>
+              </a:rPr>
+              <a:t>구조 인수인계 </a:t>
+            </a:r>
+            <a:r>
+              <a:rPr lang="en-US" altLang="ko-KR" dirty="0">
+                <a:solidFill>
+                  <a:schemeClr val="bg1"/>
+                </a:solidFill>
+                <a:latin typeface="KoPub돋움체 Light" pitchFamily="18" charset="-127"/>
+                <a:ea typeface="KoPub돋움체 Light" pitchFamily="18" charset="-127"/>
+              </a:rPr>
+              <a:t>: </a:t>
+            </a:r>
+            <a:r>
+              <a:rPr lang="ko-KR" altLang="en-US" dirty="0">
+                <a:solidFill>
+                  <a:schemeClr val="bg1"/>
+                </a:solidFill>
+                <a:latin typeface="KoPub돋움체 Light" pitchFamily="18" charset="-127"/>
+                <a:ea typeface="KoPub돋움체 Light" pitchFamily="18" charset="-127"/>
+              </a:rPr>
+              <a:t>상백이가 짠 구조를 김예리나</a:t>
+            </a:r>
+            <a:r>
+              <a:rPr lang="en-US" altLang="ko-KR" dirty="0">
+                <a:solidFill>
+                  <a:schemeClr val="bg1"/>
+                </a:solidFill>
+                <a:latin typeface="KoPub돋움체 Light" pitchFamily="18" charset="-127"/>
+                <a:ea typeface="KoPub돋움체 Light" pitchFamily="18" charset="-127"/>
+              </a:rPr>
+              <a:t>, </a:t>
+            </a:r>
+            <a:r>
+              <a:rPr lang="ko-KR" altLang="en-US" dirty="0">
+                <a:solidFill>
+                  <a:schemeClr val="bg1"/>
+                </a:solidFill>
+                <a:latin typeface="KoPub돋움체 Light" pitchFamily="18" charset="-127"/>
+                <a:ea typeface="KoPub돋움체 Light" pitchFamily="18" charset="-127"/>
+              </a:rPr>
+              <a:t>최희진에게 설명</a:t>
+            </a:r>
+            <a:endParaRPr lang="ko-KR" altLang="en-US" dirty="0">
+              <a:solidFill>
+                <a:schemeClr val="bg1"/>
+              </a:solidFill>
+              <a:latin typeface="KoPub돋움체 Light" pitchFamily="18" charset="-127"/>
+              <a:ea typeface="KoPub돋움체 Light" pitchFamily="18" charset="-127"/>
             </a:endParaRPr>
           </a:p>
         </p:txBody>
@@ -5773,260 +6235,6 @@
 </file>
 
 <file path=ppt/slides/slide4.xml><?xml version="1.0" encoding="utf-8"?>
-<p:sld xmlns:a="http://schemas.openxmlformats.org/drawingml/2006/main" xmlns:r="http://schemas.openxmlformats.org/officeDocument/2006/relationships" xmlns:p="http://schemas.openxmlformats.org/presentationml/2006/main">
-  <p:cSld>
-    <p:spTree>
-      <p:nvGrpSpPr>
-        <p:cNvPr id="1" name=""/>
-        <p:cNvGrpSpPr/>
-        <p:nvPr/>
-      </p:nvGrpSpPr>
-      <p:grpSpPr>
-        <a:xfrm>
-          <a:off x="0" y="0"/>
-          <a:ext cx="0" cy="0"/>
-          <a:chOff x="0" y="0"/>
-          <a:chExt cx="0" cy="0"/>
-        </a:xfrm>
-      </p:grpSpPr>
-      <p:sp>
-        <p:nvSpPr>
-          <p:cNvPr id="2" name="TextBox 1"/>
-          <p:cNvSpPr txBox="1"/>
-          <p:nvPr/>
-        </p:nvSpPr>
-        <p:spPr>
-          <a:xfrm>
-            <a:off x="183171" y="153794"/>
-            <a:ext cx="809837" cy="523220"/>
-          </a:xfrm>
-          <a:prstGeom prst="rect">
-            <a:avLst/>
-          </a:prstGeom>
-          <a:noFill/>
-        </p:spPr>
-        <p:txBody>
-          <a:bodyPr wrap="none" rtlCol="0" anchor="ctr">
-            <a:spAutoFit/>
-          </a:bodyPr>
-          <a:lstStyle/>
-          <a:p>
-            <a:r>
-              <a:rPr lang="ko-KR" altLang="en-US" sz="2800" dirty="0" smtClean="0">
-                <a:solidFill>
-                  <a:schemeClr val="bg1"/>
-                </a:solidFill>
-                <a:latin typeface="KoPub돋움체 Bold" pitchFamily="18" charset="-127"/>
-                <a:ea typeface="KoPub돋움체 Bold" pitchFamily="18" charset="-127"/>
-              </a:rPr>
-              <a:t>컷씬</a:t>
-            </a:r>
-            <a:endParaRPr lang="ko-KR" altLang="en-US" sz="2800" dirty="0">
-              <a:solidFill>
-                <a:schemeClr val="bg1"/>
-              </a:solidFill>
-              <a:latin typeface="KoPub돋움체 Bold" pitchFamily="18" charset="-127"/>
-              <a:ea typeface="KoPub돋움체 Bold" pitchFamily="18" charset="-127"/>
-            </a:endParaRPr>
-          </a:p>
-        </p:txBody>
-      </p:sp>
-      <p:cxnSp>
-        <p:nvCxnSpPr>
-          <p:cNvPr id="7" name="직선 연결선 6"/>
-          <p:cNvCxnSpPr/>
-          <p:nvPr/>
-        </p:nvCxnSpPr>
-        <p:spPr>
-          <a:xfrm>
-            <a:off x="232264" y="703390"/>
-            <a:ext cx="11727473" cy="0"/>
-          </a:xfrm>
-          <a:prstGeom prst="line">
-            <a:avLst/>
-          </a:prstGeom>
-          <a:ln w="38100">
-            <a:solidFill>
-              <a:schemeClr val="bg1"/>
-            </a:solidFill>
-          </a:ln>
-        </p:spPr>
-        <p:style>
-          <a:lnRef idx="1">
-            <a:schemeClr val="accent1"/>
-          </a:lnRef>
-          <a:fillRef idx="0">
-            <a:schemeClr val="accent1"/>
-          </a:fillRef>
-          <a:effectRef idx="0">
-            <a:schemeClr val="accent1"/>
-          </a:effectRef>
-          <a:fontRef idx="minor">
-            <a:schemeClr val="tx1"/>
-          </a:fontRef>
-        </p:style>
-      </p:cxnSp>
-      <p:grpSp>
-        <p:nvGrpSpPr>
-          <p:cNvPr id="3" name="그룹 2"/>
-          <p:cNvGrpSpPr/>
-          <p:nvPr/>
-        </p:nvGrpSpPr>
-        <p:grpSpPr>
-          <a:xfrm>
-            <a:off x="911754" y="1108252"/>
-            <a:ext cx="10368493" cy="4680000"/>
-            <a:chOff x="769359" y="1108252"/>
-            <a:chExt cx="10368493" cy="4680000"/>
-          </a:xfrm>
-        </p:grpSpPr>
-        <p:pic>
-          <p:nvPicPr>
-            <p:cNvPr id="8" name="Picture 2" descr="https://cdn.discordapp.com/attachments/915902696656109568/962941563577708554/989740e362269b0b.jpg"/>
-            <p:cNvPicPr>
-              <a:picLocks noChangeAspect="1" noChangeArrowheads="1"/>
-            </p:cNvPicPr>
-            <p:nvPr/>
-          </p:nvPicPr>
-          <p:blipFill>
-            <a:blip r:embed="rId2" cstate="print">
-              <a:extLst>
-                <a:ext uri="{28A0092B-C50C-407E-A947-70E740481C1C}">
-                  <a14:useLocalDpi xmlns:a14="http://schemas.microsoft.com/office/drawing/2010/main" val="0"/>
-                </a:ext>
-              </a:extLst>
-            </a:blip>
-            <a:srcRect/>
-            <a:stretch>
-              <a:fillRect/>
-            </a:stretch>
-          </p:blipFill>
-          <p:spPr bwMode="auto">
-            <a:xfrm>
-              <a:off x="769359" y="1108252"/>
-              <a:ext cx="4680000" cy="4680000"/>
-            </a:xfrm>
-            <a:prstGeom prst="rect">
-              <a:avLst/>
-            </a:prstGeom>
-            <a:noFill/>
-            <a:extLst>
-              <a:ext uri="{909E8E84-426E-40DD-AFC4-6F175D3DCCD1}">
-                <a14:hiddenFill xmlns:a14="http://schemas.microsoft.com/office/drawing/2010/main">
-                  <a:solidFill>
-                    <a:srgbClr val="FFFFFF"/>
-                  </a:solidFill>
-                </a14:hiddenFill>
-              </a:ext>
-            </a:extLst>
-          </p:spPr>
-        </p:pic>
-        <p:pic>
-          <p:nvPicPr>
-            <p:cNvPr id="11" name="Picture 6" descr="https://cdn.discordapp.com/attachments/915902696656109568/963318761300058132/86104d0993483830.jpg"/>
-            <p:cNvPicPr>
-              <a:picLocks noChangeAspect="1" noChangeArrowheads="1"/>
-            </p:cNvPicPr>
-            <p:nvPr/>
-          </p:nvPicPr>
-          <p:blipFill>
-            <a:blip r:embed="rId3" cstate="print">
-              <a:extLst>
-                <a:ext uri="{28A0092B-C50C-407E-A947-70E740481C1C}">
-                  <a14:useLocalDpi xmlns:a14="http://schemas.microsoft.com/office/drawing/2010/main" val="0"/>
-                </a:ext>
-              </a:extLst>
-            </a:blip>
-            <a:srcRect/>
-            <a:stretch>
-              <a:fillRect/>
-            </a:stretch>
-          </p:blipFill>
-          <p:spPr bwMode="auto">
-            <a:xfrm>
-              <a:off x="6457852" y="1108252"/>
-              <a:ext cx="4680000" cy="4680000"/>
-            </a:xfrm>
-            <a:prstGeom prst="rect">
-              <a:avLst/>
-            </a:prstGeom>
-            <a:noFill/>
-            <a:extLst>
-              <a:ext uri="{909E8E84-426E-40DD-AFC4-6F175D3DCCD1}">
-                <a14:hiddenFill xmlns:a14="http://schemas.microsoft.com/office/drawing/2010/main">
-                  <a:solidFill>
-                    <a:srgbClr val="FFFFFF"/>
-                  </a:solidFill>
-                </a14:hiddenFill>
-              </a:ext>
-            </a:extLst>
-          </p:spPr>
-        </p:pic>
-      </p:grpSp>
-      <p:sp>
-        <p:nvSpPr>
-          <p:cNvPr id="12" name="TextBox 11"/>
-          <p:cNvSpPr txBox="1"/>
-          <p:nvPr/>
-        </p:nvSpPr>
-        <p:spPr>
-          <a:xfrm>
-            <a:off x="3838010" y="6141780"/>
-            <a:ext cx="4515981" cy="400110"/>
-          </a:xfrm>
-          <a:prstGeom prst="rect">
-            <a:avLst/>
-          </a:prstGeom>
-          <a:noFill/>
-        </p:spPr>
-        <p:txBody>
-          <a:bodyPr wrap="none" rtlCol="0">
-            <a:spAutoFit/>
-          </a:bodyPr>
-          <a:lstStyle/>
-          <a:p>
-            <a:pPr algn="ctr"/>
-            <a:r>
-              <a:rPr lang="ko-KR" altLang="en-US" sz="2000" dirty="0" smtClean="0">
-                <a:solidFill>
-                  <a:schemeClr val="bg1"/>
-                </a:solidFill>
-                <a:latin typeface="KoPub돋움체 Light" pitchFamily="18" charset="-127"/>
-                <a:ea typeface="KoPub돋움체 Light" pitchFamily="18" charset="-127"/>
-              </a:rPr>
-              <a:t>스토리 전개를 위한 컷씬 기획 및 삽화 작업</a:t>
-            </a:r>
-            <a:endParaRPr lang="en-US" altLang="ko-KR" sz="2000" dirty="0" smtClean="0">
-              <a:solidFill>
-                <a:schemeClr val="bg1"/>
-              </a:solidFill>
-              <a:latin typeface="KoPub돋움체 Light" pitchFamily="18" charset="-127"/>
-              <a:ea typeface="KoPub돋움체 Light" pitchFamily="18" charset="-127"/>
-            </a:endParaRPr>
-          </a:p>
-        </p:txBody>
-      </p:sp>
-    </p:spTree>
-    <p:extLst>
-      <p:ext uri="{BB962C8B-B14F-4D97-AF65-F5344CB8AC3E}">
-        <p14:creationId xmlns:p14="http://schemas.microsoft.com/office/powerpoint/2010/main" val="186495487"/>
-      </p:ext>
-    </p:extLst>
-  </p:cSld>
-  <p:clrMapOvr>
-    <a:masterClrMapping/>
-  </p:clrMapOvr>
-  <p:timing>
-    <p:tnLst>
-      <p:par>
-        <p:cTn id="1" dur="indefinite" restart="never" nodeType="tmRoot"/>
-      </p:par>
-    </p:tnLst>
-  </p:timing>
-</p:sld>
-</file>
-
-<file path=ppt/slides/slide5.xml><?xml version="1.0" encoding="utf-8"?>
 <p:sld xmlns:a="http://schemas.openxmlformats.org/drawingml/2006/main" xmlns:r="http://schemas.openxmlformats.org/officeDocument/2006/relationships" xmlns:p="http://schemas.openxmlformats.org/presentationml/2006/main">
   <p:cSld>
     <p:spTree>
@@ -6612,7 +6820,7 @@
 </p:sld>
 </file>
 
-<file path=ppt/slides/slide6.xml><?xml version="1.0" encoding="utf-8"?>
+<file path=ppt/slides/slide5.xml><?xml version="1.0" encoding="utf-8"?>
 <p:sld xmlns:a="http://schemas.openxmlformats.org/drawingml/2006/main" xmlns:r="http://schemas.openxmlformats.org/officeDocument/2006/relationships" xmlns:p="http://schemas.openxmlformats.org/presentationml/2006/main">
   <p:cSld>
     <p:spTree>
@@ -7030,7 +7238,7 @@
 </p:sld>
 </file>
 
-<file path=ppt/slides/slide7.xml><?xml version="1.0" encoding="utf-8"?>
+<file path=ppt/slides/slide6.xml><?xml version="1.0" encoding="utf-8"?>
 <p:sld xmlns:a="http://schemas.openxmlformats.org/drawingml/2006/main" xmlns:r="http://schemas.openxmlformats.org/officeDocument/2006/relationships" xmlns:p="http://schemas.openxmlformats.org/presentationml/2006/main">
   <p:cSld>
     <p:spTree>
@@ -7056,7 +7264,7 @@
         <p:spPr>
           <a:xfrm>
             <a:off x="183171" y="153794"/>
-            <a:ext cx="1539204" cy="523220"/>
+            <a:ext cx="1582484" cy="523220"/>
           </a:xfrm>
           <a:prstGeom prst="rect">
             <a:avLst/>
@@ -7077,14 +7285,34 @@
                 <a:latin typeface="KoPub돋움체 Bold" pitchFamily="18" charset="-127"/>
                 <a:ea typeface="KoPub돋움체 Bold" pitchFamily="18" charset="-127"/>
               </a:rPr>
-              <a:t>일정 관리</a:t>
-            </a:r>
-            <a:endParaRPr lang="ko-KR" altLang="en-US" sz="2800" dirty="0">
+              <a:t>기타 </a:t>
+            </a:r>
+            <a:r>
+              <a:rPr lang="en-US" altLang="ko-KR" sz="2000" dirty="0" smtClean="0">
+                <a:solidFill>
+                  <a:schemeClr val="bg1"/>
+                </a:solidFill>
+                <a:latin typeface="KoPub돋움체 Medium" pitchFamily="18" charset="-127"/>
+                <a:ea typeface="KoPub돋움체 Medium" pitchFamily="18" charset="-127"/>
+              </a:rPr>
+              <a:t>- </a:t>
+            </a:r>
+            <a:r>
+              <a:rPr lang="ko-KR" altLang="en-US" sz="2000" dirty="0" smtClean="0">
+                <a:solidFill>
+                  <a:schemeClr val="bg1"/>
+                </a:solidFill>
+                <a:latin typeface="KoPub돋움체 Medium" pitchFamily="18" charset="-127"/>
+                <a:ea typeface="KoPub돋움체 Medium" pitchFamily="18" charset="-127"/>
+              </a:rPr>
+              <a:t>컷씬</a:t>
+            </a:r>
+            <a:endParaRPr lang="ko-KR" altLang="en-US" sz="1600" dirty="0">
               <a:solidFill>
                 <a:schemeClr val="bg1"/>
               </a:solidFill>
-              <a:latin typeface="KoPub돋움체 Bold" pitchFamily="18" charset="-127"/>
-              <a:ea typeface="KoPub돋움체 Bold" pitchFamily="18" charset="-127"/>
+              <a:latin typeface="KoPub돋움체 Medium" pitchFamily="18" charset="-127"/>
+              <a:ea typeface="KoPub돋움체 Medium" pitchFamily="18" charset="-127"/>
             </a:endParaRPr>
           </a:p>
         </p:txBody>
@@ -7132,22 +7360,22 @@
         </p:nvGrpSpPr>
         <p:grpSpPr>
           <a:xfrm>
-            <a:off x="745784" y="1637643"/>
-            <a:ext cx="10700432" cy="4320000"/>
-            <a:chOff x="1259305" y="1180443"/>
-            <a:chExt cx="10700432" cy="4320000"/>
+            <a:off x="911754" y="1108252"/>
+            <a:ext cx="10368493" cy="4680000"/>
+            <a:chOff x="769359" y="1108252"/>
+            <a:chExt cx="10368493" cy="4680000"/>
           </a:xfrm>
         </p:grpSpPr>
         <p:pic>
           <p:nvPicPr>
-            <p:cNvPr id="9" name="Picture 2"/>
+            <p:cNvPr id="8" name="Picture 2" descr="https://cdn.discordapp.com/attachments/915902696656109568/962941563577708554/989740e362269b0b.jpg"/>
             <p:cNvPicPr>
               <a:picLocks noChangeAspect="1" noChangeArrowheads="1"/>
             </p:cNvPicPr>
             <p:nvPr/>
           </p:nvPicPr>
           <p:blipFill>
-            <a:blip r:embed="rId2">
+            <a:blip r:embed="rId2" cstate="print">
               <a:extLst>
                 <a:ext uri="{28A0092B-C50C-407E-A947-70E740481C1C}">
                   <a14:useLocalDpi xmlns:a14="http://schemas.microsoft.com/office/drawing/2010/main" val="0"/>
@@ -7161,8 +7389,490 @@
           </p:blipFill>
           <p:spPr bwMode="auto">
             <a:xfrm>
-              <a:off x="1259305" y="1180443"/>
-              <a:ext cx="7424033" cy="4320000"/>
+              <a:off x="769359" y="1108252"/>
+              <a:ext cx="4680000" cy="4680000"/>
+            </a:xfrm>
+            <a:prstGeom prst="rect">
+              <a:avLst/>
+            </a:prstGeom>
+            <a:noFill/>
+            <a:extLst>
+              <a:ext uri="{909E8E84-426E-40DD-AFC4-6F175D3DCCD1}">
+                <a14:hiddenFill xmlns:a14="http://schemas.microsoft.com/office/drawing/2010/main">
+                  <a:solidFill>
+                    <a:srgbClr val="FFFFFF"/>
+                  </a:solidFill>
+                </a14:hiddenFill>
+              </a:ext>
+            </a:extLst>
+          </p:spPr>
+        </p:pic>
+        <p:pic>
+          <p:nvPicPr>
+            <p:cNvPr id="11" name="Picture 6" descr="https://cdn.discordapp.com/attachments/915902696656109568/963318761300058132/86104d0993483830.jpg"/>
+            <p:cNvPicPr>
+              <a:picLocks noChangeAspect="1" noChangeArrowheads="1"/>
+            </p:cNvPicPr>
+            <p:nvPr/>
+          </p:nvPicPr>
+          <p:blipFill>
+            <a:blip r:embed="rId3" cstate="print">
+              <a:extLst>
+                <a:ext uri="{28A0092B-C50C-407E-A947-70E740481C1C}">
+                  <a14:useLocalDpi xmlns:a14="http://schemas.microsoft.com/office/drawing/2010/main" val="0"/>
+                </a:ext>
+              </a:extLst>
+            </a:blip>
+            <a:srcRect/>
+            <a:stretch>
+              <a:fillRect/>
+            </a:stretch>
+          </p:blipFill>
+          <p:spPr bwMode="auto">
+            <a:xfrm>
+              <a:off x="6457852" y="1108252"/>
+              <a:ext cx="4680000" cy="4680000"/>
+            </a:xfrm>
+            <a:prstGeom prst="rect">
+              <a:avLst/>
+            </a:prstGeom>
+            <a:noFill/>
+            <a:extLst>
+              <a:ext uri="{909E8E84-426E-40DD-AFC4-6F175D3DCCD1}">
+                <a14:hiddenFill xmlns:a14="http://schemas.microsoft.com/office/drawing/2010/main">
+                  <a:solidFill>
+                    <a:srgbClr val="FFFFFF"/>
+                  </a:solidFill>
+                </a14:hiddenFill>
+              </a:ext>
+            </a:extLst>
+          </p:spPr>
+        </p:pic>
+      </p:grpSp>
+      <p:sp>
+        <p:nvSpPr>
+          <p:cNvPr id="12" name="TextBox 11"/>
+          <p:cNvSpPr txBox="1"/>
+          <p:nvPr/>
+        </p:nvSpPr>
+        <p:spPr>
+          <a:xfrm>
+            <a:off x="2154863" y="6141780"/>
+            <a:ext cx="7882287" cy="400110"/>
+          </a:xfrm>
+          <a:prstGeom prst="rect">
+            <a:avLst/>
+          </a:prstGeom>
+          <a:noFill/>
+        </p:spPr>
+        <p:txBody>
+          <a:bodyPr wrap="none" rtlCol="0">
+            <a:spAutoFit/>
+          </a:bodyPr>
+          <a:lstStyle/>
+          <a:p>
+            <a:pPr algn="ctr"/>
+            <a:r>
+              <a:rPr lang="ko-KR" altLang="en-US" sz="2000" dirty="0" smtClean="0">
+                <a:solidFill>
+                  <a:schemeClr val="bg1"/>
+                </a:solidFill>
+                <a:latin typeface="KoPub돋움체 Light" pitchFamily="18" charset="-127"/>
+                <a:ea typeface="KoPub돋움체 Light" pitchFamily="18" charset="-127"/>
+              </a:rPr>
+              <a:t>스토리 전개를 위한 컷씬 기획 및 삽화 </a:t>
+            </a:r>
+            <a:r>
+              <a:rPr lang="ko-KR" altLang="en-US" sz="2000" dirty="0" smtClean="0">
+                <a:solidFill>
+                  <a:schemeClr val="bg1"/>
+                </a:solidFill>
+                <a:latin typeface="KoPub돋움체 Light" pitchFamily="18" charset="-127"/>
+                <a:ea typeface="KoPub돋움체 Light" pitchFamily="18" charset="-127"/>
+              </a:rPr>
+              <a:t>작업 </a:t>
+            </a:r>
+            <a:r>
+              <a:rPr lang="en-US" altLang="ko-KR" sz="2000" dirty="0" smtClean="0">
+                <a:solidFill>
+                  <a:schemeClr val="bg1"/>
+                </a:solidFill>
+                <a:latin typeface="KoPub돋움체 Light" pitchFamily="18" charset="-127"/>
+                <a:ea typeface="KoPub돋움체 Light" pitchFamily="18" charset="-127"/>
+              </a:rPr>
+              <a:t>▶ </a:t>
+            </a:r>
+            <a:r>
+              <a:rPr lang="ko-KR" altLang="en-US" sz="2000" dirty="0" smtClean="0">
+                <a:solidFill>
+                  <a:schemeClr val="bg1"/>
+                </a:solidFill>
+                <a:latin typeface="KoPub돋움체 Light" pitchFamily="18" charset="-127"/>
+                <a:ea typeface="KoPub돋움체 Light" pitchFamily="18" charset="-127"/>
+              </a:rPr>
+              <a:t>스토리 기획 보류와 함께 중단</a:t>
+            </a:r>
+            <a:endParaRPr lang="en-US" altLang="ko-KR" sz="2000" dirty="0" smtClean="0">
+              <a:solidFill>
+                <a:schemeClr val="bg1"/>
+              </a:solidFill>
+              <a:latin typeface="KoPub돋움체 Light" pitchFamily="18" charset="-127"/>
+              <a:ea typeface="KoPub돋움체 Light" pitchFamily="18" charset="-127"/>
+            </a:endParaRPr>
+          </a:p>
+        </p:txBody>
+      </p:sp>
+      <p:grpSp>
+        <p:nvGrpSpPr>
+          <p:cNvPr id="9" name="그룹 8"/>
+          <p:cNvGrpSpPr/>
+          <p:nvPr/>
+        </p:nvGrpSpPr>
+        <p:grpSpPr>
+          <a:xfrm>
+            <a:off x="911759" y="1159052"/>
+            <a:ext cx="10368493" cy="4680000"/>
+            <a:chOff x="769359" y="1108252"/>
+            <a:chExt cx="10368493" cy="4680000"/>
+          </a:xfrm>
+        </p:grpSpPr>
+        <p:pic>
+          <p:nvPicPr>
+            <p:cNvPr id="10" name="Picture 2" descr="https://cdn.discordapp.com/attachments/915902696656109568/962941563577708554/989740e362269b0b.jpg"/>
+            <p:cNvPicPr>
+              <a:picLocks noChangeAspect="1" noChangeArrowheads="1"/>
+            </p:cNvPicPr>
+            <p:nvPr/>
+          </p:nvPicPr>
+          <p:blipFill>
+            <a:blip r:embed="rId2" cstate="print">
+              <a:extLst>
+                <a:ext uri="{28A0092B-C50C-407E-A947-70E740481C1C}">
+                  <a14:useLocalDpi xmlns:a14="http://schemas.microsoft.com/office/drawing/2010/main" val="0"/>
+                </a:ext>
+              </a:extLst>
+            </a:blip>
+            <a:srcRect/>
+            <a:stretch>
+              <a:fillRect/>
+            </a:stretch>
+          </p:blipFill>
+          <p:spPr bwMode="auto">
+            <a:xfrm>
+              <a:off x="769359" y="1108252"/>
+              <a:ext cx="4680000" cy="4680000"/>
+            </a:xfrm>
+            <a:prstGeom prst="rect">
+              <a:avLst/>
+            </a:prstGeom>
+            <a:noFill/>
+            <a:extLst>
+              <a:ext uri="{909E8E84-426E-40DD-AFC4-6F175D3DCCD1}">
+                <a14:hiddenFill xmlns:a14="http://schemas.microsoft.com/office/drawing/2010/main">
+                  <a:solidFill>
+                    <a:srgbClr val="FFFFFF"/>
+                  </a:solidFill>
+                </a14:hiddenFill>
+              </a:ext>
+            </a:extLst>
+          </p:spPr>
+        </p:pic>
+        <p:pic>
+          <p:nvPicPr>
+            <p:cNvPr id="13" name="Picture 6" descr="https://cdn.discordapp.com/attachments/915902696656109568/963318761300058132/86104d0993483830.jpg"/>
+            <p:cNvPicPr>
+              <a:picLocks noChangeAspect="1" noChangeArrowheads="1"/>
+            </p:cNvPicPr>
+            <p:nvPr/>
+          </p:nvPicPr>
+          <p:blipFill>
+            <a:blip r:embed="rId3" cstate="print">
+              <a:extLst>
+                <a:ext uri="{28A0092B-C50C-407E-A947-70E740481C1C}">
+                  <a14:useLocalDpi xmlns:a14="http://schemas.microsoft.com/office/drawing/2010/main" val="0"/>
+                </a:ext>
+              </a:extLst>
+            </a:blip>
+            <a:srcRect/>
+            <a:stretch>
+              <a:fillRect/>
+            </a:stretch>
+          </p:blipFill>
+          <p:spPr bwMode="auto">
+            <a:xfrm>
+              <a:off x="6457852" y="1108252"/>
+              <a:ext cx="4680000" cy="4680000"/>
+            </a:xfrm>
+            <a:prstGeom prst="rect">
+              <a:avLst/>
+            </a:prstGeom>
+            <a:noFill/>
+            <a:extLst>
+              <a:ext uri="{909E8E84-426E-40DD-AFC4-6F175D3DCCD1}">
+                <a14:hiddenFill xmlns:a14="http://schemas.microsoft.com/office/drawing/2010/main">
+                  <a:solidFill>
+                    <a:srgbClr val="FFFFFF"/>
+                  </a:solidFill>
+                </a14:hiddenFill>
+              </a:ext>
+            </a:extLst>
+          </p:spPr>
+        </p:pic>
+      </p:grpSp>
+      <p:sp>
+        <p:nvSpPr>
+          <p:cNvPr id="14" name="TextBox 13"/>
+          <p:cNvSpPr txBox="1"/>
+          <p:nvPr/>
+        </p:nvSpPr>
+        <p:spPr>
+          <a:xfrm>
+            <a:off x="2154862" y="6141780"/>
+            <a:ext cx="7882287" cy="400110"/>
+          </a:xfrm>
+          <a:prstGeom prst="rect">
+            <a:avLst/>
+          </a:prstGeom>
+          <a:noFill/>
+        </p:spPr>
+        <p:txBody>
+          <a:bodyPr wrap="none" rtlCol="0">
+            <a:spAutoFit/>
+          </a:bodyPr>
+          <a:lstStyle/>
+          <a:p>
+            <a:pPr algn="ctr"/>
+            <a:r>
+              <a:rPr lang="ko-KR" altLang="en-US" sz="2000" dirty="0" smtClean="0">
+                <a:solidFill>
+                  <a:schemeClr val="bg1"/>
+                </a:solidFill>
+                <a:latin typeface="KoPub돋움체 Light" pitchFamily="18" charset="-127"/>
+                <a:ea typeface="KoPub돋움체 Light" pitchFamily="18" charset="-127"/>
+              </a:rPr>
+              <a:t>스토리 전개를 위한 컷씬 기획 및 삽화 </a:t>
+            </a:r>
+            <a:r>
+              <a:rPr lang="ko-KR" altLang="en-US" sz="2000" dirty="0" smtClean="0">
+                <a:solidFill>
+                  <a:schemeClr val="bg1"/>
+                </a:solidFill>
+                <a:latin typeface="KoPub돋움체 Light" pitchFamily="18" charset="-127"/>
+                <a:ea typeface="KoPub돋움체 Light" pitchFamily="18" charset="-127"/>
+              </a:rPr>
+              <a:t>작업 </a:t>
+            </a:r>
+            <a:r>
+              <a:rPr lang="en-US" altLang="ko-KR" sz="2000" dirty="0" smtClean="0">
+                <a:solidFill>
+                  <a:schemeClr val="bg1"/>
+                </a:solidFill>
+                <a:latin typeface="KoPub돋움체 Light" pitchFamily="18" charset="-127"/>
+                <a:ea typeface="KoPub돋움체 Light" pitchFamily="18" charset="-127"/>
+              </a:rPr>
+              <a:t>▶ </a:t>
+            </a:r>
+            <a:r>
+              <a:rPr lang="ko-KR" altLang="en-US" sz="2000" dirty="0" smtClean="0">
+                <a:solidFill>
+                  <a:schemeClr val="bg1"/>
+                </a:solidFill>
+                <a:latin typeface="KoPub돋움체 Light" pitchFamily="18" charset="-127"/>
+                <a:ea typeface="KoPub돋움체 Light" pitchFamily="18" charset="-127"/>
+              </a:rPr>
+              <a:t>스토리 기획 보류와 함께 중단</a:t>
+            </a:r>
+            <a:endParaRPr lang="en-US" altLang="ko-KR" sz="2000" dirty="0" smtClean="0">
+              <a:solidFill>
+                <a:schemeClr val="bg1"/>
+              </a:solidFill>
+              <a:latin typeface="KoPub돋움체 Light" pitchFamily="18" charset="-127"/>
+              <a:ea typeface="KoPub돋움체 Light" pitchFamily="18" charset="-127"/>
+            </a:endParaRPr>
+          </a:p>
+        </p:txBody>
+      </p:sp>
+    </p:spTree>
+    <p:extLst>
+      <p:ext uri="{BB962C8B-B14F-4D97-AF65-F5344CB8AC3E}">
+        <p14:creationId xmlns:p14="http://schemas.microsoft.com/office/powerpoint/2010/main" val="186495487"/>
+      </p:ext>
+    </p:extLst>
+  </p:cSld>
+  <p:clrMapOvr>
+    <a:masterClrMapping/>
+  </p:clrMapOvr>
+  <p:timing>
+    <p:tnLst>
+      <p:par>
+        <p:cTn id="1" dur="indefinite" restart="never" nodeType="tmRoot"/>
+      </p:par>
+    </p:tnLst>
+  </p:timing>
+</p:sld>
+</file>
+
+<file path=ppt/slides/slide7.xml><?xml version="1.0" encoding="utf-8"?>
+<p:sld xmlns:a="http://schemas.openxmlformats.org/drawingml/2006/main" xmlns:r="http://schemas.openxmlformats.org/officeDocument/2006/relationships" xmlns:p="http://schemas.openxmlformats.org/presentationml/2006/main">
+  <p:cSld>
+    <p:spTree>
+      <p:nvGrpSpPr>
+        <p:cNvPr id="1" name=""/>
+        <p:cNvGrpSpPr/>
+        <p:nvPr/>
+      </p:nvGrpSpPr>
+      <p:grpSpPr>
+        <a:xfrm>
+          <a:off x="0" y="0"/>
+          <a:ext cx="0" cy="0"/>
+          <a:chOff x="0" y="0"/>
+          <a:chExt cx="0" cy="0"/>
+        </a:xfrm>
+      </p:grpSpPr>
+      <p:sp>
+        <p:nvSpPr>
+          <p:cNvPr id="2" name="TextBox 1"/>
+          <p:cNvSpPr txBox="1"/>
+          <p:nvPr/>
+        </p:nvSpPr>
+        <p:spPr>
+          <a:xfrm>
+            <a:off x="183171" y="153794"/>
+            <a:ext cx="2087431" cy="523220"/>
+          </a:xfrm>
+          <a:prstGeom prst="rect">
+            <a:avLst/>
+          </a:prstGeom>
+          <a:noFill/>
+        </p:spPr>
+        <p:txBody>
+          <a:bodyPr wrap="none" rtlCol="0" anchor="ctr">
+            <a:spAutoFit/>
+          </a:bodyPr>
+          <a:lstStyle/>
+          <a:p>
+            <a:r>
+              <a:rPr lang="ko-KR" altLang="en-US" sz="2800" dirty="0" smtClean="0">
+                <a:solidFill>
+                  <a:schemeClr val="bg1"/>
+                </a:solidFill>
+                <a:latin typeface="KoPub돋움체 Bold" pitchFamily="18" charset="-127"/>
+                <a:ea typeface="KoPub돋움체 Bold" pitchFamily="18" charset="-127"/>
+              </a:rPr>
+              <a:t>기타</a:t>
+            </a:r>
+            <a:r>
+              <a:rPr lang="en-US" altLang="ko-KR" sz="2800" dirty="0">
+                <a:solidFill>
+                  <a:schemeClr val="bg1"/>
+                </a:solidFill>
+                <a:latin typeface="KoPub돋움체 Bold" pitchFamily="18" charset="-127"/>
+                <a:ea typeface="KoPub돋움체 Bold" pitchFamily="18" charset="-127"/>
+              </a:rPr>
+              <a:t> </a:t>
+            </a:r>
+            <a:r>
+              <a:rPr lang="en-US" altLang="ko-KR" sz="2000" dirty="0" smtClean="0">
+                <a:solidFill>
+                  <a:schemeClr val="bg1"/>
+                </a:solidFill>
+                <a:latin typeface="KoPub돋움체 Medium" pitchFamily="18" charset="-127"/>
+                <a:ea typeface="KoPub돋움체 Medium" pitchFamily="18" charset="-127"/>
+              </a:rPr>
+              <a:t>– </a:t>
+            </a:r>
+            <a:r>
+              <a:rPr lang="ko-KR" altLang="en-US" sz="2000" dirty="0" smtClean="0">
+                <a:solidFill>
+                  <a:schemeClr val="bg1"/>
+                </a:solidFill>
+                <a:latin typeface="KoPub돋움체 Medium" pitchFamily="18" charset="-127"/>
+                <a:ea typeface="KoPub돋움체 Medium" pitchFamily="18" charset="-127"/>
+              </a:rPr>
+              <a:t>일정 관리</a:t>
+            </a:r>
+            <a:endParaRPr lang="ko-KR" altLang="en-US" sz="1600" dirty="0">
+              <a:solidFill>
+                <a:schemeClr val="bg1"/>
+              </a:solidFill>
+              <a:latin typeface="KoPub돋움체 Medium" pitchFamily="18" charset="-127"/>
+              <a:ea typeface="KoPub돋움체 Medium" pitchFamily="18" charset="-127"/>
+            </a:endParaRPr>
+          </a:p>
+        </p:txBody>
+      </p:sp>
+      <p:cxnSp>
+        <p:nvCxnSpPr>
+          <p:cNvPr id="7" name="직선 연결선 6"/>
+          <p:cNvCxnSpPr/>
+          <p:nvPr/>
+        </p:nvCxnSpPr>
+        <p:spPr>
+          <a:xfrm>
+            <a:off x="232264" y="703390"/>
+            <a:ext cx="11727473" cy="0"/>
+          </a:xfrm>
+          <a:prstGeom prst="line">
+            <a:avLst/>
+          </a:prstGeom>
+          <a:ln w="38100">
+            <a:solidFill>
+              <a:schemeClr val="bg1"/>
+            </a:solidFill>
+          </a:ln>
+        </p:spPr>
+        <p:style>
+          <a:lnRef idx="1">
+            <a:schemeClr val="accent1"/>
+          </a:lnRef>
+          <a:fillRef idx="0">
+            <a:schemeClr val="accent1"/>
+          </a:fillRef>
+          <a:effectRef idx="0">
+            <a:schemeClr val="accent1"/>
+          </a:effectRef>
+          <a:fontRef idx="minor">
+            <a:schemeClr val="tx1"/>
+          </a:fontRef>
+        </p:style>
+      </p:cxnSp>
+      <p:grpSp>
+        <p:nvGrpSpPr>
+          <p:cNvPr id="4" name="그룹 3"/>
+          <p:cNvGrpSpPr/>
+          <p:nvPr/>
+        </p:nvGrpSpPr>
+        <p:grpSpPr>
+          <a:xfrm>
+            <a:off x="454332" y="1098232"/>
+            <a:ext cx="11283335" cy="5400000"/>
+            <a:chOff x="336551" y="1098232"/>
+            <a:chExt cx="11283335" cy="5400000"/>
+          </a:xfrm>
+        </p:grpSpPr>
+        <p:pic>
+          <p:nvPicPr>
+            <p:cNvPr id="1026" name="Picture 2"/>
+            <p:cNvPicPr>
+              <a:picLocks noChangeAspect="1" noChangeArrowheads="1"/>
+            </p:cNvPicPr>
+            <p:nvPr/>
+          </p:nvPicPr>
+          <p:blipFill rotWithShape="1">
+            <a:blip r:embed="rId2">
+              <a:extLst>
+                <a:ext uri="{28A0092B-C50C-407E-A947-70E740481C1C}">
+                  <a14:useLocalDpi xmlns:a14="http://schemas.microsoft.com/office/drawing/2010/main" val="0"/>
+                </a:ext>
+              </a:extLst>
+            </a:blip>
+            <a:srcRect r="8819"/>
+            <a:stretch/>
+          </p:blipFill>
+          <p:spPr bwMode="auto">
+            <a:xfrm>
+              <a:off x="336551" y="1098232"/>
+              <a:ext cx="7720330" cy="5400000"/>
             </a:xfrm>
             <a:prstGeom prst="rect">
               <a:avLst/>
@@ -7204,7 +7914,7 @@
         </p:pic>
         <p:pic>
           <p:nvPicPr>
-            <p:cNvPr id="10" name="Picture 3"/>
+            <p:cNvPr id="1027" name="Picture 3"/>
             <p:cNvPicPr>
               <a:picLocks noChangeAspect="1" noChangeArrowheads="1"/>
             </p:cNvPicPr>
@@ -7225,8 +7935,8 @@
           </p:blipFill>
           <p:spPr bwMode="auto">
             <a:xfrm>
-              <a:off x="8893672" y="1180443"/>
-              <a:ext cx="3066065" cy="4320000"/>
+              <a:off x="8407401" y="1098232"/>
+              <a:ext cx="3212485" cy="5400000"/>
             </a:xfrm>
             <a:prstGeom prst="rect">
               <a:avLst/>
@@ -7323,7 +8033,7 @@
         <p:spPr>
           <a:xfrm>
             <a:off x="183171" y="153794"/>
-            <a:ext cx="1539204" cy="523220"/>
+            <a:ext cx="2372765" cy="523220"/>
           </a:xfrm>
           <a:prstGeom prst="rect">
             <a:avLst/>
@@ -7347,15 +8057,48 @@
                 <a:latin typeface="KoPub돋움체 Bold" pitchFamily="18" charset="-127"/>
                 <a:ea typeface="KoPub돋움체 Bold" pitchFamily="18" charset="-127"/>
               </a:rPr>
-              <a:t>추후 계획</a:t>
-            </a:r>
-            <a:endParaRPr lang="ko-KR" altLang="en-US" sz="2800" dirty="0">
-              <a:solidFill>
-                <a:srgbClr val="28283C"/>
-              </a:solidFill>
-              <a:latin typeface="KoPub돋움체 Bold" pitchFamily="18" charset="-127"/>
-              <a:ea typeface="KoPub돋움체 Bold" pitchFamily="18" charset="-127"/>
-            </a:endParaRPr>
+              <a:t>추후 </a:t>
+            </a:r>
+            <a:r>
+              <a:rPr lang="ko-KR" altLang="en-US" sz="2800" dirty="0" smtClean="0">
+                <a:solidFill>
+                  <a:srgbClr val="28283C"/>
+                </a:solidFill>
+                <a:latin typeface="KoPub돋움체 Bold" pitchFamily="18" charset="-127"/>
+                <a:ea typeface="KoPub돋움체 Bold" pitchFamily="18" charset="-127"/>
+              </a:rPr>
+              <a:t>계획 </a:t>
+            </a:r>
+            <a:r>
+              <a:rPr lang="en-US" altLang="ko-KR" dirty="0" smtClean="0">
+                <a:solidFill>
+                  <a:srgbClr val="28283C"/>
+                </a:solidFill>
+                <a:latin typeface="KoPub돋움체 Bold" pitchFamily="18" charset="-127"/>
+                <a:ea typeface="KoPub돋움체 Bold" pitchFamily="18" charset="-127"/>
+              </a:rPr>
+              <a:t>(</a:t>
+            </a:r>
+            <a:r>
+              <a:rPr lang="ko-KR" altLang="en-US" dirty="0" smtClean="0">
+                <a:solidFill>
+                  <a:srgbClr val="28283C"/>
+                </a:solidFill>
+                <a:latin typeface="KoPub돋움체 Bold" pitchFamily="18" charset="-127"/>
+                <a:ea typeface="KoPub돋움체 Bold" pitchFamily="18" charset="-127"/>
+              </a:rPr>
+              <a:t>로드맵</a:t>
+            </a:r>
+            <a:r>
+              <a:rPr lang="en-US" altLang="ko-KR" dirty="0" smtClean="0">
+                <a:solidFill>
+                  <a:srgbClr val="28283C"/>
+                </a:solidFill>
+                <a:latin typeface="KoPub돋움체 Bold" pitchFamily="18" charset="-127"/>
+                <a:ea typeface="KoPub돋움체 Bold" pitchFamily="18" charset="-127"/>
+              </a:rPr>
+              <a:t>)</a:t>
+            </a:r>
           </a:p>
         </p:txBody>
       </p:sp>
@@ -7844,7 +8587,7 @@
   <a:extraClrSchemeLst/>
   <a:extLst>
     <a:ext uri="{05A4C25C-085E-4340-85A3-A5531E510DB2}">
-      <thm15:themeFamily xmlns:thm15="http://schemas.microsoft.com/office/thememl/2012/main" xmlns="" name="Office Theme" id="{62F939B6-93AF-4DB8-9C6B-D6C7DFDC589F}" vid="{4A3C46E8-61CC-4603-A589-7422A47A8E4A}"/>
+      <thm15:themeFamily xmlns="" xmlns:thm15="http://schemas.microsoft.com/office/thememl/2012/main" name="Office Theme" id="{62F939B6-93AF-4DB8-9C6B-D6C7DFDC589F}" vid="{4A3C46E8-61CC-4603-A589-7422A47A8E4A}"/>
     </a:ext>
   </a:extLst>
 </a:theme>

--- a/Docs/214_AprilReport.pptx
+++ b/Docs/214_AprilReport.pptx
@@ -8,12 +8,13 @@
     <p:sldId id="267" r:id="rId2"/>
     <p:sldId id="269" r:id="rId3"/>
     <p:sldId id="277" r:id="rId4"/>
-    <p:sldId id="271" r:id="rId5"/>
-    <p:sldId id="276" r:id="rId6"/>
-    <p:sldId id="270" r:id="rId7"/>
-    <p:sldId id="274" r:id="rId8"/>
-    <p:sldId id="268" r:id="rId9"/>
-    <p:sldId id="275" r:id="rId10"/>
+    <p:sldId id="278" r:id="rId5"/>
+    <p:sldId id="271" r:id="rId6"/>
+    <p:sldId id="276" r:id="rId7"/>
+    <p:sldId id="270" r:id="rId8"/>
+    <p:sldId id="274" r:id="rId9"/>
+    <p:sldId id="268" r:id="rId10"/>
+    <p:sldId id="275" r:id="rId11"/>
   </p:sldIdLst>
   <p:sldSz cx="12192000" cy="6858000"/>
   <p:notesSz cx="6858000" cy="9144000"/>
@@ -137,7 +138,7 @@
           <p:cNvPr id="2" name="제목 1">
             <a:extLst>
               <a:ext uri="{FF2B5EF4-FFF2-40B4-BE49-F238E27FC236}">
-                <a16:creationId xmlns:a16="http://schemas.microsoft.com/office/drawing/2014/main" xmlns="" id="{22112318-F619-4488-8B6E-2F5F2426A69A}"/>
+                <a16:creationId xmlns="" xmlns:a16="http://schemas.microsoft.com/office/drawing/2014/main" id="{22112318-F619-4488-8B6E-2F5F2426A69A}"/>
               </a:ext>
             </a:extLst>
           </p:cNvPr>
@@ -174,7 +175,7 @@
           <p:cNvPr id="3" name="부제목 2">
             <a:extLst>
               <a:ext uri="{FF2B5EF4-FFF2-40B4-BE49-F238E27FC236}">
-                <a16:creationId xmlns:a16="http://schemas.microsoft.com/office/drawing/2014/main" xmlns="" id="{E8BEE6BB-9A5F-4E9F-9F1C-6D46BE01A313}"/>
+                <a16:creationId xmlns="" xmlns:a16="http://schemas.microsoft.com/office/drawing/2014/main" id="{E8BEE6BB-9A5F-4E9F-9F1C-6D46BE01A313}"/>
               </a:ext>
             </a:extLst>
           </p:cNvPr>
@@ -244,7 +245,7 @@
           <p:cNvPr id="4" name="날짜 개체 틀 3">
             <a:extLst>
               <a:ext uri="{FF2B5EF4-FFF2-40B4-BE49-F238E27FC236}">
-                <a16:creationId xmlns:a16="http://schemas.microsoft.com/office/drawing/2014/main" xmlns="" id="{D2D9A51D-A948-4CB8-A9EB-5A26520C8EF0}"/>
+                <a16:creationId xmlns="" xmlns:a16="http://schemas.microsoft.com/office/drawing/2014/main" id="{D2D9A51D-A948-4CB8-A9EB-5A26520C8EF0}"/>
               </a:ext>
             </a:extLst>
           </p:cNvPr>
@@ -286,7 +287,7 @@
           <p:cNvPr id="5" name="바닥글 개체 틀 4">
             <a:extLst>
               <a:ext uri="{FF2B5EF4-FFF2-40B4-BE49-F238E27FC236}">
-                <a16:creationId xmlns:a16="http://schemas.microsoft.com/office/drawing/2014/main" xmlns="" id="{84374BBD-0B82-4658-B13D-088F0E4D078E}"/>
+                <a16:creationId xmlns="" xmlns:a16="http://schemas.microsoft.com/office/drawing/2014/main" id="{84374BBD-0B82-4658-B13D-088F0E4D078E}"/>
               </a:ext>
             </a:extLst>
           </p:cNvPr>
@@ -317,7 +318,7 @@
           <p:cNvPr id="6" name="슬라이드 번호 개체 틀 5">
             <a:extLst>
               <a:ext uri="{FF2B5EF4-FFF2-40B4-BE49-F238E27FC236}">
-                <a16:creationId xmlns:a16="http://schemas.microsoft.com/office/drawing/2014/main" xmlns="" id="{AB1AAA67-696A-4836-A10B-FF164C3AF889}"/>
+                <a16:creationId xmlns="" xmlns:a16="http://schemas.microsoft.com/office/drawing/2014/main" id="{AB1AAA67-696A-4836-A10B-FF164C3AF889}"/>
               </a:ext>
             </a:extLst>
           </p:cNvPr>
@@ -389,7 +390,7 @@
           <p:cNvPr id="2" name="제목 1">
             <a:extLst>
               <a:ext uri="{FF2B5EF4-FFF2-40B4-BE49-F238E27FC236}">
-                <a16:creationId xmlns:a16="http://schemas.microsoft.com/office/drawing/2014/main" xmlns="" id="{3C43AEE1-28CA-46D2-81F5-CD34E4F9E583}"/>
+                <a16:creationId xmlns="" xmlns:a16="http://schemas.microsoft.com/office/drawing/2014/main" id="{3C43AEE1-28CA-46D2-81F5-CD34E4F9E583}"/>
               </a:ext>
             </a:extLst>
           </p:cNvPr>
@@ -417,7 +418,7 @@
           <p:cNvPr id="3" name="세로 텍스트 개체 틀 2">
             <a:extLst>
               <a:ext uri="{FF2B5EF4-FFF2-40B4-BE49-F238E27FC236}">
-                <a16:creationId xmlns:a16="http://schemas.microsoft.com/office/drawing/2014/main" xmlns="" id="{C738FEC2-4BF0-4A45-9297-EE9B2E45E5CC}"/>
+                <a16:creationId xmlns="" xmlns:a16="http://schemas.microsoft.com/office/drawing/2014/main" id="{C738FEC2-4BF0-4A45-9297-EE9B2E45E5CC}"/>
               </a:ext>
             </a:extLst>
           </p:cNvPr>
@@ -474,7 +475,7 @@
           <p:cNvPr id="4" name="날짜 개체 틀 3">
             <a:extLst>
               <a:ext uri="{FF2B5EF4-FFF2-40B4-BE49-F238E27FC236}">
-                <a16:creationId xmlns:a16="http://schemas.microsoft.com/office/drawing/2014/main" xmlns="" id="{2BEDBAD0-D342-4544-94B8-122B3BDBF705}"/>
+                <a16:creationId xmlns="" xmlns:a16="http://schemas.microsoft.com/office/drawing/2014/main" id="{2BEDBAD0-D342-4544-94B8-122B3BDBF705}"/>
               </a:ext>
             </a:extLst>
           </p:cNvPr>
@@ -516,7 +517,7 @@
           <p:cNvPr id="5" name="바닥글 개체 틀 4">
             <a:extLst>
               <a:ext uri="{FF2B5EF4-FFF2-40B4-BE49-F238E27FC236}">
-                <a16:creationId xmlns:a16="http://schemas.microsoft.com/office/drawing/2014/main" xmlns="" id="{1D70FE0D-ACBA-4806-9F35-4EB786E865FE}"/>
+                <a16:creationId xmlns="" xmlns:a16="http://schemas.microsoft.com/office/drawing/2014/main" id="{1D70FE0D-ACBA-4806-9F35-4EB786E865FE}"/>
               </a:ext>
             </a:extLst>
           </p:cNvPr>
@@ -547,7 +548,7 @@
           <p:cNvPr id="6" name="슬라이드 번호 개체 틀 5">
             <a:extLst>
               <a:ext uri="{FF2B5EF4-FFF2-40B4-BE49-F238E27FC236}">
-                <a16:creationId xmlns:a16="http://schemas.microsoft.com/office/drawing/2014/main" xmlns="" id="{A7F3119A-4AE1-408F-B8AD-4428B0060B24}"/>
+                <a16:creationId xmlns="" xmlns:a16="http://schemas.microsoft.com/office/drawing/2014/main" id="{A7F3119A-4AE1-408F-B8AD-4428B0060B24}"/>
               </a:ext>
             </a:extLst>
           </p:cNvPr>
@@ -619,7 +620,7 @@
           <p:cNvPr id="2" name="세로 제목 1">
             <a:extLst>
               <a:ext uri="{FF2B5EF4-FFF2-40B4-BE49-F238E27FC236}">
-                <a16:creationId xmlns:a16="http://schemas.microsoft.com/office/drawing/2014/main" xmlns="" id="{F0B3D2AB-E650-41C2-B6FB-5398A5C19680}"/>
+                <a16:creationId xmlns="" xmlns:a16="http://schemas.microsoft.com/office/drawing/2014/main" id="{F0B3D2AB-E650-41C2-B6FB-5398A5C19680}"/>
               </a:ext>
             </a:extLst>
           </p:cNvPr>
@@ -652,7 +653,7 @@
           <p:cNvPr id="3" name="세로 텍스트 개체 틀 2">
             <a:extLst>
               <a:ext uri="{FF2B5EF4-FFF2-40B4-BE49-F238E27FC236}">
-                <a16:creationId xmlns:a16="http://schemas.microsoft.com/office/drawing/2014/main" xmlns="" id="{992D6516-8F93-4221-97F7-E01D89EE517D}"/>
+                <a16:creationId xmlns="" xmlns:a16="http://schemas.microsoft.com/office/drawing/2014/main" id="{992D6516-8F93-4221-97F7-E01D89EE517D}"/>
               </a:ext>
             </a:extLst>
           </p:cNvPr>
@@ -714,7 +715,7 @@
           <p:cNvPr id="4" name="날짜 개체 틀 3">
             <a:extLst>
               <a:ext uri="{FF2B5EF4-FFF2-40B4-BE49-F238E27FC236}">
-                <a16:creationId xmlns:a16="http://schemas.microsoft.com/office/drawing/2014/main" xmlns="" id="{8D86CB26-A349-496A-B48B-A7B891172236}"/>
+                <a16:creationId xmlns="" xmlns:a16="http://schemas.microsoft.com/office/drawing/2014/main" id="{8D86CB26-A349-496A-B48B-A7B891172236}"/>
               </a:ext>
             </a:extLst>
           </p:cNvPr>
@@ -756,7 +757,7 @@
           <p:cNvPr id="5" name="바닥글 개체 틀 4">
             <a:extLst>
               <a:ext uri="{FF2B5EF4-FFF2-40B4-BE49-F238E27FC236}">
-                <a16:creationId xmlns:a16="http://schemas.microsoft.com/office/drawing/2014/main" xmlns="" id="{C2E726FD-A739-41D5-96BA-4670363928CF}"/>
+                <a16:creationId xmlns="" xmlns:a16="http://schemas.microsoft.com/office/drawing/2014/main" id="{C2E726FD-A739-41D5-96BA-4670363928CF}"/>
               </a:ext>
             </a:extLst>
           </p:cNvPr>
@@ -787,7 +788,7 @@
           <p:cNvPr id="6" name="슬라이드 번호 개체 틀 5">
             <a:extLst>
               <a:ext uri="{FF2B5EF4-FFF2-40B4-BE49-F238E27FC236}">
-                <a16:creationId xmlns:a16="http://schemas.microsoft.com/office/drawing/2014/main" xmlns="" id="{60FAE18D-FED5-4070-8B76-811D76CCECC9}"/>
+                <a16:creationId xmlns="" xmlns:a16="http://schemas.microsoft.com/office/drawing/2014/main" id="{60FAE18D-FED5-4070-8B76-811D76CCECC9}"/>
               </a:ext>
             </a:extLst>
           </p:cNvPr>
@@ -859,7 +860,7 @@
           <p:cNvPr id="2" name="제목 1">
             <a:extLst>
               <a:ext uri="{FF2B5EF4-FFF2-40B4-BE49-F238E27FC236}">
-                <a16:creationId xmlns:a16="http://schemas.microsoft.com/office/drawing/2014/main" xmlns="" id="{5CC6958D-28E5-4CC8-8C48-52A02A1BC426}"/>
+                <a16:creationId xmlns="" xmlns:a16="http://schemas.microsoft.com/office/drawing/2014/main" id="{5CC6958D-28E5-4CC8-8C48-52A02A1BC426}"/>
               </a:ext>
             </a:extLst>
           </p:cNvPr>
@@ -887,7 +888,7 @@
           <p:cNvPr id="3" name="내용 개체 틀 2">
             <a:extLst>
               <a:ext uri="{FF2B5EF4-FFF2-40B4-BE49-F238E27FC236}">
-                <a16:creationId xmlns:a16="http://schemas.microsoft.com/office/drawing/2014/main" xmlns="" id="{E8E03031-827B-4AC7-B564-384C16177476}"/>
+                <a16:creationId xmlns="" xmlns:a16="http://schemas.microsoft.com/office/drawing/2014/main" id="{E8E03031-827B-4AC7-B564-384C16177476}"/>
               </a:ext>
             </a:extLst>
           </p:cNvPr>
@@ -944,7 +945,7 @@
           <p:cNvPr id="4" name="날짜 개체 틀 3">
             <a:extLst>
               <a:ext uri="{FF2B5EF4-FFF2-40B4-BE49-F238E27FC236}">
-                <a16:creationId xmlns:a16="http://schemas.microsoft.com/office/drawing/2014/main" xmlns="" id="{11C19838-69C9-49EB-9B51-549106E9B8DE}"/>
+                <a16:creationId xmlns="" xmlns:a16="http://schemas.microsoft.com/office/drawing/2014/main" id="{11C19838-69C9-49EB-9B51-549106E9B8DE}"/>
               </a:ext>
             </a:extLst>
           </p:cNvPr>
@@ -986,7 +987,7 @@
           <p:cNvPr id="5" name="바닥글 개체 틀 4">
             <a:extLst>
               <a:ext uri="{FF2B5EF4-FFF2-40B4-BE49-F238E27FC236}">
-                <a16:creationId xmlns:a16="http://schemas.microsoft.com/office/drawing/2014/main" xmlns="" id="{3C26852C-90C9-4502-A697-363CF824CFD0}"/>
+                <a16:creationId xmlns="" xmlns:a16="http://schemas.microsoft.com/office/drawing/2014/main" id="{3C26852C-90C9-4502-A697-363CF824CFD0}"/>
               </a:ext>
             </a:extLst>
           </p:cNvPr>
@@ -1017,7 +1018,7 @@
           <p:cNvPr id="6" name="슬라이드 번호 개체 틀 5">
             <a:extLst>
               <a:ext uri="{FF2B5EF4-FFF2-40B4-BE49-F238E27FC236}">
-                <a16:creationId xmlns:a16="http://schemas.microsoft.com/office/drawing/2014/main" xmlns="" id="{DF7509D0-CCBD-406A-9D4E-6845657BBAED}"/>
+                <a16:creationId xmlns="" xmlns:a16="http://schemas.microsoft.com/office/drawing/2014/main" id="{DF7509D0-CCBD-406A-9D4E-6845657BBAED}"/>
               </a:ext>
             </a:extLst>
           </p:cNvPr>
@@ -1089,7 +1090,7 @@
           <p:cNvPr id="2" name="제목 1">
             <a:extLst>
               <a:ext uri="{FF2B5EF4-FFF2-40B4-BE49-F238E27FC236}">
-                <a16:creationId xmlns:a16="http://schemas.microsoft.com/office/drawing/2014/main" xmlns="" id="{6CEF73EF-188B-4B17-B08F-D30E80C308D0}"/>
+                <a16:creationId xmlns="" xmlns:a16="http://schemas.microsoft.com/office/drawing/2014/main" id="{6CEF73EF-188B-4B17-B08F-D30E80C308D0}"/>
               </a:ext>
             </a:extLst>
           </p:cNvPr>
@@ -1126,7 +1127,7 @@
           <p:cNvPr id="3" name="텍스트 개체 틀 2">
             <a:extLst>
               <a:ext uri="{FF2B5EF4-FFF2-40B4-BE49-F238E27FC236}">
-                <a16:creationId xmlns:a16="http://schemas.microsoft.com/office/drawing/2014/main" xmlns="" id="{DD7DD2CA-F9BF-47A8-9D27-757556FD1CEE}"/>
+                <a16:creationId xmlns="" xmlns:a16="http://schemas.microsoft.com/office/drawing/2014/main" id="{DD7DD2CA-F9BF-47A8-9D27-757556FD1CEE}"/>
               </a:ext>
             </a:extLst>
           </p:cNvPr>
@@ -1251,7 +1252,7 @@
           <p:cNvPr id="4" name="날짜 개체 틀 3">
             <a:extLst>
               <a:ext uri="{FF2B5EF4-FFF2-40B4-BE49-F238E27FC236}">
-                <a16:creationId xmlns:a16="http://schemas.microsoft.com/office/drawing/2014/main" xmlns="" id="{DE78A1FB-ABBF-480D-AC6C-9BB1AEF9789B}"/>
+                <a16:creationId xmlns="" xmlns:a16="http://schemas.microsoft.com/office/drawing/2014/main" id="{DE78A1FB-ABBF-480D-AC6C-9BB1AEF9789B}"/>
               </a:ext>
             </a:extLst>
           </p:cNvPr>
@@ -1293,7 +1294,7 @@
           <p:cNvPr id="5" name="바닥글 개체 틀 4">
             <a:extLst>
               <a:ext uri="{FF2B5EF4-FFF2-40B4-BE49-F238E27FC236}">
-                <a16:creationId xmlns:a16="http://schemas.microsoft.com/office/drawing/2014/main" xmlns="" id="{6384247E-1D11-4A19-BDDF-E157A205B45F}"/>
+                <a16:creationId xmlns="" xmlns:a16="http://schemas.microsoft.com/office/drawing/2014/main" id="{6384247E-1D11-4A19-BDDF-E157A205B45F}"/>
               </a:ext>
             </a:extLst>
           </p:cNvPr>
@@ -1324,7 +1325,7 @@
           <p:cNvPr id="6" name="슬라이드 번호 개체 틀 5">
             <a:extLst>
               <a:ext uri="{FF2B5EF4-FFF2-40B4-BE49-F238E27FC236}">
-                <a16:creationId xmlns:a16="http://schemas.microsoft.com/office/drawing/2014/main" xmlns="" id="{124EC815-B6FC-4BDE-910C-F8015ED4AD75}"/>
+                <a16:creationId xmlns="" xmlns:a16="http://schemas.microsoft.com/office/drawing/2014/main" id="{124EC815-B6FC-4BDE-910C-F8015ED4AD75}"/>
               </a:ext>
             </a:extLst>
           </p:cNvPr>
@@ -1396,7 +1397,7 @@
           <p:cNvPr id="2" name="제목 1">
             <a:extLst>
               <a:ext uri="{FF2B5EF4-FFF2-40B4-BE49-F238E27FC236}">
-                <a16:creationId xmlns:a16="http://schemas.microsoft.com/office/drawing/2014/main" xmlns="" id="{B4DAEB91-29AA-4ACC-BDCF-960470FCA5A1}"/>
+                <a16:creationId xmlns="" xmlns:a16="http://schemas.microsoft.com/office/drawing/2014/main" id="{B4DAEB91-29AA-4ACC-BDCF-960470FCA5A1}"/>
               </a:ext>
             </a:extLst>
           </p:cNvPr>
@@ -1424,7 +1425,7 @@
           <p:cNvPr id="3" name="내용 개체 틀 2">
             <a:extLst>
               <a:ext uri="{FF2B5EF4-FFF2-40B4-BE49-F238E27FC236}">
-                <a16:creationId xmlns:a16="http://schemas.microsoft.com/office/drawing/2014/main" xmlns="" id="{256B0E51-7DC0-45B6-8306-D8167F5CB7C8}"/>
+                <a16:creationId xmlns="" xmlns:a16="http://schemas.microsoft.com/office/drawing/2014/main" id="{256B0E51-7DC0-45B6-8306-D8167F5CB7C8}"/>
               </a:ext>
             </a:extLst>
           </p:cNvPr>
@@ -1486,7 +1487,7 @@
           <p:cNvPr id="4" name="내용 개체 틀 3">
             <a:extLst>
               <a:ext uri="{FF2B5EF4-FFF2-40B4-BE49-F238E27FC236}">
-                <a16:creationId xmlns:a16="http://schemas.microsoft.com/office/drawing/2014/main" xmlns="" id="{F7CB78CC-8798-4261-B4B1-60B4C54377A7}"/>
+                <a16:creationId xmlns="" xmlns:a16="http://schemas.microsoft.com/office/drawing/2014/main" id="{F7CB78CC-8798-4261-B4B1-60B4C54377A7}"/>
               </a:ext>
             </a:extLst>
           </p:cNvPr>
@@ -1548,7 +1549,7 @@
           <p:cNvPr id="5" name="날짜 개체 틀 4">
             <a:extLst>
               <a:ext uri="{FF2B5EF4-FFF2-40B4-BE49-F238E27FC236}">
-                <a16:creationId xmlns:a16="http://schemas.microsoft.com/office/drawing/2014/main" xmlns="" id="{79594384-5734-4FC8-928A-E1641354A126}"/>
+                <a16:creationId xmlns="" xmlns:a16="http://schemas.microsoft.com/office/drawing/2014/main" id="{79594384-5734-4FC8-928A-E1641354A126}"/>
               </a:ext>
             </a:extLst>
           </p:cNvPr>
@@ -1590,7 +1591,7 @@
           <p:cNvPr id="6" name="바닥글 개체 틀 5">
             <a:extLst>
               <a:ext uri="{FF2B5EF4-FFF2-40B4-BE49-F238E27FC236}">
-                <a16:creationId xmlns:a16="http://schemas.microsoft.com/office/drawing/2014/main" xmlns="" id="{282301C0-6908-48C0-8957-C8B3F4594C5A}"/>
+                <a16:creationId xmlns="" xmlns:a16="http://schemas.microsoft.com/office/drawing/2014/main" id="{282301C0-6908-48C0-8957-C8B3F4594C5A}"/>
               </a:ext>
             </a:extLst>
           </p:cNvPr>
@@ -1621,7 +1622,7 @@
           <p:cNvPr id="7" name="슬라이드 번호 개체 틀 6">
             <a:extLst>
               <a:ext uri="{FF2B5EF4-FFF2-40B4-BE49-F238E27FC236}">
-                <a16:creationId xmlns:a16="http://schemas.microsoft.com/office/drawing/2014/main" xmlns="" id="{507DD8FE-7741-412F-947D-7A7079F48607}"/>
+                <a16:creationId xmlns="" xmlns:a16="http://schemas.microsoft.com/office/drawing/2014/main" id="{507DD8FE-7741-412F-947D-7A7079F48607}"/>
               </a:ext>
             </a:extLst>
           </p:cNvPr>
@@ -1693,7 +1694,7 @@
           <p:cNvPr id="2" name="제목 1">
             <a:extLst>
               <a:ext uri="{FF2B5EF4-FFF2-40B4-BE49-F238E27FC236}">
-                <a16:creationId xmlns:a16="http://schemas.microsoft.com/office/drawing/2014/main" xmlns="" id="{BBD6DFD1-B640-4CC6-A759-6C7981C5CD61}"/>
+                <a16:creationId xmlns="" xmlns:a16="http://schemas.microsoft.com/office/drawing/2014/main" id="{BBD6DFD1-B640-4CC6-A759-6C7981C5CD61}"/>
               </a:ext>
             </a:extLst>
           </p:cNvPr>
@@ -1726,7 +1727,7 @@
           <p:cNvPr id="3" name="텍스트 개체 틀 2">
             <a:extLst>
               <a:ext uri="{FF2B5EF4-FFF2-40B4-BE49-F238E27FC236}">
-                <a16:creationId xmlns:a16="http://schemas.microsoft.com/office/drawing/2014/main" xmlns="" id="{25B2A237-7572-46BD-9502-829F6C0AD4F8}"/>
+                <a16:creationId xmlns="" xmlns:a16="http://schemas.microsoft.com/office/drawing/2014/main" id="{25B2A237-7572-46BD-9502-829F6C0AD4F8}"/>
               </a:ext>
             </a:extLst>
           </p:cNvPr>
@@ -1797,7 +1798,7 @@
           <p:cNvPr id="4" name="내용 개체 틀 3">
             <a:extLst>
               <a:ext uri="{FF2B5EF4-FFF2-40B4-BE49-F238E27FC236}">
-                <a16:creationId xmlns:a16="http://schemas.microsoft.com/office/drawing/2014/main" xmlns="" id="{81AE9732-B570-4506-BDA6-0AB39D453684}"/>
+                <a16:creationId xmlns="" xmlns:a16="http://schemas.microsoft.com/office/drawing/2014/main" id="{81AE9732-B570-4506-BDA6-0AB39D453684}"/>
               </a:ext>
             </a:extLst>
           </p:cNvPr>
@@ -1859,7 +1860,7 @@
           <p:cNvPr id="5" name="텍스트 개체 틀 4">
             <a:extLst>
               <a:ext uri="{FF2B5EF4-FFF2-40B4-BE49-F238E27FC236}">
-                <a16:creationId xmlns:a16="http://schemas.microsoft.com/office/drawing/2014/main" xmlns="" id="{A289407D-7DA6-4293-A426-38DF9B21160E}"/>
+                <a16:creationId xmlns="" xmlns:a16="http://schemas.microsoft.com/office/drawing/2014/main" id="{A289407D-7DA6-4293-A426-38DF9B21160E}"/>
               </a:ext>
             </a:extLst>
           </p:cNvPr>
@@ -1930,7 +1931,7 @@
           <p:cNvPr id="6" name="내용 개체 틀 5">
             <a:extLst>
               <a:ext uri="{FF2B5EF4-FFF2-40B4-BE49-F238E27FC236}">
-                <a16:creationId xmlns:a16="http://schemas.microsoft.com/office/drawing/2014/main" xmlns="" id="{F239549F-370A-4671-B1BB-79655CC6CB8C}"/>
+                <a16:creationId xmlns="" xmlns:a16="http://schemas.microsoft.com/office/drawing/2014/main" id="{F239549F-370A-4671-B1BB-79655CC6CB8C}"/>
               </a:ext>
             </a:extLst>
           </p:cNvPr>
@@ -1992,7 +1993,7 @@
           <p:cNvPr id="7" name="날짜 개체 틀 6">
             <a:extLst>
               <a:ext uri="{FF2B5EF4-FFF2-40B4-BE49-F238E27FC236}">
-                <a16:creationId xmlns:a16="http://schemas.microsoft.com/office/drawing/2014/main" xmlns="" id="{A86D9E62-97AA-41F8-B69B-6CD691CF0E2A}"/>
+                <a16:creationId xmlns="" xmlns:a16="http://schemas.microsoft.com/office/drawing/2014/main" id="{A86D9E62-97AA-41F8-B69B-6CD691CF0E2A}"/>
               </a:ext>
             </a:extLst>
           </p:cNvPr>
@@ -2034,7 +2035,7 @@
           <p:cNvPr id="8" name="바닥글 개체 틀 7">
             <a:extLst>
               <a:ext uri="{FF2B5EF4-FFF2-40B4-BE49-F238E27FC236}">
-                <a16:creationId xmlns:a16="http://schemas.microsoft.com/office/drawing/2014/main" xmlns="" id="{F41D3FC0-561B-4DE4-AA99-9DB56EC6B344}"/>
+                <a16:creationId xmlns="" xmlns:a16="http://schemas.microsoft.com/office/drawing/2014/main" id="{F41D3FC0-561B-4DE4-AA99-9DB56EC6B344}"/>
               </a:ext>
             </a:extLst>
           </p:cNvPr>
@@ -2065,7 +2066,7 @@
           <p:cNvPr id="9" name="슬라이드 번호 개체 틀 8">
             <a:extLst>
               <a:ext uri="{FF2B5EF4-FFF2-40B4-BE49-F238E27FC236}">
-                <a16:creationId xmlns:a16="http://schemas.microsoft.com/office/drawing/2014/main" xmlns="" id="{AD0040F2-99C5-450C-9966-5D00290EBF69}"/>
+                <a16:creationId xmlns="" xmlns:a16="http://schemas.microsoft.com/office/drawing/2014/main" id="{AD0040F2-99C5-450C-9966-5D00290EBF69}"/>
               </a:ext>
             </a:extLst>
           </p:cNvPr>
@@ -2137,7 +2138,7 @@
           <p:cNvPr id="2" name="제목 1">
             <a:extLst>
               <a:ext uri="{FF2B5EF4-FFF2-40B4-BE49-F238E27FC236}">
-                <a16:creationId xmlns:a16="http://schemas.microsoft.com/office/drawing/2014/main" xmlns="" id="{C6E337C1-8281-4F6E-9A31-EBE388C3C82F}"/>
+                <a16:creationId xmlns="" xmlns:a16="http://schemas.microsoft.com/office/drawing/2014/main" id="{C6E337C1-8281-4F6E-9A31-EBE388C3C82F}"/>
               </a:ext>
             </a:extLst>
           </p:cNvPr>
@@ -2165,7 +2166,7 @@
           <p:cNvPr id="3" name="날짜 개체 틀 2">
             <a:extLst>
               <a:ext uri="{FF2B5EF4-FFF2-40B4-BE49-F238E27FC236}">
-                <a16:creationId xmlns:a16="http://schemas.microsoft.com/office/drawing/2014/main" xmlns="" id="{00EA4B32-9135-4223-8DE6-887D2743405B}"/>
+                <a16:creationId xmlns="" xmlns:a16="http://schemas.microsoft.com/office/drawing/2014/main" id="{00EA4B32-9135-4223-8DE6-887D2743405B}"/>
               </a:ext>
             </a:extLst>
           </p:cNvPr>
@@ -2207,7 +2208,7 @@
           <p:cNvPr id="4" name="바닥글 개체 틀 3">
             <a:extLst>
               <a:ext uri="{FF2B5EF4-FFF2-40B4-BE49-F238E27FC236}">
-                <a16:creationId xmlns:a16="http://schemas.microsoft.com/office/drawing/2014/main" xmlns="" id="{9407FC83-8D70-48DB-8681-08CFD9C0DA58}"/>
+                <a16:creationId xmlns="" xmlns:a16="http://schemas.microsoft.com/office/drawing/2014/main" id="{9407FC83-8D70-48DB-8681-08CFD9C0DA58}"/>
               </a:ext>
             </a:extLst>
           </p:cNvPr>
@@ -2238,7 +2239,7 @@
           <p:cNvPr id="5" name="슬라이드 번호 개체 틀 4">
             <a:extLst>
               <a:ext uri="{FF2B5EF4-FFF2-40B4-BE49-F238E27FC236}">
-                <a16:creationId xmlns:a16="http://schemas.microsoft.com/office/drawing/2014/main" xmlns="" id="{A8FC15EC-BCCB-4B82-A94C-FABC63DF674F}"/>
+                <a16:creationId xmlns="" xmlns:a16="http://schemas.microsoft.com/office/drawing/2014/main" id="{A8FC15EC-BCCB-4B82-A94C-FABC63DF674F}"/>
               </a:ext>
             </a:extLst>
           </p:cNvPr>
@@ -2310,7 +2311,7 @@
           <p:cNvPr id="2" name="날짜 개체 틀 1">
             <a:extLst>
               <a:ext uri="{FF2B5EF4-FFF2-40B4-BE49-F238E27FC236}">
-                <a16:creationId xmlns:a16="http://schemas.microsoft.com/office/drawing/2014/main" xmlns="" id="{2B9F9692-5462-4439-80C8-B7E337FC9AC3}"/>
+                <a16:creationId xmlns="" xmlns:a16="http://schemas.microsoft.com/office/drawing/2014/main" id="{2B9F9692-5462-4439-80C8-B7E337FC9AC3}"/>
               </a:ext>
             </a:extLst>
           </p:cNvPr>
@@ -2352,7 +2353,7 @@
           <p:cNvPr id="3" name="바닥글 개체 틀 2">
             <a:extLst>
               <a:ext uri="{FF2B5EF4-FFF2-40B4-BE49-F238E27FC236}">
-                <a16:creationId xmlns:a16="http://schemas.microsoft.com/office/drawing/2014/main" xmlns="" id="{94CA042D-EBC0-437C-A819-521611A545F2}"/>
+                <a16:creationId xmlns="" xmlns:a16="http://schemas.microsoft.com/office/drawing/2014/main" id="{94CA042D-EBC0-437C-A819-521611A545F2}"/>
               </a:ext>
             </a:extLst>
           </p:cNvPr>
@@ -2383,7 +2384,7 @@
           <p:cNvPr id="4" name="슬라이드 번호 개체 틀 3">
             <a:extLst>
               <a:ext uri="{FF2B5EF4-FFF2-40B4-BE49-F238E27FC236}">
-                <a16:creationId xmlns:a16="http://schemas.microsoft.com/office/drawing/2014/main" xmlns="" id="{A2415CDA-0D1F-49BD-8381-21C3BEFD5A98}"/>
+                <a16:creationId xmlns="" xmlns:a16="http://schemas.microsoft.com/office/drawing/2014/main" id="{A2415CDA-0D1F-49BD-8381-21C3BEFD5A98}"/>
               </a:ext>
             </a:extLst>
           </p:cNvPr>
@@ -2455,7 +2456,7 @@
           <p:cNvPr id="2" name="제목 1">
             <a:extLst>
               <a:ext uri="{FF2B5EF4-FFF2-40B4-BE49-F238E27FC236}">
-                <a16:creationId xmlns:a16="http://schemas.microsoft.com/office/drawing/2014/main" xmlns="" id="{2A6F10D4-8D29-48C2-ADF0-92316E2C8E4E}"/>
+                <a16:creationId xmlns="" xmlns:a16="http://schemas.microsoft.com/office/drawing/2014/main" id="{2A6F10D4-8D29-48C2-ADF0-92316E2C8E4E}"/>
               </a:ext>
             </a:extLst>
           </p:cNvPr>
@@ -2492,7 +2493,7 @@
           <p:cNvPr id="3" name="내용 개체 틀 2">
             <a:extLst>
               <a:ext uri="{FF2B5EF4-FFF2-40B4-BE49-F238E27FC236}">
-                <a16:creationId xmlns:a16="http://schemas.microsoft.com/office/drawing/2014/main" xmlns="" id="{BBBA3CD3-DE79-4260-873A-FEDE5C678F80}"/>
+                <a16:creationId xmlns="" xmlns:a16="http://schemas.microsoft.com/office/drawing/2014/main" id="{BBBA3CD3-DE79-4260-873A-FEDE5C678F80}"/>
               </a:ext>
             </a:extLst>
           </p:cNvPr>
@@ -2582,7 +2583,7 @@
           <p:cNvPr id="4" name="텍스트 개체 틀 3">
             <a:extLst>
               <a:ext uri="{FF2B5EF4-FFF2-40B4-BE49-F238E27FC236}">
-                <a16:creationId xmlns:a16="http://schemas.microsoft.com/office/drawing/2014/main" xmlns="" id="{319C6BD2-52A1-4155-9D55-1D847772EA8C}"/>
+                <a16:creationId xmlns="" xmlns:a16="http://schemas.microsoft.com/office/drawing/2014/main" id="{319C6BD2-52A1-4155-9D55-1D847772EA8C}"/>
               </a:ext>
             </a:extLst>
           </p:cNvPr>
@@ -2653,7 +2654,7 @@
           <p:cNvPr id="5" name="날짜 개체 틀 4">
             <a:extLst>
               <a:ext uri="{FF2B5EF4-FFF2-40B4-BE49-F238E27FC236}">
-                <a16:creationId xmlns:a16="http://schemas.microsoft.com/office/drawing/2014/main" xmlns="" id="{982A3511-0B13-4D97-937C-07365FBADAEA}"/>
+                <a16:creationId xmlns="" xmlns:a16="http://schemas.microsoft.com/office/drawing/2014/main" id="{982A3511-0B13-4D97-937C-07365FBADAEA}"/>
               </a:ext>
             </a:extLst>
           </p:cNvPr>
@@ -2695,7 +2696,7 @@
           <p:cNvPr id="6" name="바닥글 개체 틀 5">
             <a:extLst>
               <a:ext uri="{FF2B5EF4-FFF2-40B4-BE49-F238E27FC236}">
-                <a16:creationId xmlns:a16="http://schemas.microsoft.com/office/drawing/2014/main" xmlns="" id="{54C805B4-20AF-4A3C-B131-E1D9FFBB024D}"/>
+                <a16:creationId xmlns="" xmlns:a16="http://schemas.microsoft.com/office/drawing/2014/main" id="{54C805B4-20AF-4A3C-B131-E1D9FFBB024D}"/>
               </a:ext>
             </a:extLst>
           </p:cNvPr>
@@ -2726,7 +2727,7 @@
           <p:cNvPr id="7" name="슬라이드 번호 개체 틀 6">
             <a:extLst>
               <a:ext uri="{FF2B5EF4-FFF2-40B4-BE49-F238E27FC236}">
-                <a16:creationId xmlns:a16="http://schemas.microsoft.com/office/drawing/2014/main" xmlns="" id="{89C705FC-2895-472A-B6FD-C2434624BB3B}"/>
+                <a16:creationId xmlns="" xmlns:a16="http://schemas.microsoft.com/office/drawing/2014/main" id="{89C705FC-2895-472A-B6FD-C2434624BB3B}"/>
               </a:ext>
             </a:extLst>
           </p:cNvPr>
@@ -2798,7 +2799,7 @@
           <p:cNvPr id="2" name="제목 1">
             <a:extLst>
               <a:ext uri="{FF2B5EF4-FFF2-40B4-BE49-F238E27FC236}">
-                <a16:creationId xmlns:a16="http://schemas.microsoft.com/office/drawing/2014/main" xmlns="" id="{4C00D820-915B-4802-8C2E-FF7CA967E012}"/>
+                <a16:creationId xmlns="" xmlns:a16="http://schemas.microsoft.com/office/drawing/2014/main" id="{4C00D820-915B-4802-8C2E-FF7CA967E012}"/>
               </a:ext>
             </a:extLst>
           </p:cNvPr>
@@ -2835,7 +2836,7 @@
           <p:cNvPr id="3" name="그림 개체 틀 2">
             <a:extLst>
               <a:ext uri="{FF2B5EF4-FFF2-40B4-BE49-F238E27FC236}">
-                <a16:creationId xmlns:a16="http://schemas.microsoft.com/office/drawing/2014/main" xmlns="" id="{10CF9849-20D0-417A-99C8-099DF39939AC}"/>
+                <a16:creationId xmlns="" xmlns:a16="http://schemas.microsoft.com/office/drawing/2014/main" id="{10CF9849-20D0-417A-99C8-099DF39939AC}"/>
               </a:ext>
             </a:extLst>
           </p:cNvPr>
@@ -2902,7 +2903,7 @@
           <p:cNvPr id="4" name="텍스트 개체 틀 3">
             <a:extLst>
               <a:ext uri="{FF2B5EF4-FFF2-40B4-BE49-F238E27FC236}">
-                <a16:creationId xmlns:a16="http://schemas.microsoft.com/office/drawing/2014/main" xmlns="" id="{144A7754-54E7-4123-8C5E-1B05B517B5D4}"/>
+                <a16:creationId xmlns="" xmlns:a16="http://schemas.microsoft.com/office/drawing/2014/main" id="{144A7754-54E7-4123-8C5E-1B05B517B5D4}"/>
               </a:ext>
             </a:extLst>
           </p:cNvPr>
@@ -2973,7 +2974,7 @@
           <p:cNvPr id="5" name="날짜 개체 틀 4">
             <a:extLst>
               <a:ext uri="{FF2B5EF4-FFF2-40B4-BE49-F238E27FC236}">
-                <a16:creationId xmlns:a16="http://schemas.microsoft.com/office/drawing/2014/main" xmlns="" id="{3AFFF3F1-9632-4E06-BAB7-312343416AE9}"/>
+                <a16:creationId xmlns="" xmlns:a16="http://schemas.microsoft.com/office/drawing/2014/main" id="{3AFFF3F1-9632-4E06-BAB7-312343416AE9}"/>
               </a:ext>
             </a:extLst>
           </p:cNvPr>
@@ -3015,7 +3016,7 @@
           <p:cNvPr id="6" name="바닥글 개체 틀 5">
             <a:extLst>
               <a:ext uri="{FF2B5EF4-FFF2-40B4-BE49-F238E27FC236}">
-                <a16:creationId xmlns:a16="http://schemas.microsoft.com/office/drawing/2014/main" xmlns="" id="{5F23D6B1-934F-4B4D-9E4F-5AE9E873CB6E}"/>
+                <a16:creationId xmlns="" xmlns:a16="http://schemas.microsoft.com/office/drawing/2014/main" id="{5F23D6B1-934F-4B4D-9E4F-5AE9E873CB6E}"/>
               </a:ext>
             </a:extLst>
           </p:cNvPr>
@@ -3046,7 +3047,7 @@
           <p:cNvPr id="7" name="슬라이드 번호 개체 틀 6">
             <a:extLst>
               <a:ext uri="{FF2B5EF4-FFF2-40B4-BE49-F238E27FC236}">
-                <a16:creationId xmlns:a16="http://schemas.microsoft.com/office/drawing/2014/main" xmlns="" id="{B157FDD5-2092-4E16-8E7C-1CCA4719CF8A}"/>
+                <a16:creationId xmlns="" xmlns:a16="http://schemas.microsoft.com/office/drawing/2014/main" id="{B157FDD5-2092-4E16-8E7C-1CCA4719CF8A}"/>
               </a:ext>
             </a:extLst>
           </p:cNvPr>
@@ -3126,7 +3127,7 @@
           <p:cNvPr id="2" name="제목 개체 틀 1">
             <a:extLst>
               <a:ext uri="{FF2B5EF4-FFF2-40B4-BE49-F238E27FC236}">
-                <a16:creationId xmlns:a16="http://schemas.microsoft.com/office/drawing/2014/main" xmlns="" id="{84C8B562-0886-4274-876D-59EFAAAE2F3B}"/>
+                <a16:creationId xmlns="" xmlns:a16="http://schemas.microsoft.com/office/drawing/2014/main" id="{84C8B562-0886-4274-876D-59EFAAAE2F3B}"/>
               </a:ext>
             </a:extLst>
           </p:cNvPr>
@@ -3164,7 +3165,7 @@
           <p:cNvPr id="3" name="텍스트 개체 틀 2">
             <a:extLst>
               <a:ext uri="{FF2B5EF4-FFF2-40B4-BE49-F238E27FC236}">
-                <a16:creationId xmlns:a16="http://schemas.microsoft.com/office/drawing/2014/main" xmlns="" id="{61799B9E-1CD2-4A09-9ACC-2FA1C62D7AF6}"/>
+                <a16:creationId xmlns="" xmlns:a16="http://schemas.microsoft.com/office/drawing/2014/main" id="{61799B9E-1CD2-4A09-9ACC-2FA1C62D7AF6}"/>
               </a:ext>
             </a:extLst>
           </p:cNvPr>
@@ -3231,7 +3232,7 @@
           <p:cNvPr id="4" name="날짜 개체 틀 3">
             <a:extLst>
               <a:ext uri="{FF2B5EF4-FFF2-40B4-BE49-F238E27FC236}">
-                <a16:creationId xmlns:a16="http://schemas.microsoft.com/office/drawing/2014/main" xmlns="" id="{42A0C5B4-9399-4A5E-8DEE-54436B1EC85C}"/>
+                <a16:creationId xmlns="" xmlns:a16="http://schemas.microsoft.com/office/drawing/2014/main" id="{42A0C5B4-9399-4A5E-8DEE-54436B1EC85C}"/>
               </a:ext>
             </a:extLst>
           </p:cNvPr>
@@ -3291,7 +3292,7 @@
           <p:cNvPr id="5" name="바닥글 개체 틀 4">
             <a:extLst>
               <a:ext uri="{FF2B5EF4-FFF2-40B4-BE49-F238E27FC236}">
-                <a16:creationId xmlns:a16="http://schemas.microsoft.com/office/drawing/2014/main" xmlns="" id="{F5B2B9FF-C0C5-4E9E-A76A-AF0745E2D88E}"/>
+                <a16:creationId xmlns="" xmlns:a16="http://schemas.microsoft.com/office/drawing/2014/main" id="{F5B2B9FF-C0C5-4E9E-A76A-AF0745E2D88E}"/>
               </a:ext>
             </a:extLst>
           </p:cNvPr>
@@ -3340,7 +3341,7 @@
           <p:cNvPr id="6" name="슬라이드 번호 개체 틀 5">
             <a:extLst>
               <a:ext uri="{FF2B5EF4-FFF2-40B4-BE49-F238E27FC236}">
-                <a16:creationId xmlns:a16="http://schemas.microsoft.com/office/drawing/2014/main" xmlns="" id="{E8992FE0-2D01-4365-9F95-1FF838BCEF3A}"/>
+                <a16:creationId xmlns="" xmlns:a16="http://schemas.microsoft.com/office/drawing/2014/main" id="{E8992FE0-2D01-4365-9F95-1FF838BCEF3A}"/>
               </a:ext>
             </a:extLst>
           </p:cNvPr>
@@ -3859,6 +3860,96 @@
 </p:sld>
 </file>
 
+<file path=ppt/slides/slide10.xml><?xml version="1.0" encoding="utf-8"?>
+<p:sld xmlns:a="http://schemas.openxmlformats.org/drawingml/2006/main" xmlns:r="http://schemas.openxmlformats.org/officeDocument/2006/relationships" xmlns:p="http://schemas.openxmlformats.org/presentationml/2006/main">
+  <p:cSld>
+    <p:spTree>
+      <p:nvGrpSpPr>
+        <p:cNvPr id="1" name=""/>
+        <p:cNvGrpSpPr/>
+        <p:nvPr/>
+      </p:nvGrpSpPr>
+      <p:grpSpPr>
+        <a:xfrm>
+          <a:off x="0" y="0"/>
+          <a:ext cx="0" cy="0"/>
+          <a:chOff x="0" y="0"/>
+          <a:chExt cx="0" cy="0"/>
+        </a:xfrm>
+      </p:grpSpPr>
+      <p:sp>
+        <p:nvSpPr>
+          <p:cNvPr id="2" name="TextBox 1"/>
+          <p:cNvSpPr txBox="1"/>
+          <p:nvPr/>
+        </p:nvSpPr>
+        <p:spPr>
+          <a:xfrm>
+            <a:off x="4593025" y="3044280"/>
+            <a:ext cx="3005951" cy="769441"/>
+          </a:xfrm>
+          <a:prstGeom prst="rect">
+            <a:avLst/>
+          </a:prstGeom>
+          <a:noFill/>
+        </p:spPr>
+        <p:txBody>
+          <a:bodyPr wrap="none" rtlCol="0">
+            <a:spAutoFit/>
+          </a:bodyPr>
+          <a:lstStyle/>
+          <a:p>
+            <a:pPr algn="ctr"/>
+            <a:r>
+              <a:rPr lang="ko-KR" altLang="en-US" sz="4400" smtClean="0">
+                <a:solidFill>
+                  <a:schemeClr val="bg1"/>
+                </a:solidFill>
+                <a:latin typeface="HY헤드라인M" pitchFamily="18" charset="-127"/>
+                <a:ea typeface="HY헤드라인M" pitchFamily="18" charset="-127"/>
+              </a:rPr>
+              <a:t>감사합니</a:t>
+            </a:r>
+            <a:r>
+              <a:rPr lang="ko-KR" altLang="en-US" sz="4400">
+                <a:solidFill>
+                  <a:schemeClr val="bg1"/>
+                </a:solidFill>
+                <a:latin typeface="HY헤드라인M" pitchFamily="18" charset="-127"/>
+                <a:ea typeface="HY헤드라인M" pitchFamily="18" charset="-127"/>
+              </a:rPr>
+              <a:t>다</a:t>
+            </a:r>
+            <a:endParaRPr lang="ko-KR" altLang="en-US" sz="4400" dirty="0">
+              <a:solidFill>
+                <a:schemeClr val="bg1"/>
+              </a:solidFill>
+              <a:latin typeface="HY헤드라인M" pitchFamily="18" charset="-127"/>
+              <a:ea typeface="HY헤드라인M" pitchFamily="18" charset="-127"/>
+            </a:endParaRPr>
+          </a:p>
+        </p:txBody>
+      </p:sp>
+    </p:spTree>
+    <p:extLst>
+      <p:ext uri="{BB962C8B-B14F-4D97-AF65-F5344CB8AC3E}">
+        <p14:creationId xmlns:p14="http://schemas.microsoft.com/office/powerpoint/2010/main" val="1015336918"/>
+      </p:ext>
+    </p:extLst>
+  </p:cSld>
+  <p:clrMapOvr>
+    <a:masterClrMapping/>
+  </p:clrMapOvr>
+  <p:timing>
+    <p:tnLst>
+      <p:par>
+        <p:cTn id="1" dur="indefinite" restart="never" nodeType="tmRoot"/>
+      </p:par>
+    </p:tnLst>
+  </p:timing>
+</p:sld>
+</file>
+
 <file path=ppt/slides/slide2.xml><?xml version="1.0" encoding="utf-8"?>
 <p:sld xmlns:a="http://schemas.openxmlformats.org/drawingml/2006/main" xmlns:r="http://schemas.openxmlformats.org/officeDocument/2006/relationships" xmlns:p="http://schemas.openxmlformats.org/presentationml/2006/main">
   <p:cSld>
@@ -5403,8 +5494,8 @@
         </p:blipFill>
         <p:spPr bwMode="auto">
           <a:xfrm>
-            <a:off x="739636" y="1249988"/>
-            <a:ext cx="6320329" cy="3600000"/>
+            <a:off x="1293746" y="2083980"/>
+            <a:ext cx="5056263" cy="2880000"/>
           </a:xfrm>
           <a:prstGeom prst="rect">
             <a:avLst/>
@@ -5444,8 +5535,8 @@
         </p:blipFill>
         <p:spPr bwMode="auto">
           <a:xfrm>
-            <a:off x="7544875" y="1249988"/>
-            <a:ext cx="3907490" cy="3600000"/>
+            <a:off x="7737474" y="2083980"/>
+            <a:ext cx="3125992" cy="2880000"/>
           </a:xfrm>
           <a:prstGeom prst="rect">
             <a:avLst/>
@@ -5462,16 +5553,228 @@
           </a:extLst>
         </p:spPr>
       </p:pic>
+      <p:grpSp>
+        <p:nvGrpSpPr>
+          <p:cNvPr id="8" name="그룹 7"/>
+          <p:cNvGrpSpPr/>
+          <p:nvPr/>
+        </p:nvGrpSpPr>
+        <p:grpSpPr>
+          <a:xfrm>
+            <a:off x="1006850" y="1530072"/>
+            <a:ext cx="5630056" cy="3694992"/>
+            <a:chOff x="232264" y="1065533"/>
+            <a:chExt cx="3309589" cy="3694992"/>
+          </a:xfrm>
+        </p:grpSpPr>
+        <p:sp>
+          <p:nvSpPr>
+            <p:cNvPr id="10" name="직사각형 9"/>
+            <p:cNvSpPr/>
+            <p:nvPr/>
+          </p:nvSpPr>
+          <p:spPr>
+            <a:xfrm>
+              <a:off x="232264" y="1296366"/>
+              <a:ext cx="3309589" cy="3464159"/>
+            </a:xfrm>
+            <a:prstGeom prst="rect">
+              <a:avLst/>
+            </a:prstGeom>
+            <a:noFill/>
+            <a:ln w="19050">
+              <a:solidFill>
+                <a:schemeClr val="bg1"/>
+              </a:solidFill>
+            </a:ln>
+          </p:spPr>
+          <p:style>
+            <a:lnRef idx="2">
+              <a:schemeClr val="accent1">
+                <a:shade val="50000"/>
+              </a:schemeClr>
+            </a:lnRef>
+            <a:fillRef idx="1">
+              <a:schemeClr val="accent1"/>
+            </a:fillRef>
+            <a:effectRef idx="0">
+              <a:schemeClr val="accent1"/>
+            </a:effectRef>
+            <a:fontRef idx="minor">
+              <a:schemeClr val="lt1"/>
+            </a:fontRef>
+          </p:style>
+          <p:txBody>
+            <a:bodyPr rtlCol="0" anchor="ctr"/>
+            <a:lstStyle/>
+            <a:p>
+              <a:pPr algn="ctr"/>
+              <a:endParaRPr lang="ko-KR" altLang="en-US"/>
+            </a:p>
+          </p:txBody>
+        </p:sp>
+        <p:sp>
+          <p:nvSpPr>
+            <p:cNvPr id="11" name="TextBox 10"/>
+            <p:cNvSpPr txBox="1"/>
+            <p:nvPr/>
+          </p:nvSpPr>
+          <p:spPr>
+            <a:xfrm>
+              <a:off x="1596731" y="1065533"/>
+              <a:ext cx="580654" cy="461665"/>
+            </a:xfrm>
+            <a:prstGeom prst="rect">
+              <a:avLst/>
+            </a:prstGeom>
+            <a:solidFill>
+              <a:srgbClr val="28283C"/>
+            </a:solidFill>
+          </p:spPr>
+          <p:txBody>
+            <a:bodyPr wrap="none" rtlCol="0" anchor="ctr">
+              <a:spAutoFit/>
+            </a:bodyPr>
+            <a:lstStyle/>
+            <a:p>
+              <a:pPr algn="ctr"/>
+              <a:r>
+                <a:rPr lang="ko-KR" altLang="en-US" sz="2400" dirty="0" smtClean="0">
+                  <a:solidFill>
+                    <a:schemeClr val="bg1"/>
+                  </a:solidFill>
+                  <a:latin typeface="KoPub돋움체 Bold" pitchFamily="18" charset="-127"/>
+                  <a:ea typeface="KoPub돋움체 Bold" pitchFamily="18" charset="-127"/>
+                </a:rPr>
+                <a:t>카메라</a:t>
+              </a:r>
+              <a:endParaRPr lang="ko-KR" altLang="en-US" sz="2400" dirty="0">
+                <a:solidFill>
+                  <a:schemeClr val="bg1"/>
+                </a:solidFill>
+                <a:latin typeface="KoPub돋움체 Bold" pitchFamily="18" charset="-127"/>
+                <a:ea typeface="KoPub돋움체 Bold" pitchFamily="18" charset="-127"/>
+              </a:endParaRPr>
+            </a:p>
+          </p:txBody>
+        </p:sp>
+      </p:grpSp>
+      <p:grpSp>
+        <p:nvGrpSpPr>
+          <p:cNvPr id="18" name="그룹 17"/>
+          <p:cNvGrpSpPr/>
+          <p:nvPr/>
+        </p:nvGrpSpPr>
+        <p:grpSpPr>
+          <a:xfrm>
+            <a:off x="7415791" y="1530072"/>
+            <a:ext cx="3769359" cy="3694992"/>
+            <a:chOff x="232264" y="1065533"/>
+            <a:chExt cx="3309589" cy="3694992"/>
+          </a:xfrm>
+        </p:grpSpPr>
+        <p:sp>
+          <p:nvSpPr>
+            <p:cNvPr id="19" name="직사각형 18"/>
+            <p:cNvSpPr/>
+            <p:nvPr/>
+          </p:nvSpPr>
+          <p:spPr>
+            <a:xfrm>
+              <a:off x="232264" y="1296366"/>
+              <a:ext cx="3309589" cy="3464159"/>
+            </a:xfrm>
+            <a:prstGeom prst="rect">
+              <a:avLst/>
+            </a:prstGeom>
+            <a:noFill/>
+            <a:ln w="19050">
+              <a:solidFill>
+                <a:schemeClr val="bg1"/>
+              </a:solidFill>
+            </a:ln>
+          </p:spPr>
+          <p:style>
+            <a:lnRef idx="2">
+              <a:schemeClr val="accent1">
+                <a:shade val="50000"/>
+              </a:schemeClr>
+            </a:lnRef>
+            <a:fillRef idx="1">
+              <a:schemeClr val="accent1"/>
+            </a:fillRef>
+            <a:effectRef idx="0">
+              <a:schemeClr val="accent1"/>
+            </a:effectRef>
+            <a:fontRef idx="minor">
+              <a:schemeClr val="lt1"/>
+            </a:fontRef>
+          </p:style>
+          <p:txBody>
+            <a:bodyPr rtlCol="0" anchor="ctr"/>
+            <a:lstStyle/>
+            <a:p>
+              <a:pPr algn="ctr"/>
+              <a:endParaRPr lang="ko-KR" altLang="en-US"/>
+            </a:p>
+          </p:txBody>
+        </p:sp>
+        <p:sp>
+          <p:nvSpPr>
+            <p:cNvPr id="20" name="TextBox 19"/>
+            <p:cNvSpPr txBox="1"/>
+            <p:nvPr/>
+          </p:nvSpPr>
+          <p:spPr>
+            <a:xfrm>
+              <a:off x="1666549" y="1065533"/>
+              <a:ext cx="441018" cy="461665"/>
+            </a:xfrm>
+            <a:prstGeom prst="rect">
+              <a:avLst/>
+            </a:prstGeom>
+            <a:solidFill>
+              <a:srgbClr val="28283C"/>
+            </a:solidFill>
+          </p:spPr>
+          <p:txBody>
+            <a:bodyPr wrap="square" rtlCol="0" anchor="ctr">
+              <a:spAutoFit/>
+            </a:bodyPr>
+            <a:lstStyle/>
+            <a:p>
+              <a:pPr algn="ctr"/>
+              <a:r>
+                <a:rPr lang="ko-KR" altLang="en-US" sz="2400" dirty="0" smtClean="0">
+                  <a:solidFill>
+                    <a:schemeClr val="bg1"/>
+                  </a:solidFill>
+                  <a:latin typeface="KoPub돋움체 Bold" pitchFamily="18" charset="-127"/>
+                  <a:ea typeface="KoPub돋움체 Bold" pitchFamily="18" charset="-127"/>
+                </a:rPr>
+                <a:t>적</a:t>
+              </a:r>
+              <a:endParaRPr lang="ko-KR" altLang="en-US" sz="2400" dirty="0">
+                <a:solidFill>
+                  <a:schemeClr val="bg1"/>
+                </a:solidFill>
+                <a:latin typeface="KoPub돋움체 Bold" pitchFamily="18" charset="-127"/>
+                <a:ea typeface="KoPub돋움체 Bold" pitchFamily="18" charset="-127"/>
+              </a:endParaRPr>
+            </a:p>
+          </p:txBody>
+        </p:sp>
+      </p:grpSp>
       <p:sp>
         <p:nvSpPr>
-          <p:cNvPr id="9" name="TextBox 8"/>
+          <p:cNvPr id="21" name="TextBox 20"/>
           <p:cNvSpPr txBox="1"/>
           <p:nvPr/>
         </p:nvSpPr>
         <p:spPr>
           <a:xfrm>
-            <a:off x="739636" y="4941114"/>
-            <a:ext cx="1752403" cy="1754326"/>
+            <a:off x="1997509" y="5444942"/>
+            <a:ext cx="3648755" cy="707886"/>
           </a:xfrm>
           <a:prstGeom prst="rect">
             <a:avLst/>
@@ -5484,168 +5787,160 @@
           </a:bodyPr>
           <a:lstStyle/>
           <a:p>
-            <a:pPr marL="285750" indent="-285750">
-              <a:buFontTx/>
-              <a:buChar char="-"/>
-            </a:pPr>
-            <a:r>
-              <a:rPr lang="ko-KR" altLang="en-US" dirty="0" smtClean="0">
-                <a:solidFill>
-                  <a:schemeClr val="bg1"/>
-                </a:solidFill>
-                <a:latin typeface="KoPub돋움체 Medium" pitchFamily="18" charset="-127"/>
-                <a:ea typeface="KoPub돋움체 Medium" pitchFamily="18" charset="-127"/>
-              </a:rPr>
-              <a:t>카메라 구조</a:t>
-            </a:r>
-            <a:endParaRPr lang="en-US" altLang="ko-KR" dirty="0" smtClean="0">
+            <a:pPr algn="ctr"/>
+            <a:r>
+              <a:rPr lang="ko-KR" altLang="en-US" sz="2000" dirty="0" smtClean="0">
+                <a:solidFill>
+                  <a:schemeClr val="bg1"/>
+                </a:solidFill>
+                <a:latin typeface="KoPub돋움체 Light" pitchFamily="18" charset="-127"/>
+                <a:ea typeface="KoPub돋움체 Light" pitchFamily="18" charset="-127"/>
+              </a:rPr>
+              <a:t>카메라 쉐이킹</a:t>
+            </a:r>
+            <a:r>
+              <a:rPr lang="en-US" altLang="ko-KR" sz="2000" dirty="0" smtClean="0">
+                <a:solidFill>
+                  <a:schemeClr val="bg1"/>
+                </a:solidFill>
+                <a:latin typeface="KoPub돋움체 Light" pitchFamily="18" charset="-127"/>
+                <a:ea typeface="KoPub돋움체 Light" pitchFamily="18" charset="-127"/>
+              </a:rPr>
+              <a:t>, </a:t>
+            </a:r>
+            <a:r>
+              <a:rPr lang="ko-KR" altLang="en-US" sz="2000" dirty="0" smtClean="0">
+                <a:solidFill>
+                  <a:schemeClr val="bg1"/>
+                </a:solidFill>
+                <a:latin typeface="KoPub돋움체 Light" pitchFamily="18" charset="-127"/>
+                <a:ea typeface="KoPub돋움체 Light" pitchFamily="18" charset="-127"/>
+              </a:rPr>
+              <a:t>피격 이펙트</a:t>
+            </a:r>
+            <a:r>
+              <a:rPr lang="en-US" altLang="ko-KR" sz="2000" dirty="0" smtClean="0">
+                <a:solidFill>
+                  <a:schemeClr val="bg1"/>
+                </a:solidFill>
+                <a:latin typeface="KoPub돋움체 Light" pitchFamily="18" charset="-127"/>
+                <a:ea typeface="KoPub돋움체 Light" pitchFamily="18" charset="-127"/>
+              </a:rPr>
+              <a:t>, </a:t>
+            </a:r>
+            <a:r>
+              <a:rPr lang="ko-KR" altLang="en-US" sz="2000" dirty="0" smtClean="0">
+                <a:solidFill>
+                  <a:schemeClr val="bg1"/>
+                </a:solidFill>
+                <a:latin typeface="KoPub돋움체 Light" pitchFamily="18" charset="-127"/>
+                <a:ea typeface="KoPub돋움체 Light" pitchFamily="18" charset="-127"/>
+              </a:rPr>
+              <a:t>이동</a:t>
+            </a:r>
+            <a:r>
+              <a:rPr lang="en-US" altLang="ko-KR" sz="2000" dirty="0" smtClean="0">
+                <a:solidFill>
+                  <a:schemeClr val="bg1"/>
+                </a:solidFill>
+                <a:latin typeface="KoPub돋움체 Light" pitchFamily="18" charset="-127"/>
+                <a:ea typeface="KoPub돋움체 Light" pitchFamily="18" charset="-127"/>
+              </a:rPr>
+              <a:t>,</a:t>
+            </a:r>
+          </a:p>
+          <a:p>
+            <a:pPr algn="ctr"/>
+            <a:r>
+              <a:rPr lang="ko-KR" altLang="en-US" sz="2000" dirty="0" smtClean="0">
+                <a:solidFill>
+                  <a:schemeClr val="bg1"/>
+                </a:solidFill>
+                <a:latin typeface="KoPub돋움체 Light" pitchFamily="18" charset="-127"/>
+                <a:ea typeface="KoPub돋움체 Light" pitchFamily="18" charset="-127"/>
+              </a:rPr>
+              <a:t>줌인</a:t>
+            </a:r>
+            <a:r>
+              <a:rPr lang="en-US" altLang="ko-KR" sz="2000" dirty="0" smtClean="0">
+                <a:solidFill>
+                  <a:schemeClr val="bg1"/>
+                </a:solidFill>
+                <a:latin typeface="KoPub돋움체 Light" pitchFamily="18" charset="-127"/>
+                <a:ea typeface="KoPub돋움체 Light" pitchFamily="18" charset="-127"/>
+              </a:rPr>
+              <a:t>/</a:t>
+            </a:r>
+            <a:r>
+              <a:rPr lang="ko-KR" altLang="en-US" sz="2000" dirty="0" smtClean="0">
+                <a:solidFill>
+                  <a:schemeClr val="bg1"/>
+                </a:solidFill>
+                <a:latin typeface="KoPub돋움체 Light" pitchFamily="18" charset="-127"/>
+                <a:ea typeface="KoPub돋움체 Light" pitchFamily="18" charset="-127"/>
+              </a:rPr>
+              <a:t>줌아웃</a:t>
+            </a:r>
+            <a:r>
+              <a:rPr lang="en-US" altLang="ko-KR" sz="2000" dirty="0" smtClean="0">
+                <a:solidFill>
+                  <a:schemeClr val="bg1"/>
+                </a:solidFill>
+                <a:latin typeface="KoPub돋움체 Light" pitchFamily="18" charset="-127"/>
+                <a:ea typeface="KoPub돋움체 Light" pitchFamily="18" charset="-127"/>
+              </a:rPr>
+              <a:t>, </a:t>
+            </a:r>
+            <a:r>
+              <a:rPr lang="ko-KR" altLang="en-US" sz="2000" dirty="0" smtClean="0">
+                <a:solidFill>
+                  <a:schemeClr val="bg1"/>
+                </a:solidFill>
+                <a:latin typeface="KoPub돋움체 Light" pitchFamily="18" charset="-127"/>
+                <a:ea typeface="KoPub돋움체 Light" pitchFamily="18" charset="-127"/>
+              </a:rPr>
+              <a:t>특정 </a:t>
+            </a:r>
+            <a:r>
+              <a:rPr lang="en-US" altLang="ko-KR" sz="2000" dirty="0" smtClean="0">
+                <a:solidFill>
+                  <a:schemeClr val="bg1"/>
+                </a:solidFill>
+                <a:latin typeface="KoPub돋움체 Light" pitchFamily="18" charset="-127"/>
+                <a:ea typeface="KoPub돋움체 Light" pitchFamily="18" charset="-127"/>
+              </a:rPr>
+              <a:t>NPC </a:t>
+            </a:r>
+            <a:r>
+              <a:rPr lang="ko-KR" altLang="en-US" sz="2000" dirty="0" smtClean="0">
+                <a:solidFill>
+                  <a:schemeClr val="bg1"/>
+                </a:solidFill>
+                <a:latin typeface="KoPub돋움체 Light" pitchFamily="18" charset="-127"/>
+                <a:ea typeface="KoPub돋움체 Light" pitchFamily="18" charset="-127"/>
+              </a:rPr>
+              <a:t>타겟팅 등</a:t>
+            </a:r>
+            <a:endParaRPr lang="ko-KR" altLang="en-US" sz="2000" dirty="0">
               <a:solidFill>
                 <a:schemeClr val="bg1"/>
               </a:solidFill>
-              <a:latin typeface="KoPub돋움체 Medium" pitchFamily="18" charset="-127"/>
-              <a:ea typeface="KoPub돋움체 Medium" pitchFamily="18" charset="-127"/>
-            </a:endParaRPr>
-          </a:p>
-          <a:p>
-            <a:pPr marL="285750" indent="-285750">
-              <a:buFontTx/>
-              <a:buChar char="-"/>
-            </a:pPr>
-            <a:r>
-              <a:rPr lang="ko-KR" altLang="en-US" dirty="0" smtClean="0">
-                <a:solidFill>
-                  <a:schemeClr val="bg1"/>
-                </a:solidFill>
-                <a:latin typeface="KoPub돋움체 Medium" pitchFamily="18" charset="-127"/>
-                <a:ea typeface="KoPub돋움체 Medium" pitchFamily="18" charset="-127"/>
-              </a:rPr>
-              <a:t>적 </a:t>
-            </a:r>
-            <a:r>
-              <a:rPr lang="en-US" altLang="ko-KR" dirty="0" smtClean="0">
-                <a:solidFill>
-                  <a:schemeClr val="bg1"/>
-                </a:solidFill>
-                <a:latin typeface="KoPub돋움체 Medium" pitchFamily="18" charset="-127"/>
-                <a:ea typeface="KoPub돋움체 Medium" pitchFamily="18" charset="-127"/>
-              </a:rPr>
-              <a:t>FSM, AI</a:t>
-            </a:r>
-          </a:p>
-          <a:p>
-            <a:pPr marL="285750" indent="-285750">
-              <a:buFontTx/>
-              <a:buChar char="-"/>
-            </a:pPr>
-            <a:r>
-              <a:rPr lang="ko-KR" altLang="en-US" dirty="0" smtClean="0">
-                <a:solidFill>
-                  <a:schemeClr val="bg1"/>
-                </a:solidFill>
-                <a:latin typeface="KoPub돋움체 Medium" pitchFamily="18" charset="-127"/>
-                <a:ea typeface="KoPub돋움체 Medium" pitchFamily="18" charset="-127"/>
-              </a:rPr>
-              <a:t>맵 로드</a:t>
-            </a:r>
-            <a:endParaRPr lang="en-US" altLang="ko-KR" dirty="0" smtClean="0">
-              <a:solidFill>
-                <a:schemeClr val="bg1"/>
-              </a:solidFill>
-              <a:latin typeface="KoPub돋움체 Medium" pitchFamily="18" charset="-127"/>
-              <a:ea typeface="KoPub돋움체 Medium" pitchFamily="18" charset="-127"/>
-            </a:endParaRPr>
-          </a:p>
-          <a:p>
-            <a:pPr marL="285750" indent="-285750">
-              <a:buFontTx/>
-              <a:buChar char="-"/>
-            </a:pPr>
-            <a:r>
-              <a:rPr lang="ko-KR" altLang="en-US" dirty="0" smtClean="0">
-                <a:solidFill>
-                  <a:schemeClr val="bg1"/>
-                </a:solidFill>
-                <a:latin typeface="KoPub돋움체 Medium" pitchFamily="18" charset="-127"/>
-                <a:ea typeface="KoPub돋움체 Medium" pitchFamily="18" charset="-127"/>
-              </a:rPr>
-              <a:t>플레이어 수정</a:t>
-            </a:r>
-            <a:endParaRPr lang="en-US" altLang="ko-KR" dirty="0" smtClean="0">
-              <a:solidFill>
-                <a:schemeClr val="bg1"/>
-              </a:solidFill>
-              <a:latin typeface="KoPub돋움체 Medium" pitchFamily="18" charset="-127"/>
-              <a:ea typeface="KoPub돋움체 Medium" pitchFamily="18" charset="-127"/>
-            </a:endParaRPr>
-          </a:p>
-          <a:p>
-            <a:pPr marL="285750" indent="-285750">
-              <a:buFontTx/>
-              <a:buChar char="-"/>
-            </a:pPr>
-            <a:r>
-              <a:rPr lang="ko-KR" altLang="en-US" dirty="0" smtClean="0">
-                <a:solidFill>
-                  <a:schemeClr val="bg1"/>
-                </a:solidFill>
-                <a:latin typeface="KoPub돋움체 Medium" pitchFamily="18" charset="-127"/>
-                <a:ea typeface="KoPub돋움체 Medium" pitchFamily="18" charset="-127"/>
-              </a:rPr>
-              <a:t>구조 인수인계</a:t>
-            </a:r>
-            <a:endParaRPr lang="en-US" altLang="ko-KR" dirty="0" smtClean="0">
-              <a:solidFill>
-                <a:schemeClr val="bg1"/>
-              </a:solidFill>
-              <a:latin typeface="KoPub돋움체 Medium" pitchFamily="18" charset="-127"/>
-              <a:ea typeface="KoPub돋움체 Medium" pitchFamily="18" charset="-127"/>
-            </a:endParaRPr>
-          </a:p>
-          <a:p>
-            <a:pPr marL="285750" indent="-285750">
-              <a:buFontTx/>
-              <a:buChar char="-"/>
-            </a:pPr>
-            <a:r>
-              <a:rPr lang="en-US" altLang="ko-KR" dirty="0" smtClean="0">
-                <a:solidFill>
-                  <a:schemeClr val="bg1"/>
-                </a:solidFill>
-                <a:latin typeface="KoPub돋움체 Medium" pitchFamily="18" charset="-127"/>
-                <a:ea typeface="KoPub돋움체 Medium" pitchFamily="18" charset="-127"/>
-              </a:rPr>
-              <a:t>UI </a:t>
-            </a:r>
-            <a:r>
-              <a:rPr lang="ko-KR" altLang="en-US" dirty="0" smtClean="0">
-                <a:solidFill>
-                  <a:schemeClr val="bg1"/>
-                </a:solidFill>
-                <a:latin typeface="KoPub돋움체 Medium" pitchFamily="18" charset="-127"/>
-                <a:ea typeface="KoPub돋움체 Medium" pitchFamily="18" charset="-127"/>
-              </a:rPr>
-              <a:t>개발</a:t>
-            </a:r>
-            <a:endParaRPr lang="ko-KR" altLang="en-US" dirty="0">
-              <a:solidFill>
-                <a:schemeClr val="bg1"/>
-              </a:solidFill>
-              <a:latin typeface="KoPub돋움체 Medium" pitchFamily="18" charset="-127"/>
-              <a:ea typeface="KoPub돋움체 Medium" pitchFamily="18" charset="-127"/>
+              <a:latin typeface="KoPub돋움체 Light" pitchFamily="18" charset="-127"/>
+              <a:ea typeface="KoPub돋움체 Light" pitchFamily="18" charset="-127"/>
             </a:endParaRPr>
           </a:p>
         </p:txBody>
       </p:sp>
       <p:sp>
         <p:nvSpPr>
-          <p:cNvPr id="3" name="TextBox 2"/>
+          <p:cNvPr id="22" name="TextBox 21"/>
           <p:cNvSpPr txBox="1"/>
           <p:nvPr/>
         </p:nvSpPr>
         <p:spPr>
           <a:xfrm>
-            <a:off x="3747849" y="5591592"/>
-            <a:ext cx="9286517" cy="1477328"/>
+            <a:off x="8005890" y="5444942"/>
+            <a:ext cx="2589171" cy="707886"/>
           </a:xfrm>
           <a:prstGeom prst="rect">
             <a:avLst/>
@@ -5658,187 +5953,9 @@
           </a:bodyPr>
           <a:lstStyle/>
           <a:p>
-            <a:r>
-              <a:rPr lang="ko-KR" altLang="en-US" dirty="0">
-                <a:solidFill>
-                  <a:schemeClr val="bg1"/>
-                </a:solidFill>
-                <a:latin typeface="KoPub돋움체 Light" pitchFamily="18" charset="-127"/>
-                <a:ea typeface="KoPub돋움체 Light" pitchFamily="18" charset="-127"/>
-              </a:rPr>
-              <a:t>카메라 </a:t>
-            </a:r>
-            <a:r>
-              <a:rPr lang="en-US" altLang="ko-KR" dirty="0">
-                <a:solidFill>
-                  <a:schemeClr val="bg1"/>
-                </a:solidFill>
-                <a:latin typeface="KoPub돋움체 Light" pitchFamily="18" charset="-127"/>
-                <a:ea typeface="KoPub돋움체 Light" pitchFamily="18" charset="-127"/>
-              </a:rPr>
-              <a:t>: </a:t>
-            </a:r>
-            <a:r>
-              <a:rPr lang="ko-KR" altLang="en-US" dirty="0">
-                <a:solidFill>
-                  <a:schemeClr val="bg1"/>
-                </a:solidFill>
-                <a:latin typeface="KoPub돋움체 Light" pitchFamily="18" charset="-127"/>
-                <a:ea typeface="KoPub돋움체 Light" pitchFamily="18" charset="-127"/>
-              </a:rPr>
-              <a:t>흔들림</a:t>
-            </a:r>
-            <a:r>
-              <a:rPr lang="en-US" altLang="ko-KR" dirty="0">
-                <a:solidFill>
-                  <a:schemeClr val="bg1"/>
-                </a:solidFill>
-                <a:latin typeface="KoPub돋움체 Light" pitchFamily="18" charset="-127"/>
-                <a:ea typeface="KoPub돋움체 Light" pitchFamily="18" charset="-127"/>
-              </a:rPr>
-              <a:t>, </a:t>
-            </a:r>
-            <a:r>
-              <a:rPr lang="ko-KR" altLang="en-US" dirty="0">
-                <a:solidFill>
-                  <a:schemeClr val="bg1"/>
-                </a:solidFill>
-                <a:latin typeface="KoPub돋움체 Light" pitchFamily="18" charset="-127"/>
-                <a:ea typeface="KoPub돋움체 Light" pitchFamily="18" charset="-127"/>
-              </a:rPr>
-              <a:t>피격 이펙트</a:t>
-            </a:r>
-            <a:r>
-              <a:rPr lang="en-US" altLang="ko-KR" dirty="0">
-                <a:solidFill>
-                  <a:schemeClr val="bg1"/>
-                </a:solidFill>
-                <a:latin typeface="KoPub돋움체 Light" pitchFamily="18" charset="-127"/>
-                <a:ea typeface="KoPub돋움체 Light" pitchFamily="18" charset="-127"/>
-              </a:rPr>
-              <a:t>, </a:t>
-            </a:r>
-            <a:r>
-              <a:rPr lang="ko-KR" altLang="en-US" dirty="0">
-                <a:solidFill>
-                  <a:schemeClr val="bg1"/>
-                </a:solidFill>
-                <a:latin typeface="KoPub돋움체 Light" pitchFamily="18" charset="-127"/>
-                <a:ea typeface="KoPub돋움체 Light" pitchFamily="18" charset="-127"/>
-              </a:rPr>
-              <a:t>카메라 이동</a:t>
-            </a:r>
-            <a:r>
-              <a:rPr lang="en-US" altLang="ko-KR" dirty="0">
-                <a:solidFill>
-                  <a:schemeClr val="bg1"/>
-                </a:solidFill>
-                <a:latin typeface="KoPub돋움체 Light" pitchFamily="18" charset="-127"/>
-                <a:ea typeface="KoPub돋움체 Light" pitchFamily="18" charset="-127"/>
-              </a:rPr>
-              <a:t>, </a:t>
-            </a:r>
-            <a:r>
-              <a:rPr lang="ko-KR" altLang="en-US" dirty="0">
-                <a:solidFill>
-                  <a:schemeClr val="bg1"/>
-                </a:solidFill>
-                <a:latin typeface="KoPub돋움체 Light" pitchFamily="18" charset="-127"/>
-                <a:ea typeface="KoPub돋움체 Light" pitchFamily="18" charset="-127"/>
-              </a:rPr>
-              <a:t>줌인 줌아웃</a:t>
-            </a:r>
-            <a:r>
-              <a:rPr lang="en-US" altLang="ko-KR" dirty="0">
-                <a:solidFill>
-                  <a:schemeClr val="bg1"/>
-                </a:solidFill>
-                <a:latin typeface="KoPub돋움체 Light" pitchFamily="18" charset="-127"/>
-                <a:ea typeface="KoPub돋움체 Light" pitchFamily="18" charset="-127"/>
-              </a:rPr>
-              <a:t>, </a:t>
-            </a:r>
-            <a:r>
-              <a:rPr lang="ko-KR" altLang="en-US" dirty="0">
-                <a:solidFill>
-                  <a:schemeClr val="bg1"/>
-                </a:solidFill>
-                <a:latin typeface="KoPub돋움체 Light" pitchFamily="18" charset="-127"/>
-                <a:ea typeface="KoPub돋움체 Light" pitchFamily="18" charset="-127"/>
-              </a:rPr>
-              <a:t>특정 </a:t>
-            </a:r>
-            <a:r>
-              <a:rPr lang="en-US" altLang="ko-KR" dirty="0">
-                <a:solidFill>
-                  <a:schemeClr val="bg1"/>
-                </a:solidFill>
-                <a:latin typeface="KoPub돋움체 Light" pitchFamily="18" charset="-127"/>
-                <a:ea typeface="KoPub돋움체 Light" pitchFamily="18" charset="-127"/>
-              </a:rPr>
-              <a:t>NPC </a:t>
-            </a:r>
-            <a:r>
-              <a:rPr lang="ko-KR" altLang="en-US" dirty="0" smtClean="0">
-                <a:solidFill>
-                  <a:schemeClr val="bg1"/>
-                </a:solidFill>
-                <a:latin typeface="KoPub돋움체 Light" pitchFamily="18" charset="-127"/>
-                <a:ea typeface="KoPub돋움체 Light" pitchFamily="18" charset="-127"/>
-              </a:rPr>
-              <a:t>타겟팅</a:t>
-            </a:r>
-            <a:endParaRPr lang="en-US" altLang="ko-KR" dirty="0">
-              <a:solidFill>
-                <a:schemeClr val="bg1"/>
-              </a:solidFill>
-              <a:latin typeface="KoPub돋움체 Light" pitchFamily="18" charset="-127"/>
-              <a:ea typeface="KoPub돋움체 Light" pitchFamily="18" charset="-127"/>
-            </a:endParaRPr>
-          </a:p>
-          <a:p>
-            <a:r>
-              <a:rPr lang="ko-KR" altLang="en-US" dirty="0" smtClean="0">
-                <a:solidFill>
-                  <a:schemeClr val="bg1"/>
-                </a:solidFill>
-                <a:latin typeface="KoPub돋움체 Light" pitchFamily="18" charset="-127"/>
-                <a:ea typeface="KoPub돋움체 Light" pitchFamily="18" charset="-127"/>
-              </a:rPr>
-              <a:t>적 </a:t>
-            </a:r>
-            <a:r>
-              <a:rPr lang="en-US" altLang="ko-KR" dirty="0">
-                <a:solidFill>
-                  <a:schemeClr val="bg1"/>
-                </a:solidFill>
-                <a:latin typeface="KoPub돋움체 Light" pitchFamily="18" charset="-127"/>
-                <a:ea typeface="KoPub돋움체 Light" pitchFamily="18" charset="-127"/>
-              </a:rPr>
-              <a:t>: </a:t>
-            </a:r>
-            <a:r>
-              <a:rPr lang="ko-KR" altLang="en-US" dirty="0">
-                <a:solidFill>
-                  <a:schemeClr val="bg1"/>
-                </a:solidFill>
-                <a:latin typeface="KoPub돋움체 Light" pitchFamily="18" charset="-127"/>
-                <a:ea typeface="KoPub돋움체 Light" pitchFamily="18" charset="-127"/>
-              </a:rPr>
-              <a:t>이동</a:t>
-            </a:r>
-            <a:r>
-              <a:rPr lang="en-US" altLang="ko-KR" dirty="0">
-                <a:solidFill>
-                  <a:schemeClr val="bg1"/>
-                </a:solidFill>
-                <a:latin typeface="KoPub돋움체 Light" pitchFamily="18" charset="-127"/>
-                <a:ea typeface="KoPub돋움체 Light" pitchFamily="18" charset="-127"/>
-              </a:rPr>
-              <a:t>, </a:t>
-            </a:r>
-            <a:r>
-              <a:rPr lang="ko-KR" altLang="en-US" dirty="0">
+            <a:pPr algn="ctr"/>
+            <a:r>
+              <a:rPr lang="ko-KR" altLang="en-US" sz="2000" dirty="0" smtClean="0">
                 <a:solidFill>
                   <a:schemeClr val="bg1"/>
                 </a:solidFill>
@@ -5848,37 +5965,50 @@
               <a:t>애니메이션</a:t>
             </a:r>
             <a:r>
-              <a:rPr lang="en-US" altLang="ko-KR" dirty="0">
-                <a:solidFill>
-                  <a:schemeClr val="bg1"/>
-                </a:solidFill>
-                <a:latin typeface="KoPub돋움체 Light" pitchFamily="18" charset="-127"/>
-                <a:ea typeface="KoPub돋움체 Light" pitchFamily="18" charset="-127"/>
-              </a:rPr>
-              <a:t>, </a:t>
-            </a:r>
-            <a:r>
-              <a:rPr lang="ko-KR" altLang="en-US" dirty="0">
-                <a:solidFill>
-                  <a:schemeClr val="bg1"/>
-                </a:solidFill>
-                <a:latin typeface="KoPub돋움체 Light" pitchFamily="18" charset="-127"/>
-                <a:ea typeface="KoPub돋움체 Light" pitchFamily="18" charset="-127"/>
-              </a:rPr>
-              <a:t>구조 등 </a:t>
-            </a:r>
-            <a:r>
-              <a:rPr lang="en-US" altLang="ko-KR" dirty="0">
-                <a:solidFill>
-                  <a:schemeClr val="bg1"/>
-                </a:solidFill>
-                <a:latin typeface="KoPub돋움체 Light" pitchFamily="18" charset="-127"/>
-                <a:ea typeface="KoPub돋움체 Light" pitchFamily="18" charset="-127"/>
-              </a:rPr>
-              <a:t>FSM </a:t>
-            </a:r>
-            <a:r>
-              <a:rPr lang="ko-KR" altLang="en-US" dirty="0">
+              <a:rPr lang="en-US" altLang="ko-KR" sz="2000" dirty="0" smtClean="0">
+                <a:solidFill>
+                  <a:schemeClr val="bg1"/>
+                </a:solidFill>
+                <a:latin typeface="KoPub돋움체 Light" pitchFamily="18" charset="-127"/>
+                <a:ea typeface="KoPub돋움체 Light" pitchFamily="18" charset="-127"/>
+              </a:rPr>
+              <a:t> </a:t>
+            </a:r>
+            <a:r>
+              <a:rPr lang="ko-KR" altLang="en-US" sz="2000" dirty="0" smtClean="0">
+                <a:solidFill>
+                  <a:schemeClr val="bg1"/>
+                </a:solidFill>
+                <a:latin typeface="KoPub돋움체 Light" pitchFamily="18" charset="-127"/>
+                <a:ea typeface="KoPub돋움체 Light" pitchFamily="18" charset="-127"/>
+              </a:rPr>
+              <a:t>작업</a:t>
+            </a:r>
+            <a:r>
+              <a:rPr lang="en-US" altLang="ko-KR" sz="2000" dirty="0" smtClean="0">
+                <a:solidFill>
+                  <a:schemeClr val="bg1"/>
+                </a:solidFill>
+                <a:latin typeface="KoPub돋움체 Light" pitchFamily="18" charset="-127"/>
+                <a:ea typeface="KoPub돋움체 Light" pitchFamily="18" charset="-127"/>
+              </a:rPr>
+              <a:t>,</a:t>
+            </a:r>
+          </a:p>
+          <a:p>
+            <a:pPr algn="ctr"/>
+            <a:r>
+              <a:rPr lang="en-US" altLang="ko-KR" sz="2000" dirty="0" smtClean="0">
+                <a:solidFill>
+                  <a:schemeClr val="bg1"/>
+                </a:solidFill>
+                <a:latin typeface="KoPub돋움체 Light" pitchFamily="18" charset="-127"/>
+                <a:ea typeface="KoPub돋움체 Light" pitchFamily="18" charset="-127"/>
+              </a:rPr>
+              <a:t>FSM</a:t>
+            </a:r>
+            <a:r>
+              <a:rPr lang="ko-KR" altLang="en-US" sz="2000" dirty="0" smtClean="0">
                 <a:solidFill>
                   <a:schemeClr val="bg1"/>
                 </a:solidFill>
@@ -5888,7 +6018,7 @@
               <a:t>과 </a:t>
             </a:r>
             <a:r>
-              <a:rPr lang="en-US" altLang="ko-KR" dirty="0">
+              <a:rPr lang="en-US" altLang="ko-KR" sz="2000" dirty="0" smtClean="0">
                 <a:solidFill>
                   <a:schemeClr val="bg1"/>
                 </a:solidFill>
@@ -5898,313 +6028,16 @@
               <a:t>AI </a:t>
             </a:r>
             <a:r>
-              <a:rPr lang="ko-KR" altLang="en-US" dirty="0">
-                <a:solidFill>
-                  <a:schemeClr val="bg1"/>
-                </a:solidFill>
-                <a:latin typeface="KoPub돋움체 Light" pitchFamily="18" charset="-127"/>
-                <a:ea typeface="KoPub돋움체 Light" pitchFamily="18" charset="-127"/>
-              </a:rPr>
-              <a:t>구조 </a:t>
-            </a:r>
-            <a:r>
-              <a:rPr lang="ko-KR" altLang="en-US" dirty="0" smtClean="0">
-                <a:solidFill>
-                  <a:schemeClr val="bg1"/>
-                </a:solidFill>
-                <a:latin typeface="KoPub돋움체 Light" pitchFamily="18" charset="-127"/>
-                <a:ea typeface="KoPub돋움체 Light" pitchFamily="18" charset="-127"/>
-              </a:rPr>
-              <a:t>설계</a:t>
-            </a:r>
-            <a:endParaRPr lang="en-US" altLang="ko-KR" dirty="0" smtClean="0">
-              <a:solidFill>
-                <a:schemeClr val="bg1"/>
-              </a:solidFill>
-              <a:latin typeface="KoPub돋움체 Light" pitchFamily="18" charset="-127"/>
-              <a:ea typeface="KoPub돋움체 Light" pitchFamily="18" charset="-127"/>
-            </a:endParaRPr>
-          </a:p>
-          <a:p>
-            <a:r>
-              <a:rPr lang="ko-KR" altLang="en-US" dirty="0" err="1" smtClean="0">
-                <a:solidFill>
-                  <a:schemeClr val="bg1"/>
-                </a:solidFill>
-                <a:latin typeface="KoPub돋움체 Light" pitchFamily="18" charset="-127"/>
-                <a:ea typeface="KoPub돋움체 Light" pitchFamily="18" charset="-127"/>
-              </a:rPr>
-              <a:t>맵</a:t>
-            </a:r>
-            <a:r>
-              <a:rPr lang="ko-KR" altLang="en-US" dirty="0" smtClean="0">
-                <a:solidFill>
-                  <a:schemeClr val="bg1"/>
-                </a:solidFill>
-                <a:latin typeface="KoPub돋움체 Light" pitchFamily="18" charset="-127"/>
-                <a:ea typeface="KoPub돋움체 Light" pitchFamily="18" charset="-127"/>
-              </a:rPr>
-              <a:t> </a:t>
-            </a:r>
-            <a:r>
-              <a:rPr lang="en-US" altLang="ko-KR" dirty="0">
-                <a:solidFill>
-                  <a:schemeClr val="bg1"/>
-                </a:solidFill>
-                <a:latin typeface="KoPub돋움체 Light" pitchFamily="18" charset="-127"/>
-                <a:ea typeface="KoPub돋움체 Light" pitchFamily="18" charset="-127"/>
-              </a:rPr>
-              <a:t>: </a:t>
-            </a:r>
-            <a:r>
-              <a:rPr lang="ko-KR" altLang="en-US" dirty="0">
-                <a:solidFill>
-                  <a:schemeClr val="bg1"/>
-                </a:solidFill>
-                <a:latin typeface="KoPub돋움체 Light" pitchFamily="18" charset="-127"/>
-                <a:ea typeface="KoPub돋움체 Light" pitchFamily="18" charset="-127"/>
-              </a:rPr>
-              <a:t>스테이지의 요소들을 프리팹화 시켜서 로딩 플레이어 수정 </a:t>
-            </a:r>
-            <a:r>
-              <a:rPr lang="en-US" altLang="ko-KR" dirty="0">
-                <a:solidFill>
-                  <a:schemeClr val="bg1"/>
-                </a:solidFill>
-                <a:latin typeface="KoPub돋움체 Light" pitchFamily="18" charset="-127"/>
-                <a:ea typeface="KoPub돋움체 Light" pitchFamily="18" charset="-127"/>
-              </a:rPr>
-              <a:t>: </a:t>
-            </a:r>
-            <a:r>
-              <a:rPr lang="ko-KR" altLang="en-US" dirty="0">
-                <a:solidFill>
-                  <a:schemeClr val="bg1"/>
-                </a:solidFill>
-                <a:latin typeface="KoPub돋움체 Light" pitchFamily="18" charset="-127"/>
-                <a:ea typeface="KoPub돋움체 Light" pitchFamily="18" charset="-127"/>
-              </a:rPr>
-              <a:t>플레이어의 </a:t>
-            </a:r>
-            <a:r>
-              <a:rPr lang="ko-KR" altLang="en-US" dirty="0" smtClean="0">
-                <a:solidFill>
-                  <a:schemeClr val="bg1"/>
-                </a:solidFill>
-                <a:latin typeface="KoPub돋움체 Light" pitchFamily="18" charset="-127"/>
-                <a:ea typeface="KoPub돋움체 Light" pitchFamily="18" charset="-127"/>
-              </a:rPr>
-              <a:t>비주얼 등 </a:t>
-            </a:r>
-            <a:r>
-              <a:rPr lang="ko-KR" altLang="en-US" dirty="0">
-                <a:solidFill>
-                  <a:schemeClr val="bg1"/>
-                </a:solidFill>
-                <a:latin typeface="KoPub돋움체 Light" pitchFamily="18" charset="-127"/>
-                <a:ea typeface="KoPub돋움체 Light" pitchFamily="18" charset="-127"/>
-              </a:rPr>
-              <a:t>코드 </a:t>
-            </a:r>
-            <a:r>
-              <a:rPr lang="ko-KR" altLang="en-US" dirty="0" smtClean="0">
-                <a:solidFill>
-                  <a:schemeClr val="bg1"/>
-                </a:solidFill>
-                <a:latin typeface="KoPub돋움체 Light" pitchFamily="18" charset="-127"/>
-                <a:ea typeface="KoPub돋움체 Light" pitchFamily="18" charset="-127"/>
-              </a:rPr>
-              <a:t>갈아엎기</a:t>
-            </a:r>
-            <a:endParaRPr lang="en-US" altLang="ko-KR" dirty="0" smtClean="0">
-              <a:solidFill>
-                <a:schemeClr val="bg1"/>
-              </a:solidFill>
-              <a:latin typeface="KoPub돋움체 Light" pitchFamily="18" charset="-127"/>
-              <a:ea typeface="KoPub돋움체 Light" pitchFamily="18" charset="-127"/>
-            </a:endParaRPr>
-          </a:p>
-          <a:p>
-            <a:r>
-              <a:rPr lang="en-US" altLang="ko-KR" dirty="0" smtClean="0">
-                <a:solidFill>
-                  <a:schemeClr val="bg1"/>
-                </a:solidFill>
-                <a:latin typeface="KoPub돋움체 Light" pitchFamily="18" charset="-127"/>
-                <a:ea typeface="KoPub돋움체 Light" pitchFamily="18" charset="-127"/>
-              </a:rPr>
-              <a:t>UI </a:t>
-            </a:r>
-            <a:r>
-              <a:rPr lang="ko-KR" altLang="en-US" dirty="0">
-                <a:solidFill>
-                  <a:schemeClr val="bg1"/>
-                </a:solidFill>
-                <a:latin typeface="KoPub돋움체 Light" pitchFamily="18" charset="-127"/>
-                <a:ea typeface="KoPub돋움체 Light" pitchFamily="18" charset="-127"/>
-              </a:rPr>
-              <a:t>개발 </a:t>
-            </a:r>
-            <a:r>
-              <a:rPr lang="en-US" altLang="ko-KR" dirty="0">
-                <a:solidFill>
-                  <a:schemeClr val="bg1"/>
-                </a:solidFill>
-                <a:latin typeface="KoPub돋움체 Light" pitchFamily="18" charset="-127"/>
-                <a:ea typeface="KoPub돋움체 Light" pitchFamily="18" charset="-127"/>
-              </a:rPr>
-              <a:t>: </a:t>
-            </a:r>
-            <a:r>
-              <a:rPr lang="ko-KR" altLang="en-US" dirty="0">
-                <a:solidFill>
-                  <a:schemeClr val="bg1"/>
-                </a:solidFill>
-                <a:latin typeface="KoPub돋움체 Light" pitchFamily="18" charset="-127"/>
-                <a:ea typeface="KoPub돋움체 Light" pitchFamily="18" charset="-127"/>
-              </a:rPr>
-              <a:t>시작화면</a:t>
-            </a:r>
-            <a:r>
-              <a:rPr lang="en-US" altLang="ko-KR" dirty="0">
-                <a:solidFill>
-                  <a:schemeClr val="bg1"/>
-                </a:solidFill>
-                <a:latin typeface="KoPub돋움체 Light" pitchFamily="18" charset="-127"/>
-                <a:ea typeface="KoPub돋움체 Light" pitchFamily="18" charset="-127"/>
-              </a:rPr>
-              <a:t>, </a:t>
-            </a:r>
-            <a:r>
-              <a:rPr lang="ko-KR" altLang="en-US" dirty="0">
-                <a:solidFill>
-                  <a:schemeClr val="bg1"/>
-                </a:solidFill>
-                <a:latin typeface="KoPub돋움체 Light" pitchFamily="18" charset="-127"/>
-                <a:ea typeface="KoPub돋움체 Light" pitchFamily="18" charset="-127"/>
-              </a:rPr>
-              <a:t>설정패널 </a:t>
-            </a:r>
-            <a:r>
-              <a:rPr lang="en-US" altLang="ko-KR" dirty="0">
-                <a:solidFill>
-                  <a:schemeClr val="bg1"/>
-                </a:solidFill>
-                <a:latin typeface="KoPub돋움체 Light" pitchFamily="18" charset="-127"/>
-                <a:ea typeface="KoPub돋움체 Light" pitchFamily="18" charset="-127"/>
-              </a:rPr>
-              <a:t>- </a:t>
-            </a:r>
-            <a:r>
-              <a:rPr lang="ko-KR" altLang="en-US" dirty="0">
-                <a:solidFill>
-                  <a:schemeClr val="bg1"/>
-                </a:solidFill>
-                <a:latin typeface="KoPub돋움체 Light" pitchFamily="18" charset="-127"/>
-                <a:ea typeface="KoPub돋움체 Light" pitchFamily="18" charset="-127"/>
-              </a:rPr>
-              <a:t>해상도</a:t>
-            </a:r>
-            <a:r>
-              <a:rPr lang="en-US" altLang="ko-KR" dirty="0">
-                <a:solidFill>
-                  <a:schemeClr val="bg1"/>
-                </a:solidFill>
-                <a:latin typeface="KoPub돋움체 Light" pitchFamily="18" charset="-127"/>
-                <a:ea typeface="KoPub돋움체 Light" pitchFamily="18" charset="-127"/>
-              </a:rPr>
-              <a:t>, </a:t>
-            </a:r>
-            <a:r>
-              <a:rPr lang="ko-KR" altLang="en-US" dirty="0">
-                <a:solidFill>
-                  <a:schemeClr val="bg1"/>
-                </a:solidFill>
-                <a:latin typeface="KoPub돋움체 Light" pitchFamily="18" charset="-127"/>
-                <a:ea typeface="KoPub돋움체 Light" pitchFamily="18" charset="-127"/>
-              </a:rPr>
-              <a:t>사운드 </a:t>
-            </a:r>
-            <a:r>
-              <a:rPr lang="ko-KR" altLang="en-US" dirty="0" smtClean="0">
-                <a:solidFill>
-                  <a:schemeClr val="bg1"/>
-                </a:solidFill>
-                <a:latin typeface="KoPub돋움체 Light" pitchFamily="18" charset="-127"/>
-                <a:ea typeface="KoPub돋움체 Light" pitchFamily="18" charset="-127"/>
-              </a:rPr>
-              <a:t>조절</a:t>
-            </a:r>
-            <a:endParaRPr lang="en-US" altLang="ko-KR" dirty="0" smtClean="0">
-              <a:solidFill>
-                <a:schemeClr val="bg1"/>
-              </a:solidFill>
-              <a:latin typeface="KoPub돋움체 Light" pitchFamily="18" charset="-127"/>
-              <a:ea typeface="KoPub돋움체 Light" pitchFamily="18" charset="-127"/>
-            </a:endParaRPr>
-          </a:p>
-          <a:p>
-            <a:r>
-              <a:rPr lang="ko-KR" altLang="en-US" dirty="0" smtClean="0">
-                <a:solidFill>
-                  <a:schemeClr val="bg1"/>
-                </a:solidFill>
-                <a:latin typeface="KoPub돋움체 Light" pitchFamily="18" charset="-127"/>
-                <a:ea typeface="KoPub돋움체 Light" pitchFamily="18" charset="-127"/>
-              </a:rPr>
-              <a:t>개발 </a:t>
-            </a:r>
-            <a:r>
-              <a:rPr lang="ko-KR" altLang="en-US" dirty="0">
-                <a:solidFill>
-                  <a:schemeClr val="bg1"/>
-                </a:solidFill>
-                <a:latin typeface="KoPub돋움체 Light" pitchFamily="18" charset="-127"/>
-                <a:ea typeface="KoPub돋움체 Light" pitchFamily="18" charset="-127"/>
-              </a:rPr>
-              <a:t>구조 인수인계 </a:t>
-            </a:r>
-            <a:r>
-              <a:rPr lang="en-US" altLang="ko-KR" dirty="0">
-                <a:solidFill>
-                  <a:schemeClr val="bg1"/>
-                </a:solidFill>
-                <a:latin typeface="KoPub돋움체 Light" pitchFamily="18" charset="-127"/>
-                <a:ea typeface="KoPub돋움체 Light" pitchFamily="18" charset="-127"/>
-              </a:rPr>
-              <a:t>: </a:t>
-            </a:r>
-            <a:r>
-              <a:rPr lang="ko-KR" altLang="en-US" dirty="0">
-                <a:solidFill>
-                  <a:schemeClr val="bg1"/>
-                </a:solidFill>
-                <a:latin typeface="KoPub돋움체 Light" pitchFamily="18" charset="-127"/>
-                <a:ea typeface="KoPub돋움체 Light" pitchFamily="18" charset="-127"/>
-              </a:rPr>
-              <a:t>상백이가 짠 구조를 김예리나</a:t>
-            </a:r>
-            <a:r>
-              <a:rPr lang="en-US" altLang="ko-KR" dirty="0">
-                <a:solidFill>
-                  <a:schemeClr val="bg1"/>
-                </a:solidFill>
-                <a:latin typeface="KoPub돋움체 Light" pitchFamily="18" charset="-127"/>
-                <a:ea typeface="KoPub돋움체 Light" pitchFamily="18" charset="-127"/>
-              </a:rPr>
-              <a:t>, </a:t>
-            </a:r>
-            <a:r>
-              <a:rPr lang="ko-KR" altLang="en-US" dirty="0">
-                <a:solidFill>
-                  <a:schemeClr val="bg1"/>
-                </a:solidFill>
-                <a:latin typeface="KoPub돋움체 Light" pitchFamily="18" charset="-127"/>
-                <a:ea typeface="KoPub돋움체 Light" pitchFamily="18" charset="-127"/>
-              </a:rPr>
-              <a:t>최희진에게 설명</a:t>
-            </a:r>
-            <a:endParaRPr lang="ko-KR" altLang="en-US" dirty="0">
+              <a:rPr lang="ko-KR" altLang="en-US" sz="2000" dirty="0" smtClean="0">
+                <a:solidFill>
+                  <a:schemeClr val="bg1"/>
+                </a:solidFill>
+                <a:latin typeface="KoPub돋움체 Light" pitchFamily="18" charset="-127"/>
+                <a:ea typeface="KoPub돋움체 Light" pitchFamily="18" charset="-127"/>
+              </a:rPr>
+              <a:t>구조 등 설계</a:t>
+            </a:r>
+            <a:endParaRPr lang="en-US" altLang="ko-KR" sz="2000" dirty="0" smtClean="0">
               <a:solidFill>
                 <a:schemeClr val="bg1"/>
               </a:solidFill>
@@ -6235,6 +6068,940 @@
 </file>
 
 <file path=ppt/slides/slide4.xml><?xml version="1.0" encoding="utf-8"?>
+<p:sld xmlns:a="http://schemas.openxmlformats.org/drawingml/2006/main" xmlns:r="http://schemas.openxmlformats.org/officeDocument/2006/relationships" xmlns:p="http://schemas.openxmlformats.org/presentationml/2006/main">
+  <p:cSld>
+    <p:spTree>
+      <p:nvGrpSpPr>
+        <p:cNvPr id="1" name=""/>
+        <p:cNvGrpSpPr/>
+        <p:nvPr/>
+      </p:nvGrpSpPr>
+      <p:grpSpPr>
+        <a:xfrm>
+          <a:off x="0" y="0"/>
+          <a:ext cx="0" cy="0"/>
+          <a:chOff x="0" y="0"/>
+          <a:chExt cx="0" cy="0"/>
+        </a:xfrm>
+      </p:grpSpPr>
+      <p:sp>
+        <p:nvSpPr>
+          <p:cNvPr id="2" name="TextBox 1"/>
+          <p:cNvSpPr txBox="1"/>
+          <p:nvPr/>
+        </p:nvSpPr>
+        <p:spPr>
+          <a:xfrm>
+            <a:off x="183171" y="153794"/>
+            <a:ext cx="809837" cy="523220"/>
+          </a:xfrm>
+          <a:prstGeom prst="rect">
+            <a:avLst/>
+          </a:prstGeom>
+          <a:noFill/>
+        </p:spPr>
+        <p:txBody>
+          <a:bodyPr wrap="none" rtlCol="0" anchor="ctr">
+            <a:spAutoFit/>
+          </a:bodyPr>
+          <a:lstStyle/>
+          <a:p>
+            <a:r>
+              <a:rPr lang="ko-KR" altLang="en-US" sz="2800" dirty="0" smtClean="0">
+                <a:solidFill>
+                  <a:schemeClr val="bg1"/>
+                </a:solidFill>
+                <a:latin typeface="KoPub돋움체 Bold" pitchFamily="18" charset="-127"/>
+                <a:ea typeface="KoPub돋움체 Bold" pitchFamily="18" charset="-127"/>
+              </a:rPr>
+              <a:t>개발</a:t>
+            </a:r>
+            <a:endParaRPr lang="ko-KR" altLang="en-US" sz="2800" dirty="0">
+              <a:solidFill>
+                <a:schemeClr val="bg1"/>
+              </a:solidFill>
+              <a:latin typeface="KoPub돋움체 Bold" pitchFamily="18" charset="-127"/>
+              <a:ea typeface="KoPub돋움체 Bold" pitchFamily="18" charset="-127"/>
+            </a:endParaRPr>
+          </a:p>
+        </p:txBody>
+      </p:sp>
+      <p:cxnSp>
+        <p:nvCxnSpPr>
+          <p:cNvPr id="7" name="직선 연결선 6"/>
+          <p:cNvCxnSpPr/>
+          <p:nvPr/>
+        </p:nvCxnSpPr>
+        <p:spPr>
+          <a:xfrm>
+            <a:off x="232264" y="703390"/>
+            <a:ext cx="11727473" cy="0"/>
+          </a:xfrm>
+          <a:prstGeom prst="line">
+            <a:avLst/>
+          </a:prstGeom>
+          <a:ln w="38100">
+            <a:solidFill>
+              <a:schemeClr val="bg1"/>
+            </a:solidFill>
+          </a:ln>
+        </p:spPr>
+        <p:style>
+          <a:lnRef idx="1">
+            <a:schemeClr val="accent1"/>
+          </a:lnRef>
+          <a:fillRef idx="0">
+            <a:schemeClr val="accent1"/>
+          </a:fillRef>
+          <a:effectRef idx="0">
+            <a:schemeClr val="accent1"/>
+          </a:effectRef>
+          <a:fontRef idx="minor">
+            <a:schemeClr val="tx1"/>
+          </a:fontRef>
+        </p:style>
+      </p:cxnSp>
+      <p:sp>
+        <p:nvSpPr>
+          <p:cNvPr id="3" name="TextBox 2"/>
+          <p:cNvSpPr txBox="1"/>
+          <p:nvPr/>
+        </p:nvSpPr>
+        <p:spPr>
+          <a:xfrm>
+            <a:off x="1997509" y="560575"/>
+            <a:ext cx="6386685" cy="923330"/>
+          </a:xfrm>
+          <a:prstGeom prst="rect">
+            <a:avLst/>
+          </a:prstGeom>
+          <a:noFill/>
+        </p:spPr>
+        <p:txBody>
+          <a:bodyPr wrap="none" rtlCol="0">
+            <a:spAutoFit/>
+          </a:bodyPr>
+          <a:lstStyle/>
+          <a:p>
+            <a:r>
+              <a:rPr lang="ko-KR" altLang="en-US" dirty="0" err="1" smtClean="0">
+                <a:solidFill>
+                  <a:schemeClr val="bg1"/>
+                </a:solidFill>
+                <a:latin typeface="KoPub돋움체 Light" pitchFamily="18" charset="-127"/>
+                <a:ea typeface="KoPub돋움체 Light" pitchFamily="18" charset="-127"/>
+              </a:rPr>
+              <a:t>맵</a:t>
+            </a:r>
+            <a:r>
+              <a:rPr lang="ko-KR" altLang="en-US" dirty="0" smtClean="0">
+                <a:solidFill>
+                  <a:schemeClr val="bg1"/>
+                </a:solidFill>
+                <a:latin typeface="KoPub돋움체 Light" pitchFamily="18" charset="-127"/>
+                <a:ea typeface="KoPub돋움체 Light" pitchFamily="18" charset="-127"/>
+              </a:rPr>
+              <a:t> </a:t>
+            </a:r>
+            <a:r>
+              <a:rPr lang="en-US" altLang="ko-KR" dirty="0">
+                <a:solidFill>
+                  <a:schemeClr val="bg1"/>
+                </a:solidFill>
+                <a:latin typeface="KoPub돋움체 Light" pitchFamily="18" charset="-127"/>
+                <a:ea typeface="KoPub돋움체 Light" pitchFamily="18" charset="-127"/>
+              </a:rPr>
+              <a:t>: </a:t>
+            </a:r>
+            <a:r>
+              <a:rPr lang="ko-KR" altLang="en-US" dirty="0">
+                <a:solidFill>
+                  <a:schemeClr val="bg1"/>
+                </a:solidFill>
+                <a:latin typeface="KoPub돋움체 Light" pitchFamily="18" charset="-127"/>
+                <a:ea typeface="KoPub돋움체 Light" pitchFamily="18" charset="-127"/>
+              </a:rPr>
+              <a:t>스테이지의 요소들을 프리팹화 시켜서 </a:t>
+            </a:r>
+            <a:r>
+              <a:rPr lang="ko-KR" altLang="en-US" dirty="0" smtClean="0">
+                <a:solidFill>
+                  <a:schemeClr val="bg1"/>
+                </a:solidFill>
+                <a:latin typeface="KoPub돋움체 Light" pitchFamily="18" charset="-127"/>
+                <a:ea typeface="KoPub돋움체 Light" pitchFamily="18" charset="-127"/>
+              </a:rPr>
+              <a:t>로딩</a:t>
+            </a:r>
+            <a:endParaRPr lang="en-US" altLang="ko-KR" dirty="0" smtClean="0">
+              <a:solidFill>
+                <a:schemeClr val="bg1"/>
+              </a:solidFill>
+              <a:latin typeface="KoPub돋움체 Light" pitchFamily="18" charset="-127"/>
+              <a:ea typeface="KoPub돋움체 Light" pitchFamily="18" charset="-127"/>
+            </a:endParaRPr>
+          </a:p>
+          <a:p>
+            <a:r>
+              <a:rPr lang="ko-KR" altLang="en-US" dirty="0" smtClean="0">
+                <a:solidFill>
+                  <a:schemeClr val="bg1"/>
+                </a:solidFill>
+                <a:latin typeface="KoPub돋움체 Light" pitchFamily="18" charset="-127"/>
+                <a:ea typeface="KoPub돋움체 Light" pitchFamily="18" charset="-127"/>
+              </a:rPr>
+              <a:t>플레이어 </a:t>
+            </a:r>
+            <a:r>
+              <a:rPr lang="ko-KR" altLang="en-US" dirty="0">
+                <a:solidFill>
+                  <a:schemeClr val="bg1"/>
+                </a:solidFill>
+                <a:latin typeface="KoPub돋움체 Light" pitchFamily="18" charset="-127"/>
+                <a:ea typeface="KoPub돋움체 Light" pitchFamily="18" charset="-127"/>
+              </a:rPr>
+              <a:t>수정 </a:t>
+            </a:r>
+            <a:r>
+              <a:rPr lang="en-US" altLang="ko-KR" dirty="0">
+                <a:solidFill>
+                  <a:schemeClr val="bg1"/>
+                </a:solidFill>
+                <a:latin typeface="KoPub돋움체 Light" pitchFamily="18" charset="-127"/>
+                <a:ea typeface="KoPub돋움체 Light" pitchFamily="18" charset="-127"/>
+              </a:rPr>
+              <a:t>: </a:t>
+            </a:r>
+            <a:r>
+              <a:rPr lang="ko-KR" altLang="en-US" dirty="0">
+                <a:solidFill>
+                  <a:schemeClr val="bg1"/>
+                </a:solidFill>
+                <a:latin typeface="KoPub돋움체 Light" pitchFamily="18" charset="-127"/>
+                <a:ea typeface="KoPub돋움체 Light" pitchFamily="18" charset="-127"/>
+              </a:rPr>
+              <a:t>플레이어의 </a:t>
+            </a:r>
+            <a:r>
+              <a:rPr lang="ko-KR" altLang="en-US" dirty="0" smtClean="0">
+                <a:solidFill>
+                  <a:schemeClr val="bg1"/>
+                </a:solidFill>
+                <a:latin typeface="KoPub돋움체 Light" pitchFamily="18" charset="-127"/>
+                <a:ea typeface="KoPub돋움체 Light" pitchFamily="18" charset="-127"/>
+              </a:rPr>
+              <a:t>비주얼 등 </a:t>
+            </a:r>
+            <a:r>
+              <a:rPr lang="ko-KR" altLang="en-US" dirty="0">
+                <a:solidFill>
+                  <a:schemeClr val="bg1"/>
+                </a:solidFill>
+                <a:latin typeface="KoPub돋움체 Light" pitchFamily="18" charset="-127"/>
+                <a:ea typeface="KoPub돋움체 Light" pitchFamily="18" charset="-127"/>
+              </a:rPr>
+              <a:t>코드 </a:t>
+            </a:r>
+            <a:r>
+              <a:rPr lang="ko-KR" altLang="en-US" dirty="0" smtClean="0">
+                <a:solidFill>
+                  <a:schemeClr val="bg1"/>
+                </a:solidFill>
+                <a:latin typeface="KoPub돋움체 Light" pitchFamily="18" charset="-127"/>
+                <a:ea typeface="KoPub돋움체 Light" pitchFamily="18" charset="-127"/>
+              </a:rPr>
+              <a:t>갈아엎기</a:t>
+            </a:r>
+            <a:endParaRPr lang="en-US" altLang="ko-KR" dirty="0" smtClean="0">
+              <a:solidFill>
+                <a:schemeClr val="bg1"/>
+              </a:solidFill>
+              <a:latin typeface="KoPub돋움체 Light" pitchFamily="18" charset="-127"/>
+              <a:ea typeface="KoPub돋움체 Light" pitchFamily="18" charset="-127"/>
+            </a:endParaRPr>
+          </a:p>
+          <a:p>
+            <a:r>
+              <a:rPr lang="ko-KR" altLang="en-US" dirty="0" smtClean="0">
+                <a:solidFill>
+                  <a:schemeClr val="bg1"/>
+                </a:solidFill>
+                <a:latin typeface="KoPub돋움체 Light" pitchFamily="18" charset="-127"/>
+                <a:ea typeface="KoPub돋움체 Light" pitchFamily="18" charset="-127"/>
+              </a:rPr>
+              <a:t>개발 </a:t>
+            </a:r>
+            <a:r>
+              <a:rPr lang="ko-KR" altLang="en-US" dirty="0">
+                <a:solidFill>
+                  <a:schemeClr val="bg1"/>
+                </a:solidFill>
+                <a:latin typeface="KoPub돋움체 Light" pitchFamily="18" charset="-127"/>
+                <a:ea typeface="KoPub돋움체 Light" pitchFamily="18" charset="-127"/>
+              </a:rPr>
+              <a:t>구조 인수인계 </a:t>
+            </a:r>
+            <a:r>
+              <a:rPr lang="en-US" altLang="ko-KR" dirty="0">
+                <a:solidFill>
+                  <a:schemeClr val="bg1"/>
+                </a:solidFill>
+                <a:latin typeface="KoPub돋움체 Light" pitchFamily="18" charset="-127"/>
+                <a:ea typeface="KoPub돋움체 Light" pitchFamily="18" charset="-127"/>
+              </a:rPr>
+              <a:t>: </a:t>
+            </a:r>
+            <a:r>
+              <a:rPr lang="ko-KR" altLang="en-US" dirty="0">
+                <a:solidFill>
+                  <a:schemeClr val="bg1"/>
+                </a:solidFill>
+                <a:latin typeface="KoPub돋움체 Light" pitchFamily="18" charset="-127"/>
+                <a:ea typeface="KoPub돋움체 Light" pitchFamily="18" charset="-127"/>
+              </a:rPr>
+              <a:t>상백이가 짠 구조를 김예리나</a:t>
+            </a:r>
+            <a:r>
+              <a:rPr lang="en-US" altLang="ko-KR" dirty="0">
+                <a:solidFill>
+                  <a:schemeClr val="bg1"/>
+                </a:solidFill>
+                <a:latin typeface="KoPub돋움체 Light" pitchFamily="18" charset="-127"/>
+                <a:ea typeface="KoPub돋움체 Light" pitchFamily="18" charset="-127"/>
+              </a:rPr>
+              <a:t>, </a:t>
+            </a:r>
+            <a:r>
+              <a:rPr lang="ko-KR" altLang="en-US" dirty="0">
+                <a:solidFill>
+                  <a:schemeClr val="bg1"/>
+                </a:solidFill>
+                <a:latin typeface="KoPub돋움체 Light" pitchFamily="18" charset="-127"/>
+                <a:ea typeface="KoPub돋움체 Light" pitchFamily="18" charset="-127"/>
+              </a:rPr>
+              <a:t>최희진에게 설명</a:t>
+            </a:r>
+          </a:p>
+        </p:txBody>
+      </p:sp>
+      <p:pic>
+        <p:nvPicPr>
+          <p:cNvPr id="4" name="Picture 3" descr="C:\Users\ROG\Downloads\gg23.gif"/>
+          <p:cNvPicPr>
+            <a:picLocks noChangeAspect="1" noChangeArrowheads="1" noCrop="1"/>
+          </p:cNvPicPr>
+          <p:nvPr/>
+        </p:nvPicPr>
+        <p:blipFill>
+          <a:blip r:embed="rId2">
+            <a:extLst>
+              <a:ext uri="{28A0092B-C50C-407E-A947-70E740481C1C}">
+                <a14:useLocalDpi xmlns:a14="http://schemas.microsoft.com/office/drawing/2010/main" val="0"/>
+              </a:ext>
+            </a:extLst>
+          </a:blip>
+          <a:srcRect/>
+          <a:stretch>
+            <a:fillRect/>
+          </a:stretch>
+        </p:blipFill>
+        <p:spPr bwMode="auto">
+          <a:xfrm>
+            <a:off x="1293746" y="2083980"/>
+            <a:ext cx="5056263" cy="2880000"/>
+          </a:xfrm>
+          <a:prstGeom prst="rect">
+            <a:avLst/>
+          </a:prstGeom>
+          <a:noFill/>
+          <a:extLst>
+            <a:ext uri="{909E8E84-426E-40DD-AFC4-6F175D3DCCD1}">
+              <a14:hiddenFill xmlns:a14="http://schemas.microsoft.com/office/drawing/2010/main">
+                <a:solidFill>
+                  <a:srgbClr val="FFFFFF"/>
+                </a:solidFill>
+              </a14:hiddenFill>
+            </a:ext>
+          </a:extLst>
+        </p:spPr>
+      </p:pic>
+      <p:grpSp>
+        <p:nvGrpSpPr>
+          <p:cNvPr id="8" name="그룹 7"/>
+          <p:cNvGrpSpPr/>
+          <p:nvPr/>
+        </p:nvGrpSpPr>
+        <p:grpSpPr>
+          <a:xfrm>
+            <a:off x="1006850" y="1530072"/>
+            <a:ext cx="5630056" cy="3694992"/>
+            <a:chOff x="232264" y="1065533"/>
+            <a:chExt cx="3309589" cy="3694992"/>
+          </a:xfrm>
+        </p:grpSpPr>
+        <p:sp>
+          <p:nvSpPr>
+            <p:cNvPr id="10" name="직사각형 9"/>
+            <p:cNvSpPr/>
+            <p:nvPr/>
+          </p:nvSpPr>
+          <p:spPr>
+            <a:xfrm>
+              <a:off x="232264" y="1296366"/>
+              <a:ext cx="3309589" cy="3464159"/>
+            </a:xfrm>
+            <a:prstGeom prst="rect">
+              <a:avLst/>
+            </a:prstGeom>
+            <a:noFill/>
+            <a:ln w="19050">
+              <a:solidFill>
+                <a:schemeClr val="bg1"/>
+              </a:solidFill>
+            </a:ln>
+          </p:spPr>
+          <p:style>
+            <a:lnRef idx="2">
+              <a:schemeClr val="accent1">
+                <a:shade val="50000"/>
+              </a:schemeClr>
+            </a:lnRef>
+            <a:fillRef idx="1">
+              <a:schemeClr val="accent1"/>
+            </a:fillRef>
+            <a:effectRef idx="0">
+              <a:schemeClr val="accent1"/>
+            </a:effectRef>
+            <a:fontRef idx="minor">
+              <a:schemeClr val="lt1"/>
+            </a:fontRef>
+          </p:style>
+          <p:txBody>
+            <a:bodyPr rtlCol="0" anchor="ctr"/>
+            <a:lstStyle/>
+            <a:p>
+              <a:pPr algn="ctr"/>
+              <a:endParaRPr lang="ko-KR" altLang="en-US"/>
+            </a:p>
+          </p:txBody>
+        </p:sp>
+        <p:sp>
+          <p:nvSpPr>
+            <p:cNvPr id="11" name="TextBox 10"/>
+            <p:cNvSpPr txBox="1"/>
+            <p:nvPr/>
+          </p:nvSpPr>
+          <p:spPr>
+            <a:xfrm>
+              <a:off x="1596731" y="1065533"/>
+              <a:ext cx="580654" cy="461665"/>
+            </a:xfrm>
+            <a:prstGeom prst="rect">
+              <a:avLst/>
+            </a:prstGeom>
+            <a:solidFill>
+              <a:srgbClr val="28283C"/>
+            </a:solidFill>
+          </p:spPr>
+          <p:txBody>
+            <a:bodyPr wrap="none" rtlCol="0" anchor="ctr">
+              <a:spAutoFit/>
+            </a:bodyPr>
+            <a:lstStyle/>
+            <a:p>
+              <a:pPr algn="ctr"/>
+              <a:r>
+                <a:rPr lang="ko-KR" altLang="en-US" sz="2400" dirty="0" smtClean="0">
+                  <a:solidFill>
+                    <a:schemeClr val="bg1"/>
+                  </a:solidFill>
+                  <a:latin typeface="KoPub돋움체 Bold" pitchFamily="18" charset="-127"/>
+                  <a:ea typeface="KoPub돋움체 Bold" pitchFamily="18" charset="-127"/>
+                </a:rPr>
+                <a:t>카메라</a:t>
+              </a:r>
+              <a:endParaRPr lang="ko-KR" altLang="en-US" sz="2400" dirty="0">
+                <a:solidFill>
+                  <a:schemeClr val="bg1"/>
+                </a:solidFill>
+                <a:latin typeface="KoPub돋움체 Bold" pitchFamily="18" charset="-127"/>
+                <a:ea typeface="KoPub돋움체 Bold" pitchFamily="18" charset="-127"/>
+              </a:endParaRPr>
+            </a:p>
+          </p:txBody>
+        </p:sp>
+      </p:grpSp>
+      <p:grpSp>
+        <p:nvGrpSpPr>
+          <p:cNvPr id="18" name="그룹 17"/>
+          <p:cNvGrpSpPr/>
+          <p:nvPr/>
+        </p:nvGrpSpPr>
+        <p:grpSpPr>
+          <a:xfrm>
+            <a:off x="7415791" y="1530072"/>
+            <a:ext cx="3769359" cy="3694992"/>
+            <a:chOff x="232264" y="1065533"/>
+            <a:chExt cx="3309589" cy="3694992"/>
+          </a:xfrm>
+        </p:grpSpPr>
+        <p:sp>
+          <p:nvSpPr>
+            <p:cNvPr id="19" name="직사각형 18"/>
+            <p:cNvSpPr/>
+            <p:nvPr/>
+          </p:nvSpPr>
+          <p:spPr>
+            <a:xfrm>
+              <a:off x="232264" y="1296366"/>
+              <a:ext cx="3309589" cy="3464159"/>
+            </a:xfrm>
+            <a:prstGeom prst="rect">
+              <a:avLst/>
+            </a:prstGeom>
+            <a:noFill/>
+            <a:ln w="19050">
+              <a:solidFill>
+                <a:schemeClr val="bg1"/>
+              </a:solidFill>
+            </a:ln>
+          </p:spPr>
+          <p:style>
+            <a:lnRef idx="2">
+              <a:schemeClr val="accent1">
+                <a:shade val="50000"/>
+              </a:schemeClr>
+            </a:lnRef>
+            <a:fillRef idx="1">
+              <a:schemeClr val="accent1"/>
+            </a:fillRef>
+            <a:effectRef idx="0">
+              <a:schemeClr val="accent1"/>
+            </a:effectRef>
+            <a:fontRef idx="minor">
+              <a:schemeClr val="lt1"/>
+            </a:fontRef>
+          </p:style>
+          <p:txBody>
+            <a:bodyPr rtlCol="0" anchor="ctr"/>
+            <a:lstStyle/>
+            <a:p>
+              <a:pPr algn="ctr"/>
+              <a:endParaRPr lang="ko-KR" altLang="en-US"/>
+            </a:p>
+          </p:txBody>
+        </p:sp>
+        <p:sp>
+          <p:nvSpPr>
+            <p:cNvPr id="20" name="TextBox 19"/>
+            <p:cNvSpPr txBox="1"/>
+            <p:nvPr/>
+          </p:nvSpPr>
+          <p:spPr>
+            <a:xfrm>
+              <a:off x="1666549" y="1065533"/>
+              <a:ext cx="441018" cy="461665"/>
+            </a:xfrm>
+            <a:prstGeom prst="rect">
+              <a:avLst/>
+            </a:prstGeom>
+            <a:solidFill>
+              <a:srgbClr val="28283C"/>
+            </a:solidFill>
+          </p:spPr>
+          <p:txBody>
+            <a:bodyPr wrap="square" rtlCol="0" anchor="ctr">
+              <a:spAutoFit/>
+            </a:bodyPr>
+            <a:lstStyle/>
+            <a:p>
+              <a:pPr algn="ctr"/>
+              <a:r>
+                <a:rPr lang="en-US" altLang="ko-KR" sz="2400" dirty="0" smtClean="0">
+                  <a:solidFill>
+                    <a:schemeClr val="bg1"/>
+                  </a:solidFill>
+                  <a:latin typeface="KoPub돋움체 Bold" pitchFamily="18" charset="-127"/>
+                  <a:ea typeface="KoPub돋움체 Bold" pitchFamily="18" charset="-127"/>
+                </a:rPr>
+                <a:t>UI</a:t>
+              </a:r>
+              <a:endParaRPr lang="ko-KR" altLang="en-US" sz="2400" dirty="0">
+                <a:solidFill>
+                  <a:schemeClr val="bg1"/>
+                </a:solidFill>
+                <a:latin typeface="KoPub돋움체 Bold" pitchFamily="18" charset="-127"/>
+                <a:ea typeface="KoPub돋움체 Bold" pitchFamily="18" charset="-127"/>
+              </a:endParaRPr>
+            </a:p>
+          </p:txBody>
+        </p:sp>
+      </p:grpSp>
+      <p:sp>
+        <p:nvSpPr>
+          <p:cNvPr id="21" name="TextBox 20"/>
+          <p:cNvSpPr txBox="1"/>
+          <p:nvPr/>
+        </p:nvSpPr>
+        <p:spPr>
+          <a:xfrm>
+            <a:off x="1997509" y="5444942"/>
+            <a:ext cx="3648755" cy="707886"/>
+          </a:xfrm>
+          <a:prstGeom prst="rect">
+            <a:avLst/>
+          </a:prstGeom>
+          <a:noFill/>
+        </p:spPr>
+        <p:txBody>
+          <a:bodyPr wrap="none" rtlCol="0">
+            <a:spAutoFit/>
+          </a:bodyPr>
+          <a:lstStyle/>
+          <a:p>
+            <a:pPr algn="ctr"/>
+            <a:r>
+              <a:rPr lang="ko-KR" altLang="en-US" sz="2000" dirty="0" smtClean="0">
+                <a:solidFill>
+                  <a:schemeClr val="bg1"/>
+                </a:solidFill>
+                <a:latin typeface="KoPub돋움체 Light" pitchFamily="18" charset="-127"/>
+                <a:ea typeface="KoPub돋움체 Light" pitchFamily="18" charset="-127"/>
+              </a:rPr>
+              <a:t>카메라 쉐이킹</a:t>
+            </a:r>
+            <a:r>
+              <a:rPr lang="en-US" altLang="ko-KR" sz="2000" dirty="0" smtClean="0">
+                <a:solidFill>
+                  <a:schemeClr val="bg1"/>
+                </a:solidFill>
+                <a:latin typeface="KoPub돋움체 Light" pitchFamily="18" charset="-127"/>
+                <a:ea typeface="KoPub돋움체 Light" pitchFamily="18" charset="-127"/>
+              </a:rPr>
+              <a:t>, </a:t>
+            </a:r>
+            <a:r>
+              <a:rPr lang="ko-KR" altLang="en-US" sz="2000" dirty="0" smtClean="0">
+                <a:solidFill>
+                  <a:schemeClr val="bg1"/>
+                </a:solidFill>
+                <a:latin typeface="KoPub돋움체 Light" pitchFamily="18" charset="-127"/>
+                <a:ea typeface="KoPub돋움체 Light" pitchFamily="18" charset="-127"/>
+              </a:rPr>
+              <a:t>피격 이펙트</a:t>
+            </a:r>
+            <a:r>
+              <a:rPr lang="en-US" altLang="ko-KR" sz="2000" dirty="0" smtClean="0">
+                <a:solidFill>
+                  <a:schemeClr val="bg1"/>
+                </a:solidFill>
+                <a:latin typeface="KoPub돋움체 Light" pitchFamily="18" charset="-127"/>
+                <a:ea typeface="KoPub돋움체 Light" pitchFamily="18" charset="-127"/>
+              </a:rPr>
+              <a:t>, </a:t>
+            </a:r>
+            <a:r>
+              <a:rPr lang="ko-KR" altLang="en-US" sz="2000" dirty="0" smtClean="0">
+                <a:solidFill>
+                  <a:schemeClr val="bg1"/>
+                </a:solidFill>
+                <a:latin typeface="KoPub돋움체 Light" pitchFamily="18" charset="-127"/>
+                <a:ea typeface="KoPub돋움체 Light" pitchFamily="18" charset="-127"/>
+              </a:rPr>
+              <a:t>이동</a:t>
+            </a:r>
+            <a:r>
+              <a:rPr lang="en-US" altLang="ko-KR" sz="2000" dirty="0" smtClean="0">
+                <a:solidFill>
+                  <a:schemeClr val="bg1"/>
+                </a:solidFill>
+                <a:latin typeface="KoPub돋움체 Light" pitchFamily="18" charset="-127"/>
+                <a:ea typeface="KoPub돋움체 Light" pitchFamily="18" charset="-127"/>
+              </a:rPr>
+              <a:t>,</a:t>
+            </a:r>
+          </a:p>
+          <a:p>
+            <a:pPr algn="ctr"/>
+            <a:r>
+              <a:rPr lang="ko-KR" altLang="en-US" sz="2000" dirty="0" smtClean="0">
+                <a:solidFill>
+                  <a:schemeClr val="bg1"/>
+                </a:solidFill>
+                <a:latin typeface="KoPub돋움체 Light" pitchFamily="18" charset="-127"/>
+                <a:ea typeface="KoPub돋움체 Light" pitchFamily="18" charset="-127"/>
+              </a:rPr>
+              <a:t>줌인</a:t>
+            </a:r>
+            <a:r>
+              <a:rPr lang="en-US" altLang="ko-KR" sz="2000" dirty="0" smtClean="0">
+                <a:solidFill>
+                  <a:schemeClr val="bg1"/>
+                </a:solidFill>
+                <a:latin typeface="KoPub돋움체 Light" pitchFamily="18" charset="-127"/>
+                <a:ea typeface="KoPub돋움체 Light" pitchFamily="18" charset="-127"/>
+              </a:rPr>
+              <a:t>/</a:t>
+            </a:r>
+            <a:r>
+              <a:rPr lang="ko-KR" altLang="en-US" sz="2000" dirty="0" smtClean="0">
+                <a:solidFill>
+                  <a:schemeClr val="bg1"/>
+                </a:solidFill>
+                <a:latin typeface="KoPub돋움체 Light" pitchFamily="18" charset="-127"/>
+                <a:ea typeface="KoPub돋움체 Light" pitchFamily="18" charset="-127"/>
+              </a:rPr>
+              <a:t>줌아웃</a:t>
+            </a:r>
+            <a:r>
+              <a:rPr lang="en-US" altLang="ko-KR" sz="2000" dirty="0" smtClean="0">
+                <a:solidFill>
+                  <a:schemeClr val="bg1"/>
+                </a:solidFill>
+                <a:latin typeface="KoPub돋움체 Light" pitchFamily="18" charset="-127"/>
+                <a:ea typeface="KoPub돋움체 Light" pitchFamily="18" charset="-127"/>
+              </a:rPr>
+              <a:t>, </a:t>
+            </a:r>
+            <a:r>
+              <a:rPr lang="ko-KR" altLang="en-US" sz="2000" dirty="0" smtClean="0">
+                <a:solidFill>
+                  <a:schemeClr val="bg1"/>
+                </a:solidFill>
+                <a:latin typeface="KoPub돋움체 Light" pitchFamily="18" charset="-127"/>
+                <a:ea typeface="KoPub돋움체 Light" pitchFamily="18" charset="-127"/>
+              </a:rPr>
+              <a:t>특정 </a:t>
+            </a:r>
+            <a:r>
+              <a:rPr lang="en-US" altLang="ko-KR" sz="2000" dirty="0" smtClean="0">
+                <a:solidFill>
+                  <a:schemeClr val="bg1"/>
+                </a:solidFill>
+                <a:latin typeface="KoPub돋움체 Light" pitchFamily="18" charset="-127"/>
+                <a:ea typeface="KoPub돋움체 Light" pitchFamily="18" charset="-127"/>
+              </a:rPr>
+              <a:t>NPC </a:t>
+            </a:r>
+            <a:r>
+              <a:rPr lang="ko-KR" altLang="en-US" sz="2000" dirty="0" smtClean="0">
+                <a:solidFill>
+                  <a:schemeClr val="bg1"/>
+                </a:solidFill>
+                <a:latin typeface="KoPub돋움체 Light" pitchFamily="18" charset="-127"/>
+                <a:ea typeface="KoPub돋움체 Light" pitchFamily="18" charset="-127"/>
+              </a:rPr>
+              <a:t>타겟팅 등</a:t>
+            </a:r>
+            <a:endParaRPr lang="ko-KR" altLang="en-US" sz="2000" dirty="0">
+              <a:solidFill>
+                <a:schemeClr val="bg1"/>
+              </a:solidFill>
+              <a:latin typeface="KoPub돋움체 Light" pitchFamily="18" charset="-127"/>
+              <a:ea typeface="KoPub돋움체 Light" pitchFamily="18" charset="-127"/>
+            </a:endParaRPr>
+          </a:p>
+        </p:txBody>
+      </p:sp>
+      <p:sp>
+        <p:nvSpPr>
+          <p:cNvPr id="22" name="TextBox 21"/>
+          <p:cNvSpPr txBox="1"/>
+          <p:nvPr/>
+        </p:nvSpPr>
+        <p:spPr>
+          <a:xfrm>
+            <a:off x="7706131" y="5444942"/>
+            <a:ext cx="3188693" cy="707886"/>
+          </a:xfrm>
+          <a:prstGeom prst="rect">
+            <a:avLst/>
+          </a:prstGeom>
+          <a:noFill/>
+        </p:spPr>
+        <p:txBody>
+          <a:bodyPr wrap="none" rtlCol="0">
+            <a:spAutoFit/>
+          </a:bodyPr>
+          <a:lstStyle/>
+          <a:p>
+            <a:pPr algn="ctr"/>
+            <a:r>
+              <a:rPr lang="ko-KR" altLang="en-US" sz="2000" dirty="0" smtClean="0">
+                <a:solidFill>
+                  <a:schemeClr val="bg1"/>
+                </a:solidFill>
+                <a:latin typeface="KoPub돋움체 Light" pitchFamily="18" charset="-127"/>
+                <a:ea typeface="KoPub돋움체 Light" pitchFamily="18" charset="-127"/>
+              </a:rPr>
+              <a:t>설정 패널</a:t>
+            </a:r>
+            <a:endParaRPr lang="en-US" altLang="ko-KR" sz="2000" dirty="0" smtClean="0">
+              <a:solidFill>
+                <a:schemeClr val="bg1"/>
+              </a:solidFill>
+              <a:latin typeface="KoPub돋움체 Light" pitchFamily="18" charset="-127"/>
+              <a:ea typeface="KoPub돋움체 Light" pitchFamily="18" charset="-127"/>
+            </a:endParaRPr>
+          </a:p>
+          <a:p>
+            <a:pPr algn="ctr"/>
+            <a:r>
+              <a:rPr lang="en-US" altLang="ko-KR" sz="2000" dirty="0" smtClean="0">
+                <a:solidFill>
+                  <a:schemeClr val="bg1"/>
+                </a:solidFill>
+                <a:latin typeface="KoPub돋움체 Light" pitchFamily="18" charset="-127"/>
+                <a:ea typeface="KoPub돋움체 Light" pitchFamily="18" charset="-127"/>
+              </a:rPr>
+              <a:t>(</a:t>
+            </a:r>
+            <a:r>
+              <a:rPr lang="ko-KR" altLang="en-US" sz="2000" dirty="0" smtClean="0">
+                <a:solidFill>
+                  <a:schemeClr val="bg1"/>
+                </a:solidFill>
+                <a:latin typeface="KoPub돋움체 Light" pitchFamily="18" charset="-127"/>
+                <a:ea typeface="KoPub돋움체 Light" pitchFamily="18" charset="-127"/>
+              </a:rPr>
+              <a:t>배경음</a:t>
+            </a:r>
+            <a:r>
+              <a:rPr lang="en-US" altLang="ko-KR" sz="2000" dirty="0" smtClean="0">
+                <a:solidFill>
+                  <a:schemeClr val="bg1"/>
+                </a:solidFill>
+                <a:latin typeface="KoPub돋움체 Light" pitchFamily="18" charset="-127"/>
+                <a:ea typeface="KoPub돋움체 Light" pitchFamily="18" charset="-127"/>
+              </a:rPr>
+              <a:t>, </a:t>
+            </a:r>
+            <a:r>
+              <a:rPr lang="ko-KR" altLang="en-US" sz="2000" dirty="0" smtClean="0">
+                <a:solidFill>
+                  <a:schemeClr val="bg1"/>
+                </a:solidFill>
+                <a:latin typeface="KoPub돋움체 Light" pitchFamily="18" charset="-127"/>
+                <a:ea typeface="KoPub돋움체 Light" pitchFamily="18" charset="-127"/>
+              </a:rPr>
+              <a:t>효과음</a:t>
+            </a:r>
+            <a:r>
+              <a:rPr lang="en-US" altLang="ko-KR" sz="2000" dirty="0" smtClean="0">
+                <a:solidFill>
+                  <a:schemeClr val="bg1"/>
+                </a:solidFill>
+                <a:latin typeface="KoPub돋움체 Light" pitchFamily="18" charset="-127"/>
+                <a:ea typeface="KoPub돋움체 Light" pitchFamily="18" charset="-127"/>
+              </a:rPr>
+              <a:t>, </a:t>
+            </a:r>
+            <a:r>
+              <a:rPr lang="ko-KR" altLang="en-US" sz="2000" dirty="0" smtClean="0">
+                <a:solidFill>
+                  <a:schemeClr val="bg1"/>
+                </a:solidFill>
+                <a:latin typeface="KoPub돋움체 Light" pitchFamily="18" charset="-127"/>
+                <a:ea typeface="KoPub돋움체 Light" pitchFamily="18" charset="-127"/>
+              </a:rPr>
+              <a:t>해상도 조절</a:t>
+            </a:r>
+            <a:r>
+              <a:rPr lang="en-US" altLang="ko-KR" sz="2000" dirty="0" smtClean="0">
+                <a:solidFill>
+                  <a:schemeClr val="bg1"/>
+                </a:solidFill>
+                <a:latin typeface="KoPub돋움체 Light" pitchFamily="18" charset="-127"/>
+                <a:ea typeface="KoPub돋움체 Light" pitchFamily="18" charset="-127"/>
+              </a:rPr>
+              <a:t>)</a:t>
+            </a:r>
+          </a:p>
+        </p:txBody>
+      </p:sp>
+      <p:pic>
+        <p:nvPicPr>
+          <p:cNvPr id="1028" name="Picture 4"/>
+          <p:cNvPicPr>
+            <a:picLocks noChangeAspect="1" noChangeArrowheads="1"/>
+          </p:cNvPicPr>
+          <p:nvPr/>
+        </p:nvPicPr>
+        <p:blipFill rotWithShape="1">
+          <a:blip r:embed="rId3">
+            <a:extLst>
+              <a:ext uri="{28A0092B-C50C-407E-A947-70E740481C1C}">
+                <a14:useLocalDpi xmlns:a14="http://schemas.microsoft.com/office/drawing/2010/main" val="0"/>
+              </a:ext>
+            </a:extLst>
+          </a:blip>
+          <a:srcRect r="5653"/>
+          <a:stretch/>
+        </p:blipFill>
+        <p:spPr bwMode="auto">
+          <a:xfrm>
+            <a:off x="7671211" y="2083980"/>
+            <a:ext cx="3258528" cy="2880000"/>
+          </a:xfrm>
+          <a:prstGeom prst="rect">
+            <a:avLst/>
+          </a:prstGeom>
+          <a:noFill/>
+          <a:ln>
+            <a:noFill/>
+          </a:ln>
+          <a:effectLst/>
+          <a:extLst>
+            <a:ext uri="{909E8E84-426E-40DD-AFC4-6F175D3DCCD1}">
+              <a14:hiddenFill xmlns:a14="http://schemas.microsoft.com/office/drawing/2010/main">
+                <a:solidFill>
+                  <a:schemeClr val="accent1"/>
+                </a:solidFill>
+              </a14:hiddenFill>
+            </a:ext>
+            <a:ext uri="{91240B29-F687-4F45-9708-019B960494DF}">
+              <a14:hiddenLine xmlns:a14="http://schemas.microsoft.com/office/drawing/2010/main" w="9525">
+                <a:solidFill>
+                  <a:schemeClr val="tx1"/>
+                </a:solidFill>
+                <a:miter lim="800000"/>
+                <a:headEnd/>
+                <a:tailEnd/>
+              </a14:hiddenLine>
+            </a:ext>
+            <a:ext uri="{AF507438-7753-43E0-B8FC-AC1667EBCBE1}">
+              <a14:hiddenEffects xmlns:a14="http://schemas.microsoft.com/office/drawing/2010/main">
+                <a:effectLst>
+                  <a:outerShdw dist="35921" dir="2700000" algn="ctr" rotWithShape="0">
+                    <a:schemeClr val="bg2"/>
+                  </a:outerShdw>
+                </a:effectLst>
+              </a14:hiddenEffects>
+            </a:ext>
+          </a:extLst>
+        </p:spPr>
+      </p:pic>
+    </p:spTree>
+    <p:extLst>
+      <p:ext uri="{BB962C8B-B14F-4D97-AF65-F5344CB8AC3E}">
+        <p14:creationId xmlns:p14="http://schemas.microsoft.com/office/powerpoint/2010/main" val="3417746863"/>
+      </p:ext>
+    </p:extLst>
+  </p:cSld>
+  <p:clrMapOvr>
+    <a:masterClrMapping/>
+  </p:clrMapOvr>
+  <p:timing>
+    <p:tnLst>
+      <p:par>
+        <p:cTn id="1" dur="indefinite" restart="never" nodeType="tmRoot"/>
+      </p:par>
+    </p:tnLst>
+  </p:timing>
+</p:sld>
+</file>
+
+<file path=ppt/slides/slide5.xml><?xml version="1.0" encoding="utf-8"?>
 <p:sld xmlns:a="http://schemas.openxmlformats.org/drawingml/2006/main" xmlns:r="http://schemas.openxmlformats.org/officeDocument/2006/relationships" xmlns:p="http://schemas.openxmlformats.org/presentationml/2006/main">
   <p:cSld>
     <p:spTree>
@@ -6820,7 +7587,7 @@
 </p:sld>
 </file>
 
-<file path=ppt/slides/slide5.xml><?xml version="1.0" encoding="utf-8"?>
+<file path=ppt/slides/slide6.xml><?xml version="1.0" encoding="utf-8"?>
 <p:sld xmlns:a="http://schemas.openxmlformats.org/drawingml/2006/main" xmlns:r="http://schemas.openxmlformats.org/officeDocument/2006/relationships" xmlns:p="http://schemas.openxmlformats.org/presentationml/2006/main">
   <p:cSld>
     <p:spTree>
@@ -7238,7 +8005,7 @@
 </p:sld>
 </file>
 
-<file path=ppt/slides/slide6.xml><?xml version="1.0" encoding="utf-8"?>
+<file path=ppt/slides/slide7.xml><?xml version="1.0" encoding="utf-8"?>
 <p:sld xmlns:a="http://schemas.openxmlformats.org/drawingml/2006/main" xmlns:r="http://schemas.openxmlformats.org/officeDocument/2006/relationships" xmlns:p="http://schemas.openxmlformats.org/presentationml/2006/main">
   <p:cSld>
     <p:spTree>
@@ -7480,17 +8247,7 @@
                 <a:latin typeface="KoPub돋움체 Light" pitchFamily="18" charset="-127"/>
                 <a:ea typeface="KoPub돋움체 Light" pitchFamily="18" charset="-127"/>
               </a:rPr>
-              <a:t>스토리 전개를 위한 컷씬 기획 및 삽화 </a:t>
-            </a:r>
-            <a:r>
-              <a:rPr lang="ko-KR" altLang="en-US" sz="2000" dirty="0" smtClean="0">
-                <a:solidFill>
-                  <a:schemeClr val="bg1"/>
-                </a:solidFill>
-                <a:latin typeface="KoPub돋움체 Light" pitchFamily="18" charset="-127"/>
-                <a:ea typeface="KoPub돋움체 Light" pitchFamily="18" charset="-127"/>
-              </a:rPr>
-              <a:t>작업 </a:t>
+              <a:t>스토리 전개를 위한 컷씬 기획 및 삽화 작업 </a:t>
             </a:r>
             <a:r>
               <a:rPr lang="en-US" altLang="ko-KR" sz="2000" dirty="0" smtClean="0">
@@ -7650,17 +8407,7 @@
                 <a:latin typeface="KoPub돋움체 Light" pitchFamily="18" charset="-127"/>
                 <a:ea typeface="KoPub돋움체 Light" pitchFamily="18" charset="-127"/>
               </a:rPr>
-              <a:t>스토리 전개를 위한 컷씬 기획 및 삽화 </a:t>
-            </a:r>
-            <a:r>
-              <a:rPr lang="ko-KR" altLang="en-US" sz="2000" dirty="0" smtClean="0">
-                <a:solidFill>
-                  <a:schemeClr val="bg1"/>
-                </a:solidFill>
-                <a:latin typeface="KoPub돋움체 Light" pitchFamily="18" charset="-127"/>
-                <a:ea typeface="KoPub돋움체 Light" pitchFamily="18" charset="-127"/>
-              </a:rPr>
-              <a:t>작업 </a:t>
+              <a:t>스토리 전개를 위한 컷씬 기획 및 삽화 작업 </a:t>
             </a:r>
             <a:r>
               <a:rPr lang="en-US" altLang="ko-KR" sz="2000" dirty="0" smtClean="0">
@@ -7712,7 +8459,7 @@
 </p:sld>
 </file>
 
-<file path=ppt/slides/slide7.xml><?xml version="1.0" encoding="utf-8"?>
+<file path=ppt/slides/slide8.xml><?xml version="1.0" encoding="utf-8"?>
 <p:sld xmlns:a="http://schemas.openxmlformats.org/drawingml/2006/main" xmlns:r="http://schemas.openxmlformats.org/officeDocument/2006/relationships" xmlns:p="http://schemas.openxmlformats.org/presentationml/2006/main">
   <p:cSld>
     <p:spTree>
@@ -7997,7 +8744,7 @@
 </p:sld>
 </file>
 
-<file path=ppt/slides/slide8.xml><?xml version="1.0" encoding="utf-8"?>
+<file path=ppt/slides/slide9.xml><?xml version="1.0" encoding="utf-8"?>
 <p:sld xmlns:a="http://schemas.openxmlformats.org/drawingml/2006/main" xmlns:r="http://schemas.openxmlformats.org/officeDocument/2006/relationships" xmlns:p="http://schemas.openxmlformats.org/presentationml/2006/main">
   <p:cSld>
     <p:bg>
@@ -8057,17 +8804,7 @@
                 <a:latin typeface="KoPub돋움체 Bold" pitchFamily="18" charset="-127"/>
                 <a:ea typeface="KoPub돋움체 Bold" pitchFamily="18" charset="-127"/>
               </a:rPr>
-              <a:t>추후 </a:t>
-            </a:r>
-            <a:r>
-              <a:rPr lang="ko-KR" altLang="en-US" sz="2800" dirty="0" smtClean="0">
-                <a:solidFill>
-                  <a:srgbClr val="28283C"/>
-                </a:solidFill>
-                <a:latin typeface="KoPub돋움체 Bold" pitchFamily="18" charset="-127"/>
-                <a:ea typeface="KoPub돋움체 Bold" pitchFamily="18" charset="-127"/>
-              </a:rPr>
-              <a:t>계획 </a:t>
+              <a:t>추후 계획 </a:t>
             </a:r>
             <a:r>
               <a:rPr lang="en-US" altLang="ko-KR" dirty="0" smtClean="0">
@@ -8192,96 +8929,6 @@
     <p:extLst>
       <p:ext uri="{BB962C8B-B14F-4D97-AF65-F5344CB8AC3E}">
         <p14:creationId xmlns:p14="http://schemas.microsoft.com/office/powerpoint/2010/main" val="4073799580"/>
-      </p:ext>
-    </p:extLst>
-  </p:cSld>
-  <p:clrMapOvr>
-    <a:masterClrMapping/>
-  </p:clrMapOvr>
-  <p:timing>
-    <p:tnLst>
-      <p:par>
-        <p:cTn id="1" dur="indefinite" restart="never" nodeType="tmRoot"/>
-      </p:par>
-    </p:tnLst>
-  </p:timing>
-</p:sld>
-</file>
-
-<file path=ppt/slides/slide9.xml><?xml version="1.0" encoding="utf-8"?>
-<p:sld xmlns:a="http://schemas.openxmlformats.org/drawingml/2006/main" xmlns:r="http://schemas.openxmlformats.org/officeDocument/2006/relationships" xmlns:p="http://schemas.openxmlformats.org/presentationml/2006/main">
-  <p:cSld>
-    <p:spTree>
-      <p:nvGrpSpPr>
-        <p:cNvPr id="1" name=""/>
-        <p:cNvGrpSpPr/>
-        <p:nvPr/>
-      </p:nvGrpSpPr>
-      <p:grpSpPr>
-        <a:xfrm>
-          <a:off x="0" y="0"/>
-          <a:ext cx="0" cy="0"/>
-          <a:chOff x="0" y="0"/>
-          <a:chExt cx="0" cy="0"/>
-        </a:xfrm>
-      </p:grpSpPr>
-      <p:sp>
-        <p:nvSpPr>
-          <p:cNvPr id="2" name="TextBox 1"/>
-          <p:cNvSpPr txBox="1"/>
-          <p:nvPr/>
-        </p:nvSpPr>
-        <p:spPr>
-          <a:xfrm>
-            <a:off x="4593025" y="3044280"/>
-            <a:ext cx="3005951" cy="769441"/>
-          </a:xfrm>
-          <a:prstGeom prst="rect">
-            <a:avLst/>
-          </a:prstGeom>
-          <a:noFill/>
-        </p:spPr>
-        <p:txBody>
-          <a:bodyPr wrap="none" rtlCol="0">
-            <a:spAutoFit/>
-          </a:bodyPr>
-          <a:lstStyle/>
-          <a:p>
-            <a:pPr algn="ctr"/>
-            <a:r>
-              <a:rPr lang="ko-KR" altLang="en-US" sz="4400" smtClean="0">
-                <a:solidFill>
-                  <a:schemeClr val="bg1"/>
-                </a:solidFill>
-                <a:latin typeface="HY헤드라인M" pitchFamily="18" charset="-127"/>
-                <a:ea typeface="HY헤드라인M" pitchFamily="18" charset="-127"/>
-              </a:rPr>
-              <a:t>감사합니</a:t>
-            </a:r>
-            <a:r>
-              <a:rPr lang="ko-KR" altLang="en-US" sz="4400">
-                <a:solidFill>
-                  <a:schemeClr val="bg1"/>
-                </a:solidFill>
-                <a:latin typeface="HY헤드라인M" pitchFamily="18" charset="-127"/>
-                <a:ea typeface="HY헤드라인M" pitchFamily="18" charset="-127"/>
-              </a:rPr>
-              <a:t>다</a:t>
-            </a:r>
-            <a:endParaRPr lang="ko-KR" altLang="en-US" sz="4400" dirty="0">
-              <a:solidFill>
-                <a:schemeClr val="bg1"/>
-              </a:solidFill>
-              <a:latin typeface="HY헤드라인M" pitchFamily="18" charset="-127"/>
-              <a:ea typeface="HY헤드라인M" pitchFamily="18" charset="-127"/>
-            </a:endParaRPr>
-          </a:p>
-        </p:txBody>
-      </p:sp>
-    </p:spTree>
-    <p:extLst>
-      <p:ext uri="{BB962C8B-B14F-4D97-AF65-F5344CB8AC3E}">
-        <p14:creationId xmlns:p14="http://schemas.microsoft.com/office/powerpoint/2010/main" val="1015336918"/>
       </p:ext>
     </p:extLst>
   </p:cSld>
@@ -8587,7 +9234,7 @@
   <a:extraClrSchemeLst/>
   <a:extLst>
     <a:ext uri="{05A4C25C-085E-4340-85A3-A5531E510DB2}">
-      <thm15:themeFamily xmlns="" xmlns:thm15="http://schemas.microsoft.com/office/thememl/2012/main" name="Office Theme" id="{62F939B6-93AF-4DB8-9C6B-D6C7DFDC589F}" vid="{4A3C46E8-61CC-4603-A589-7422A47A8E4A}"/>
+      <thm15:themeFamily xmlns:thm15="http://schemas.microsoft.com/office/thememl/2012/main" xmlns="" name="Office Theme" id="{62F939B6-93AF-4DB8-9C6B-D6C7DFDC589F}" vid="{4A3C46E8-61CC-4603-A589-7422A47A8E4A}"/>
     </a:ext>
   </a:extLst>
 </a:theme>

--- a/Docs/214_AprilReport.pptx
+++ b/Docs/214_AprilReport.pptx
@@ -9,8 +9,8 @@
     <p:sldId id="269" r:id="rId3"/>
     <p:sldId id="277" r:id="rId4"/>
     <p:sldId id="278" r:id="rId5"/>
-    <p:sldId id="271" r:id="rId6"/>
-    <p:sldId id="276" r:id="rId7"/>
+    <p:sldId id="279" r:id="rId6"/>
+    <p:sldId id="280" r:id="rId7"/>
     <p:sldId id="270" r:id="rId8"/>
     <p:sldId id="274" r:id="rId9"/>
     <p:sldId id="268" r:id="rId10"/>
@@ -138,7 +138,7 @@
           <p:cNvPr id="2" name="제목 1">
             <a:extLst>
               <a:ext uri="{FF2B5EF4-FFF2-40B4-BE49-F238E27FC236}">
-                <a16:creationId xmlns="" xmlns:a16="http://schemas.microsoft.com/office/drawing/2014/main" id="{22112318-F619-4488-8B6E-2F5F2426A69A}"/>
+                <a16:creationId xmlns:a16="http://schemas.microsoft.com/office/drawing/2014/main" xmlns="" id="{22112318-F619-4488-8B6E-2F5F2426A69A}"/>
               </a:ext>
             </a:extLst>
           </p:cNvPr>
@@ -175,7 +175,7 @@
           <p:cNvPr id="3" name="부제목 2">
             <a:extLst>
               <a:ext uri="{FF2B5EF4-FFF2-40B4-BE49-F238E27FC236}">
-                <a16:creationId xmlns="" xmlns:a16="http://schemas.microsoft.com/office/drawing/2014/main" id="{E8BEE6BB-9A5F-4E9F-9F1C-6D46BE01A313}"/>
+                <a16:creationId xmlns:a16="http://schemas.microsoft.com/office/drawing/2014/main" xmlns="" id="{E8BEE6BB-9A5F-4E9F-9F1C-6D46BE01A313}"/>
               </a:ext>
             </a:extLst>
           </p:cNvPr>
@@ -245,7 +245,7 @@
           <p:cNvPr id="4" name="날짜 개체 틀 3">
             <a:extLst>
               <a:ext uri="{FF2B5EF4-FFF2-40B4-BE49-F238E27FC236}">
-                <a16:creationId xmlns="" xmlns:a16="http://schemas.microsoft.com/office/drawing/2014/main" id="{D2D9A51D-A948-4CB8-A9EB-5A26520C8EF0}"/>
+                <a16:creationId xmlns:a16="http://schemas.microsoft.com/office/drawing/2014/main" xmlns="" id="{D2D9A51D-A948-4CB8-A9EB-5A26520C8EF0}"/>
               </a:ext>
             </a:extLst>
           </p:cNvPr>
@@ -287,7 +287,7 @@
           <p:cNvPr id="5" name="바닥글 개체 틀 4">
             <a:extLst>
               <a:ext uri="{FF2B5EF4-FFF2-40B4-BE49-F238E27FC236}">
-                <a16:creationId xmlns="" xmlns:a16="http://schemas.microsoft.com/office/drawing/2014/main" id="{84374BBD-0B82-4658-B13D-088F0E4D078E}"/>
+                <a16:creationId xmlns:a16="http://schemas.microsoft.com/office/drawing/2014/main" xmlns="" id="{84374BBD-0B82-4658-B13D-088F0E4D078E}"/>
               </a:ext>
             </a:extLst>
           </p:cNvPr>
@@ -318,7 +318,7 @@
           <p:cNvPr id="6" name="슬라이드 번호 개체 틀 5">
             <a:extLst>
               <a:ext uri="{FF2B5EF4-FFF2-40B4-BE49-F238E27FC236}">
-                <a16:creationId xmlns="" xmlns:a16="http://schemas.microsoft.com/office/drawing/2014/main" id="{AB1AAA67-696A-4836-A10B-FF164C3AF889}"/>
+                <a16:creationId xmlns:a16="http://schemas.microsoft.com/office/drawing/2014/main" xmlns="" id="{AB1AAA67-696A-4836-A10B-FF164C3AF889}"/>
               </a:ext>
             </a:extLst>
           </p:cNvPr>
@@ -390,7 +390,7 @@
           <p:cNvPr id="2" name="제목 1">
             <a:extLst>
               <a:ext uri="{FF2B5EF4-FFF2-40B4-BE49-F238E27FC236}">
-                <a16:creationId xmlns="" xmlns:a16="http://schemas.microsoft.com/office/drawing/2014/main" id="{3C43AEE1-28CA-46D2-81F5-CD34E4F9E583}"/>
+                <a16:creationId xmlns:a16="http://schemas.microsoft.com/office/drawing/2014/main" xmlns="" id="{3C43AEE1-28CA-46D2-81F5-CD34E4F9E583}"/>
               </a:ext>
             </a:extLst>
           </p:cNvPr>
@@ -418,7 +418,7 @@
           <p:cNvPr id="3" name="세로 텍스트 개체 틀 2">
             <a:extLst>
               <a:ext uri="{FF2B5EF4-FFF2-40B4-BE49-F238E27FC236}">
-                <a16:creationId xmlns="" xmlns:a16="http://schemas.microsoft.com/office/drawing/2014/main" id="{C738FEC2-4BF0-4A45-9297-EE9B2E45E5CC}"/>
+                <a16:creationId xmlns:a16="http://schemas.microsoft.com/office/drawing/2014/main" xmlns="" id="{C738FEC2-4BF0-4A45-9297-EE9B2E45E5CC}"/>
               </a:ext>
             </a:extLst>
           </p:cNvPr>
@@ -475,7 +475,7 @@
           <p:cNvPr id="4" name="날짜 개체 틀 3">
             <a:extLst>
               <a:ext uri="{FF2B5EF4-FFF2-40B4-BE49-F238E27FC236}">
-                <a16:creationId xmlns="" xmlns:a16="http://schemas.microsoft.com/office/drawing/2014/main" id="{2BEDBAD0-D342-4544-94B8-122B3BDBF705}"/>
+                <a16:creationId xmlns:a16="http://schemas.microsoft.com/office/drawing/2014/main" xmlns="" id="{2BEDBAD0-D342-4544-94B8-122B3BDBF705}"/>
               </a:ext>
             </a:extLst>
           </p:cNvPr>
@@ -517,7 +517,7 @@
           <p:cNvPr id="5" name="바닥글 개체 틀 4">
             <a:extLst>
               <a:ext uri="{FF2B5EF4-FFF2-40B4-BE49-F238E27FC236}">
-                <a16:creationId xmlns="" xmlns:a16="http://schemas.microsoft.com/office/drawing/2014/main" id="{1D70FE0D-ACBA-4806-9F35-4EB786E865FE}"/>
+                <a16:creationId xmlns:a16="http://schemas.microsoft.com/office/drawing/2014/main" xmlns="" id="{1D70FE0D-ACBA-4806-9F35-4EB786E865FE}"/>
               </a:ext>
             </a:extLst>
           </p:cNvPr>
@@ -548,7 +548,7 @@
           <p:cNvPr id="6" name="슬라이드 번호 개체 틀 5">
             <a:extLst>
               <a:ext uri="{FF2B5EF4-FFF2-40B4-BE49-F238E27FC236}">
-                <a16:creationId xmlns="" xmlns:a16="http://schemas.microsoft.com/office/drawing/2014/main" id="{A7F3119A-4AE1-408F-B8AD-4428B0060B24}"/>
+                <a16:creationId xmlns:a16="http://schemas.microsoft.com/office/drawing/2014/main" xmlns="" id="{A7F3119A-4AE1-408F-B8AD-4428B0060B24}"/>
               </a:ext>
             </a:extLst>
           </p:cNvPr>
@@ -620,7 +620,7 @@
           <p:cNvPr id="2" name="세로 제목 1">
             <a:extLst>
               <a:ext uri="{FF2B5EF4-FFF2-40B4-BE49-F238E27FC236}">
-                <a16:creationId xmlns="" xmlns:a16="http://schemas.microsoft.com/office/drawing/2014/main" id="{F0B3D2AB-E650-41C2-B6FB-5398A5C19680}"/>
+                <a16:creationId xmlns:a16="http://schemas.microsoft.com/office/drawing/2014/main" xmlns="" id="{F0B3D2AB-E650-41C2-B6FB-5398A5C19680}"/>
               </a:ext>
             </a:extLst>
           </p:cNvPr>
@@ -653,7 +653,7 @@
           <p:cNvPr id="3" name="세로 텍스트 개체 틀 2">
             <a:extLst>
               <a:ext uri="{FF2B5EF4-FFF2-40B4-BE49-F238E27FC236}">
-                <a16:creationId xmlns="" xmlns:a16="http://schemas.microsoft.com/office/drawing/2014/main" id="{992D6516-8F93-4221-97F7-E01D89EE517D}"/>
+                <a16:creationId xmlns:a16="http://schemas.microsoft.com/office/drawing/2014/main" xmlns="" id="{992D6516-8F93-4221-97F7-E01D89EE517D}"/>
               </a:ext>
             </a:extLst>
           </p:cNvPr>
@@ -715,7 +715,7 @@
           <p:cNvPr id="4" name="날짜 개체 틀 3">
             <a:extLst>
               <a:ext uri="{FF2B5EF4-FFF2-40B4-BE49-F238E27FC236}">
-                <a16:creationId xmlns="" xmlns:a16="http://schemas.microsoft.com/office/drawing/2014/main" id="{8D86CB26-A349-496A-B48B-A7B891172236}"/>
+                <a16:creationId xmlns:a16="http://schemas.microsoft.com/office/drawing/2014/main" xmlns="" id="{8D86CB26-A349-496A-B48B-A7B891172236}"/>
               </a:ext>
             </a:extLst>
           </p:cNvPr>
@@ -757,7 +757,7 @@
           <p:cNvPr id="5" name="바닥글 개체 틀 4">
             <a:extLst>
               <a:ext uri="{FF2B5EF4-FFF2-40B4-BE49-F238E27FC236}">
-                <a16:creationId xmlns="" xmlns:a16="http://schemas.microsoft.com/office/drawing/2014/main" id="{C2E726FD-A739-41D5-96BA-4670363928CF}"/>
+                <a16:creationId xmlns:a16="http://schemas.microsoft.com/office/drawing/2014/main" xmlns="" id="{C2E726FD-A739-41D5-96BA-4670363928CF}"/>
               </a:ext>
             </a:extLst>
           </p:cNvPr>
@@ -788,7 +788,7 @@
           <p:cNvPr id="6" name="슬라이드 번호 개체 틀 5">
             <a:extLst>
               <a:ext uri="{FF2B5EF4-FFF2-40B4-BE49-F238E27FC236}">
-                <a16:creationId xmlns="" xmlns:a16="http://schemas.microsoft.com/office/drawing/2014/main" id="{60FAE18D-FED5-4070-8B76-811D76CCECC9}"/>
+                <a16:creationId xmlns:a16="http://schemas.microsoft.com/office/drawing/2014/main" xmlns="" id="{60FAE18D-FED5-4070-8B76-811D76CCECC9}"/>
               </a:ext>
             </a:extLst>
           </p:cNvPr>
@@ -860,7 +860,7 @@
           <p:cNvPr id="2" name="제목 1">
             <a:extLst>
               <a:ext uri="{FF2B5EF4-FFF2-40B4-BE49-F238E27FC236}">
-                <a16:creationId xmlns="" xmlns:a16="http://schemas.microsoft.com/office/drawing/2014/main" id="{5CC6958D-28E5-4CC8-8C48-52A02A1BC426}"/>
+                <a16:creationId xmlns:a16="http://schemas.microsoft.com/office/drawing/2014/main" xmlns="" id="{5CC6958D-28E5-4CC8-8C48-52A02A1BC426}"/>
               </a:ext>
             </a:extLst>
           </p:cNvPr>
@@ -888,7 +888,7 @@
           <p:cNvPr id="3" name="내용 개체 틀 2">
             <a:extLst>
               <a:ext uri="{FF2B5EF4-FFF2-40B4-BE49-F238E27FC236}">
-                <a16:creationId xmlns="" xmlns:a16="http://schemas.microsoft.com/office/drawing/2014/main" id="{E8E03031-827B-4AC7-B564-384C16177476}"/>
+                <a16:creationId xmlns:a16="http://schemas.microsoft.com/office/drawing/2014/main" xmlns="" id="{E8E03031-827B-4AC7-B564-384C16177476}"/>
               </a:ext>
             </a:extLst>
           </p:cNvPr>
@@ -945,7 +945,7 @@
           <p:cNvPr id="4" name="날짜 개체 틀 3">
             <a:extLst>
               <a:ext uri="{FF2B5EF4-FFF2-40B4-BE49-F238E27FC236}">
-                <a16:creationId xmlns="" xmlns:a16="http://schemas.microsoft.com/office/drawing/2014/main" id="{11C19838-69C9-49EB-9B51-549106E9B8DE}"/>
+                <a16:creationId xmlns:a16="http://schemas.microsoft.com/office/drawing/2014/main" xmlns="" id="{11C19838-69C9-49EB-9B51-549106E9B8DE}"/>
               </a:ext>
             </a:extLst>
           </p:cNvPr>
@@ -987,7 +987,7 @@
           <p:cNvPr id="5" name="바닥글 개체 틀 4">
             <a:extLst>
               <a:ext uri="{FF2B5EF4-FFF2-40B4-BE49-F238E27FC236}">
-                <a16:creationId xmlns="" xmlns:a16="http://schemas.microsoft.com/office/drawing/2014/main" id="{3C26852C-90C9-4502-A697-363CF824CFD0}"/>
+                <a16:creationId xmlns:a16="http://schemas.microsoft.com/office/drawing/2014/main" xmlns="" id="{3C26852C-90C9-4502-A697-363CF824CFD0}"/>
               </a:ext>
             </a:extLst>
           </p:cNvPr>
@@ -1018,7 +1018,7 @@
           <p:cNvPr id="6" name="슬라이드 번호 개체 틀 5">
             <a:extLst>
               <a:ext uri="{FF2B5EF4-FFF2-40B4-BE49-F238E27FC236}">
-                <a16:creationId xmlns="" xmlns:a16="http://schemas.microsoft.com/office/drawing/2014/main" id="{DF7509D0-CCBD-406A-9D4E-6845657BBAED}"/>
+                <a16:creationId xmlns:a16="http://schemas.microsoft.com/office/drawing/2014/main" xmlns="" id="{DF7509D0-CCBD-406A-9D4E-6845657BBAED}"/>
               </a:ext>
             </a:extLst>
           </p:cNvPr>
@@ -1090,7 +1090,7 @@
           <p:cNvPr id="2" name="제목 1">
             <a:extLst>
               <a:ext uri="{FF2B5EF4-FFF2-40B4-BE49-F238E27FC236}">
-                <a16:creationId xmlns="" xmlns:a16="http://schemas.microsoft.com/office/drawing/2014/main" id="{6CEF73EF-188B-4B17-B08F-D30E80C308D0}"/>
+                <a16:creationId xmlns:a16="http://schemas.microsoft.com/office/drawing/2014/main" xmlns="" id="{6CEF73EF-188B-4B17-B08F-D30E80C308D0}"/>
               </a:ext>
             </a:extLst>
           </p:cNvPr>
@@ -1127,7 +1127,7 @@
           <p:cNvPr id="3" name="텍스트 개체 틀 2">
             <a:extLst>
               <a:ext uri="{FF2B5EF4-FFF2-40B4-BE49-F238E27FC236}">
-                <a16:creationId xmlns="" xmlns:a16="http://schemas.microsoft.com/office/drawing/2014/main" id="{DD7DD2CA-F9BF-47A8-9D27-757556FD1CEE}"/>
+                <a16:creationId xmlns:a16="http://schemas.microsoft.com/office/drawing/2014/main" xmlns="" id="{DD7DD2CA-F9BF-47A8-9D27-757556FD1CEE}"/>
               </a:ext>
             </a:extLst>
           </p:cNvPr>
@@ -1252,7 +1252,7 @@
           <p:cNvPr id="4" name="날짜 개체 틀 3">
             <a:extLst>
               <a:ext uri="{FF2B5EF4-FFF2-40B4-BE49-F238E27FC236}">
-                <a16:creationId xmlns="" xmlns:a16="http://schemas.microsoft.com/office/drawing/2014/main" id="{DE78A1FB-ABBF-480D-AC6C-9BB1AEF9789B}"/>
+                <a16:creationId xmlns:a16="http://schemas.microsoft.com/office/drawing/2014/main" xmlns="" id="{DE78A1FB-ABBF-480D-AC6C-9BB1AEF9789B}"/>
               </a:ext>
             </a:extLst>
           </p:cNvPr>
@@ -1294,7 +1294,7 @@
           <p:cNvPr id="5" name="바닥글 개체 틀 4">
             <a:extLst>
               <a:ext uri="{FF2B5EF4-FFF2-40B4-BE49-F238E27FC236}">
-                <a16:creationId xmlns="" xmlns:a16="http://schemas.microsoft.com/office/drawing/2014/main" id="{6384247E-1D11-4A19-BDDF-E157A205B45F}"/>
+                <a16:creationId xmlns:a16="http://schemas.microsoft.com/office/drawing/2014/main" xmlns="" id="{6384247E-1D11-4A19-BDDF-E157A205B45F}"/>
               </a:ext>
             </a:extLst>
           </p:cNvPr>
@@ -1325,7 +1325,7 @@
           <p:cNvPr id="6" name="슬라이드 번호 개체 틀 5">
             <a:extLst>
               <a:ext uri="{FF2B5EF4-FFF2-40B4-BE49-F238E27FC236}">
-                <a16:creationId xmlns="" xmlns:a16="http://schemas.microsoft.com/office/drawing/2014/main" id="{124EC815-B6FC-4BDE-910C-F8015ED4AD75}"/>
+                <a16:creationId xmlns:a16="http://schemas.microsoft.com/office/drawing/2014/main" xmlns="" id="{124EC815-B6FC-4BDE-910C-F8015ED4AD75}"/>
               </a:ext>
             </a:extLst>
           </p:cNvPr>
@@ -1397,7 +1397,7 @@
           <p:cNvPr id="2" name="제목 1">
             <a:extLst>
               <a:ext uri="{FF2B5EF4-FFF2-40B4-BE49-F238E27FC236}">
-                <a16:creationId xmlns="" xmlns:a16="http://schemas.microsoft.com/office/drawing/2014/main" id="{B4DAEB91-29AA-4ACC-BDCF-960470FCA5A1}"/>
+                <a16:creationId xmlns:a16="http://schemas.microsoft.com/office/drawing/2014/main" xmlns="" id="{B4DAEB91-29AA-4ACC-BDCF-960470FCA5A1}"/>
               </a:ext>
             </a:extLst>
           </p:cNvPr>
@@ -1425,7 +1425,7 @@
           <p:cNvPr id="3" name="내용 개체 틀 2">
             <a:extLst>
               <a:ext uri="{FF2B5EF4-FFF2-40B4-BE49-F238E27FC236}">
-                <a16:creationId xmlns="" xmlns:a16="http://schemas.microsoft.com/office/drawing/2014/main" id="{256B0E51-7DC0-45B6-8306-D8167F5CB7C8}"/>
+                <a16:creationId xmlns:a16="http://schemas.microsoft.com/office/drawing/2014/main" xmlns="" id="{256B0E51-7DC0-45B6-8306-D8167F5CB7C8}"/>
               </a:ext>
             </a:extLst>
           </p:cNvPr>
@@ -1487,7 +1487,7 @@
           <p:cNvPr id="4" name="내용 개체 틀 3">
             <a:extLst>
               <a:ext uri="{FF2B5EF4-FFF2-40B4-BE49-F238E27FC236}">
-                <a16:creationId xmlns="" xmlns:a16="http://schemas.microsoft.com/office/drawing/2014/main" id="{F7CB78CC-8798-4261-B4B1-60B4C54377A7}"/>
+                <a16:creationId xmlns:a16="http://schemas.microsoft.com/office/drawing/2014/main" xmlns="" id="{F7CB78CC-8798-4261-B4B1-60B4C54377A7}"/>
               </a:ext>
             </a:extLst>
           </p:cNvPr>
@@ -1549,7 +1549,7 @@
           <p:cNvPr id="5" name="날짜 개체 틀 4">
             <a:extLst>
               <a:ext uri="{FF2B5EF4-FFF2-40B4-BE49-F238E27FC236}">
-                <a16:creationId xmlns="" xmlns:a16="http://schemas.microsoft.com/office/drawing/2014/main" id="{79594384-5734-4FC8-928A-E1641354A126}"/>
+                <a16:creationId xmlns:a16="http://schemas.microsoft.com/office/drawing/2014/main" xmlns="" id="{79594384-5734-4FC8-928A-E1641354A126}"/>
               </a:ext>
             </a:extLst>
           </p:cNvPr>
@@ -1591,7 +1591,7 @@
           <p:cNvPr id="6" name="바닥글 개체 틀 5">
             <a:extLst>
               <a:ext uri="{FF2B5EF4-FFF2-40B4-BE49-F238E27FC236}">
-                <a16:creationId xmlns="" xmlns:a16="http://schemas.microsoft.com/office/drawing/2014/main" id="{282301C0-6908-48C0-8957-C8B3F4594C5A}"/>
+                <a16:creationId xmlns:a16="http://schemas.microsoft.com/office/drawing/2014/main" xmlns="" id="{282301C0-6908-48C0-8957-C8B3F4594C5A}"/>
               </a:ext>
             </a:extLst>
           </p:cNvPr>
@@ -1622,7 +1622,7 @@
           <p:cNvPr id="7" name="슬라이드 번호 개체 틀 6">
             <a:extLst>
               <a:ext uri="{FF2B5EF4-FFF2-40B4-BE49-F238E27FC236}">
-                <a16:creationId xmlns="" xmlns:a16="http://schemas.microsoft.com/office/drawing/2014/main" id="{507DD8FE-7741-412F-947D-7A7079F48607}"/>
+                <a16:creationId xmlns:a16="http://schemas.microsoft.com/office/drawing/2014/main" xmlns="" id="{507DD8FE-7741-412F-947D-7A7079F48607}"/>
               </a:ext>
             </a:extLst>
           </p:cNvPr>
@@ -1694,7 +1694,7 @@
           <p:cNvPr id="2" name="제목 1">
             <a:extLst>
               <a:ext uri="{FF2B5EF4-FFF2-40B4-BE49-F238E27FC236}">
-                <a16:creationId xmlns="" xmlns:a16="http://schemas.microsoft.com/office/drawing/2014/main" id="{BBD6DFD1-B640-4CC6-A759-6C7981C5CD61}"/>
+                <a16:creationId xmlns:a16="http://schemas.microsoft.com/office/drawing/2014/main" xmlns="" id="{BBD6DFD1-B640-4CC6-A759-6C7981C5CD61}"/>
               </a:ext>
             </a:extLst>
           </p:cNvPr>
@@ -1727,7 +1727,7 @@
           <p:cNvPr id="3" name="텍스트 개체 틀 2">
             <a:extLst>
               <a:ext uri="{FF2B5EF4-FFF2-40B4-BE49-F238E27FC236}">
-                <a16:creationId xmlns="" xmlns:a16="http://schemas.microsoft.com/office/drawing/2014/main" id="{25B2A237-7572-46BD-9502-829F6C0AD4F8}"/>
+                <a16:creationId xmlns:a16="http://schemas.microsoft.com/office/drawing/2014/main" xmlns="" id="{25B2A237-7572-46BD-9502-829F6C0AD4F8}"/>
               </a:ext>
             </a:extLst>
           </p:cNvPr>
@@ -1798,7 +1798,7 @@
           <p:cNvPr id="4" name="내용 개체 틀 3">
             <a:extLst>
               <a:ext uri="{FF2B5EF4-FFF2-40B4-BE49-F238E27FC236}">
-                <a16:creationId xmlns="" xmlns:a16="http://schemas.microsoft.com/office/drawing/2014/main" id="{81AE9732-B570-4506-BDA6-0AB39D453684}"/>
+                <a16:creationId xmlns:a16="http://schemas.microsoft.com/office/drawing/2014/main" xmlns="" id="{81AE9732-B570-4506-BDA6-0AB39D453684}"/>
               </a:ext>
             </a:extLst>
           </p:cNvPr>
@@ -1860,7 +1860,7 @@
           <p:cNvPr id="5" name="텍스트 개체 틀 4">
             <a:extLst>
               <a:ext uri="{FF2B5EF4-FFF2-40B4-BE49-F238E27FC236}">
-                <a16:creationId xmlns="" xmlns:a16="http://schemas.microsoft.com/office/drawing/2014/main" id="{A289407D-7DA6-4293-A426-38DF9B21160E}"/>
+                <a16:creationId xmlns:a16="http://schemas.microsoft.com/office/drawing/2014/main" xmlns="" id="{A289407D-7DA6-4293-A426-38DF9B21160E}"/>
               </a:ext>
             </a:extLst>
           </p:cNvPr>
@@ -1931,7 +1931,7 @@
           <p:cNvPr id="6" name="내용 개체 틀 5">
             <a:extLst>
               <a:ext uri="{FF2B5EF4-FFF2-40B4-BE49-F238E27FC236}">
-                <a16:creationId xmlns="" xmlns:a16="http://schemas.microsoft.com/office/drawing/2014/main" id="{F239549F-370A-4671-B1BB-79655CC6CB8C}"/>
+                <a16:creationId xmlns:a16="http://schemas.microsoft.com/office/drawing/2014/main" xmlns="" id="{F239549F-370A-4671-B1BB-79655CC6CB8C}"/>
               </a:ext>
             </a:extLst>
           </p:cNvPr>
@@ -1993,7 +1993,7 @@
           <p:cNvPr id="7" name="날짜 개체 틀 6">
             <a:extLst>
               <a:ext uri="{FF2B5EF4-FFF2-40B4-BE49-F238E27FC236}">
-                <a16:creationId xmlns="" xmlns:a16="http://schemas.microsoft.com/office/drawing/2014/main" id="{A86D9E62-97AA-41F8-B69B-6CD691CF0E2A}"/>
+                <a16:creationId xmlns:a16="http://schemas.microsoft.com/office/drawing/2014/main" xmlns="" id="{A86D9E62-97AA-41F8-B69B-6CD691CF0E2A}"/>
               </a:ext>
             </a:extLst>
           </p:cNvPr>
@@ -2035,7 +2035,7 @@
           <p:cNvPr id="8" name="바닥글 개체 틀 7">
             <a:extLst>
               <a:ext uri="{FF2B5EF4-FFF2-40B4-BE49-F238E27FC236}">
-                <a16:creationId xmlns="" xmlns:a16="http://schemas.microsoft.com/office/drawing/2014/main" id="{F41D3FC0-561B-4DE4-AA99-9DB56EC6B344}"/>
+                <a16:creationId xmlns:a16="http://schemas.microsoft.com/office/drawing/2014/main" xmlns="" id="{F41D3FC0-561B-4DE4-AA99-9DB56EC6B344}"/>
               </a:ext>
             </a:extLst>
           </p:cNvPr>
@@ -2066,7 +2066,7 @@
           <p:cNvPr id="9" name="슬라이드 번호 개체 틀 8">
             <a:extLst>
               <a:ext uri="{FF2B5EF4-FFF2-40B4-BE49-F238E27FC236}">
-                <a16:creationId xmlns="" xmlns:a16="http://schemas.microsoft.com/office/drawing/2014/main" id="{AD0040F2-99C5-450C-9966-5D00290EBF69}"/>
+                <a16:creationId xmlns:a16="http://schemas.microsoft.com/office/drawing/2014/main" xmlns="" id="{AD0040F2-99C5-450C-9966-5D00290EBF69}"/>
               </a:ext>
             </a:extLst>
           </p:cNvPr>
@@ -2138,7 +2138,7 @@
           <p:cNvPr id="2" name="제목 1">
             <a:extLst>
               <a:ext uri="{FF2B5EF4-FFF2-40B4-BE49-F238E27FC236}">
-                <a16:creationId xmlns="" xmlns:a16="http://schemas.microsoft.com/office/drawing/2014/main" id="{C6E337C1-8281-4F6E-9A31-EBE388C3C82F}"/>
+                <a16:creationId xmlns:a16="http://schemas.microsoft.com/office/drawing/2014/main" xmlns="" id="{C6E337C1-8281-4F6E-9A31-EBE388C3C82F}"/>
               </a:ext>
             </a:extLst>
           </p:cNvPr>
@@ -2166,7 +2166,7 @@
           <p:cNvPr id="3" name="날짜 개체 틀 2">
             <a:extLst>
               <a:ext uri="{FF2B5EF4-FFF2-40B4-BE49-F238E27FC236}">
-                <a16:creationId xmlns="" xmlns:a16="http://schemas.microsoft.com/office/drawing/2014/main" id="{00EA4B32-9135-4223-8DE6-887D2743405B}"/>
+                <a16:creationId xmlns:a16="http://schemas.microsoft.com/office/drawing/2014/main" xmlns="" id="{00EA4B32-9135-4223-8DE6-887D2743405B}"/>
               </a:ext>
             </a:extLst>
           </p:cNvPr>
@@ -2208,7 +2208,7 @@
           <p:cNvPr id="4" name="바닥글 개체 틀 3">
             <a:extLst>
               <a:ext uri="{FF2B5EF4-FFF2-40B4-BE49-F238E27FC236}">
-                <a16:creationId xmlns="" xmlns:a16="http://schemas.microsoft.com/office/drawing/2014/main" id="{9407FC83-8D70-48DB-8681-08CFD9C0DA58}"/>
+                <a16:creationId xmlns:a16="http://schemas.microsoft.com/office/drawing/2014/main" xmlns="" id="{9407FC83-8D70-48DB-8681-08CFD9C0DA58}"/>
               </a:ext>
             </a:extLst>
           </p:cNvPr>
@@ -2239,7 +2239,7 @@
           <p:cNvPr id="5" name="슬라이드 번호 개체 틀 4">
             <a:extLst>
               <a:ext uri="{FF2B5EF4-FFF2-40B4-BE49-F238E27FC236}">
-                <a16:creationId xmlns="" xmlns:a16="http://schemas.microsoft.com/office/drawing/2014/main" id="{A8FC15EC-BCCB-4B82-A94C-FABC63DF674F}"/>
+                <a16:creationId xmlns:a16="http://schemas.microsoft.com/office/drawing/2014/main" xmlns="" id="{A8FC15EC-BCCB-4B82-A94C-FABC63DF674F}"/>
               </a:ext>
             </a:extLst>
           </p:cNvPr>
@@ -2311,7 +2311,7 @@
           <p:cNvPr id="2" name="날짜 개체 틀 1">
             <a:extLst>
               <a:ext uri="{FF2B5EF4-FFF2-40B4-BE49-F238E27FC236}">
-                <a16:creationId xmlns="" xmlns:a16="http://schemas.microsoft.com/office/drawing/2014/main" id="{2B9F9692-5462-4439-80C8-B7E337FC9AC3}"/>
+                <a16:creationId xmlns:a16="http://schemas.microsoft.com/office/drawing/2014/main" xmlns="" id="{2B9F9692-5462-4439-80C8-B7E337FC9AC3}"/>
               </a:ext>
             </a:extLst>
           </p:cNvPr>
@@ -2353,7 +2353,7 @@
           <p:cNvPr id="3" name="바닥글 개체 틀 2">
             <a:extLst>
               <a:ext uri="{FF2B5EF4-FFF2-40B4-BE49-F238E27FC236}">
-                <a16:creationId xmlns="" xmlns:a16="http://schemas.microsoft.com/office/drawing/2014/main" id="{94CA042D-EBC0-437C-A819-521611A545F2}"/>
+                <a16:creationId xmlns:a16="http://schemas.microsoft.com/office/drawing/2014/main" xmlns="" id="{94CA042D-EBC0-437C-A819-521611A545F2}"/>
               </a:ext>
             </a:extLst>
           </p:cNvPr>
@@ -2384,7 +2384,7 @@
           <p:cNvPr id="4" name="슬라이드 번호 개체 틀 3">
             <a:extLst>
               <a:ext uri="{FF2B5EF4-FFF2-40B4-BE49-F238E27FC236}">
-                <a16:creationId xmlns="" xmlns:a16="http://schemas.microsoft.com/office/drawing/2014/main" id="{A2415CDA-0D1F-49BD-8381-21C3BEFD5A98}"/>
+                <a16:creationId xmlns:a16="http://schemas.microsoft.com/office/drawing/2014/main" xmlns="" id="{A2415CDA-0D1F-49BD-8381-21C3BEFD5A98}"/>
               </a:ext>
             </a:extLst>
           </p:cNvPr>
@@ -2456,7 +2456,7 @@
           <p:cNvPr id="2" name="제목 1">
             <a:extLst>
               <a:ext uri="{FF2B5EF4-FFF2-40B4-BE49-F238E27FC236}">
-                <a16:creationId xmlns="" xmlns:a16="http://schemas.microsoft.com/office/drawing/2014/main" id="{2A6F10D4-8D29-48C2-ADF0-92316E2C8E4E}"/>
+                <a16:creationId xmlns:a16="http://schemas.microsoft.com/office/drawing/2014/main" xmlns="" id="{2A6F10D4-8D29-48C2-ADF0-92316E2C8E4E}"/>
               </a:ext>
             </a:extLst>
           </p:cNvPr>
@@ -2493,7 +2493,7 @@
           <p:cNvPr id="3" name="내용 개체 틀 2">
             <a:extLst>
               <a:ext uri="{FF2B5EF4-FFF2-40B4-BE49-F238E27FC236}">
-                <a16:creationId xmlns="" xmlns:a16="http://schemas.microsoft.com/office/drawing/2014/main" id="{BBBA3CD3-DE79-4260-873A-FEDE5C678F80}"/>
+                <a16:creationId xmlns:a16="http://schemas.microsoft.com/office/drawing/2014/main" xmlns="" id="{BBBA3CD3-DE79-4260-873A-FEDE5C678F80}"/>
               </a:ext>
             </a:extLst>
           </p:cNvPr>
@@ -2583,7 +2583,7 @@
           <p:cNvPr id="4" name="텍스트 개체 틀 3">
             <a:extLst>
               <a:ext uri="{FF2B5EF4-FFF2-40B4-BE49-F238E27FC236}">
-                <a16:creationId xmlns="" xmlns:a16="http://schemas.microsoft.com/office/drawing/2014/main" id="{319C6BD2-52A1-4155-9D55-1D847772EA8C}"/>
+                <a16:creationId xmlns:a16="http://schemas.microsoft.com/office/drawing/2014/main" xmlns="" id="{319C6BD2-52A1-4155-9D55-1D847772EA8C}"/>
               </a:ext>
             </a:extLst>
           </p:cNvPr>
@@ -2654,7 +2654,7 @@
           <p:cNvPr id="5" name="날짜 개체 틀 4">
             <a:extLst>
               <a:ext uri="{FF2B5EF4-FFF2-40B4-BE49-F238E27FC236}">
-                <a16:creationId xmlns="" xmlns:a16="http://schemas.microsoft.com/office/drawing/2014/main" id="{982A3511-0B13-4D97-937C-07365FBADAEA}"/>
+                <a16:creationId xmlns:a16="http://schemas.microsoft.com/office/drawing/2014/main" xmlns="" id="{982A3511-0B13-4D97-937C-07365FBADAEA}"/>
               </a:ext>
             </a:extLst>
           </p:cNvPr>
@@ -2696,7 +2696,7 @@
           <p:cNvPr id="6" name="바닥글 개체 틀 5">
             <a:extLst>
               <a:ext uri="{FF2B5EF4-FFF2-40B4-BE49-F238E27FC236}">
-                <a16:creationId xmlns="" xmlns:a16="http://schemas.microsoft.com/office/drawing/2014/main" id="{54C805B4-20AF-4A3C-B131-E1D9FFBB024D}"/>
+                <a16:creationId xmlns:a16="http://schemas.microsoft.com/office/drawing/2014/main" xmlns="" id="{54C805B4-20AF-4A3C-B131-E1D9FFBB024D}"/>
               </a:ext>
             </a:extLst>
           </p:cNvPr>
@@ -2727,7 +2727,7 @@
           <p:cNvPr id="7" name="슬라이드 번호 개체 틀 6">
             <a:extLst>
               <a:ext uri="{FF2B5EF4-FFF2-40B4-BE49-F238E27FC236}">
-                <a16:creationId xmlns="" xmlns:a16="http://schemas.microsoft.com/office/drawing/2014/main" id="{89C705FC-2895-472A-B6FD-C2434624BB3B}"/>
+                <a16:creationId xmlns:a16="http://schemas.microsoft.com/office/drawing/2014/main" xmlns="" id="{89C705FC-2895-472A-B6FD-C2434624BB3B}"/>
               </a:ext>
             </a:extLst>
           </p:cNvPr>
@@ -2799,7 +2799,7 @@
           <p:cNvPr id="2" name="제목 1">
             <a:extLst>
               <a:ext uri="{FF2B5EF4-FFF2-40B4-BE49-F238E27FC236}">
-                <a16:creationId xmlns="" xmlns:a16="http://schemas.microsoft.com/office/drawing/2014/main" id="{4C00D820-915B-4802-8C2E-FF7CA967E012}"/>
+                <a16:creationId xmlns:a16="http://schemas.microsoft.com/office/drawing/2014/main" xmlns="" id="{4C00D820-915B-4802-8C2E-FF7CA967E012}"/>
               </a:ext>
             </a:extLst>
           </p:cNvPr>
@@ -2836,7 +2836,7 @@
           <p:cNvPr id="3" name="그림 개체 틀 2">
             <a:extLst>
               <a:ext uri="{FF2B5EF4-FFF2-40B4-BE49-F238E27FC236}">
-                <a16:creationId xmlns="" xmlns:a16="http://schemas.microsoft.com/office/drawing/2014/main" id="{10CF9849-20D0-417A-99C8-099DF39939AC}"/>
+                <a16:creationId xmlns:a16="http://schemas.microsoft.com/office/drawing/2014/main" xmlns="" id="{10CF9849-20D0-417A-99C8-099DF39939AC}"/>
               </a:ext>
             </a:extLst>
           </p:cNvPr>
@@ -2903,7 +2903,7 @@
           <p:cNvPr id="4" name="텍스트 개체 틀 3">
             <a:extLst>
               <a:ext uri="{FF2B5EF4-FFF2-40B4-BE49-F238E27FC236}">
-                <a16:creationId xmlns="" xmlns:a16="http://schemas.microsoft.com/office/drawing/2014/main" id="{144A7754-54E7-4123-8C5E-1B05B517B5D4}"/>
+                <a16:creationId xmlns:a16="http://schemas.microsoft.com/office/drawing/2014/main" xmlns="" id="{144A7754-54E7-4123-8C5E-1B05B517B5D4}"/>
               </a:ext>
             </a:extLst>
           </p:cNvPr>
@@ -2974,7 +2974,7 @@
           <p:cNvPr id="5" name="날짜 개체 틀 4">
             <a:extLst>
               <a:ext uri="{FF2B5EF4-FFF2-40B4-BE49-F238E27FC236}">
-                <a16:creationId xmlns="" xmlns:a16="http://schemas.microsoft.com/office/drawing/2014/main" id="{3AFFF3F1-9632-4E06-BAB7-312343416AE9}"/>
+                <a16:creationId xmlns:a16="http://schemas.microsoft.com/office/drawing/2014/main" xmlns="" id="{3AFFF3F1-9632-4E06-BAB7-312343416AE9}"/>
               </a:ext>
             </a:extLst>
           </p:cNvPr>
@@ -3016,7 +3016,7 @@
           <p:cNvPr id="6" name="바닥글 개체 틀 5">
             <a:extLst>
               <a:ext uri="{FF2B5EF4-FFF2-40B4-BE49-F238E27FC236}">
-                <a16:creationId xmlns="" xmlns:a16="http://schemas.microsoft.com/office/drawing/2014/main" id="{5F23D6B1-934F-4B4D-9E4F-5AE9E873CB6E}"/>
+                <a16:creationId xmlns:a16="http://schemas.microsoft.com/office/drawing/2014/main" xmlns="" id="{5F23D6B1-934F-4B4D-9E4F-5AE9E873CB6E}"/>
               </a:ext>
             </a:extLst>
           </p:cNvPr>
@@ -3047,7 +3047,7 @@
           <p:cNvPr id="7" name="슬라이드 번호 개체 틀 6">
             <a:extLst>
               <a:ext uri="{FF2B5EF4-FFF2-40B4-BE49-F238E27FC236}">
-                <a16:creationId xmlns="" xmlns:a16="http://schemas.microsoft.com/office/drawing/2014/main" id="{B157FDD5-2092-4E16-8E7C-1CCA4719CF8A}"/>
+                <a16:creationId xmlns:a16="http://schemas.microsoft.com/office/drawing/2014/main" xmlns="" id="{B157FDD5-2092-4E16-8E7C-1CCA4719CF8A}"/>
               </a:ext>
             </a:extLst>
           </p:cNvPr>
@@ -3127,7 +3127,7 @@
           <p:cNvPr id="2" name="제목 개체 틀 1">
             <a:extLst>
               <a:ext uri="{FF2B5EF4-FFF2-40B4-BE49-F238E27FC236}">
-                <a16:creationId xmlns="" xmlns:a16="http://schemas.microsoft.com/office/drawing/2014/main" id="{84C8B562-0886-4274-876D-59EFAAAE2F3B}"/>
+                <a16:creationId xmlns:a16="http://schemas.microsoft.com/office/drawing/2014/main" xmlns="" id="{84C8B562-0886-4274-876D-59EFAAAE2F3B}"/>
               </a:ext>
             </a:extLst>
           </p:cNvPr>
@@ -3165,7 +3165,7 @@
           <p:cNvPr id="3" name="텍스트 개체 틀 2">
             <a:extLst>
               <a:ext uri="{FF2B5EF4-FFF2-40B4-BE49-F238E27FC236}">
-                <a16:creationId xmlns="" xmlns:a16="http://schemas.microsoft.com/office/drawing/2014/main" id="{61799B9E-1CD2-4A09-9ACC-2FA1C62D7AF6}"/>
+                <a16:creationId xmlns:a16="http://schemas.microsoft.com/office/drawing/2014/main" xmlns="" id="{61799B9E-1CD2-4A09-9ACC-2FA1C62D7AF6}"/>
               </a:ext>
             </a:extLst>
           </p:cNvPr>
@@ -3232,7 +3232,7 @@
           <p:cNvPr id="4" name="날짜 개체 틀 3">
             <a:extLst>
               <a:ext uri="{FF2B5EF4-FFF2-40B4-BE49-F238E27FC236}">
-                <a16:creationId xmlns="" xmlns:a16="http://schemas.microsoft.com/office/drawing/2014/main" id="{42A0C5B4-9399-4A5E-8DEE-54436B1EC85C}"/>
+                <a16:creationId xmlns:a16="http://schemas.microsoft.com/office/drawing/2014/main" xmlns="" id="{42A0C5B4-9399-4A5E-8DEE-54436B1EC85C}"/>
               </a:ext>
             </a:extLst>
           </p:cNvPr>
@@ -3292,7 +3292,7 @@
           <p:cNvPr id="5" name="바닥글 개체 틀 4">
             <a:extLst>
               <a:ext uri="{FF2B5EF4-FFF2-40B4-BE49-F238E27FC236}">
-                <a16:creationId xmlns="" xmlns:a16="http://schemas.microsoft.com/office/drawing/2014/main" id="{F5B2B9FF-C0C5-4E9E-A76A-AF0745E2D88E}"/>
+                <a16:creationId xmlns:a16="http://schemas.microsoft.com/office/drawing/2014/main" xmlns="" id="{F5B2B9FF-C0C5-4E9E-A76A-AF0745E2D88E}"/>
               </a:ext>
             </a:extLst>
           </p:cNvPr>
@@ -3341,7 +3341,7 @@
           <p:cNvPr id="6" name="슬라이드 번호 개체 틀 5">
             <a:extLst>
               <a:ext uri="{FF2B5EF4-FFF2-40B4-BE49-F238E27FC236}">
-                <a16:creationId xmlns="" xmlns:a16="http://schemas.microsoft.com/office/drawing/2014/main" id="{E8992FE0-2D01-4365-9F95-1FF838BCEF3A}"/>
+                <a16:creationId xmlns:a16="http://schemas.microsoft.com/office/drawing/2014/main" xmlns="" id="{E8992FE0-2D01-4365-9F95-1FF838BCEF3A}"/>
               </a:ext>
             </a:extLst>
           </p:cNvPr>
@@ -6161,229 +6161,6 @@
           </a:fontRef>
         </p:style>
       </p:cxnSp>
-      <p:sp>
-        <p:nvSpPr>
-          <p:cNvPr id="3" name="TextBox 2"/>
-          <p:cNvSpPr txBox="1"/>
-          <p:nvPr/>
-        </p:nvSpPr>
-        <p:spPr>
-          <a:xfrm>
-            <a:off x="1997509" y="560575"/>
-            <a:ext cx="6386685" cy="923330"/>
-          </a:xfrm>
-          <a:prstGeom prst="rect">
-            <a:avLst/>
-          </a:prstGeom>
-          <a:noFill/>
-        </p:spPr>
-        <p:txBody>
-          <a:bodyPr wrap="none" rtlCol="0">
-            <a:spAutoFit/>
-          </a:bodyPr>
-          <a:lstStyle/>
-          <a:p>
-            <a:r>
-              <a:rPr lang="ko-KR" altLang="en-US" dirty="0" err="1" smtClean="0">
-                <a:solidFill>
-                  <a:schemeClr val="bg1"/>
-                </a:solidFill>
-                <a:latin typeface="KoPub돋움체 Light" pitchFamily="18" charset="-127"/>
-                <a:ea typeface="KoPub돋움체 Light" pitchFamily="18" charset="-127"/>
-              </a:rPr>
-              <a:t>맵</a:t>
-            </a:r>
-            <a:r>
-              <a:rPr lang="ko-KR" altLang="en-US" dirty="0" smtClean="0">
-                <a:solidFill>
-                  <a:schemeClr val="bg1"/>
-                </a:solidFill>
-                <a:latin typeface="KoPub돋움체 Light" pitchFamily="18" charset="-127"/>
-                <a:ea typeface="KoPub돋움체 Light" pitchFamily="18" charset="-127"/>
-              </a:rPr>
-              <a:t> </a:t>
-            </a:r>
-            <a:r>
-              <a:rPr lang="en-US" altLang="ko-KR" dirty="0">
-                <a:solidFill>
-                  <a:schemeClr val="bg1"/>
-                </a:solidFill>
-                <a:latin typeface="KoPub돋움체 Light" pitchFamily="18" charset="-127"/>
-                <a:ea typeface="KoPub돋움체 Light" pitchFamily="18" charset="-127"/>
-              </a:rPr>
-              <a:t>: </a:t>
-            </a:r>
-            <a:r>
-              <a:rPr lang="ko-KR" altLang="en-US" dirty="0">
-                <a:solidFill>
-                  <a:schemeClr val="bg1"/>
-                </a:solidFill>
-                <a:latin typeface="KoPub돋움체 Light" pitchFamily="18" charset="-127"/>
-                <a:ea typeface="KoPub돋움체 Light" pitchFamily="18" charset="-127"/>
-              </a:rPr>
-              <a:t>스테이지의 요소들을 프리팹화 시켜서 </a:t>
-            </a:r>
-            <a:r>
-              <a:rPr lang="ko-KR" altLang="en-US" dirty="0" smtClean="0">
-                <a:solidFill>
-                  <a:schemeClr val="bg1"/>
-                </a:solidFill>
-                <a:latin typeface="KoPub돋움체 Light" pitchFamily="18" charset="-127"/>
-                <a:ea typeface="KoPub돋움체 Light" pitchFamily="18" charset="-127"/>
-              </a:rPr>
-              <a:t>로딩</a:t>
-            </a:r>
-            <a:endParaRPr lang="en-US" altLang="ko-KR" dirty="0" smtClean="0">
-              <a:solidFill>
-                <a:schemeClr val="bg1"/>
-              </a:solidFill>
-              <a:latin typeface="KoPub돋움체 Light" pitchFamily="18" charset="-127"/>
-              <a:ea typeface="KoPub돋움체 Light" pitchFamily="18" charset="-127"/>
-            </a:endParaRPr>
-          </a:p>
-          <a:p>
-            <a:r>
-              <a:rPr lang="ko-KR" altLang="en-US" dirty="0" smtClean="0">
-                <a:solidFill>
-                  <a:schemeClr val="bg1"/>
-                </a:solidFill>
-                <a:latin typeface="KoPub돋움체 Light" pitchFamily="18" charset="-127"/>
-                <a:ea typeface="KoPub돋움체 Light" pitchFamily="18" charset="-127"/>
-              </a:rPr>
-              <a:t>플레이어 </a:t>
-            </a:r>
-            <a:r>
-              <a:rPr lang="ko-KR" altLang="en-US" dirty="0">
-                <a:solidFill>
-                  <a:schemeClr val="bg1"/>
-                </a:solidFill>
-                <a:latin typeface="KoPub돋움체 Light" pitchFamily="18" charset="-127"/>
-                <a:ea typeface="KoPub돋움체 Light" pitchFamily="18" charset="-127"/>
-              </a:rPr>
-              <a:t>수정 </a:t>
-            </a:r>
-            <a:r>
-              <a:rPr lang="en-US" altLang="ko-KR" dirty="0">
-                <a:solidFill>
-                  <a:schemeClr val="bg1"/>
-                </a:solidFill>
-                <a:latin typeface="KoPub돋움체 Light" pitchFamily="18" charset="-127"/>
-                <a:ea typeface="KoPub돋움체 Light" pitchFamily="18" charset="-127"/>
-              </a:rPr>
-              <a:t>: </a:t>
-            </a:r>
-            <a:r>
-              <a:rPr lang="ko-KR" altLang="en-US" dirty="0">
-                <a:solidFill>
-                  <a:schemeClr val="bg1"/>
-                </a:solidFill>
-                <a:latin typeface="KoPub돋움체 Light" pitchFamily="18" charset="-127"/>
-                <a:ea typeface="KoPub돋움체 Light" pitchFamily="18" charset="-127"/>
-              </a:rPr>
-              <a:t>플레이어의 </a:t>
-            </a:r>
-            <a:r>
-              <a:rPr lang="ko-KR" altLang="en-US" dirty="0" smtClean="0">
-                <a:solidFill>
-                  <a:schemeClr val="bg1"/>
-                </a:solidFill>
-                <a:latin typeface="KoPub돋움체 Light" pitchFamily="18" charset="-127"/>
-                <a:ea typeface="KoPub돋움체 Light" pitchFamily="18" charset="-127"/>
-              </a:rPr>
-              <a:t>비주얼 등 </a:t>
-            </a:r>
-            <a:r>
-              <a:rPr lang="ko-KR" altLang="en-US" dirty="0">
-                <a:solidFill>
-                  <a:schemeClr val="bg1"/>
-                </a:solidFill>
-                <a:latin typeface="KoPub돋움체 Light" pitchFamily="18" charset="-127"/>
-                <a:ea typeface="KoPub돋움체 Light" pitchFamily="18" charset="-127"/>
-              </a:rPr>
-              <a:t>코드 </a:t>
-            </a:r>
-            <a:r>
-              <a:rPr lang="ko-KR" altLang="en-US" dirty="0" smtClean="0">
-                <a:solidFill>
-                  <a:schemeClr val="bg1"/>
-                </a:solidFill>
-                <a:latin typeface="KoPub돋움체 Light" pitchFamily="18" charset="-127"/>
-                <a:ea typeface="KoPub돋움체 Light" pitchFamily="18" charset="-127"/>
-              </a:rPr>
-              <a:t>갈아엎기</a:t>
-            </a:r>
-            <a:endParaRPr lang="en-US" altLang="ko-KR" dirty="0" smtClean="0">
-              <a:solidFill>
-                <a:schemeClr val="bg1"/>
-              </a:solidFill>
-              <a:latin typeface="KoPub돋움체 Light" pitchFamily="18" charset="-127"/>
-              <a:ea typeface="KoPub돋움체 Light" pitchFamily="18" charset="-127"/>
-            </a:endParaRPr>
-          </a:p>
-          <a:p>
-            <a:r>
-              <a:rPr lang="ko-KR" altLang="en-US" dirty="0" smtClean="0">
-                <a:solidFill>
-                  <a:schemeClr val="bg1"/>
-                </a:solidFill>
-                <a:latin typeface="KoPub돋움체 Light" pitchFamily="18" charset="-127"/>
-                <a:ea typeface="KoPub돋움체 Light" pitchFamily="18" charset="-127"/>
-              </a:rPr>
-              <a:t>개발 </a:t>
-            </a:r>
-            <a:r>
-              <a:rPr lang="ko-KR" altLang="en-US" dirty="0">
-                <a:solidFill>
-                  <a:schemeClr val="bg1"/>
-                </a:solidFill>
-                <a:latin typeface="KoPub돋움체 Light" pitchFamily="18" charset="-127"/>
-                <a:ea typeface="KoPub돋움체 Light" pitchFamily="18" charset="-127"/>
-              </a:rPr>
-              <a:t>구조 인수인계 </a:t>
-            </a:r>
-            <a:r>
-              <a:rPr lang="en-US" altLang="ko-KR" dirty="0">
-                <a:solidFill>
-                  <a:schemeClr val="bg1"/>
-                </a:solidFill>
-                <a:latin typeface="KoPub돋움체 Light" pitchFamily="18" charset="-127"/>
-                <a:ea typeface="KoPub돋움체 Light" pitchFamily="18" charset="-127"/>
-              </a:rPr>
-              <a:t>: </a:t>
-            </a:r>
-            <a:r>
-              <a:rPr lang="ko-KR" altLang="en-US" dirty="0">
-                <a:solidFill>
-                  <a:schemeClr val="bg1"/>
-                </a:solidFill>
-                <a:latin typeface="KoPub돋움체 Light" pitchFamily="18" charset="-127"/>
-                <a:ea typeface="KoPub돋움체 Light" pitchFamily="18" charset="-127"/>
-              </a:rPr>
-              <a:t>상백이가 짠 구조를 김예리나</a:t>
-            </a:r>
-            <a:r>
-              <a:rPr lang="en-US" altLang="ko-KR" dirty="0">
-                <a:solidFill>
-                  <a:schemeClr val="bg1"/>
-                </a:solidFill>
-                <a:latin typeface="KoPub돋움체 Light" pitchFamily="18" charset="-127"/>
-                <a:ea typeface="KoPub돋움체 Light" pitchFamily="18" charset="-127"/>
-              </a:rPr>
-              <a:t>, </a:t>
-            </a:r>
-            <a:r>
-              <a:rPr lang="ko-KR" altLang="en-US" dirty="0">
-                <a:solidFill>
-                  <a:schemeClr val="bg1"/>
-                </a:solidFill>
-                <a:latin typeface="KoPub돋움체 Light" pitchFamily="18" charset="-127"/>
-                <a:ea typeface="KoPub돋움체 Light" pitchFamily="18" charset="-127"/>
-              </a:rPr>
-              <a:t>최희진에게 설명</a:t>
-            </a:r>
-          </a:p>
-        </p:txBody>
-      </p:sp>
       <p:pic>
         <p:nvPicPr>
           <p:cNvPr id="4" name="Picture 3" descr="C:\Users\ROG\Downloads\gg23.gif"/>
@@ -6493,8 +6270,8 @@
           </p:nvSpPr>
           <p:spPr>
             <a:xfrm>
-              <a:off x="1596731" y="1065533"/>
-              <a:ext cx="580654" cy="461665"/>
+              <a:off x="1754097" y="1065533"/>
+              <a:ext cx="265921" cy="461665"/>
             </a:xfrm>
             <a:prstGeom prst="rect">
               <a:avLst/>
@@ -6511,14 +6288,14 @@
             <a:p>
               <a:pPr algn="ctr"/>
               <a:r>
-                <a:rPr lang="ko-KR" altLang="en-US" sz="2400" dirty="0" smtClean="0">
+                <a:rPr lang="ko-KR" altLang="en-US" sz="2400" dirty="0">
                   <a:solidFill>
                     <a:schemeClr val="bg1"/>
                   </a:solidFill>
                   <a:latin typeface="KoPub돋움체 Bold" pitchFamily="18" charset="-127"/>
                   <a:ea typeface="KoPub돋움체 Bold" pitchFamily="18" charset="-127"/>
                 </a:rPr>
-                <a:t>카메라</a:t>
+                <a:t>맵</a:t>
               </a:r>
               <a:endParaRPr lang="ko-KR" altLang="en-US" sz="2400" dirty="0">
                 <a:solidFill>
@@ -6645,8 +6422,8 @@
         </p:nvSpPr>
         <p:spPr>
           <a:xfrm>
-            <a:off x="1997509" y="5444942"/>
-            <a:ext cx="3648755" cy="707886"/>
+            <a:off x="2160218" y="5444942"/>
+            <a:ext cx="3323347" cy="707886"/>
           </a:xfrm>
           <a:prstGeom prst="rect">
             <a:avLst/>
@@ -6668,18 +6445,18 @@
                 <a:latin typeface="KoPub돋움체 Light" pitchFamily="18" charset="-127"/>
                 <a:ea typeface="KoPub돋움체 Light" pitchFamily="18" charset="-127"/>
               </a:rPr>
-              <a:t>카메라 쉐이킹</a:t>
-            </a:r>
-            <a:r>
-              <a:rPr lang="en-US" altLang="ko-KR" sz="2000" dirty="0" smtClean="0">
-                <a:solidFill>
-                  <a:schemeClr val="bg1"/>
-                </a:solidFill>
-                <a:latin typeface="KoPub돋움체 Light" pitchFamily="18" charset="-127"/>
-                <a:ea typeface="KoPub돋움체 Light" pitchFamily="18" charset="-127"/>
-              </a:rPr>
-              <a:t>, </a:t>
-            </a:r>
+              <a:t>스테이지 요소들을</a:t>
+            </a:r>
+            <a:endParaRPr lang="en-US" altLang="ko-KR" sz="2000" dirty="0" smtClean="0">
+              <a:solidFill>
+                <a:schemeClr val="bg1"/>
+              </a:solidFill>
+              <a:latin typeface="KoPub돋움체 Light" pitchFamily="18" charset="-127"/>
+              <a:ea typeface="KoPub돋움체 Light" pitchFamily="18" charset="-127"/>
+            </a:endParaRPr>
+          </a:p>
+          <a:p>
+            <a:pPr algn="ctr"/>
             <a:r>
               <a:rPr lang="ko-KR" altLang="en-US" sz="2000" dirty="0" smtClean="0">
                 <a:solidFill>
@@ -6688,110 +6465,7 @@
                 <a:latin typeface="KoPub돋움체 Light" pitchFamily="18" charset="-127"/>
                 <a:ea typeface="KoPub돋움체 Light" pitchFamily="18" charset="-127"/>
               </a:rPr>
-              <a:t>피격 이펙트</a:t>
-            </a:r>
-            <a:r>
-              <a:rPr lang="en-US" altLang="ko-KR" sz="2000" dirty="0" smtClean="0">
-                <a:solidFill>
-                  <a:schemeClr val="bg1"/>
-                </a:solidFill>
-                <a:latin typeface="KoPub돋움체 Light" pitchFamily="18" charset="-127"/>
-                <a:ea typeface="KoPub돋움체 Light" pitchFamily="18" charset="-127"/>
-              </a:rPr>
-              <a:t>, </a:t>
-            </a:r>
-            <a:r>
-              <a:rPr lang="ko-KR" altLang="en-US" sz="2000" dirty="0" smtClean="0">
-                <a:solidFill>
-                  <a:schemeClr val="bg1"/>
-                </a:solidFill>
-                <a:latin typeface="KoPub돋움체 Light" pitchFamily="18" charset="-127"/>
-                <a:ea typeface="KoPub돋움체 Light" pitchFamily="18" charset="-127"/>
-              </a:rPr>
-              <a:t>이동</a:t>
-            </a:r>
-            <a:r>
-              <a:rPr lang="en-US" altLang="ko-KR" sz="2000" dirty="0" smtClean="0">
-                <a:solidFill>
-                  <a:schemeClr val="bg1"/>
-                </a:solidFill>
-                <a:latin typeface="KoPub돋움체 Light" pitchFamily="18" charset="-127"/>
-                <a:ea typeface="KoPub돋움체 Light" pitchFamily="18" charset="-127"/>
-              </a:rPr>
-              <a:t>,</a:t>
-            </a:r>
-          </a:p>
-          <a:p>
-            <a:pPr algn="ctr"/>
-            <a:r>
-              <a:rPr lang="ko-KR" altLang="en-US" sz="2000" dirty="0" smtClean="0">
-                <a:solidFill>
-                  <a:schemeClr val="bg1"/>
-                </a:solidFill>
-                <a:latin typeface="KoPub돋움체 Light" pitchFamily="18" charset="-127"/>
-                <a:ea typeface="KoPub돋움체 Light" pitchFamily="18" charset="-127"/>
-              </a:rPr>
-              <a:t>줌인</a:t>
-            </a:r>
-            <a:r>
-              <a:rPr lang="en-US" altLang="ko-KR" sz="2000" dirty="0" smtClean="0">
-                <a:solidFill>
-                  <a:schemeClr val="bg1"/>
-                </a:solidFill>
-                <a:latin typeface="KoPub돋움체 Light" pitchFamily="18" charset="-127"/>
-                <a:ea typeface="KoPub돋움체 Light" pitchFamily="18" charset="-127"/>
-              </a:rPr>
-              <a:t>/</a:t>
-            </a:r>
-            <a:r>
-              <a:rPr lang="ko-KR" altLang="en-US" sz="2000" dirty="0" smtClean="0">
-                <a:solidFill>
-                  <a:schemeClr val="bg1"/>
-                </a:solidFill>
-                <a:latin typeface="KoPub돋움체 Light" pitchFamily="18" charset="-127"/>
-                <a:ea typeface="KoPub돋움체 Light" pitchFamily="18" charset="-127"/>
-              </a:rPr>
-              <a:t>줌아웃</a:t>
-            </a:r>
-            <a:r>
-              <a:rPr lang="en-US" altLang="ko-KR" sz="2000" dirty="0" smtClean="0">
-                <a:solidFill>
-                  <a:schemeClr val="bg1"/>
-                </a:solidFill>
-                <a:latin typeface="KoPub돋움체 Light" pitchFamily="18" charset="-127"/>
-                <a:ea typeface="KoPub돋움체 Light" pitchFamily="18" charset="-127"/>
-              </a:rPr>
-              <a:t>, </a:t>
-            </a:r>
-            <a:r>
-              <a:rPr lang="ko-KR" altLang="en-US" sz="2000" dirty="0" smtClean="0">
-                <a:solidFill>
-                  <a:schemeClr val="bg1"/>
-                </a:solidFill>
-                <a:latin typeface="KoPub돋움체 Light" pitchFamily="18" charset="-127"/>
-                <a:ea typeface="KoPub돋움체 Light" pitchFamily="18" charset="-127"/>
-              </a:rPr>
-              <a:t>특정 </a:t>
-            </a:r>
-            <a:r>
-              <a:rPr lang="en-US" altLang="ko-KR" sz="2000" dirty="0" smtClean="0">
-                <a:solidFill>
-                  <a:schemeClr val="bg1"/>
-                </a:solidFill>
-                <a:latin typeface="KoPub돋움체 Light" pitchFamily="18" charset="-127"/>
-                <a:ea typeface="KoPub돋움체 Light" pitchFamily="18" charset="-127"/>
-              </a:rPr>
-              <a:t>NPC </a:t>
-            </a:r>
-            <a:r>
-              <a:rPr lang="ko-KR" altLang="en-US" sz="2000" dirty="0" smtClean="0">
-                <a:solidFill>
-                  <a:schemeClr val="bg1"/>
-                </a:solidFill>
-                <a:latin typeface="KoPub돋움체 Light" pitchFamily="18" charset="-127"/>
-                <a:ea typeface="KoPub돋움체 Light" pitchFamily="18" charset="-127"/>
-              </a:rPr>
-              <a:t>타겟팅 등</a:t>
+              <a:t>프리팹화하여 맵 데이터로 로드</a:t>
             </a:r>
             <a:endParaRPr lang="ko-KR" altLang="en-US" sz="2000" dirty="0">
               <a:solidFill>
@@ -7053,9 +6727,283 @@
           </a:fontRef>
         </p:style>
       </p:cxnSp>
+      <p:grpSp>
+        <p:nvGrpSpPr>
+          <p:cNvPr id="8" name="그룹 7"/>
+          <p:cNvGrpSpPr/>
+          <p:nvPr/>
+        </p:nvGrpSpPr>
+        <p:grpSpPr>
+          <a:xfrm>
+            <a:off x="1006850" y="1530072"/>
+            <a:ext cx="5630056" cy="3694992"/>
+            <a:chOff x="232264" y="1065533"/>
+            <a:chExt cx="3309589" cy="3694992"/>
+          </a:xfrm>
+        </p:grpSpPr>
+        <p:sp>
+          <p:nvSpPr>
+            <p:cNvPr id="10" name="직사각형 9"/>
+            <p:cNvSpPr/>
+            <p:nvPr/>
+          </p:nvSpPr>
+          <p:spPr>
+            <a:xfrm>
+              <a:off x="232264" y="1296366"/>
+              <a:ext cx="3309589" cy="3464159"/>
+            </a:xfrm>
+            <a:prstGeom prst="rect">
+              <a:avLst/>
+            </a:prstGeom>
+            <a:noFill/>
+            <a:ln w="19050">
+              <a:solidFill>
+                <a:schemeClr val="bg1"/>
+              </a:solidFill>
+            </a:ln>
+          </p:spPr>
+          <p:style>
+            <a:lnRef idx="2">
+              <a:schemeClr val="accent1">
+                <a:shade val="50000"/>
+              </a:schemeClr>
+            </a:lnRef>
+            <a:fillRef idx="1">
+              <a:schemeClr val="accent1"/>
+            </a:fillRef>
+            <a:effectRef idx="0">
+              <a:schemeClr val="accent1"/>
+            </a:effectRef>
+            <a:fontRef idx="minor">
+              <a:schemeClr val="lt1"/>
+            </a:fontRef>
+          </p:style>
+          <p:txBody>
+            <a:bodyPr rtlCol="0" anchor="ctr"/>
+            <a:lstStyle/>
+            <a:p>
+              <a:pPr algn="ctr"/>
+              <a:endParaRPr lang="ko-KR" altLang="en-US"/>
+            </a:p>
+          </p:txBody>
+        </p:sp>
+        <p:sp>
+          <p:nvSpPr>
+            <p:cNvPr id="11" name="TextBox 10"/>
+            <p:cNvSpPr txBox="1"/>
+            <p:nvPr/>
+          </p:nvSpPr>
+          <p:spPr>
+            <a:xfrm>
+              <a:off x="1518048" y="1065533"/>
+              <a:ext cx="738020" cy="461665"/>
+            </a:xfrm>
+            <a:prstGeom prst="rect">
+              <a:avLst/>
+            </a:prstGeom>
+            <a:solidFill>
+              <a:srgbClr val="28283C"/>
+            </a:solidFill>
+          </p:spPr>
+          <p:txBody>
+            <a:bodyPr wrap="none" rtlCol="0" anchor="ctr">
+              <a:spAutoFit/>
+            </a:bodyPr>
+            <a:lstStyle/>
+            <a:p>
+              <a:pPr algn="ctr"/>
+              <a:r>
+                <a:rPr lang="ko-KR" altLang="en-US" sz="2400" dirty="0" smtClean="0">
+                  <a:solidFill>
+                    <a:schemeClr val="bg1"/>
+                  </a:solidFill>
+                  <a:latin typeface="KoPub돋움체 Bold" pitchFamily="18" charset="-127"/>
+                  <a:ea typeface="KoPub돋움체 Bold" pitchFamily="18" charset="-127"/>
+                </a:rPr>
+                <a:t>스테이지</a:t>
+              </a:r>
+              <a:endParaRPr lang="ko-KR" altLang="en-US" sz="2400" dirty="0">
+                <a:solidFill>
+                  <a:schemeClr val="bg1"/>
+                </a:solidFill>
+                <a:latin typeface="KoPub돋움체 Bold" pitchFamily="18" charset="-127"/>
+                <a:ea typeface="KoPub돋움체 Bold" pitchFamily="18" charset="-127"/>
+              </a:endParaRPr>
+            </a:p>
+          </p:txBody>
+        </p:sp>
+      </p:grpSp>
+      <p:grpSp>
+        <p:nvGrpSpPr>
+          <p:cNvPr id="18" name="그룹 17"/>
+          <p:cNvGrpSpPr/>
+          <p:nvPr/>
+        </p:nvGrpSpPr>
+        <p:grpSpPr>
+          <a:xfrm>
+            <a:off x="7415791" y="1530072"/>
+            <a:ext cx="3769359" cy="3694992"/>
+            <a:chOff x="232264" y="1065533"/>
+            <a:chExt cx="3309589" cy="3694992"/>
+          </a:xfrm>
+        </p:grpSpPr>
+        <p:sp>
+          <p:nvSpPr>
+            <p:cNvPr id="19" name="직사각형 18"/>
+            <p:cNvSpPr/>
+            <p:nvPr/>
+          </p:nvSpPr>
+          <p:spPr>
+            <a:xfrm>
+              <a:off x="232264" y="1296366"/>
+              <a:ext cx="3309589" cy="3464159"/>
+            </a:xfrm>
+            <a:prstGeom prst="rect">
+              <a:avLst/>
+            </a:prstGeom>
+            <a:noFill/>
+            <a:ln w="19050">
+              <a:solidFill>
+                <a:schemeClr val="bg1"/>
+              </a:solidFill>
+            </a:ln>
+          </p:spPr>
+          <p:style>
+            <a:lnRef idx="2">
+              <a:schemeClr val="accent1">
+                <a:shade val="50000"/>
+              </a:schemeClr>
+            </a:lnRef>
+            <a:fillRef idx="1">
+              <a:schemeClr val="accent1"/>
+            </a:fillRef>
+            <a:effectRef idx="0">
+              <a:schemeClr val="accent1"/>
+            </a:effectRef>
+            <a:fontRef idx="minor">
+              <a:schemeClr val="lt1"/>
+            </a:fontRef>
+          </p:style>
+          <p:txBody>
+            <a:bodyPr rtlCol="0" anchor="ctr"/>
+            <a:lstStyle/>
+            <a:p>
+              <a:pPr algn="ctr"/>
+              <a:endParaRPr lang="ko-KR" altLang="en-US"/>
+            </a:p>
+          </p:txBody>
+        </p:sp>
+        <p:sp>
+          <p:nvSpPr>
+            <p:cNvPr id="20" name="TextBox 19"/>
+            <p:cNvSpPr txBox="1"/>
+            <p:nvPr/>
+          </p:nvSpPr>
+          <p:spPr>
+            <a:xfrm>
+              <a:off x="1410476" y="1065533"/>
+              <a:ext cx="953176" cy="461665"/>
+            </a:xfrm>
+            <a:prstGeom prst="rect">
+              <a:avLst/>
+            </a:prstGeom>
+            <a:solidFill>
+              <a:srgbClr val="28283C"/>
+            </a:solidFill>
+          </p:spPr>
+          <p:txBody>
+            <a:bodyPr wrap="square" rtlCol="0" anchor="ctr">
+              <a:spAutoFit/>
+            </a:bodyPr>
+            <a:lstStyle/>
+            <a:p>
+              <a:pPr algn="ctr"/>
+              <a:r>
+                <a:rPr lang="ko-KR" altLang="en-US" sz="2400" smtClean="0">
+                  <a:solidFill>
+                    <a:schemeClr val="bg1"/>
+                  </a:solidFill>
+                  <a:latin typeface="KoPub돋움체 Bold" pitchFamily="18" charset="-127"/>
+                  <a:ea typeface="KoPub돋움체 Bold" pitchFamily="18" charset="-127"/>
+                </a:rPr>
+                <a:t>적 패턴</a:t>
+              </a:r>
+              <a:endParaRPr lang="ko-KR" altLang="en-US" sz="2400" dirty="0">
+                <a:solidFill>
+                  <a:schemeClr val="bg1"/>
+                </a:solidFill>
+                <a:latin typeface="KoPub돋움체 Bold" pitchFamily="18" charset="-127"/>
+                <a:ea typeface="KoPub돋움체 Bold" pitchFamily="18" charset="-127"/>
+              </a:endParaRPr>
+            </a:p>
+          </p:txBody>
+        </p:sp>
+      </p:grpSp>
+      <p:sp>
+        <p:nvSpPr>
+          <p:cNvPr id="14" name="TextBox 13"/>
+          <p:cNvSpPr txBox="1"/>
+          <p:nvPr/>
+        </p:nvSpPr>
+        <p:spPr>
+          <a:xfrm>
+            <a:off x="183171" y="153794"/>
+            <a:ext cx="3132589" cy="523220"/>
+          </a:xfrm>
+          <a:prstGeom prst="rect">
+            <a:avLst/>
+          </a:prstGeom>
+          <a:noFill/>
+        </p:spPr>
+        <p:txBody>
+          <a:bodyPr wrap="none" rtlCol="0" anchor="ctr">
+            <a:spAutoFit/>
+          </a:bodyPr>
+          <a:lstStyle/>
+          <a:p>
+            <a:r>
+              <a:rPr lang="ko-KR" altLang="en-US" sz="2800" dirty="0" smtClean="0">
+                <a:solidFill>
+                  <a:schemeClr val="bg1"/>
+                </a:solidFill>
+                <a:latin typeface="KoPub돋움체 Bold" pitchFamily="18" charset="-127"/>
+                <a:ea typeface="KoPub돋움체 Bold" pitchFamily="18" charset="-127"/>
+              </a:rPr>
+              <a:t>기획 </a:t>
+            </a:r>
+            <a:r>
+              <a:rPr lang="en-US" altLang="ko-KR" sz="2000" dirty="0" smtClean="0">
+                <a:solidFill>
+                  <a:schemeClr val="bg1"/>
+                </a:solidFill>
+                <a:latin typeface="KoPub돋움체 Medium" pitchFamily="18" charset="-127"/>
+                <a:ea typeface="KoPub돋움체 Medium" pitchFamily="18" charset="-127"/>
+              </a:rPr>
+              <a:t>– </a:t>
+            </a:r>
+            <a:r>
+              <a:rPr lang="ko-KR" altLang="en-US" sz="2000" dirty="0" smtClean="0">
+                <a:solidFill>
+                  <a:schemeClr val="bg1"/>
+                </a:solidFill>
+                <a:latin typeface="KoPub돋움체 Medium" pitchFamily="18" charset="-127"/>
+                <a:ea typeface="KoPub돋움체 Medium" pitchFamily="18" charset="-127"/>
+              </a:rPr>
+              <a:t>스테이지 및 적 관련</a:t>
+            </a:r>
+            <a:endParaRPr lang="ko-KR" altLang="en-US" sz="2000" dirty="0">
+              <a:solidFill>
+                <a:schemeClr val="bg1"/>
+              </a:solidFill>
+              <a:latin typeface="KoPub돋움체 Medium" pitchFamily="18" charset="-127"/>
+              <a:ea typeface="KoPub돋움체 Medium" pitchFamily="18" charset="-127"/>
+            </a:endParaRPr>
+          </a:p>
+        </p:txBody>
+      </p:sp>
       <p:pic>
         <p:nvPicPr>
-          <p:cNvPr id="1026" name="Picture 2"/>
+          <p:cNvPr id="15" name="Picture 2"/>
           <p:cNvPicPr>
             <a:picLocks noChangeAspect="1" noChangeArrowheads="1"/>
           </p:cNvPicPr>
@@ -7076,8 +7024,8 @@
         </p:blipFill>
         <p:spPr bwMode="auto">
           <a:xfrm>
-            <a:off x="598249" y="1470342"/>
-            <a:ext cx="6075212" cy="3600000"/>
+            <a:off x="1391806" y="2083980"/>
+            <a:ext cx="4860170" cy="2880000"/>
           </a:xfrm>
           <a:prstGeom prst="rect">
             <a:avLst/>
@@ -7119,165 +7067,21 @@
       </p:pic>
       <p:grpSp>
         <p:nvGrpSpPr>
-          <p:cNvPr id="6" name="그룹 5"/>
+          <p:cNvPr id="16" name="그룹 15"/>
           <p:cNvGrpSpPr/>
           <p:nvPr/>
         </p:nvGrpSpPr>
         <p:grpSpPr>
           <a:xfrm>
-            <a:off x="972305" y="5191870"/>
-            <a:ext cx="5327099" cy="964267"/>
-            <a:chOff x="3432451" y="1513840"/>
-            <a:chExt cx="5327099" cy="964267"/>
-          </a:xfrm>
-        </p:grpSpPr>
-        <p:sp>
-          <p:nvSpPr>
-            <p:cNvPr id="3" name="TextBox 2"/>
-            <p:cNvSpPr txBox="1"/>
-            <p:nvPr/>
-          </p:nvSpPr>
-          <p:spPr>
-            <a:xfrm>
-              <a:off x="4724471" y="1513840"/>
-              <a:ext cx="2743059" cy="369332"/>
-            </a:xfrm>
-            <a:prstGeom prst="rect">
-              <a:avLst/>
-            </a:prstGeom>
-            <a:noFill/>
-          </p:spPr>
-          <p:txBody>
-            <a:bodyPr wrap="none" rtlCol="0">
-              <a:spAutoFit/>
-            </a:bodyPr>
-            <a:lstStyle/>
-            <a:p>
-              <a:pPr algn="ctr"/>
-              <a:r>
-                <a:rPr lang="ko-KR" altLang="en-US" dirty="0" smtClean="0">
-                  <a:solidFill>
-                    <a:schemeClr val="bg1"/>
-                  </a:solidFill>
-                  <a:latin typeface="KoPub돋움체 Bold" pitchFamily="18" charset="-127"/>
-                  <a:ea typeface="KoPub돋움체 Bold" pitchFamily="18" charset="-127"/>
-                </a:rPr>
-                <a:t>스테이지 별 적 및 기믹 지정</a:t>
-              </a:r>
-              <a:endParaRPr lang="ko-KR" altLang="en-US" dirty="0">
-                <a:solidFill>
-                  <a:schemeClr val="bg1"/>
-                </a:solidFill>
-                <a:latin typeface="KoPub돋움체 Bold" pitchFamily="18" charset="-127"/>
-                <a:ea typeface="KoPub돋움체 Bold" pitchFamily="18" charset="-127"/>
-              </a:endParaRPr>
-            </a:p>
-          </p:txBody>
-        </p:sp>
-        <p:sp>
-          <p:nvSpPr>
-            <p:cNvPr id="13" name="TextBox 12"/>
-            <p:cNvSpPr txBox="1"/>
-            <p:nvPr/>
-          </p:nvSpPr>
-          <p:spPr>
-            <a:xfrm>
-              <a:off x="3432451" y="1893332"/>
-              <a:ext cx="5327099" cy="584775"/>
-            </a:xfrm>
-            <a:prstGeom prst="rect">
-              <a:avLst/>
-            </a:prstGeom>
-            <a:noFill/>
-          </p:spPr>
-          <p:txBody>
-            <a:bodyPr wrap="none" rtlCol="0">
-              <a:spAutoFit/>
-            </a:bodyPr>
-            <a:lstStyle/>
-            <a:p>
-              <a:pPr algn="ctr"/>
-              <a:r>
-                <a:rPr lang="ko-KR" altLang="en-US" sz="1600" dirty="0" smtClean="0">
-                  <a:solidFill>
-                    <a:schemeClr val="bg1"/>
-                  </a:solidFill>
-                  <a:latin typeface="KoPub돋움체 Light" pitchFamily="18" charset="-127"/>
-                  <a:ea typeface="KoPub돋움체 Light" pitchFamily="18" charset="-127"/>
-                </a:rPr>
-                <a:t>맵 컨셉은 나태지옥 하나로 고정</a:t>
-              </a:r>
-              <a:r>
-                <a:rPr lang="en-US" altLang="ko-KR" sz="1600" dirty="0" smtClean="0">
-                  <a:solidFill>
-                    <a:schemeClr val="bg1"/>
-                  </a:solidFill>
-                  <a:latin typeface="KoPub돋움체 Light" pitchFamily="18" charset="-127"/>
-                  <a:ea typeface="KoPub돋움체 Light" pitchFamily="18" charset="-127"/>
-                </a:rPr>
-                <a:t>,</a:t>
-              </a:r>
-            </a:p>
-            <a:p>
-              <a:pPr algn="ctr"/>
-              <a:r>
-                <a:rPr lang="ko-KR" altLang="en-US" sz="1600" dirty="0" smtClean="0">
-                  <a:solidFill>
-                    <a:schemeClr val="bg1"/>
-                  </a:solidFill>
-                  <a:latin typeface="KoPub돋움체 Light" pitchFamily="18" charset="-127"/>
-                  <a:ea typeface="KoPub돋움체 Light" pitchFamily="18" charset="-127"/>
-                </a:rPr>
-                <a:t>해당 맵에서 등장하는 적의 순서 및 에셋</a:t>
-              </a:r>
-              <a:r>
-                <a:rPr lang="en-US" altLang="ko-KR" sz="1600" dirty="0" smtClean="0">
-                  <a:solidFill>
-                    <a:schemeClr val="bg1"/>
-                  </a:solidFill>
-                  <a:latin typeface="KoPub돋움체 Light" pitchFamily="18" charset="-127"/>
-                  <a:ea typeface="KoPub돋움체 Light" pitchFamily="18" charset="-127"/>
-                </a:rPr>
-                <a:t>, </a:t>
-              </a:r>
-              <a:r>
-                <a:rPr lang="ko-KR" altLang="en-US" sz="1600" dirty="0" smtClean="0">
-                  <a:solidFill>
-                    <a:schemeClr val="bg1"/>
-                  </a:solidFill>
-                  <a:latin typeface="KoPub돋움체 Light" pitchFamily="18" charset="-127"/>
-                  <a:ea typeface="KoPub돋움체 Light" pitchFamily="18" charset="-127"/>
-                </a:rPr>
-                <a:t>스테이지 기믹 등 기획</a:t>
-              </a:r>
-              <a:endParaRPr lang="ko-KR" altLang="en-US" sz="1600" dirty="0">
-                <a:solidFill>
-                  <a:schemeClr val="bg1"/>
-                </a:solidFill>
-                <a:latin typeface="KoPub돋움체 Light" pitchFamily="18" charset="-127"/>
-                <a:ea typeface="KoPub돋움체 Light" pitchFamily="18" charset="-127"/>
-              </a:endParaRPr>
-            </a:p>
-          </p:txBody>
-        </p:sp>
-      </p:grpSp>
-      <p:grpSp>
-        <p:nvGrpSpPr>
-          <p:cNvPr id="17" name="그룹 16"/>
-          <p:cNvGrpSpPr/>
-          <p:nvPr/>
-        </p:nvGrpSpPr>
-        <p:grpSpPr>
-          <a:xfrm>
-            <a:off x="7309944" y="1470342"/>
-            <a:ext cx="4260767" cy="3600000"/>
+            <a:off x="7595870" y="2052984"/>
+            <a:ext cx="3409200" cy="2880000"/>
             <a:chOff x="5249862" y="1954213"/>
             <a:chExt cx="4260767" cy="3600000"/>
           </a:xfrm>
         </p:grpSpPr>
         <p:pic>
           <p:nvPicPr>
-            <p:cNvPr id="18" name="Picture 3"/>
+            <p:cNvPr id="17" name="Picture 3"/>
             <p:cNvPicPr>
               <a:picLocks noChangeAspect="1" noChangeArrowheads="1"/>
             </p:cNvPicPr>
@@ -7341,7 +7145,7 @@
         </p:pic>
         <p:pic>
           <p:nvPicPr>
-            <p:cNvPr id="19" name="Picture 4"/>
+            <p:cNvPr id="23" name="Picture 4"/>
             <p:cNvPicPr>
               <a:picLocks noChangeAspect="1" noChangeArrowheads="1"/>
             </p:cNvPicPr>
@@ -7404,117 +7208,16 @@
           </p:spPr>
         </p:pic>
       </p:grpSp>
-      <p:grpSp>
-        <p:nvGrpSpPr>
-          <p:cNvPr id="20" name="그룹 19"/>
-          <p:cNvGrpSpPr/>
-          <p:nvPr/>
-        </p:nvGrpSpPr>
-        <p:grpSpPr>
-          <a:xfrm>
-            <a:off x="8359083" y="5191870"/>
-            <a:ext cx="2217274" cy="718046"/>
-            <a:chOff x="4987367" y="1513840"/>
-            <a:chExt cx="2217274" cy="718046"/>
-          </a:xfrm>
-        </p:grpSpPr>
-        <p:sp>
-          <p:nvSpPr>
-            <p:cNvPr id="21" name="TextBox 20"/>
-            <p:cNvSpPr txBox="1"/>
-            <p:nvPr/>
-          </p:nvSpPr>
-          <p:spPr>
-            <a:xfrm>
-              <a:off x="5431398" y="1513840"/>
-              <a:ext cx="1329210" cy="369332"/>
-            </a:xfrm>
-            <a:prstGeom prst="rect">
-              <a:avLst/>
-            </a:prstGeom>
-            <a:noFill/>
-          </p:spPr>
-          <p:txBody>
-            <a:bodyPr wrap="none" rtlCol="0">
-              <a:spAutoFit/>
-            </a:bodyPr>
-            <a:lstStyle/>
-            <a:p>
-              <a:pPr algn="ctr"/>
-              <a:r>
-                <a:rPr lang="ko-KR" altLang="en-US" dirty="0" smtClean="0">
-                  <a:solidFill>
-                    <a:schemeClr val="bg1"/>
-                  </a:solidFill>
-                  <a:latin typeface="KoPub돋움체 Bold" pitchFamily="18" charset="-127"/>
-                  <a:ea typeface="KoPub돋움체 Bold" pitchFamily="18" charset="-127"/>
-                </a:rPr>
-                <a:t>적 패턴 기획</a:t>
-              </a:r>
-              <a:endParaRPr lang="ko-KR" altLang="en-US" dirty="0">
-                <a:solidFill>
-                  <a:schemeClr val="bg1"/>
-                </a:solidFill>
-                <a:latin typeface="KoPub돋움체 Bold" pitchFamily="18" charset="-127"/>
-                <a:ea typeface="KoPub돋움체 Bold" pitchFamily="18" charset="-127"/>
-              </a:endParaRPr>
-            </a:p>
-          </p:txBody>
-        </p:sp>
-        <p:sp>
-          <p:nvSpPr>
-            <p:cNvPr id="22" name="TextBox 21"/>
-            <p:cNvSpPr txBox="1"/>
-            <p:nvPr/>
-          </p:nvSpPr>
-          <p:spPr>
-            <a:xfrm>
-              <a:off x="4987367" y="1893332"/>
-              <a:ext cx="2217274" cy="338554"/>
-            </a:xfrm>
-            <a:prstGeom prst="rect">
-              <a:avLst/>
-            </a:prstGeom>
-            <a:noFill/>
-          </p:spPr>
-          <p:txBody>
-            <a:bodyPr wrap="none" rtlCol="0">
-              <a:spAutoFit/>
-            </a:bodyPr>
-            <a:lstStyle/>
-            <a:p>
-              <a:pPr algn="ctr"/>
-              <a:r>
-                <a:rPr lang="ko-KR" altLang="en-US" sz="1600" dirty="0" smtClean="0">
-                  <a:solidFill>
-                    <a:schemeClr val="bg1"/>
-                  </a:solidFill>
-                  <a:latin typeface="KoPub돋움체 Light" pitchFamily="18" charset="-127"/>
-                  <a:ea typeface="KoPub돋움체 Light" pitchFamily="18" charset="-127"/>
-                </a:rPr>
-                <a:t>적 개발을 위한 패턴 기획</a:t>
-              </a:r>
-              <a:endParaRPr lang="ko-KR" altLang="en-US" sz="1600" dirty="0">
-                <a:solidFill>
-                  <a:schemeClr val="bg1"/>
-                </a:solidFill>
-                <a:latin typeface="KoPub돋움체 Light" pitchFamily="18" charset="-127"/>
-                <a:ea typeface="KoPub돋움체 Light" pitchFamily="18" charset="-127"/>
-              </a:endParaRPr>
-            </a:p>
-          </p:txBody>
-        </p:sp>
-      </p:grpSp>
       <p:sp>
         <p:nvSpPr>
-          <p:cNvPr id="23" name="TextBox 22"/>
+          <p:cNvPr id="24" name="TextBox 23"/>
           <p:cNvSpPr txBox="1"/>
           <p:nvPr/>
         </p:nvSpPr>
         <p:spPr>
           <a:xfrm>
-            <a:off x="183171" y="153794"/>
-            <a:ext cx="3132589" cy="523220"/>
+            <a:off x="1158327" y="5506497"/>
+            <a:ext cx="5327099" cy="584775"/>
           </a:xfrm>
           <a:prstGeom prst="rect">
             <a:avLst/>
@@ -7522,47 +7225,114 @@
           <a:noFill/>
         </p:spPr>
         <p:txBody>
-          <a:bodyPr wrap="none" rtlCol="0" anchor="ctr">
+          <a:bodyPr wrap="none" rtlCol="0">
             <a:spAutoFit/>
           </a:bodyPr>
           <a:lstStyle/>
           <a:p>
-            <a:r>
-              <a:rPr lang="ko-KR" altLang="en-US" sz="2800" dirty="0" smtClean="0">
-                <a:solidFill>
-                  <a:schemeClr val="bg1"/>
-                </a:solidFill>
-                <a:latin typeface="KoPub돋움체 Bold" pitchFamily="18" charset="-127"/>
-                <a:ea typeface="KoPub돋움체 Bold" pitchFamily="18" charset="-127"/>
-              </a:rPr>
-              <a:t>기획 </a:t>
-            </a:r>
-            <a:r>
-              <a:rPr lang="en-US" altLang="ko-KR" sz="2000" dirty="0" smtClean="0">
-                <a:solidFill>
-                  <a:schemeClr val="bg1"/>
-                </a:solidFill>
-                <a:latin typeface="KoPub돋움체 Medium" pitchFamily="18" charset="-127"/>
-                <a:ea typeface="KoPub돋움체 Medium" pitchFamily="18" charset="-127"/>
-              </a:rPr>
-              <a:t>– </a:t>
-            </a:r>
-            <a:r>
-              <a:rPr lang="ko-KR" altLang="en-US" sz="2000" dirty="0" smtClean="0">
-                <a:solidFill>
-                  <a:schemeClr val="bg1"/>
-                </a:solidFill>
-                <a:latin typeface="KoPub돋움체 Medium" pitchFamily="18" charset="-127"/>
-                <a:ea typeface="KoPub돋움체 Medium" pitchFamily="18" charset="-127"/>
-              </a:rPr>
-              <a:t>스테이지 및 적 관련</a:t>
-            </a:r>
-            <a:endParaRPr lang="ko-KR" altLang="en-US" sz="2000" dirty="0">
+            <a:pPr algn="ctr"/>
+            <a:r>
+              <a:rPr lang="ko-KR" altLang="en-US" sz="1600" dirty="0" smtClean="0">
+                <a:solidFill>
+                  <a:schemeClr val="bg1"/>
+                </a:solidFill>
+                <a:latin typeface="KoPub돋움체 Light" pitchFamily="18" charset="-127"/>
+                <a:ea typeface="KoPub돋움체 Light" pitchFamily="18" charset="-127"/>
+              </a:rPr>
+              <a:t>맵 컨셉은 나태지옥 하나로 고정</a:t>
+            </a:r>
+            <a:r>
+              <a:rPr lang="en-US" altLang="ko-KR" sz="1600" dirty="0" smtClean="0">
+                <a:solidFill>
+                  <a:schemeClr val="bg1"/>
+                </a:solidFill>
+                <a:latin typeface="KoPub돋움체 Light" pitchFamily="18" charset="-127"/>
+                <a:ea typeface="KoPub돋움체 Light" pitchFamily="18" charset="-127"/>
+              </a:rPr>
+              <a:t>,</a:t>
+            </a:r>
+          </a:p>
+          <a:p>
+            <a:pPr algn="ctr"/>
+            <a:r>
+              <a:rPr lang="ko-KR" altLang="en-US" sz="1600" dirty="0" smtClean="0">
+                <a:solidFill>
+                  <a:schemeClr val="bg1"/>
+                </a:solidFill>
+                <a:latin typeface="KoPub돋움체 Light" pitchFamily="18" charset="-127"/>
+                <a:ea typeface="KoPub돋움체 Light" pitchFamily="18" charset="-127"/>
+              </a:rPr>
+              <a:t>해당 맵에서 등장하는 적의 순서 및 에셋</a:t>
+            </a:r>
+            <a:r>
+              <a:rPr lang="en-US" altLang="ko-KR" sz="1600" dirty="0" smtClean="0">
+                <a:solidFill>
+                  <a:schemeClr val="bg1"/>
+                </a:solidFill>
+                <a:latin typeface="KoPub돋움체 Light" pitchFamily="18" charset="-127"/>
+                <a:ea typeface="KoPub돋움체 Light" pitchFamily="18" charset="-127"/>
+              </a:rPr>
+              <a:t>, </a:t>
+            </a:r>
+            <a:r>
+              <a:rPr lang="ko-KR" altLang="en-US" sz="1600" dirty="0" smtClean="0">
+                <a:solidFill>
+                  <a:schemeClr val="bg1"/>
+                </a:solidFill>
+                <a:latin typeface="KoPub돋움체 Light" pitchFamily="18" charset="-127"/>
+                <a:ea typeface="KoPub돋움체 Light" pitchFamily="18" charset="-127"/>
+              </a:rPr>
+              <a:t>스테이지 기믹 등 기획</a:t>
+            </a:r>
+            <a:endParaRPr lang="ko-KR" altLang="en-US" sz="1600" dirty="0">
               <a:solidFill>
                 <a:schemeClr val="bg1"/>
               </a:solidFill>
-              <a:latin typeface="KoPub돋움체 Medium" pitchFamily="18" charset="-127"/>
-              <a:ea typeface="KoPub돋움체 Medium" pitchFamily="18" charset="-127"/>
+              <a:latin typeface="KoPub돋움체 Light" pitchFamily="18" charset="-127"/>
+              <a:ea typeface="KoPub돋움체 Light" pitchFamily="18" charset="-127"/>
+            </a:endParaRPr>
+          </a:p>
+        </p:txBody>
+      </p:sp>
+      <p:sp>
+        <p:nvSpPr>
+          <p:cNvPr id="25" name="TextBox 24"/>
+          <p:cNvSpPr txBox="1"/>
+          <p:nvPr/>
+        </p:nvSpPr>
+        <p:spPr>
+          <a:xfrm>
+            <a:off x="8191840" y="5571362"/>
+            <a:ext cx="2217274" cy="338554"/>
+          </a:xfrm>
+          <a:prstGeom prst="rect">
+            <a:avLst/>
+          </a:prstGeom>
+          <a:noFill/>
+        </p:spPr>
+        <p:txBody>
+          <a:bodyPr wrap="none" rtlCol="0">
+            <a:spAutoFit/>
+          </a:bodyPr>
+          <a:lstStyle/>
+          <a:p>
+            <a:pPr algn="ctr"/>
+            <a:r>
+              <a:rPr lang="ko-KR" altLang="en-US" sz="1600" dirty="0" smtClean="0">
+                <a:solidFill>
+                  <a:schemeClr val="bg1"/>
+                </a:solidFill>
+                <a:latin typeface="KoPub돋움체 Light" pitchFamily="18" charset="-127"/>
+                <a:ea typeface="KoPub돋움체 Light" pitchFamily="18" charset="-127"/>
+              </a:rPr>
+              <a:t>적 개발을 위한 패턴 기획</a:t>
+            </a:r>
+            <a:endParaRPr lang="ko-KR" altLang="en-US" sz="1600" dirty="0">
+              <a:solidFill>
+                <a:schemeClr val="bg1"/>
+              </a:solidFill>
+              <a:latin typeface="KoPub돋움체 Light" pitchFamily="18" charset="-127"/>
+              <a:ea typeface="KoPub돋움체 Light" pitchFamily="18" charset="-127"/>
             </a:endParaRPr>
           </a:p>
         </p:txBody>
@@ -7570,7 +7340,7 @@
     </p:spTree>
     <p:extLst>
       <p:ext uri="{BB962C8B-B14F-4D97-AF65-F5344CB8AC3E}">
-        <p14:creationId xmlns:p14="http://schemas.microsoft.com/office/powerpoint/2010/main" val="2405002356"/>
+        <p14:creationId xmlns:p14="http://schemas.microsoft.com/office/powerpoint/2010/main" val="856909258"/>
       </p:ext>
     </p:extLst>
   </p:cSld>
@@ -7604,68 +7374,6 @@
           <a:chExt cx="0" cy="0"/>
         </a:xfrm>
       </p:grpSpPr>
-      <p:sp>
-        <p:nvSpPr>
-          <p:cNvPr id="2" name="TextBox 1"/>
-          <p:cNvSpPr txBox="1"/>
-          <p:nvPr/>
-        </p:nvSpPr>
-        <p:spPr>
-          <a:xfrm>
-            <a:off x="183171" y="153794"/>
-            <a:ext cx="2610010" cy="523220"/>
-          </a:xfrm>
-          <a:prstGeom prst="rect">
-            <a:avLst/>
-          </a:prstGeom>
-          <a:noFill/>
-        </p:spPr>
-        <p:txBody>
-          <a:bodyPr wrap="none" rtlCol="0" anchor="ctr">
-            <a:spAutoFit/>
-          </a:bodyPr>
-          <a:lstStyle/>
-          <a:p>
-            <a:r>
-              <a:rPr lang="ko-KR" altLang="en-US" sz="2800" dirty="0" smtClean="0">
-                <a:solidFill>
-                  <a:schemeClr val="bg1"/>
-                </a:solidFill>
-                <a:latin typeface="KoPub돋움체 Bold" pitchFamily="18" charset="-127"/>
-                <a:ea typeface="KoPub돋움체 Bold" pitchFamily="18" charset="-127"/>
-              </a:rPr>
-              <a:t>기획 </a:t>
-            </a:r>
-            <a:r>
-              <a:rPr lang="en-US" altLang="ko-KR" sz="2000" dirty="0" smtClean="0">
-                <a:solidFill>
-                  <a:schemeClr val="bg1"/>
-                </a:solidFill>
-                <a:latin typeface="KoPub돋움체 Medium" pitchFamily="18" charset="-127"/>
-                <a:ea typeface="KoPub돋움체 Medium" pitchFamily="18" charset="-127"/>
-              </a:rPr>
-              <a:t>– </a:t>
-            </a:r>
-            <a:r>
-              <a:rPr lang="ko-KR" altLang="en-US" sz="2000" dirty="0" smtClean="0">
-                <a:solidFill>
-                  <a:schemeClr val="bg1"/>
-                </a:solidFill>
-                <a:latin typeface="KoPub돋움체 Medium" pitchFamily="18" charset="-127"/>
-                <a:ea typeface="KoPub돋움체 Medium" pitchFamily="18" charset="-127"/>
-              </a:rPr>
-              <a:t>기능 단위 분리</a:t>
-            </a:r>
-            <a:endParaRPr lang="ko-KR" altLang="en-US" sz="2000" dirty="0">
-              <a:solidFill>
-                <a:schemeClr val="bg1"/>
-              </a:solidFill>
-              <a:latin typeface="KoPub돋움체 Medium" pitchFamily="18" charset="-127"/>
-              <a:ea typeface="KoPub돋움체 Medium" pitchFamily="18" charset="-127"/>
-            </a:endParaRPr>
-          </a:p>
-        </p:txBody>
-      </p:sp>
       <p:cxnSp>
         <p:nvCxnSpPr>
           <p:cNvPr id="7" name="직선 연결선 6"/>
@@ -7701,6 +7409,327 @@
           </a:fontRef>
         </p:style>
       </p:cxnSp>
+      <p:sp>
+        <p:nvSpPr>
+          <p:cNvPr id="14" name="TextBox 13"/>
+          <p:cNvSpPr txBox="1"/>
+          <p:nvPr/>
+        </p:nvSpPr>
+        <p:spPr>
+          <a:xfrm>
+            <a:off x="183171" y="153794"/>
+            <a:ext cx="3132589" cy="523220"/>
+          </a:xfrm>
+          <a:prstGeom prst="rect">
+            <a:avLst/>
+          </a:prstGeom>
+          <a:noFill/>
+        </p:spPr>
+        <p:txBody>
+          <a:bodyPr wrap="none" rtlCol="0" anchor="ctr">
+            <a:spAutoFit/>
+          </a:bodyPr>
+          <a:lstStyle/>
+          <a:p>
+            <a:r>
+              <a:rPr lang="ko-KR" altLang="en-US" sz="2800" dirty="0" smtClean="0">
+                <a:solidFill>
+                  <a:schemeClr val="bg1"/>
+                </a:solidFill>
+                <a:latin typeface="KoPub돋움체 Bold" pitchFamily="18" charset="-127"/>
+                <a:ea typeface="KoPub돋움체 Bold" pitchFamily="18" charset="-127"/>
+              </a:rPr>
+              <a:t>기획 </a:t>
+            </a:r>
+            <a:r>
+              <a:rPr lang="en-US" altLang="ko-KR" sz="2000" dirty="0" smtClean="0">
+                <a:solidFill>
+                  <a:schemeClr val="bg1"/>
+                </a:solidFill>
+                <a:latin typeface="KoPub돋움체 Medium" pitchFamily="18" charset="-127"/>
+                <a:ea typeface="KoPub돋움체 Medium" pitchFamily="18" charset="-127"/>
+              </a:rPr>
+              <a:t>– </a:t>
+            </a:r>
+            <a:r>
+              <a:rPr lang="ko-KR" altLang="en-US" sz="2000" dirty="0" smtClean="0">
+                <a:solidFill>
+                  <a:schemeClr val="bg1"/>
+                </a:solidFill>
+                <a:latin typeface="KoPub돋움체 Medium" pitchFamily="18" charset="-127"/>
+                <a:ea typeface="KoPub돋움체 Medium" pitchFamily="18" charset="-127"/>
+              </a:rPr>
+              <a:t>스테이지 및 적 관련</a:t>
+            </a:r>
+            <a:endParaRPr lang="ko-KR" altLang="en-US" sz="2000" dirty="0">
+              <a:solidFill>
+                <a:schemeClr val="bg1"/>
+              </a:solidFill>
+              <a:latin typeface="KoPub돋움체 Medium" pitchFamily="18" charset="-127"/>
+              <a:ea typeface="KoPub돋움체 Medium" pitchFamily="18" charset="-127"/>
+            </a:endParaRPr>
+          </a:p>
+        </p:txBody>
+      </p:sp>
+      <p:sp>
+        <p:nvSpPr>
+          <p:cNvPr id="24" name="TextBox 23"/>
+          <p:cNvSpPr txBox="1"/>
+          <p:nvPr/>
+        </p:nvSpPr>
+        <p:spPr>
+          <a:xfrm>
+            <a:off x="1663910" y="5506497"/>
+            <a:ext cx="5089856" cy="584775"/>
+          </a:xfrm>
+          <a:prstGeom prst="rect">
+            <a:avLst/>
+          </a:prstGeom>
+          <a:noFill/>
+        </p:spPr>
+        <p:txBody>
+          <a:bodyPr wrap="none" rtlCol="0">
+            <a:spAutoFit/>
+          </a:bodyPr>
+          <a:lstStyle/>
+          <a:p>
+            <a:pPr algn="ctr"/>
+            <a:r>
+              <a:rPr lang="ko-KR" altLang="en-US" sz="1600" dirty="0" smtClean="0">
+                <a:solidFill>
+                  <a:schemeClr val="bg1"/>
+                </a:solidFill>
+                <a:latin typeface="KoPub돋움체 Light" pitchFamily="18" charset="-127"/>
+                <a:ea typeface="KoPub돋움체 Light" pitchFamily="18" charset="-127"/>
+              </a:rPr>
+              <a:t>멘토링 이후 스토리 및 </a:t>
+            </a:r>
+            <a:r>
+              <a:rPr lang="en-US" altLang="ko-KR" sz="1600" dirty="0" smtClean="0">
+                <a:solidFill>
+                  <a:schemeClr val="bg1"/>
+                </a:solidFill>
+                <a:latin typeface="KoPub돋움체 Light" pitchFamily="18" charset="-127"/>
+                <a:ea typeface="KoPub돋움체 Light" pitchFamily="18" charset="-127"/>
+              </a:rPr>
+              <a:t>NPC </a:t>
+            </a:r>
+            <a:r>
+              <a:rPr lang="ko-KR" altLang="en-US" sz="1600" dirty="0" smtClean="0">
+                <a:solidFill>
+                  <a:schemeClr val="bg1"/>
+                </a:solidFill>
+                <a:latin typeface="KoPub돋움체 Light" pitchFamily="18" charset="-127"/>
+                <a:ea typeface="KoPub돋움체 Light" pitchFamily="18" charset="-127"/>
+              </a:rPr>
+              <a:t>등의 상세 기획 보류</a:t>
+            </a:r>
+            <a:r>
+              <a:rPr lang="en-US" altLang="ko-KR" sz="1600" dirty="0" smtClean="0">
+                <a:solidFill>
+                  <a:schemeClr val="bg1"/>
+                </a:solidFill>
+                <a:latin typeface="KoPub돋움체 Light" pitchFamily="18" charset="-127"/>
+                <a:ea typeface="KoPub돋움체 Light" pitchFamily="18" charset="-127"/>
+              </a:rPr>
+              <a:t>,</a:t>
+            </a:r>
+          </a:p>
+          <a:p>
+            <a:pPr algn="ctr"/>
+            <a:r>
+              <a:rPr lang="ko-KR" altLang="en-US" sz="1600" dirty="0" smtClean="0">
+                <a:solidFill>
+                  <a:schemeClr val="bg1"/>
+                </a:solidFill>
+                <a:latin typeface="KoPub돋움체 Light" pitchFamily="18" charset="-127"/>
+                <a:ea typeface="KoPub돋움체 Light" pitchFamily="18" charset="-127"/>
+              </a:rPr>
+              <a:t>액션성에 집중하여 적</a:t>
+            </a:r>
+            <a:r>
+              <a:rPr lang="en-US" altLang="ko-KR" sz="1600" dirty="0" smtClean="0">
+                <a:solidFill>
+                  <a:schemeClr val="bg1"/>
+                </a:solidFill>
+                <a:latin typeface="KoPub돋움체 Light" pitchFamily="18" charset="-127"/>
+                <a:ea typeface="KoPub돋움체 Light" pitchFamily="18" charset="-127"/>
+              </a:rPr>
+              <a:t>/</a:t>
+            </a:r>
+            <a:r>
+              <a:rPr lang="ko-KR" altLang="en-US" sz="1600" dirty="0" smtClean="0">
+                <a:solidFill>
+                  <a:schemeClr val="bg1"/>
+                </a:solidFill>
+                <a:latin typeface="KoPub돋움체 Light" pitchFamily="18" charset="-127"/>
+                <a:ea typeface="KoPub돋움체 Light" pitchFamily="18" charset="-127"/>
+              </a:rPr>
+              <a:t>플레이어</a:t>
+            </a:r>
+            <a:r>
+              <a:rPr lang="en-US" altLang="ko-KR" sz="1600" dirty="0" smtClean="0">
+                <a:solidFill>
+                  <a:schemeClr val="bg1"/>
+                </a:solidFill>
+                <a:latin typeface="KoPub돋움체 Light" pitchFamily="18" charset="-127"/>
+                <a:ea typeface="KoPub돋움체 Light" pitchFamily="18" charset="-127"/>
+              </a:rPr>
+              <a:t>/</a:t>
+            </a:r>
+            <a:r>
+              <a:rPr lang="ko-KR" altLang="en-US" sz="1600" dirty="0" smtClean="0">
+                <a:solidFill>
+                  <a:schemeClr val="bg1"/>
+                </a:solidFill>
+                <a:latin typeface="KoPub돋움체 Light" pitchFamily="18" charset="-127"/>
+                <a:ea typeface="KoPub돋움체 Light" pitchFamily="18" charset="-127"/>
+              </a:rPr>
+              <a:t>스테이지</a:t>
+            </a:r>
+            <a:r>
+              <a:rPr lang="en-US" altLang="ko-KR" sz="1600" dirty="0" smtClean="0">
+                <a:solidFill>
+                  <a:schemeClr val="bg1"/>
+                </a:solidFill>
+                <a:latin typeface="KoPub돋움체 Light" pitchFamily="18" charset="-127"/>
+                <a:ea typeface="KoPub돋움체 Light" pitchFamily="18" charset="-127"/>
+              </a:rPr>
+              <a:t>/UI </a:t>
+            </a:r>
+            <a:r>
+              <a:rPr lang="ko-KR" altLang="en-US" sz="1600" dirty="0" smtClean="0">
+                <a:solidFill>
+                  <a:schemeClr val="bg1"/>
+                </a:solidFill>
+                <a:latin typeface="KoPub돋움체 Light" pitchFamily="18" charset="-127"/>
+                <a:ea typeface="KoPub돋움체 Light" pitchFamily="18" charset="-127"/>
+              </a:rPr>
+              <a:t>기능 단위 분리</a:t>
+            </a:r>
+            <a:endParaRPr lang="ko-KR" altLang="en-US" sz="1600" dirty="0">
+              <a:solidFill>
+                <a:schemeClr val="bg1"/>
+              </a:solidFill>
+              <a:latin typeface="KoPub돋움체 Light" pitchFamily="18" charset="-127"/>
+              <a:ea typeface="KoPub돋움체 Light" pitchFamily="18" charset="-127"/>
+            </a:endParaRPr>
+          </a:p>
+        </p:txBody>
+      </p:sp>
+      <p:sp>
+        <p:nvSpPr>
+          <p:cNvPr id="25" name="TextBox 24"/>
+          <p:cNvSpPr txBox="1"/>
+          <p:nvPr/>
+        </p:nvSpPr>
+        <p:spPr>
+          <a:xfrm>
+            <a:off x="7922736" y="5571362"/>
+            <a:ext cx="3302507" cy="338554"/>
+          </a:xfrm>
+          <a:prstGeom prst="rect">
+            <a:avLst/>
+          </a:prstGeom>
+          <a:noFill/>
+        </p:spPr>
+        <p:txBody>
+          <a:bodyPr wrap="none" rtlCol="0">
+            <a:spAutoFit/>
+          </a:bodyPr>
+          <a:lstStyle/>
+          <a:p>
+            <a:pPr algn="ctr"/>
+            <a:r>
+              <a:rPr lang="ko-KR" altLang="en-US" sz="1600" dirty="0" smtClean="0">
+                <a:solidFill>
+                  <a:schemeClr val="bg1"/>
+                </a:solidFill>
+                <a:latin typeface="KoPub돋움체 Light" pitchFamily="18" charset="-127"/>
+                <a:ea typeface="KoPub돋움체 Light" pitchFamily="18" charset="-127"/>
+              </a:rPr>
+              <a:t>플레이어 스킬</a:t>
+            </a:r>
+            <a:r>
+              <a:rPr lang="en-US" altLang="ko-KR" sz="1600" dirty="0" smtClean="0">
+                <a:solidFill>
+                  <a:schemeClr val="bg1"/>
+                </a:solidFill>
+                <a:latin typeface="KoPub돋움체 Light" pitchFamily="18" charset="-127"/>
+                <a:ea typeface="KoPub돋움체 Light" pitchFamily="18" charset="-127"/>
+              </a:rPr>
+              <a:t>(</a:t>
+            </a:r>
+            <a:r>
+              <a:rPr lang="ko-KR" altLang="en-US" sz="1600" dirty="0" smtClean="0">
+                <a:solidFill>
+                  <a:schemeClr val="bg1"/>
+                </a:solidFill>
+                <a:latin typeface="KoPub돋움체 Light" pitchFamily="18" charset="-127"/>
+                <a:ea typeface="KoPub돋움체 Light" pitchFamily="18" charset="-127"/>
+              </a:rPr>
+              <a:t>속성</a:t>
+            </a:r>
+            <a:r>
+              <a:rPr lang="en-US" altLang="ko-KR" sz="1600" dirty="0" smtClean="0">
+                <a:solidFill>
+                  <a:schemeClr val="bg1"/>
+                </a:solidFill>
+                <a:latin typeface="KoPub돋움체 Light" pitchFamily="18" charset="-127"/>
+                <a:ea typeface="KoPub돋움체 Light" pitchFamily="18" charset="-127"/>
+              </a:rPr>
+              <a:t>) </a:t>
+            </a:r>
+            <a:r>
+              <a:rPr lang="ko-KR" altLang="en-US" sz="1600" dirty="0" smtClean="0">
+                <a:solidFill>
+                  <a:schemeClr val="bg1"/>
+                </a:solidFill>
+                <a:latin typeface="KoPub돋움체 Light" pitchFamily="18" charset="-127"/>
+                <a:ea typeface="KoPub돋움체 Light" pitchFamily="18" charset="-127"/>
+              </a:rPr>
+              <a:t>기획 및 에셋</a:t>
+            </a:r>
+            <a:r>
+              <a:rPr lang="ko-KR" altLang="en-US" sz="1600" dirty="0">
+                <a:solidFill>
+                  <a:schemeClr val="bg1"/>
+                </a:solidFill>
+                <a:latin typeface="KoPub돋움체 Light" pitchFamily="18" charset="-127"/>
+                <a:ea typeface="KoPub돋움체 Light" pitchFamily="18" charset="-127"/>
+              </a:rPr>
+              <a:t> </a:t>
+            </a:r>
+            <a:r>
+              <a:rPr lang="ko-KR" altLang="en-US" sz="1600" dirty="0" smtClean="0">
+                <a:solidFill>
+                  <a:schemeClr val="bg1"/>
+                </a:solidFill>
+                <a:latin typeface="KoPub돋움체 Light" pitchFamily="18" charset="-127"/>
+                <a:ea typeface="KoPub돋움체 Light" pitchFamily="18" charset="-127"/>
+              </a:rPr>
+              <a:t>확</a:t>
+            </a:r>
+            <a:r>
+              <a:rPr lang="ko-KR" altLang="en-US" sz="1600" dirty="0">
+                <a:solidFill>
+                  <a:schemeClr val="bg1"/>
+                </a:solidFill>
+                <a:latin typeface="KoPub돋움체 Light" pitchFamily="18" charset="-127"/>
+                <a:ea typeface="KoPub돋움체 Light" pitchFamily="18" charset="-127"/>
+              </a:rPr>
+              <a:t>보</a:t>
+            </a:r>
+            <a:endParaRPr lang="ko-KR" altLang="en-US" sz="1600" dirty="0">
+              <a:solidFill>
+                <a:schemeClr val="bg1"/>
+              </a:solidFill>
+              <a:latin typeface="KoPub돋움체 Light" pitchFamily="18" charset="-127"/>
+              <a:ea typeface="KoPub돋움체 Light" pitchFamily="18" charset="-127"/>
+            </a:endParaRPr>
+          </a:p>
+        </p:txBody>
+      </p:sp>
       <p:grpSp>
         <p:nvGrpSpPr>
           <p:cNvPr id="4" name="그룹 3"/>
@@ -7709,242 +7738,390 @@
         </p:nvGrpSpPr>
         <p:grpSpPr>
           <a:xfrm>
-            <a:off x="169357" y="1082278"/>
-            <a:ext cx="11853287" cy="2520000"/>
-            <a:chOff x="232264" y="1716365"/>
-            <a:chExt cx="11853287" cy="2520000"/>
+            <a:off x="981978" y="1530072"/>
+            <a:ext cx="10228044" cy="3694992"/>
+            <a:chOff x="867572" y="1530072"/>
+            <a:chExt cx="10228044" cy="3694992"/>
           </a:xfrm>
         </p:grpSpPr>
+        <p:grpSp>
+          <p:nvGrpSpPr>
+            <p:cNvPr id="8" name="그룹 7"/>
+            <p:cNvGrpSpPr/>
+            <p:nvPr/>
+          </p:nvGrpSpPr>
+          <p:grpSpPr>
+            <a:xfrm>
+              <a:off x="867572" y="1530072"/>
+              <a:ext cx="6453735" cy="3694992"/>
+              <a:chOff x="232264" y="1065533"/>
+              <a:chExt cx="3309589" cy="3694992"/>
+            </a:xfrm>
+          </p:grpSpPr>
+          <p:sp>
+            <p:nvSpPr>
+              <p:cNvPr id="10" name="직사각형 9"/>
+              <p:cNvSpPr/>
+              <p:nvPr/>
+            </p:nvSpPr>
+            <p:spPr>
+              <a:xfrm>
+                <a:off x="232264" y="1296366"/>
+                <a:ext cx="3309589" cy="3464159"/>
+              </a:xfrm>
+              <a:prstGeom prst="rect">
+                <a:avLst/>
+              </a:prstGeom>
+              <a:noFill/>
+              <a:ln w="19050">
+                <a:solidFill>
+                  <a:schemeClr val="bg1"/>
+                </a:solidFill>
+              </a:ln>
+            </p:spPr>
+            <p:style>
+              <a:lnRef idx="2">
+                <a:schemeClr val="accent1">
+                  <a:shade val="50000"/>
+                </a:schemeClr>
+              </a:lnRef>
+              <a:fillRef idx="1">
+                <a:schemeClr val="accent1"/>
+              </a:fillRef>
+              <a:effectRef idx="0">
+                <a:schemeClr val="accent1"/>
+              </a:effectRef>
+              <a:fontRef idx="minor">
+                <a:schemeClr val="lt1"/>
+              </a:fontRef>
+            </p:style>
+            <p:txBody>
+              <a:bodyPr rtlCol="0" anchor="ctr"/>
+              <a:lstStyle/>
+              <a:p>
+                <a:pPr algn="ctr"/>
+                <a:endParaRPr lang="ko-KR" altLang="en-US"/>
+              </a:p>
+            </p:txBody>
+          </p:sp>
+          <p:sp>
+            <p:nvSpPr>
+              <p:cNvPr id="11" name="TextBox 10"/>
+              <p:cNvSpPr txBox="1"/>
+              <p:nvPr/>
+            </p:nvSpPr>
+            <p:spPr>
+              <a:xfrm>
+                <a:off x="1381824" y="1065533"/>
+                <a:ext cx="1010461" cy="461665"/>
+              </a:xfrm>
+              <a:prstGeom prst="rect">
+                <a:avLst/>
+              </a:prstGeom>
+              <a:solidFill>
+                <a:srgbClr val="28283C"/>
+              </a:solidFill>
+            </p:spPr>
+            <p:txBody>
+              <a:bodyPr wrap="none" rtlCol="0" anchor="ctr">
+                <a:spAutoFit/>
+              </a:bodyPr>
+              <a:lstStyle/>
+              <a:p>
+                <a:pPr algn="ctr"/>
+                <a:r>
+                  <a:rPr lang="ko-KR" altLang="en-US" sz="2400" dirty="0" smtClean="0">
+                    <a:solidFill>
+                      <a:schemeClr val="bg1"/>
+                    </a:solidFill>
+                    <a:latin typeface="KoPub돋움체 Bold" pitchFamily="18" charset="-127"/>
+                    <a:ea typeface="KoPub돋움체 Bold" pitchFamily="18" charset="-127"/>
+                  </a:rPr>
+                  <a:t>기능 단위 분리</a:t>
+                </a:r>
+                <a:endParaRPr lang="ko-KR" altLang="en-US" sz="2400" dirty="0">
+                  <a:solidFill>
+                    <a:schemeClr val="bg1"/>
+                  </a:solidFill>
+                  <a:latin typeface="KoPub돋움체 Bold" pitchFamily="18" charset="-127"/>
+                  <a:ea typeface="KoPub돋움체 Bold" pitchFamily="18" charset="-127"/>
+                </a:endParaRPr>
+              </a:p>
+            </p:txBody>
+          </p:sp>
+        </p:grpSp>
+        <p:grpSp>
+          <p:nvGrpSpPr>
+            <p:cNvPr id="18" name="그룹 17"/>
+            <p:cNvGrpSpPr/>
+            <p:nvPr/>
+          </p:nvGrpSpPr>
+          <p:grpSpPr>
+            <a:xfrm>
+              <a:off x="7823543" y="1530072"/>
+              <a:ext cx="3272073" cy="3694992"/>
+              <a:chOff x="829" y="1065533"/>
+              <a:chExt cx="3309589" cy="3694992"/>
+            </a:xfrm>
+          </p:grpSpPr>
+          <p:sp>
+            <p:nvSpPr>
+              <p:cNvPr id="19" name="직사각형 18"/>
+              <p:cNvSpPr/>
+              <p:nvPr/>
+            </p:nvSpPr>
+            <p:spPr>
+              <a:xfrm>
+                <a:off x="829" y="1296366"/>
+                <a:ext cx="3309589" cy="3464159"/>
+              </a:xfrm>
+              <a:prstGeom prst="rect">
+                <a:avLst/>
+              </a:prstGeom>
+              <a:noFill/>
+              <a:ln w="19050">
+                <a:solidFill>
+                  <a:schemeClr val="bg1"/>
+                </a:solidFill>
+              </a:ln>
+            </p:spPr>
+            <p:style>
+              <a:lnRef idx="2">
+                <a:schemeClr val="accent1">
+                  <a:shade val="50000"/>
+                </a:schemeClr>
+              </a:lnRef>
+              <a:fillRef idx="1">
+                <a:schemeClr val="accent1"/>
+              </a:fillRef>
+              <a:effectRef idx="0">
+                <a:schemeClr val="accent1"/>
+              </a:effectRef>
+              <a:fontRef idx="minor">
+                <a:schemeClr val="lt1"/>
+              </a:fontRef>
+            </p:style>
+            <p:txBody>
+              <a:bodyPr rtlCol="0" anchor="ctr"/>
+              <a:lstStyle/>
+              <a:p>
+                <a:pPr algn="ctr"/>
+                <a:endParaRPr lang="ko-KR" altLang="en-US"/>
+              </a:p>
+            </p:txBody>
+          </p:sp>
+          <p:sp>
+            <p:nvSpPr>
+              <p:cNvPr id="20" name="TextBox 19"/>
+              <p:cNvSpPr txBox="1"/>
+              <p:nvPr/>
+            </p:nvSpPr>
+            <p:spPr>
+              <a:xfrm>
+                <a:off x="1179041" y="1065533"/>
+                <a:ext cx="953176" cy="461665"/>
+              </a:xfrm>
+              <a:prstGeom prst="rect">
+                <a:avLst/>
+              </a:prstGeom>
+              <a:solidFill>
+                <a:srgbClr val="28283C"/>
+              </a:solidFill>
+            </p:spPr>
+            <p:txBody>
+              <a:bodyPr wrap="square" rtlCol="0" anchor="ctr">
+                <a:spAutoFit/>
+              </a:bodyPr>
+              <a:lstStyle/>
+              <a:p>
+                <a:pPr algn="ctr"/>
+                <a:r>
+                  <a:rPr lang="ko-KR" altLang="en-US" sz="2400" dirty="0" smtClean="0">
+                    <a:solidFill>
+                      <a:schemeClr val="bg1"/>
+                    </a:solidFill>
+                    <a:latin typeface="KoPub돋움체 Bold" pitchFamily="18" charset="-127"/>
+                    <a:ea typeface="KoPub돋움체 Bold" pitchFamily="18" charset="-127"/>
+                  </a:rPr>
+                  <a:t>스킬</a:t>
+                </a:r>
+                <a:endParaRPr lang="ko-KR" altLang="en-US" sz="2400" dirty="0">
+                  <a:solidFill>
+                    <a:schemeClr val="bg1"/>
+                  </a:solidFill>
+                  <a:latin typeface="KoPub돋움체 Bold" pitchFamily="18" charset="-127"/>
+                  <a:ea typeface="KoPub돋움체 Bold" pitchFamily="18" charset="-127"/>
+                </a:endParaRPr>
+              </a:p>
+            </p:txBody>
+          </p:sp>
+        </p:grpSp>
+        <p:grpSp>
+          <p:nvGrpSpPr>
+            <p:cNvPr id="2" name="그룹 1"/>
+            <p:cNvGrpSpPr/>
+            <p:nvPr/>
+          </p:nvGrpSpPr>
+          <p:grpSpPr>
+            <a:xfrm>
+              <a:off x="8116513" y="2083980"/>
+              <a:ext cx="2686132" cy="2880000"/>
+              <a:chOff x="7852529" y="2083980"/>
+              <a:chExt cx="2686132" cy="2880000"/>
+            </a:xfrm>
+          </p:grpSpPr>
+          <p:pic>
+            <p:nvPicPr>
+              <p:cNvPr id="1027" name="Picture 3"/>
+              <p:cNvPicPr>
+                <a:picLocks noChangeAspect="1" noChangeArrowheads="1"/>
+              </p:cNvPicPr>
+              <p:nvPr/>
+            </p:nvPicPr>
+            <p:blipFill>
+              <a:blip r:embed="rId2">
+                <a:extLst>
+                  <a:ext uri="{28A0092B-C50C-407E-A947-70E740481C1C}">
+                    <a14:useLocalDpi xmlns:a14="http://schemas.microsoft.com/office/drawing/2010/main" val="0"/>
+                  </a:ext>
+                </a:extLst>
+              </a:blip>
+              <a:srcRect/>
+              <a:stretch>
+                <a:fillRect/>
+              </a:stretch>
+            </p:blipFill>
+            <p:spPr bwMode="auto">
+              <a:xfrm>
+                <a:off x="9228865" y="2083980"/>
+                <a:ext cx="1309796" cy="2880000"/>
+              </a:xfrm>
+              <a:prstGeom prst="rect">
+                <a:avLst/>
+              </a:prstGeom>
+              <a:noFill/>
+              <a:ln>
+                <a:noFill/>
+              </a:ln>
+              <a:effectLst/>
+              <a:extLst>
+                <a:ext uri="{909E8E84-426E-40DD-AFC4-6F175D3DCCD1}">
+                  <a14:hiddenFill xmlns:a14="http://schemas.microsoft.com/office/drawing/2010/main">
+                    <a:solidFill>
+                      <a:schemeClr val="accent1"/>
+                    </a:solidFill>
+                  </a14:hiddenFill>
+                </a:ext>
+                <a:ext uri="{91240B29-F687-4F45-9708-019B960494DF}">
+                  <a14:hiddenLine xmlns:a14="http://schemas.microsoft.com/office/drawing/2010/main" w="9525">
+                    <a:solidFill>
+                      <a:schemeClr val="tx1"/>
+                    </a:solidFill>
+                    <a:miter lim="800000"/>
+                    <a:headEnd/>
+                    <a:tailEnd/>
+                  </a14:hiddenLine>
+                </a:ext>
+                <a:ext uri="{AF507438-7753-43E0-B8FC-AC1667EBCBE1}">
+                  <a14:hiddenEffects xmlns:a14="http://schemas.microsoft.com/office/drawing/2010/main">
+                    <a:effectLst>
+                      <a:outerShdw dist="35921" dir="2700000" algn="ctr" rotWithShape="0">
+                        <a:schemeClr val="bg2"/>
+                      </a:outerShdw>
+                    </a:effectLst>
+                  </a14:hiddenEffects>
+                </a:ext>
+              </a:extLst>
+            </p:spPr>
+          </p:pic>
+          <p:pic>
+            <p:nvPicPr>
+              <p:cNvPr id="1028" name="Picture 4"/>
+              <p:cNvPicPr>
+                <a:picLocks noChangeAspect="1" noChangeArrowheads="1"/>
+              </p:cNvPicPr>
+              <p:nvPr/>
+            </p:nvPicPr>
+            <p:blipFill>
+              <a:blip r:embed="rId3">
+                <a:extLst>
+                  <a:ext uri="{28A0092B-C50C-407E-A947-70E740481C1C}">
+                    <a14:useLocalDpi xmlns:a14="http://schemas.microsoft.com/office/drawing/2010/main" val="0"/>
+                  </a:ext>
+                </a:extLst>
+              </a:blip>
+              <a:srcRect/>
+              <a:stretch>
+                <a:fillRect/>
+              </a:stretch>
+            </p:blipFill>
+            <p:spPr bwMode="auto">
+              <a:xfrm>
+                <a:off x="7852529" y="2083980"/>
+                <a:ext cx="1286149" cy="2880000"/>
+              </a:xfrm>
+              <a:prstGeom prst="rect">
+                <a:avLst/>
+              </a:prstGeom>
+              <a:noFill/>
+              <a:ln>
+                <a:noFill/>
+              </a:ln>
+              <a:effectLst/>
+              <a:extLst>
+                <a:ext uri="{909E8E84-426E-40DD-AFC4-6F175D3DCCD1}">
+                  <a14:hiddenFill xmlns:a14="http://schemas.microsoft.com/office/drawing/2010/main">
+                    <a:solidFill>
+                      <a:schemeClr val="accent1"/>
+                    </a:solidFill>
+                  </a14:hiddenFill>
+                </a:ext>
+                <a:ext uri="{91240B29-F687-4F45-9708-019B960494DF}">
+                  <a14:hiddenLine xmlns:a14="http://schemas.microsoft.com/office/drawing/2010/main" w="9525">
+                    <a:solidFill>
+                      <a:schemeClr val="tx1"/>
+                    </a:solidFill>
+                    <a:miter lim="800000"/>
+                    <a:headEnd/>
+                    <a:tailEnd/>
+                  </a14:hiddenLine>
+                </a:ext>
+                <a:ext uri="{AF507438-7753-43E0-B8FC-AC1667EBCBE1}">
+                  <a14:hiddenEffects xmlns:a14="http://schemas.microsoft.com/office/drawing/2010/main">
+                    <a:effectLst>
+                      <a:outerShdw dist="35921" dir="2700000" algn="ctr" rotWithShape="0">
+                        <a:schemeClr val="bg2"/>
+                      </a:outerShdw>
+                    </a:effectLst>
+                  </a14:hiddenEffects>
+                </a:ext>
+              </a:extLst>
+            </p:spPr>
+          </p:pic>
+        </p:grpSp>
         <p:pic>
           <p:nvPicPr>
-            <p:cNvPr id="10" name="Picture 3"/>
+            <p:cNvPr id="21" name="Picture 2"/>
             <p:cNvPicPr>
               <a:picLocks noChangeAspect="1" noChangeArrowheads="1"/>
             </p:cNvPicPr>
             <p:nvPr/>
           </p:nvPicPr>
           <p:blipFill rotWithShape="1">
-            <a:blip r:embed="rId2" cstate="print">
+            <a:blip r:embed="rId4" cstate="print">
               <a:extLst>
                 <a:ext uri="{28A0092B-C50C-407E-A947-70E740481C1C}">
                   <a14:useLocalDpi xmlns:a14="http://schemas.microsoft.com/office/drawing/2010/main" val="0"/>
                 </a:ext>
               </a:extLst>
             </a:blip>
-            <a:srcRect r="18190"/>
+            <a:srcRect r="14976"/>
             <a:stretch/>
           </p:blipFill>
           <p:spPr bwMode="auto">
             <a:xfrm>
-              <a:off x="6572022" y="1716365"/>
-              <a:ext cx="5513529" cy="2520000"/>
-            </a:xfrm>
-            <a:prstGeom prst="rect">
-              <a:avLst/>
-            </a:prstGeom>
-            <a:noFill/>
-            <a:ln>
-              <a:noFill/>
-            </a:ln>
-            <a:effectLst/>
-            <a:extLst>
-              <a:ext uri="{909E8E84-426E-40DD-AFC4-6F175D3DCCD1}">
-                <a14:hiddenFill xmlns:a14="http://schemas.microsoft.com/office/drawing/2010/main">
-                  <a:solidFill>
-                    <a:schemeClr val="accent1"/>
-                  </a:solidFill>
-                </a14:hiddenFill>
-              </a:ext>
-              <a:ext uri="{91240B29-F687-4F45-9708-019B960494DF}">
-                <a14:hiddenLine xmlns:a14="http://schemas.microsoft.com/office/drawing/2010/main" w="9525">
-                  <a:solidFill>
-                    <a:schemeClr val="tx1"/>
-                  </a:solidFill>
-                  <a:miter lim="800000"/>
-                  <a:headEnd/>
-                  <a:tailEnd/>
-                </a14:hiddenLine>
-              </a:ext>
-              <a:ext uri="{AF507438-7753-43E0-B8FC-AC1667EBCBE1}">
-                <a14:hiddenEffects xmlns:a14="http://schemas.microsoft.com/office/drawing/2010/main">
-                  <a:effectLst>
-                    <a:outerShdw dist="35921" dir="2700000" algn="ctr" rotWithShape="0">
-                      <a:schemeClr val="bg2"/>
-                    </a:outerShdw>
-                  </a:effectLst>
-                </a14:hiddenEffects>
-              </a:ext>
-            </a:extLst>
-          </p:spPr>
-        </p:pic>
-        <p:pic>
-          <p:nvPicPr>
-            <p:cNvPr id="14" name="Picture 2"/>
-            <p:cNvPicPr>
-              <a:picLocks noChangeAspect="1" noChangeArrowheads="1"/>
-            </p:cNvPicPr>
-            <p:nvPr/>
-          </p:nvPicPr>
-          <p:blipFill>
-            <a:blip r:embed="rId3" cstate="print">
-              <a:extLst>
-                <a:ext uri="{28A0092B-C50C-407E-A947-70E740481C1C}">
-                  <a14:useLocalDpi xmlns:a14="http://schemas.microsoft.com/office/drawing/2010/main" val="0"/>
-                </a:ext>
-              </a:extLst>
-            </a:blip>
-            <a:srcRect/>
-            <a:stretch>
-              <a:fillRect/>
-            </a:stretch>
-          </p:blipFill>
-          <p:spPr bwMode="auto">
-            <a:xfrm>
-              <a:off x="232264" y="1716365"/>
-              <a:ext cx="6277163" cy="2520000"/>
-            </a:xfrm>
-            <a:prstGeom prst="rect">
-              <a:avLst/>
-            </a:prstGeom>
-            <a:noFill/>
-            <a:ln>
-              <a:noFill/>
-            </a:ln>
-            <a:effectLst/>
-            <a:extLst>
-              <a:ext uri="{909E8E84-426E-40DD-AFC4-6F175D3DCCD1}">
-                <a14:hiddenFill xmlns:a14="http://schemas.microsoft.com/office/drawing/2010/main">
-                  <a:solidFill>
-                    <a:schemeClr val="accent1"/>
-                  </a:solidFill>
-                </a14:hiddenFill>
-              </a:ext>
-              <a:ext uri="{91240B29-F687-4F45-9708-019B960494DF}">
-                <a14:hiddenLine xmlns:a14="http://schemas.microsoft.com/office/drawing/2010/main" w="9525">
-                  <a:solidFill>
-                    <a:schemeClr val="tx1"/>
-                  </a:solidFill>
-                  <a:miter lim="800000"/>
-                  <a:headEnd/>
-                  <a:tailEnd/>
-                </a14:hiddenLine>
-              </a:ext>
-              <a:ext uri="{AF507438-7753-43E0-B8FC-AC1667EBCBE1}">
-                <a14:hiddenEffects xmlns:a14="http://schemas.microsoft.com/office/drawing/2010/main">
-                  <a:effectLst>
-                    <a:outerShdw dist="35921" dir="2700000" algn="ctr" rotWithShape="0">
-                      <a:schemeClr val="bg2"/>
-                    </a:outerShdw>
-                  </a:effectLst>
-                </a14:hiddenEffects>
-              </a:ext>
-            </a:extLst>
-          </p:spPr>
-        </p:pic>
-      </p:grpSp>
-      <p:grpSp>
-        <p:nvGrpSpPr>
-          <p:cNvPr id="11" name="그룹 10"/>
-          <p:cNvGrpSpPr/>
-          <p:nvPr/>
-        </p:nvGrpSpPr>
-        <p:grpSpPr>
-          <a:xfrm>
-            <a:off x="172813" y="3674170"/>
-            <a:ext cx="11849831" cy="2880000"/>
-            <a:chOff x="232264" y="1425892"/>
-            <a:chExt cx="11849831" cy="2880000"/>
-          </a:xfrm>
-        </p:grpSpPr>
-        <p:pic>
-          <p:nvPicPr>
-            <p:cNvPr id="13" name="Picture 3"/>
-            <p:cNvPicPr>
-              <a:picLocks noChangeAspect="1" noChangeArrowheads="1"/>
-            </p:cNvPicPr>
-            <p:nvPr/>
-          </p:nvPicPr>
-          <p:blipFill>
-            <a:blip r:embed="rId4">
-              <a:extLst>
-                <a:ext uri="{28A0092B-C50C-407E-A947-70E740481C1C}">
-                  <a14:useLocalDpi xmlns:a14="http://schemas.microsoft.com/office/drawing/2010/main" val="0"/>
-                </a:ext>
-              </a:extLst>
-            </a:blip>
-            <a:srcRect/>
-            <a:stretch>
-              <a:fillRect/>
-            </a:stretch>
-          </p:blipFill>
-          <p:spPr bwMode="auto">
-            <a:xfrm>
-              <a:off x="7132319" y="1425892"/>
-              <a:ext cx="4949776" cy="2880000"/>
-            </a:xfrm>
-            <a:prstGeom prst="rect">
-              <a:avLst/>
-            </a:prstGeom>
-            <a:noFill/>
-            <a:ln>
-              <a:noFill/>
-            </a:ln>
-            <a:effectLst/>
-            <a:extLst>
-              <a:ext uri="{909E8E84-426E-40DD-AFC4-6F175D3DCCD1}">
-                <a14:hiddenFill xmlns:a14="http://schemas.microsoft.com/office/drawing/2010/main">
-                  <a:solidFill>
-                    <a:schemeClr val="accent1"/>
-                  </a:solidFill>
-                </a14:hiddenFill>
-              </a:ext>
-              <a:ext uri="{91240B29-F687-4F45-9708-019B960494DF}">
-                <a14:hiddenLine xmlns:a14="http://schemas.microsoft.com/office/drawing/2010/main" w="9525">
-                  <a:solidFill>
-                    <a:schemeClr val="tx1"/>
-                  </a:solidFill>
-                  <a:miter lim="800000"/>
-                  <a:headEnd/>
-                  <a:tailEnd/>
-                </a14:hiddenLine>
-              </a:ext>
-              <a:ext uri="{AF507438-7753-43E0-B8FC-AC1667EBCBE1}">
-                <a14:hiddenEffects xmlns:a14="http://schemas.microsoft.com/office/drawing/2010/main">
-                  <a:effectLst>
-                    <a:outerShdw dist="35921" dir="2700000" algn="ctr" rotWithShape="0">
-                      <a:schemeClr val="bg2"/>
-                    </a:outerShdw>
-                  </a:effectLst>
-                </a14:hiddenEffects>
-              </a:ext>
-            </a:extLst>
-          </p:spPr>
-        </p:pic>
-        <p:pic>
-          <p:nvPicPr>
-            <p:cNvPr id="16" name="Picture 2"/>
-            <p:cNvPicPr>
-              <a:picLocks noChangeAspect="1" noChangeArrowheads="1"/>
-            </p:cNvPicPr>
-            <p:nvPr/>
-          </p:nvPicPr>
-          <p:blipFill>
-            <a:blip r:embed="rId5">
-              <a:extLst>
-                <a:ext uri="{28A0092B-C50C-407E-A947-70E740481C1C}">
-                  <a14:useLocalDpi xmlns:a14="http://schemas.microsoft.com/office/drawing/2010/main" val="0"/>
-                </a:ext>
-              </a:extLst>
-            </a:blip>
-            <a:srcRect/>
-            <a:stretch>
-              <a:fillRect/>
-            </a:stretch>
-          </p:blipFill>
-          <p:spPr bwMode="auto">
-            <a:xfrm>
-              <a:off x="232264" y="1425892"/>
-              <a:ext cx="6848513" cy="2880000"/>
+              <a:off x="1044659" y="2083980"/>
+              <a:ext cx="6099558" cy="2880000"/>
             </a:xfrm>
             <a:prstGeom prst="rect">
               <a:avLst/>
@@ -7988,7 +8165,7 @@
     </p:spTree>
     <p:extLst>
       <p:ext uri="{BB962C8B-B14F-4D97-AF65-F5344CB8AC3E}">
-        <p14:creationId xmlns:p14="http://schemas.microsoft.com/office/powerpoint/2010/main" val="1226533727"/>
+        <p14:creationId xmlns:p14="http://schemas.microsoft.com/office/powerpoint/2010/main" val="334730525"/>
       </p:ext>
     </p:extLst>
   </p:cSld>
@@ -9234,7 +9411,7 @@
   <a:extraClrSchemeLst/>
   <a:extLst>
     <a:ext uri="{05A4C25C-085E-4340-85A3-A5531E510DB2}">
-      <thm15:themeFamily xmlns:thm15="http://schemas.microsoft.com/office/thememl/2012/main" xmlns="" name="Office Theme" id="{62F939B6-93AF-4DB8-9C6B-D6C7DFDC589F}" vid="{4A3C46E8-61CC-4603-A589-7422A47A8E4A}"/>
+      <thm15:themeFamily xmlns="" xmlns:thm15="http://schemas.microsoft.com/office/thememl/2012/main" name="Office Theme" id="{62F939B6-93AF-4DB8-9C6B-D6C7DFDC589F}" vid="{4A3C46E8-61CC-4603-A589-7422A47A8E4A}"/>
     </a:ext>
   </a:extLst>
 </a:theme>
